--- a/presentation.pptx
+++ b/presentation.pptx
@@ -5253,13 +5253,13 @@
   <p:clrMapOvr>
     <a:masterClrMapping/>
   </p:clrMapOvr>
-  <mc:AlternateContent xmlns:mc="http://schemas.openxmlformats.org/markup-compatibility/2006">
-    <mc:Choice xmlns:p159="http://schemas.microsoft.com/office/powerpoint/2015/09/main" Requires="p159">
+  <mc:AlternateContent xmlns:mc="http://schemas.openxmlformats.org/markup-compatibility/2006" xmlns:p159="http://schemas.microsoft.com/office/powerpoint/2015/09/main">
+    <mc:Choice Requires="p159">
       <p:transition xmlns:p14="http://schemas.microsoft.com/office/powerpoint/2010/main" spd="slow" p14:dur="2000" advClick="0" advTm="1000">
         <p159:morph option="byObject"/>
       </p:transition>
     </mc:Choice>
-    <mc:Fallback>
+    <mc:Fallback xmlns="">
       <p:transition spd="slow" advClick="0" advTm="1000">
         <p:fade/>
       </p:transition>
@@ -5716,13 +5716,13 @@
   <p:clrMapOvr>
     <a:masterClrMapping/>
   </p:clrMapOvr>
-  <mc:AlternateContent xmlns:mc="http://schemas.openxmlformats.org/markup-compatibility/2006">
-    <mc:Choice xmlns:p14="http://schemas.microsoft.com/office/powerpoint/2010/main" Requires="p14">
+  <mc:AlternateContent xmlns:mc="http://schemas.openxmlformats.org/markup-compatibility/2006" xmlns:p14="http://schemas.microsoft.com/office/powerpoint/2010/main">
+    <mc:Choice Requires="p14">
       <p:transition spd="med" p14:dur="700">
         <p:fade/>
       </p:transition>
     </mc:Choice>
-    <mc:Fallback>
+    <mc:Fallback xmlns="">
       <p:transition spd="med">
         <p:fade/>
       </p:transition>
@@ -6209,13 +6209,13 @@
   <p:clrMapOvr>
     <a:masterClrMapping/>
   </p:clrMapOvr>
-  <mc:AlternateContent xmlns:mc="http://schemas.openxmlformats.org/markup-compatibility/2006">
-    <mc:Choice xmlns:p14="http://schemas.microsoft.com/office/powerpoint/2010/main" Requires="p14">
+  <mc:AlternateContent xmlns:mc="http://schemas.openxmlformats.org/markup-compatibility/2006" xmlns:p14="http://schemas.microsoft.com/office/powerpoint/2010/main">
+    <mc:Choice Requires="p14">
       <p:transition spd="med" p14:dur="700" advClick="0" advTm="1000">
         <p:fade/>
       </p:transition>
     </mc:Choice>
-    <mc:Fallback>
+    <mc:Fallback xmlns="">
       <p:transition spd="med" advClick="0" advTm="1000">
         <p:fade/>
       </p:transition>
@@ -7451,13 +7451,13 @@
   <p:clrMapOvr>
     <a:masterClrMapping/>
   </p:clrMapOvr>
-  <mc:AlternateContent xmlns:mc="http://schemas.openxmlformats.org/markup-compatibility/2006">
-    <mc:Choice xmlns:p14="http://schemas.microsoft.com/office/powerpoint/2010/main" Requires="p14">
+  <mc:AlternateContent xmlns:mc="http://schemas.openxmlformats.org/markup-compatibility/2006" xmlns:p14="http://schemas.microsoft.com/office/powerpoint/2010/main">
+    <mc:Choice Requires="p14">
       <p:transition spd="med" p14:dur="700" advTm="5000">
         <p:fade/>
       </p:transition>
     </mc:Choice>
-    <mc:Fallback>
+    <mc:Fallback xmlns="">
       <p:transition spd="med" advTm="5000">
         <p:fade/>
       </p:transition>
@@ -7881,6 +7881,12 @@
               </a:rPr>
               <a:t>ICT Policy, 2072</a:t>
             </a:r>
+          </a:p>
+          <a:p>
+            <a:pPr marL="342900" indent="-342900">
+              <a:buFont typeface="+mj-lt"/>
+              <a:buAutoNum type="arabicPeriod"/>
+            </a:pPr>
             <a:endParaRPr lang="en-GB" b="1" dirty="0">
               <a:ln w="9525">
                 <a:solidFill>
@@ -7917,13 +7923,13 @@
   <p:clrMapOvr>
     <a:masterClrMapping/>
   </p:clrMapOvr>
-  <mc:AlternateContent xmlns:mc="http://schemas.openxmlformats.org/markup-compatibility/2006">
-    <mc:Choice xmlns:p14="http://schemas.microsoft.com/office/powerpoint/2010/main" Requires="p14">
+  <mc:AlternateContent xmlns:mc="http://schemas.openxmlformats.org/markup-compatibility/2006" xmlns:p14="http://schemas.microsoft.com/office/powerpoint/2010/main">
+    <mc:Choice Requires="p14">
       <p:transition spd="med" p14:dur="700" advTm="4000">
         <p:fade/>
       </p:transition>
     </mc:Choice>
-    <mc:Fallback>
+    <mc:Fallback xmlns="">
       <p:transition spd="med" advTm="4000">
         <p:fade/>
       </p:transition>
@@ -8400,15 +8406,264 @@
         </p:nvSpPr>
         <p:spPr>
           <a:xfrm>
-            <a:off x="1223504" y="1600200"/>
-            <a:ext cx="9741816" cy="4572000"/>
+            <a:off x="1223504" y="1143001"/>
+            <a:ext cx="9741816" cy="5333998"/>
           </a:xfrm>
         </p:spPr>
         <p:txBody>
           <a:bodyPr>
-            <a:normAutofit/>
+            <a:normAutofit fontScale="55000" lnSpcReduction="20000"/>
           </a:bodyPr>
           <a:lstStyle/>
+          <a:p>
+            <a:r>
+              <a:rPr lang="en-US" sz="2300" dirty="0"/>
+              <a:t> </a:t>
+            </a:r>
+          </a:p>
+          <a:p>
+            <a:r>
+              <a:rPr lang="en-US" sz="2300" cap="none" dirty="0">
+                <a:solidFill>
+                  <a:schemeClr val="tx2"/>
+                </a:solidFill>
+                <a:latin typeface="+mj-lt"/>
+              </a:rPr>
+              <a:t>                                            </a:t>
+            </a:r>
+            <a:r>
+              <a:rPr lang="en-US" sz="2500" b="1" u="sng" dirty="0"/>
+              <a:t>Patents</a:t>
+            </a:r>
+            <a:r>
+              <a:rPr lang="en-US" sz="2500" dirty="0"/>
+              <a:t> </a:t>
+            </a:r>
+          </a:p>
+          <a:p>
+            <a:endParaRPr lang="en-US" sz="2700" cap="none" dirty="0"/>
+          </a:p>
+          <a:p>
+            <a:r>
+              <a:rPr lang="en-US" sz="2700" cap="none" dirty="0"/>
+              <a:t>1.  Acquisition of patent rights</a:t>
+            </a:r>
+          </a:p>
+          <a:p>
+            <a:r>
+              <a:rPr lang="en-US" sz="2700" cap="none" dirty="0"/>
+              <a:t>2.  Application for acquiring right over patent</a:t>
+            </a:r>
+          </a:p>
+          <a:p>
+            <a:r>
+              <a:rPr lang="en-US" sz="2700" cap="none" dirty="0"/>
+              <a:t>3.  Investigation by department</a:t>
+            </a:r>
+          </a:p>
+          <a:p>
+            <a:r>
+              <a:rPr lang="en-US" sz="2700" cap="none" dirty="0"/>
+              <a:t>4.  Circumstances in which patents cannot be registered </a:t>
+            </a:r>
+          </a:p>
+          <a:p>
+            <a:r>
+              <a:rPr lang="en-US" sz="2700" cap="none" dirty="0"/>
+              <a:t>5.  Registration of patent</a:t>
+            </a:r>
+          </a:p>
+          <a:p>
+            <a:r>
+              <a:rPr lang="en-US" sz="2700" cap="none" dirty="0"/>
+              <a:t>6.  Registered patents to be published</a:t>
+            </a:r>
+          </a:p>
+          <a:p>
+            <a:r>
+              <a:rPr lang="en-US" sz="2700" cap="none" dirty="0"/>
+              <a:t>7.  Term of patent</a:t>
+            </a:r>
+          </a:p>
+          <a:p>
+            <a:r>
+              <a:rPr lang="en-US" sz="2700" cap="none" dirty="0"/>
+              <a:t>8.  Submission of design or model of patent to government archives</a:t>
+            </a:r>
+          </a:p>
+          <a:p>
+            <a:r>
+              <a:rPr lang="en-US" sz="2700" cap="none" dirty="0"/>
+              <a:t>9.  Penalty for violation of section 3</a:t>
+            </a:r>
+          </a:p>
+          <a:p>
+            <a:endParaRPr lang="en-US" sz="2700" dirty="0"/>
+          </a:p>
+          <a:p>
+            <a:r>
+              <a:rPr lang="en-US" sz="2700" b="1" dirty="0"/>
+              <a:t>                                           </a:t>
+            </a:r>
+            <a:r>
+              <a:rPr lang="en-US" sz="2700" b="1" u="sng" dirty="0"/>
+              <a:t>Designs</a:t>
+            </a:r>
+          </a:p>
+          <a:p>
+            <a:endParaRPr lang="en-US" sz="2700" cap="none" dirty="0"/>
+          </a:p>
+          <a:p>
+            <a:r>
+              <a:rPr lang="en-US" sz="2700" cap="none" dirty="0"/>
+              <a:t>1.  Acquisition of title to design</a:t>
+            </a:r>
+          </a:p>
+          <a:p>
+            <a:r>
+              <a:rPr lang="en-US" sz="2700" cap="none" dirty="0"/>
+              <a:t>2.  Application for registration of design</a:t>
+            </a:r>
+          </a:p>
+          <a:p>
+            <a:r>
+              <a:rPr lang="en-US" sz="2700" cap="none" dirty="0"/>
+              <a:t>3.  Registration of design</a:t>
+            </a:r>
+          </a:p>
+          <a:p>
+            <a:r>
+              <a:rPr lang="en-US" sz="2700" cap="none" dirty="0"/>
+              <a:t>4.  Term of design</a:t>
+            </a:r>
+          </a:p>
+          <a:p>
+            <a:r>
+              <a:rPr lang="en-US" sz="2700" cap="none" dirty="0"/>
+              <a:t>5.  Punishment for contravention of section 12</a:t>
+            </a:r>
+          </a:p>
+          <a:p>
+            <a:endParaRPr lang="en-US" sz="2700" dirty="0"/>
+          </a:p>
+          <a:p>
+            <a:r>
+              <a:rPr lang="en-US" sz="2700" dirty="0"/>
+              <a:t>                                      </a:t>
+            </a:r>
+            <a:r>
+              <a:rPr lang="en-US" sz="2700" b="1" u="sng" dirty="0"/>
+              <a:t>Trade-Marks</a:t>
+            </a:r>
+          </a:p>
+          <a:p>
+            <a:endParaRPr lang="en-US" sz="2700" cap="none" dirty="0"/>
+          </a:p>
+          <a:p>
+            <a:pPr marL="457200" indent="-457200">
+              <a:buFont typeface="+mj-lt"/>
+              <a:buAutoNum type="arabicPeriod"/>
+            </a:pPr>
+            <a:r>
+              <a:rPr lang="en-US" sz="2700" cap="none" dirty="0"/>
+              <a:t>Acquisition of title to trade marks</a:t>
+            </a:r>
+          </a:p>
+          <a:p>
+            <a:pPr marL="457200" indent="-457200">
+              <a:buFont typeface="+mj-lt"/>
+              <a:buAutoNum type="arabicPeriod"/>
+            </a:pPr>
+            <a:r>
+              <a:rPr lang="en-US" sz="2700" cap="none" dirty="0"/>
+              <a:t>Application for registration of trademark</a:t>
+            </a:r>
+          </a:p>
+          <a:p>
+            <a:pPr marL="457200" indent="-457200">
+              <a:buFont typeface="+mj-lt"/>
+              <a:buAutoNum type="arabicPeriod"/>
+            </a:pPr>
+            <a:r>
+              <a:rPr lang="en-US" sz="2700" cap="none" dirty="0"/>
+              <a:t>Registration of trademark</a:t>
+            </a:r>
+          </a:p>
+          <a:p>
+            <a:pPr marL="457200" indent="-457200">
+              <a:buFont typeface="+mj-lt"/>
+              <a:buAutoNum type="arabicPeriod"/>
+            </a:pPr>
+            <a:r>
+              <a:rPr lang="en-US" sz="2700" cap="none" dirty="0"/>
+              <a:t>Classification of goods and services for trade-mark registration</a:t>
+            </a:r>
+          </a:p>
+          <a:p>
+            <a:pPr marL="457200" indent="-457200">
+              <a:buFont typeface="+mj-lt"/>
+              <a:buAutoNum type="arabicPeriod"/>
+            </a:pPr>
+            <a:r>
+              <a:rPr lang="en-US" sz="2700" cap="none" dirty="0"/>
+              <a:t>Prohibition to use trade-marks</a:t>
+            </a:r>
+          </a:p>
+          <a:p>
+            <a:pPr marL="457200" indent="-457200">
+              <a:buFont typeface="+mj-lt"/>
+              <a:buAutoNum type="arabicPeriod"/>
+            </a:pPr>
+            <a:r>
+              <a:rPr lang="en-US" sz="2700" cap="none" dirty="0"/>
+              <a:t>Time limit for use of trade-marks </a:t>
+            </a:r>
+          </a:p>
+          <a:p>
+            <a:pPr marL="457200" indent="-457200">
+              <a:buFont typeface="+mj-lt"/>
+              <a:buAutoNum type="arabicPeriod"/>
+            </a:pPr>
+            <a:r>
+              <a:rPr lang="en-US" sz="2700" cap="none" dirty="0"/>
+              <a:t>Term of trade-marks</a:t>
+            </a:r>
+          </a:p>
+          <a:p>
+            <a:pPr marL="457200" indent="-457200">
+              <a:buFont typeface="+mj-lt"/>
+              <a:buAutoNum type="arabicPeriod"/>
+            </a:pPr>
+            <a:r>
+              <a:rPr lang="en-US" sz="2700" cap="none" dirty="0"/>
+              <a:t>Punishment for illegal use of trade-marks</a:t>
+            </a:r>
+          </a:p>
+          <a:p>
+            <a:pPr marL="342900" indent="-342900">
+              <a:buAutoNum type="arabicPeriod"/>
+            </a:pPr>
+            <a:endParaRPr lang="en-US" sz="1800" dirty="0"/>
+          </a:p>
+          <a:p>
+            <a:endParaRPr lang="en-US" sz="1800" dirty="0"/>
+          </a:p>
+          <a:p>
+            <a:endParaRPr lang="en-US" sz="1800" cap="none" dirty="0">
+              <a:solidFill>
+                <a:schemeClr val="tx2"/>
+              </a:solidFill>
+              <a:latin typeface="+mj-lt"/>
+            </a:endParaRPr>
+          </a:p>
+          <a:p>
+            <a:endParaRPr lang="en-US" sz="1800" cap="none" dirty="0">
+              <a:solidFill>
+                <a:schemeClr val="tx2"/>
+              </a:solidFill>
+              <a:latin typeface="+mj-lt"/>
+            </a:endParaRPr>
+          </a:p>
           <a:p>
             <a:endParaRPr lang="en-US" sz="1800" cap="none" dirty="0">
               <a:solidFill>
@@ -8429,18 +8684,318 @@
   <p:clrMapOvr>
     <a:masterClrMapping/>
   </p:clrMapOvr>
-  <mc:AlternateContent xmlns:mc="http://schemas.openxmlformats.org/markup-compatibility/2006">
-    <mc:Choice xmlns:p14="http://schemas.microsoft.com/office/powerpoint/2010/main" Requires="p14">
+  <mc:AlternateContent xmlns:mc="http://schemas.openxmlformats.org/markup-compatibility/2006" xmlns:p14="http://schemas.microsoft.com/office/powerpoint/2010/main">
+    <mc:Choice Requires="p14">
       <p:transition spd="med" p14:dur="700">
         <p:fade/>
       </p:transition>
     </mc:Choice>
-    <mc:Fallback>
+    <mc:Fallback xmlns="">
       <p:transition spd="med">
         <p:fade/>
       </p:transition>
     </mc:Fallback>
   </mc:AlternateContent>
+  <p:timing>
+    <p:tnLst>
+      <p:par>
+        <p:cTn id="1" dur="indefinite" restart="never" nodeType="tmRoot">
+          <p:childTnLst>
+            <p:seq concurrent="1" nextAc="seek">
+              <p:cTn id="2" dur="indefinite" nodeType="mainSeq">
+                <p:childTnLst>
+                  <p:par>
+                    <p:cTn id="3" fill="hold">
+                      <p:stCondLst>
+                        <p:cond delay="indefinite"/>
+                        <p:cond evt="onBegin" delay="0">
+                          <p:tn val="2"/>
+                        </p:cond>
+                      </p:stCondLst>
+                      <p:childTnLst>
+                        <p:par>
+                          <p:cTn id="4" fill="hold">
+                            <p:stCondLst>
+                              <p:cond delay="0"/>
+                            </p:stCondLst>
+                            <p:childTnLst>
+                              <p:par>
+                                <p:cTn id="5" presetID="42" presetClass="entr" presetSubtype="0" fill="hold" grpId="0" nodeType="afterEffect">
+                                  <p:stCondLst>
+                                    <p:cond delay="0"/>
+                                  </p:stCondLst>
+                                  <p:childTnLst>
+                                    <p:set>
+                                      <p:cBhvr>
+                                        <p:cTn id="6" dur="1" fill="hold">
+                                          <p:stCondLst>
+                                            <p:cond delay="0"/>
+                                          </p:stCondLst>
+                                        </p:cTn>
+                                        <p:tgtEl>
+                                          <p:spTgt spid="4"/>
+                                        </p:tgtEl>
+                                        <p:attrNameLst>
+                                          <p:attrName>style.visibility</p:attrName>
+                                        </p:attrNameLst>
+                                      </p:cBhvr>
+                                      <p:to>
+                                        <p:strVal val="visible"/>
+                                      </p:to>
+                                    </p:set>
+                                    <p:animEffect transition="in" filter="fade">
+                                      <p:cBhvr>
+                                        <p:cTn id="7" dur="1000"/>
+                                        <p:tgtEl>
+                                          <p:spTgt spid="4"/>
+                                        </p:tgtEl>
+                                      </p:cBhvr>
+                                    </p:animEffect>
+                                    <p:anim calcmode="lin" valueType="num">
+                                      <p:cBhvr>
+                                        <p:cTn id="8" dur="1000" fill="hold"/>
+                                        <p:tgtEl>
+                                          <p:spTgt spid="4"/>
+                                        </p:tgtEl>
+                                        <p:attrNameLst>
+                                          <p:attrName>ppt_x</p:attrName>
+                                        </p:attrNameLst>
+                                      </p:cBhvr>
+                                      <p:tavLst>
+                                        <p:tav tm="0">
+                                          <p:val>
+                                            <p:strVal val="#ppt_x"/>
+                                          </p:val>
+                                        </p:tav>
+                                        <p:tav tm="100000">
+                                          <p:val>
+                                            <p:strVal val="#ppt_x"/>
+                                          </p:val>
+                                        </p:tav>
+                                      </p:tavLst>
+                                    </p:anim>
+                                    <p:anim calcmode="lin" valueType="num">
+                                      <p:cBhvr>
+                                        <p:cTn id="9" dur="1000" fill="hold"/>
+                                        <p:tgtEl>
+                                          <p:spTgt spid="4"/>
+                                        </p:tgtEl>
+                                        <p:attrNameLst>
+                                          <p:attrName>ppt_y</p:attrName>
+                                        </p:attrNameLst>
+                                      </p:cBhvr>
+                                      <p:tavLst>
+                                        <p:tav tm="0">
+                                          <p:val>
+                                            <p:strVal val="#ppt_y+.1"/>
+                                          </p:val>
+                                        </p:tav>
+                                        <p:tav tm="100000">
+                                          <p:val>
+                                            <p:strVal val="#ppt_y"/>
+                                          </p:val>
+                                        </p:tav>
+                                      </p:tavLst>
+                                    </p:anim>
+                                  </p:childTnLst>
+                                </p:cTn>
+                              </p:par>
+                            </p:childTnLst>
+                          </p:cTn>
+                        </p:par>
+                        <p:par>
+                          <p:cTn id="10" fill="hold">
+                            <p:stCondLst>
+                              <p:cond delay="1000"/>
+                            </p:stCondLst>
+                            <p:childTnLst>
+                              <p:par>
+                                <p:cTn id="11" presetID="10" presetClass="entr" presetSubtype="0" fill="hold" nodeType="afterEffect">
+                                  <p:stCondLst>
+                                    <p:cond delay="0"/>
+                                  </p:stCondLst>
+                                  <p:childTnLst>
+                                    <p:set>
+                                      <p:cBhvr>
+                                        <p:cTn id="12" dur="1" fill="hold">
+                                          <p:stCondLst>
+                                            <p:cond delay="0"/>
+                                          </p:stCondLst>
+                                        </p:cTn>
+                                        <p:tgtEl>
+                                          <p:spTgt spid="5">
+                                            <p:txEl>
+                                              <p:pRg st="1" end="1"/>
+                                            </p:txEl>
+                                          </p:spTgt>
+                                        </p:tgtEl>
+                                        <p:attrNameLst>
+                                          <p:attrName>style.visibility</p:attrName>
+                                        </p:attrNameLst>
+                                      </p:cBhvr>
+                                      <p:to>
+                                        <p:strVal val="visible"/>
+                                      </p:to>
+                                    </p:set>
+                                    <p:animEffect transition="in" filter="fade">
+                                      <p:cBhvr>
+                                        <p:cTn id="13" dur="500"/>
+                                        <p:tgtEl>
+                                          <p:spTgt spid="5">
+                                            <p:txEl>
+                                              <p:pRg st="1" end="1"/>
+                                            </p:txEl>
+                                          </p:spTgt>
+                                        </p:tgtEl>
+                                      </p:cBhvr>
+                                    </p:animEffect>
+                                  </p:childTnLst>
+                                </p:cTn>
+                              </p:par>
+                            </p:childTnLst>
+                          </p:cTn>
+                        </p:par>
+                        <p:par>
+                          <p:cTn id="14" fill="hold">
+                            <p:stCondLst>
+                              <p:cond delay="1500"/>
+                            </p:stCondLst>
+                            <p:childTnLst>
+                              <p:par>
+                                <p:cTn id="15" presetID="10" presetClass="entr" presetSubtype="0" fill="hold" nodeType="afterEffect">
+                                  <p:stCondLst>
+                                    <p:cond delay="0"/>
+                                  </p:stCondLst>
+                                  <p:childTnLst>
+                                    <p:set>
+                                      <p:cBhvr>
+                                        <p:cTn id="16" dur="1" fill="hold">
+                                          <p:stCondLst>
+                                            <p:cond delay="0"/>
+                                          </p:stCondLst>
+                                        </p:cTn>
+                                        <p:tgtEl>
+                                          <p:spTgt spid="5">
+                                            <p:txEl>
+                                              <p:pRg st="13" end="13"/>
+                                            </p:txEl>
+                                          </p:spTgt>
+                                        </p:tgtEl>
+                                        <p:attrNameLst>
+                                          <p:attrName>style.visibility</p:attrName>
+                                        </p:attrNameLst>
+                                      </p:cBhvr>
+                                      <p:to>
+                                        <p:strVal val="visible"/>
+                                      </p:to>
+                                    </p:set>
+                                    <p:animEffect transition="in" filter="fade">
+                                      <p:cBhvr>
+                                        <p:cTn id="17" dur="500"/>
+                                        <p:tgtEl>
+                                          <p:spTgt spid="5">
+                                            <p:txEl>
+                                              <p:pRg st="13" end="13"/>
+                                            </p:txEl>
+                                          </p:spTgt>
+                                        </p:tgtEl>
+                                      </p:cBhvr>
+                                    </p:animEffect>
+                                  </p:childTnLst>
+                                </p:cTn>
+                              </p:par>
+                            </p:childTnLst>
+                          </p:cTn>
+                        </p:par>
+                      </p:childTnLst>
+                    </p:cTn>
+                  </p:par>
+                  <p:par>
+                    <p:cTn id="18" fill="hold">
+                      <p:stCondLst>
+                        <p:cond delay="indefinite"/>
+                      </p:stCondLst>
+                      <p:childTnLst>
+                        <p:par>
+                          <p:cTn id="19" fill="hold">
+                            <p:stCondLst>
+                              <p:cond delay="0"/>
+                            </p:stCondLst>
+                            <p:childTnLst>
+                              <p:par>
+                                <p:cTn id="20" presetID="10" presetClass="entr" presetSubtype="0" fill="hold" nodeType="clickEffect">
+                                  <p:stCondLst>
+                                    <p:cond delay="0"/>
+                                  </p:stCondLst>
+                                  <p:childTnLst>
+                                    <p:set>
+                                      <p:cBhvr>
+                                        <p:cTn id="21" dur="1" fill="hold">
+                                          <p:stCondLst>
+                                            <p:cond delay="0"/>
+                                          </p:stCondLst>
+                                        </p:cTn>
+                                        <p:tgtEl>
+                                          <p:spTgt spid="5">
+                                            <p:txEl>
+                                              <p:pRg st="21" end="21"/>
+                                            </p:txEl>
+                                          </p:spTgt>
+                                        </p:tgtEl>
+                                        <p:attrNameLst>
+                                          <p:attrName>style.visibility</p:attrName>
+                                        </p:attrNameLst>
+                                      </p:cBhvr>
+                                      <p:to>
+                                        <p:strVal val="visible"/>
+                                      </p:to>
+                                    </p:set>
+                                    <p:animEffect transition="in" filter="fade">
+                                      <p:cBhvr>
+                                        <p:cTn id="22" dur="500"/>
+                                        <p:tgtEl>
+                                          <p:spTgt spid="5">
+                                            <p:txEl>
+                                              <p:pRg st="21" end="21"/>
+                                            </p:txEl>
+                                          </p:spTgt>
+                                        </p:tgtEl>
+                                      </p:cBhvr>
+                                    </p:animEffect>
+                                  </p:childTnLst>
+                                </p:cTn>
+                              </p:par>
+                            </p:childTnLst>
+                          </p:cTn>
+                        </p:par>
+                      </p:childTnLst>
+                    </p:cTn>
+                  </p:par>
+                </p:childTnLst>
+              </p:cTn>
+              <p:prevCondLst>
+                <p:cond evt="onPrev" delay="0">
+                  <p:tgtEl>
+                    <p:sldTgt/>
+                  </p:tgtEl>
+                </p:cond>
+              </p:prevCondLst>
+              <p:nextCondLst>
+                <p:cond evt="onNext" delay="0">
+                  <p:tgtEl>
+                    <p:sldTgt/>
+                  </p:tgtEl>
+                </p:cond>
+              </p:nextCondLst>
+            </p:seq>
+          </p:childTnLst>
+        </p:cTn>
+      </p:par>
+    </p:tnLst>
+    <p:bldLst>
+      <p:bldP spid="4" grpId="0"/>
+    </p:bldLst>
+  </p:timing>
 </p:sld>
 </file>
 
@@ -8546,13 +9101,13 @@
   <p:clrMapOvr>
     <a:masterClrMapping/>
   </p:clrMapOvr>
-  <mc:AlternateContent xmlns:mc="http://schemas.openxmlformats.org/markup-compatibility/2006">
-    <mc:Choice xmlns:p14="http://schemas.microsoft.com/office/powerpoint/2010/main" Requires="p14">
+  <mc:AlternateContent xmlns:mc="http://schemas.openxmlformats.org/markup-compatibility/2006" xmlns:p14="http://schemas.microsoft.com/office/powerpoint/2010/main">
+    <mc:Choice Requires="p14">
       <p:transition spd="med" p14:dur="700">
         <p:fade/>
       </p:transition>
     </mc:Choice>
-    <mc:Fallback>
+    <mc:Fallback xmlns="">
       <p:transition spd="med">
         <p:fade/>
       </p:transition>
@@ -8663,13 +9218,13 @@
   <p:clrMapOvr>
     <a:masterClrMapping/>
   </p:clrMapOvr>
-  <mc:AlternateContent xmlns:mc="http://schemas.openxmlformats.org/markup-compatibility/2006">
-    <mc:Choice xmlns:p14="http://schemas.microsoft.com/office/powerpoint/2010/main" Requires="p14">
+  <mc:AlternateContent xmlns:mc="http://schemas.openxmlformats.org/markup-compatibility/2006" xmlns:p14="http://schemas.microsoft.com/office/powerpoint/2010/main">
+    <mc:Choice Requires="p14">
       <p:transition spd="med" p14:dur="700">
         <p:fade/>
       </p:transition>
     </mc:Choice>
-    <mc:Fallback>
+    <mc:Fallback xmlns="">
       <p:transition spd="med">
         <p:fade/>
       </p:transition>
@@ -8780,13 +9335,13 @@
   <p:clrMapOvr>
     <a:masterClrMapping/>
   </p:clrMapOvr>
-  <mc:AlternateContent xmlns:mc="http://schemas.openxmlformats.org/markup-compatibility/2006">
-    <mc:Choice xmlns:p14="http://schemas.microsoft.com/office/powerpoint/2010/main" Requires="p14">
+  <mc:AlternateContent xmlns:mc="http://schemas.openxmlformats.org/markup-compatibility/2006" xmlns:p14="http://schemas.microsoft.com/office/powerpoint/2010/main">
+    <mc:Choice Requires="p14">
       <p:transition spd="med" p14:dur="700">
         <p:fade/>
       </p:transition>
     </mc:Choice>
-    <mc:Fallback>
+    <mc:Fallback xmlns="">
       <p:transition spd="med">
         <p:fade/>
       </p:transition>
@@ -8897,13 +9452,13 @@
   <p:clrMapOvr>
     <a:masterClrMapping/>
   </p:clrMapOvr>
-  <mc:AlternateContent xmlns:mc="http://schemas.openxmlformats.org/markup-compatibility/2006">
-    <mc:Choice xmlns:p14="http://schemas.microsoft.com/office/powerpoint/2010/main" Requires="p14">
+  <mc:AlternateContent xmlns:mc="http://schemas.openxmlformats.org/markup-compatibility/2006" xmlns:p14="http://schemas.microsoft.com/office/powerpoint/2010/main">
+    <mc:Choice Requires="p14">
       <p:transition spd="med" p14:dur="700">
         <p:fade/>
       </p:transition>
     </mc:Choice>
-    <mc:Fallback>
+    <mc:Fallback xmlns="">
       <p:transition spd="med">
         <p:fade/>
       </p:transition>
@@ -10903,15 +11458,6 @@
 </file>
 
 <file path=customXml/item2.xml><?xml version="1.0" encoding="utf-8"?>
-<?mso-contentType ?>
-<FormTemplates xmlns="http://schemas.microsoft.com/sharepoint/v3/contenttype/forms">
-  <Display>DocumentLibraryForm</Display>
-  <Edit>AssetEditForm</Edit>
-  <New>DocumentLibraryForm</New>
-</FormTemplates>
-</file>
-
-<file path=customXml/item3.xml><?xml version="1.0" encoding="utf-8"?>
 <p:properties xmlns:p="http://schemas.microsoft.com/office/2006/metadata/properties" xmlns:xsi="http://www.w3.org/2001/XMLSchema-instance" xmlns:pc="http://schemas.microsoft.com/office/infopath/2007/PartnerControls">
   <documentManagement>
     <LocPublishedLinkedAssetsLookup xmlns="4873beb7-5857-4685-be1f-d57550cc96cc" xsi:nil="true"/>
@@ -11047,6 +11593,15 @@
 </p:properties>
 </file>
 
+<file path=customXml/item3.xml><?xml version="1.0" encoding="utf-8"?>
+<?mso-contentType ?>
+<FormTemplates xmlns="http://schemas.microsoft.com/sharepoint/v3/contenttype/forms">
+  <Display>DocumentLibraryForm</Display>
+  <Edit>AssetEditForm</Edit>
+  <New>DocumentLibraryForm</New>
+</FormTemplates>
+</file>
+
 <file path=customXml/itemProps1.xml><?xml version="1.0" encoding="utf-8"?>
 <ds:datastoreItem xmlns:ds="http://schemas.openxmlformats.org/officeDocument/2006/customXml" ds:itemID="{A09BF4D4-EF60-4196-BFC3-9462D607978C}">
   <ds:schemaRefs>
@@ -11066,14 +11621,6 @@
 </file>
 
 <file path=customXml/itemProps2.xml><?xml version="1.0" encoding="utf-8"?>
-<ds:datastoreItem xmlns:ds="http://schemas.openxmlformats.org/officeDocument/2006/customXml" ds:itemID="{3836F65B-1B07-41EE-A0E8-BC6EF3855225}">
-  <ds:schemaRefs>
-    <ds:schemaRef ds:uri="http://schemas.microsoft.com/sharepoint/v3/contenttype/forms"/>
-  </ds:schemaRefs>
-</ds:datastoreItem>
-</file>
-
-<file path=customXml/itemProps3.xml><?xml version="1.0" encoding="utf-8"?>
 <ds:datastoreItem xmlns:ds="http://schemas.openxmlformats.org/officeDocument/2006/customXml" ds:itemID="{60C67BEE-D13F-4BD2-98A5-34D8A0977F68}">
   <ds:schemaRefs>
     <ds:schemaRef ds:uri="4873beb7-5857-4685-be1f-d57550cc96cc"/>
@@ -11087,4 +11634,12 @@
     <ds:schemaRef ds:uri="http://purl.org/dc/dcmitype/"/>
   </ds:schemaRefs>
 </ds:datastoreItem>
+</file>
+
+<file path=customXml/itemProps3.xml><?xml version="1.0" encoding="utf-8"?>
+<ds:datastoreItem xmlns:ds="http://schemas.openxmlformats.org/officeDocument/2006/customXml" ds:itemID="{3836F65B-1B07-41EE-A0E8-BC6EF3855225}">
+  <ds:schemaRefs>
+    <ds:schemaRef ds:uri="http://schemas.microsoft.com/sharepoint/v3/contenttype/forms"/>
+  </ds:schemaRefs>
+</ds:datastoreItem>
 </file>
--- a/presentation.pptx
+++ b/presentation.pptx
@@ -5,10 +5,10 @@
     <p:sldMasterId id="2147483660" r:id="rId4"/>
   </p:sldMasterIdLst>
   <p:notesMasterIdLst>
-    <p:notesMasterId r:id="rId16"/>
+    <p:notesMasterId r:id="rId15"/>
   </p:notesMasterIdLst>
   <p:handoutMasterIdLst>
-    <p:handoutMasterId r:id="rId17"/>
+    <p:handoutMasterId r:id="rId16"/>
   </p:handoutMasterIdLst>
   <p:sldIdLst>
     <p:sldId id="257" r:id="rId5"/>
@@ -16,12 +16,11 @@
     <p:sldId id="259" r:id="rId7"/>
     <p:sldId id="275" r:id="rId8"/>
     <p:sldId id="272" r:id="rId9"/>
-    <p:sldId id="279" r:id="rId10"/>
-    <p:sldId id="278" r:id="rId11"/>
-    <p:sldId id="277" r:id="rId12"/>
-    <p:sldId id="276" r:id="rId13"/>
-    <p:sldId id="280" r:id="rId14"/>
-    <p:sldId id="263" r:id="rId15"/>
+    <p:sldId id="278" r:id="rId10"/>
+    <p:sldId id="277" r:id="rId11"/>
+    <p:sldId id="276" r:id="rId12"/>
+    <p:sldId id="280" r:id="rId13"/>
+    <p:sldId id="263" r:id="rId14"/>
   </p:sldIdLst>
   <p:sldSz cx="12188825" cy="6858000"/>
   <p:notesSz cx="6858000" cy="9144000"/>
@@ -5615,123 +5614,6 @@
 </file>
 
 <file path=ppt/slides/slide10.xml><?xml version="1.0" encoding="utf-8"?>
-<p:sld xmlns:a="http://schemas.openxmlformats.org/drawingml/2006/main" xmlns:r="http://schemas.openxmlformats.org/officeDocument/2006/relationships" xmlns:p="http://schemas.openxmlformats.org/presentationml/2006/main">
-  <p:cSld>
-    <p:spTree>
-      <p:nvGrpSpPr>
-        <p:cNvPr id="1" name=""/>
-        <p:cNvGrpSpPr/>
-        <p:nvPr/>
-      </p:nvGrpSpPr>
-      <p:grpSpPr>
-        <a:xfrm>
-          <a:off x="0" y="0"/>
-          <a:ext cx="0" cy="0"/>
-          <a:chOff x="0" y="0"/>
-          <a:chExt cx="0" cy="0"/>
-        </a:xfrm>
-      </p:grpSpPr>
-      <p:sp>
-        <p:nvSpPr>
-          <p:cNvPr id="4" name="Title 3"/>
-          <p:cNvSpPr>
-            <a:spLocks noGrp="1"/>
-          </p:cNvSpPr>
-          <p:nvPr>
-            <p:ph type="title"/>
-          </p:nvPr>
-        </p:nvSpPr>
-        <p:spPr>
-          <a:xfrm>
-            <a:off x="1372958" y="381001"/>
-            <a:ext cx="9442908" cy="762000"/>
-          </a:xfrm>
-        </p:spPr>
-        <p:txBody>
-          <a:bodyPr>
-            <a:noAutofit/>
-          </a:bodyPr>
-          <a:lstStyle/>
-          <a:p>
-            <a:pPr algn="ctr"/>
-            <a:r>
-              <a:rPr lang="en-US" sz="3600" b="1" dirty="0">
-                <a:ln w="9525">
-                  <a:solidFill>
-                    <a:schemeClr val="bg1"/>
-                  </a:solidFill>
-                  <a:prstDash val="solid"/>
-                </a:ln>
-                <a:effectLst>
-                  <a:outerShdw blurRad="12700" dist="38100" dir="2700000" algn="tl" rotWithShape="0">
-                    <a:schemeClr val="bg1">
-                      <a:lumMod val="50000"/>
-                    </a:schemeClr>
-                  </a:outerShdw>
-                </a:effectLst>
-              </a:rPr>
-              <a:t>ICT Policy, 2072</a:t>
-            </a:r>
-          </a:p>
-        </p:txBody>
-      </p:sp>
-      <p:sp>
-        <p:nvSpPr>
-          <p:cNvPr id="5" name="Text Placeholder 4"/>
-          <p:cNvSpPr>
-            <a:spLocks noGrp="1"/>
-          </p:cNvSpPr>
-          <p:nvPr>
-            <p:ph type="body" idx="1"/>
-          </p:nvPr>
-        </p:nvSpPr>
-        <p:spPr>
-          <a:xfrm>
-            <a:off x="1223504" y="1600200"/>
-            <a:ext cx="9741816" cy="4572000"/>
-          </a:xfrm>
-        </p:spPr>
-        <p:txBody>
-          <a:bodyPr>
-            <a:normAutofit/>
-          </a:bodyPr>
-          <a:lstStyle/>
-          <a:p>
-            <a:endParaRPr lang="en-US" sz="1800" cap="none" dirty="0">
-              <a:solidFill>
-                <a:schemeClr val="tx2"/>
-              </a:solidFill>
-              <a:latin typeface="+mj-lt"/>
-            </a:endParaRPr>
-          </a:p>
-        </p:txBody>
-      </p:sp>
-    </p:spTree>
-    <p:extLst>
-      <p:ext uri="{BB962C8B-B14F-4D97-AF65-F5344CB8AC3E}">
-        <p14:creationId xmlns:p14="http://schemas.microsoft.com/office/powerpoint/2010/main" val="1074064937"/>
-      </p:ext>
-    </p:extLst>
-  </p:cSld>
-  <p:clrMapOvr>
-    <a:masterClrMapping/>
-  </p:clrMapOvr>
-  <mc:AlternateContent xmlns:mc="http://schemas.openxmlformats.org/markup-compatibility/2006" xmlns:p14="http://schemas.microsoft.com/office/powerpoint/2010/main">
-    <mc:Choice Requires="p14">
-      <p:transition spd="med" p14:dur="700">
-        <p:fade/>
-      </p:transition>
-    </mc:Choice>
-    <mc:Fallback xmlns="">
-      <p:transition spd="med">
-        <p:fade/>
-      </p:transition>
-    </mc:Fallback>
-  </mc:AlternateContent>
-</p:sld>
-</file>
-
-<file path=ppt/slides/slide11.xml><?xml version="1.0" encoding="utf-8"?>
 <p:sld xmlns:a="http://schemas.openxmlformats.org/drawingml/2006/main" xmlns:r="http://schemas.openxmlformats.org/officeDocument/2006/relationships" xmlns:p="http://schemas.openxmlformats.org/presentationml/2006/main">
   <p:cSld>
     <p:spTree>
@@ -7959,7 +7841,7 @@
                             </p:stCondLst>
                             <p:childTnLst>
                               <p:par>
-                                <p:cTn id="5" presetID="10" presetClass="entr" presetSubtype="0" fill="hold" nodeType="afterEffect">
+                                <p:cTn id="5" presetID="42" presetClass="entr" presetSubtype="0" fill="hold" grpId="0" nodeType="afterEffect">
                                   <p:stCondLst>
                                     <p:cond delay="0"/>
                                   </p:stCondLst>
@@ -7967,214 +7849,6 @@
                                     <p:set>
                                       <p:cBhvr>
                                         <p:cTn id="6" dur="1" fill="hold">
-                                          <p:stCondLst>
-                                            <p:cond delay="0"/>
-                                          </p:stCondLst>
-                                        </p:cTn>
-                                        <p:tgtEl>
-                                          <p:spTgt spid="5">
-                                            <p:txEl>
-                                              <p:pRg st="0" end="0"/>
-                                            </p:txEl>
-                                          </p:spTgt>
-                                        </p:tgtEl>
-                                        <p:attrNameLst>
-                                          <p:attrName>style.visibility</p:attrName>
-                                        </p:attrNameLst>
-                                      </p:cBhvr>
-                                      <p:to>
-                                        <p:strVal val="visible"/>
-                                      </p:to>
-                                    </p:set>
-                                    <p:animEffect transition="in" filter="fade">
-                                      <p:cBhvr>
-                                        <p:cTn id="7" dur="500"/>
-                                        <p:tgtEl>
-                                          <p:spTgt spid="5">
-                                            <p:txEl>
-                                              <p:pRg st="0" end="0"/>
-                                            </p:txEl>
-                                          </p:spTgt>
-                                        </p:tgtEl>
-                                      </p:cBhvr>
-                                    </p:animEffect>
-                                  </p:childTnLst>
-                                </p:cTn>
-                              </p:par>
-                            </p:childTnLst>
-                          </p:cTn>
-                        </p:par>
-                        <p:par>
-                          <p:cTn id="8" fill="hold">
-                            <p:stCondLst>
-                              <p:cond delay="500"/>
-                            </p:stCondLst>
-                            <p:childTnLst>
-                              <p:par>
-                                <p:cTn id="9" presetID="10" presetClass="entr" presetSubtype="0" fill="hold" nodeType="afterEffect">
-                                  <p:stCondLst>
-                                    <p:cond delay="0"/>
-                                  </p:stCondLst>
-                                  <p:childTnLst>
-                                    <p:set>
-                                      <p:cBhvr>
-                                        <p:cTn id="10" dur="1" fill="hold">
-                                          <p:stCondLst>
-                                            <p:cond delay="0"/>
-                                          </p:stCondLst>
-                                        </p:cTn>
-                                        <p:tgtEl>
-                                          <p:spTgt spid="5">
-                                            <p:txEl>
-                                              <p:pRg st="1" end="1"/>
-                                            </p:txEl>
-                                          </p:spTgt>
-                                        </p:tgtEl>
-                                        <p:attrNameLst>
-                                          <p:attrName>style.visibility</p:attrName>
-                                        </p:attrNameLst>
-                                      </p:cBhvr>
-                                      <p:to>
-                                        <p:strVal val="visible"/>
-                                      </p:to>
-                                    </p:set>
-                                    <p:animEffect transition="in" filter="fade">
-                                      <p:cBhvr>
-                                        <p:cTn id="11" dur="500"/>
-                                        <p:tgtEl>
-                                          <p:spTgt spid="5">
-                                            <p:txEl>
-                                              <p:pRg st="1" end="1"/>
-                                            </p:txEl>
-                                          </p:spTgt>
-                                        </p:tgtEl>
-                                      </p:cBhvr>
-                                    </p:animEffect>
-                                  </p:childTnLst>
-                                </p:cTn>
-                              </p:par>
-                            </p:childTnLst>
-                          </p:cTn>
-                        </p:par>
-                        <p:par>
-                          <p:cTn id="12" fill="hold">
-                            <p:stCondLst>
-                              <p:cond delay="1000"/>
-                            </p:stCondLst>
-                            <p:childTnLst>
-                              <p:par>
-                                <p:cTn id="13" presetID="10" presetClass="entr" presetSubtype="0" fill="hold" nodeType="afterEffect">
-                                  <p:stCondLst>
-                                    <p:cond delay="0"/>
-                                  </p:stCondLst>
-                                  <p:childTnLst>
-                                    <p:set>
-                                      <p:cBhvr>
-                                        <p:cTn id="14" dur="1" fill="hold">
-                                          <p:stCondLst>
-                                            <p:cond delay="0"/>
-                                          </p:stCondLst>
-                                        </p:cTn>
-                                        <p:tgtEl>
-                                          <p:spTgt spid="5">
-                                            <p:txEl>
-                                              <p:pRg st="2" end="2"/>
-                                            </p:txEl>
-                                          </p:spTgt>
-                                        </p:tgtEl>
-                                        <p:attrNameLst>
-                                          <p:attrName>style.visibility</p:attrName>
-                                        </p:attrNameLst>
-                                      </p:cBhvr>
-                                      <p:to>
-                                        <p:strVal val="visible"/>
-                                      </p:to>
-                                    </p:set>
-                                    <p:animEffect transition="in" filter="fade">
-                                      <p:cBhvr>
-                                        <p:cTn id="15" dur="500"/>
-                                        <p:tgtEl>
-                                          <p:spTgt spid="5">
-                                            <p:txEl>
-                                              <p:pRg st="2" end="2"/>
-                                            </p:txEl>
-                                          </p:spTgt>
-                                        </p:tgtEl>
-                                      </p:cBhvr>
-                                    </p:animEffect>
-                                  </p:childTnLst>
-                                </p:cTn>
-                              </p:par>
-                            </p:childTnLst>
-                          </p:cTn>
-                        </p:par>
-                        <p:par>
-                          <p:cTn id="16" fill="hold">
-                            <p:stCondLst>
-                              <p:cond delay="1500"/>
-                            </p:stCondLst>
-                            <p:childTnLst>
-                              <p:par>
-                                <p:cTn id="17" presetID="10" presetClass="entr" presetSubtype="0" fill="hold" nodeType="afterEffect">
-                                  <p:stCondLst>
-                                    <p:cond delay="0"/>
-                                  </p:stCondLst>
-                                  <p:childTnLst>
-                                    <p:set>
-                                      <p:cBhvr>
-                                        <p:cTn id="18" dur="1" fill="hold">
-                                          <p:stCondLst>
-                                            <p:cond delay="0"/>
-                                          </p:stCondLst>
-                                        </p:cTn>
-                                        <p:tgtEl>
-                                          <p:spTgt spid="5">
-                                            <p:txEl>
-                                              <p:pRg st="3" end="3"/>
-                                            </p:txEl>
-                                          </p:spTgt>
-                                        </p:tgtEl>
-                                        <p:attrNameLst>
-                                          <p:attrName>style.visibility</p:attrName>
-                                        </p:attrNameLst>
-                                      </p:cBhvr>
-                                      <p:to>
-                                        <p:strVal val="visible"/>
-                                      </p:to>
-                                    </p:set>
-                                    <p:animEffect transition="in" filter="fade">
-                                      <p:cBhvr>
-                                        <p:cTn id="19" dur="500"/>
-                                        <p:tgtEl>
-                                          <p:spTgt spid="5">
-                                            <p:txEl>
-                                              <p:pRg st="3" end="3"/>
-                                            </p:txEl>
-                                          </p:spTgt>
-                                        </p:tgtEl>
-                                      </p:cBhvr>
-                                    </p:animEffect>
-                                  </p:childTnLst>
-                                </p:cTn>
-                              </p:par>
-                            </p:childTnLst>
-                          </p:cTn>
-                        </p:par>
-                        <p:par>
-                          <p:cTn id="20" fill="hold">
-                            <p:stCondLst>
-                              <p:cond delay="2000"/>
-                            </p:stCondLst>
-                            <p:childTnLst>
-                              <p:par>
-                                <p:cTn id="21" presetID="42" presetClass="entr" presetSubtype="0" fill="hold" grpId="0" nodeType="afterEffect">
-                                  <p:stCondLst>
-                                    <p:cond delay="0"/>
-                                  </p:stCondLst>
-                                  <p:childTnLst>
-                                    <p:set>
-                                      <p:cBhvr>
-                                        <p:cTn id="22" dur="1" fill="hold">
                                           <p:stCondLst>
                                             <p:cond delay="0"/>
                                           </p:stCondLst>
@@ -8192,7 +7866,7 @@
                                     </p:set>
                                     <p:animEffect transition="in" filter="fade">
                                       <p:cBhvr>
-                                        <p:cTn id="23" dur="1000"/>
+                                        <p:cTn id="7" dur="1000"/>
                                         <p:tgtEl>
                                           <p:spTgt spid="4"/>
                                         </p:tgtEl>
@@ -8200,7 +7874,7 @@
                                     </p:animEffect>
                                     <p:anim calcmode="lin" valueType="num">
                                       <p:cBhvr>
-                                        <p:cTn id="24" dur="1000" fill="hold"/>
+                                        <p:cTn id="8" dur="1000" fill="hold"/>
                                         <p:tgtEl>
                                           <p:spTgt spid="4"/>
                                         </p:tgtEl>
@@ -8223,7 +7897,7 @@
                                     </p:anim>
                                     <p:anim calcmode="lin" valueType="num">
                                       <p:cBhvr>
-                                        <p:cTn id="25" dur="1000" fill="hold"/>
+                                        <p:cTn id="9" dur="1000" fill="hold"/>
                                         <p:tgtEl>
                                           <p:spTgt spid="4"/>
                                         </p:tgtEl>
@@ -8244,6 +7918,214 @@
                                         </p:tav>
                                       </p:tavLst>
                                     </p:anim>
+                                  </p:childTnLst>
+                                </p:cTn>
+                              </p:par>
+                            </p:childTnLst>
+                          </p:cTn>
+                        </p:par>
+                        <p:par>
+                          <p:cTn id="10" fill="hold">
+                            <p:stCondLst>
+                              <p:cond delay="1000"/>
+                            </p:stCondLst>
+                            <p:childTnLst>
+                              <p:par>
+                                <p:cTn id="11" presetID="10" presetClass="entr" presetSubtype="0" fill="hold" nodeType="afterEffect">
+                                  <p:stCondLst>
+                                    <p:cond delay="0"/>
+                                  </p:stCondLst>
+                                  <p:childTnLst>
+                                    <p:set>
+                                      <p:cBhvr>
+                                        <p:cTn id="12" dur="1" fill="hold">
+                                          <p:stCondLst>
+                                            <p:cond delay="0"/>
+                                          </p:stCondLst>
+                                        </p:cTn>
+                                        <p:tgtEl>
+                                          <p:spTgt spid="5">
+                                            <p:txEl>
+                                              <p:pRg st="0" end="0"/>
+                                            </p:txEl>
+                                          </p:spTgt>
+                                        </p:tgtEl>
+                                        <p:attrNameLst>
+                                          <p:attrName>style.visibility</p:attrName>
+                                        </p:attrNameLst>
+                                      </p:cBhvr>
+                                      <p:to>
+                                        <p:strVal val="visible"/>
+                                      </p:to>
+                                    </p:set>
+                                    <p:animEffect transition="in" filter="fade">
+                                      <p:cBhvr>
+                                        <p:cTn id="13" dur="500"/>
+                                        <p:tgtEl>
+                                          <p:spTgt spid="5">
+                                            <p:txEl>
+                                              <p:pRg st="0" end="0"/>
+                                            </p:txEl>
+                                          </p:spTgt>
+                                        </p:tgtEl>
+                                      </p:cBhvr>
+                                    </p:animEffect>
+                                  </p:childTnLst>
+                                </p:cTn>
+                              </p:par>
+                            </p:childTnLst>
+                          </p:cTn>
+                        </p:par>
+                        <p:par>
+                          <p:cTn id="14" fill="hold">
+                            <p:stCondLst>
+                              <p:cond delay="1500"/>
+                            </p:stCondLst>
+                            <p:childTnLst>
+                              <p:par>
+                                <p:cTn id="15" presetID="10" presetClass="entr" presetSubtype="0" fill="hold" nodeType="afterEffect">
+                                  <p:stCondLst>
+                                    <p:cond delay="0"/>
+                                  </p:stCondLst>
+                                  <p:childTnLst>
+                                    <p:set>
+                                      <p:cBhvr>
+                                        <p:cTn id="16" dur="1" fill="hold">
+                                          <p:stCondLst>
+                                            <p:cond delay="0"/>
+                                          </p:stCondLst>
+                                        </p:cTn>
+                                        <p:tgtEl>
+                                          <p:spTgt spid="5">
+                                            <p:txEl>
+                                              <p:pRg st="1" end="1"/>
+                                            </p:txEl>
+                                          </p:spTgt>
+                                        </p:tgtEl>
+                                        <p:attrNameLst>
+                                          <p:attrName>style.visibility</p:attrName>
+                                        </p:attrNameLst>
+                                      </p:cBhvr>
+                                      <p:to>
+                                        <p:strVal val="visible"/>
+                                      </p:to>
+                                    </p:set>
+                                    <p:animEffect transition="in" filter="fade">
+                                      <p:cBhvr>
+                                        <p:cTn id="17" dur="500"/>
+                                        <p:tgtEl>
+                                          <p:spTgt spid="5">
+                                            <p:txEl>
+                                              <p:pRg st="1" end="1"/>
+                                            </p:txEl>
+                                          </p:spTgt>
+                                        </p:tgtEl>
+                                      </p:cBhvr>
+                                    </p:animEffect>
+                                  </p:childTnLst>
+                                </p:cTn>
+                              </p:par>
+                            </p:childTnLst>
+                          </p:cTn>
+                        </p:par>
+                        <p:par>
+                          <p:cTn id="18" fill="hold">
+                            <p:stCondLst>
+                              <p:cond delay="2000"/>
+                            </p:stCondLst>
+                            <p:childTnLst>
+                              <p:par>
+                                <p:cTn id="19" presetID="10" presetClass="entr" presetSubtype="0" fill="hold" nodeType="afterEffect">
+                                  <p:stCondLst>
+                                    <p:cond delay="0"/>
+                                  </p:stCondLst>
+                                  <p:childTnLst>
+                                    <p:set>
+                                      <p:cBhvr>
+                                        <p:cTn id="20" dur="1" fill="hold">
+                                          <p:stCondLst>
+                                            <p:cond delay="0"/>
+                                          </p:stCondLst>
+                                        </p:cTn>
+                                        <p:tgtEl>
+                                          <p:spTgt spid="5">
+                                            <p:txEl>
+                                              <p:pRg st="2" end="2"/>
+                                            </p:txEl>
+                                          </p:spTgt>
+                                        </p:tgtEl>
+                                        <p:attrNameLst>
+                                          <p:attrName>style.visibility</p:attrName>
+                                        </p:attrNameLst>
+                                      </p:cBhvr>
+                                      <p:to>
+                                        <p:strVal val="visible"/>
+                                      </p:to>
+                                    </p:set>
+                                    <p:animEffect transition="in" filter="fade">
+                                      <p:cBhvr>
+                                        <p:cTn id="21" dur="500"/>
+                                        <p:tgtEl>
+                                          <p:spTgt spid="5">
+                                            <p:txEl>
+                                              <p:pRg st="2" end="2"/>
+                                            </p:txEl>
+                                          </p:spTgt>
+                                        </p:tgtEl>
+                                      </p:cBhvr>
+                                    </p:animEffect>
+                                  </p:childTnLst>
+                                </p:cTn>
+                              </p:par>
+                            </p:childTnLst>
+                          </p:cTn>
+                        </p:par>
+                        <p:par>
+                          <p:cTn id="22" fill="hold">
+                            <p:stCondLst>
+                              <p:cond delay="2500"/>
+                            </p:stCondLst>
+                            <p:childTnLst>
+                              <p:par>
+                                <p:cTn id="23" presetID="10" presetClass="entr" presetSubtype="0" fill="hold" nodeType="afterEffect">
+                                  <p:stCondLst>
+                                    <p:cond delay="0"/>
+                                  </p:stCondLst>
+                                  <p:childTnLst>
+                                    <p:set>
+                                      <p:cBhvr>
+                                        <p:cTn id="24" dur="1" fill="hold">
+                                          <p:stCondLst>
+                                            <p:cond delay="0"/>
+                                          </p:stCondLst>
+                                        </p:cTn>
+                                        <p:tgtEl>
+                                          <p:spTgt spid="5">
+                                            <p:txEl>
+                                              <p:pRg st="3" end="3"/>
+                                            </p:txEl>
+                                          </p:spTgt>
+                                        </p:tgtEl>
+                                        <p:attrNameLst>
+                                          <p:attrName>style.visibility</p:attrName>
+                                        </p:attrNameLst>
+                                      </p:cBhvr>
+                                      <p:to>
+                                        <p:strVal val="visible"/>
+                                      </p:to>
+                                    </p:set>
+                                    <p:animEffect transition="in" filter="fade">
+                                      <p:cBhvr>
+                                        <p:cTn id="25" dur="500"/>
+                                        <p:tgtEl>
+                                          <p:spTgt spid="5">
+                                            <p:txEl>
+                                              <p:pRg st="3" end="3"/>
+                                            </p:txEl>
+                                          </p:spTgt>
+                                        </p:tgtEl>
+                                      </p:cBhvr>
+                                    </p:animEffect>
                                   </p:childTnLst>
                                 </p:cTn>
                               </p:par>
@@ -8708,9 +8590,6 @@
                     <p:cTn id="3" fill="hold">
                       <p:stCondLst>
                         <p:cond delay="indefinite"/>
-                        <p:cond evt="onBegin" delay="0">
-                          <p:tn val="2"/>
-                        </p:cond>
                       </p:stCondLst>
                       <p:childTnLst>
                         <p:par>
@@ -8720,7 +8599,7 @@
                             </p:stCondLst>
                             <p:childTnLst>
                               <p:par>
-                                <p:cTn id="5" presetID="42" presetClass="entr" presetSubtype="0" fill="hold" grpId="0" nodeType="afterEffect">
+                                <p:cTn id="5" presetID="42" presetClass="entr" presetSubtype="0" fill="hold" grpId="0" nodeType="clickEffect">
                                   <p:stCondLst>
                                     <p:cond delay="0"/>
                                   </p:stCondLst>
@@ -8825,7 +8704,7 @@
                                         <p:tgtEl>
                                           <p:spTgt spid="5">
                                             <p:txEl>
-                                              <p:pRg st="1" end="1"/>
+                                              <p:pRg st="21" end="21"/>
                                             </p:txEl>
                                           </p:spTgt>
                                         </p:tgtEl>
@@ -8843,7 +8722,7 @@
                                         <p:tgtEl>
                                           <p:spTgt spid="5">
                                             <p:txEl>
-                                              <p:pRg st="1" end="1"/>
+                                              <p:pRg st="21" end="21"/>
                                             </p:txEl>
                                           </p:spTgt>
                                         </p:tgtEl>
@@ -8877,7 +8756,7 @@
                                         <p:tgtEl>
                                           <p:spTgt spid="5">
                                             <p:txEl>
-                                              <p:pRg st="13" end="13"/>
+                                              <p:pRg st="3" end="3"/>
                                             </p:txEl>
                                           </p:spTgt>
                                         </p:tgtEl>
@@ -8895,7 +8774,7 @@
                                         <p:tgtEl>
                                           <p:spTgt spid="5">
                                             <p:txEl>
-                                              <p:pRg st="13" end="13"/>
+                                              <p:pRg st="3" end="3"/>
                                             </p:txEl>
                                           </p:spTgt>
                                         </p:tgtEl>
@@ -8907,30 +8786,21 @@
                             </p:childTnLst>
                           </p:cTn>
                         </p:par>
-                      </p:childTnLst>
-                    </p:cTn>
-                  </p:par>
-                  <p:par>
-                    <p:cTn id="18" fill="hold">
-                      <p:stCondLst>
-                        <p:cond delay="indefinite"/>
-                      </p:stCondLst>
-                      <p:childTnLst>
                         <p:par>
-                          <p:cTn id="19" fill="hold">
+                          <p:cTn id="18" fill="hold">
                             <p:stCondLst>
-                              <p:cond delay="0"/>
+                              <p:cond delay="2000"/>
                             </p:stCondLst>
                             <p:childTnLst>
                               <p:par>
-                                <p:cTn id="20" presetID="10" presetClass="entr" presetSubtype="0" fill="hold" nodeType="clickEffect">
+                                <p:cTn id="19" presetID="10" presetClass="entr" presetSubtype="0" fill="hold" nodeType="afterEffect">
                                   <p:stCondLst>
                                     <p:cond delay="0"/>
                                   </p:stCondLst>
                                   <p:childTnLst>
                                     <p:set>
                                       <p:cBhvr>
-                                        <p:cTn id="21" dur="1" fill="hold">
+                                        <p:cTn id="20" dur="1" fill="hold">
                                           <p:stCondLst>
                                             <p:cond delay="0"/>
                                           </p:stCondLst>
@@ -8938,7 +8808,7 @@
                                         <p:tgtEl>
                                           <p:spTgt spid="5">
                                             <p:txEl>
-                                              <p:pRg st="21" end="21"/>
+                                              <p:pRg st="4" end="4"/>
                                             </p:txEl>
                                           </p:spTgt>
                                         </p:tgtEl>
@@ -8952,11 +8822,1198 @@
                                     </p:set>
                                     <p:animEffect transition="in" filter="fade">
                                       <p:cBhvr>
-                                        <p:cTn id="22" dur="500"/>
+                                        <p:cTn id="21" dur="500"/>
                                         <p:tgtEl>
                                           <p:spTgt spid="5">
                                             <p:txEl>
-                                              <p:pRg st="21" end="21"/>
+                                              <p:pRg st="4" end="4"/>
+                                            </p:txEl>
+                                          </p:spTgt>
+                                        </p:tgtEl>
+                                      </p:cBhvr>
+                                    </p:animEffect>
+                                  </p:childTnLst>
+                                </p:cTn>
+                              </p:par>
+                            </p:childTnLst>
+                          </p:cTn>
+                        </p:par>
+                        <p:par>
+                          <p:cTn id="22" fill="hold">
+                            <p:stCondLst>
+                              <p:cond delay="2500"/>
+                            </p:stCondLst>
+                            <p:childTnLst>
+                              <p:par>
+                                <p:cTn id="23" presetID="10" presetClass="entr" presetSubtype="0" fill="hold" nodeType="afterEffect">
+                                  <p:stCondLst>
+                                    <p:cond delay="0"/>
+                                  </p:stCondLst>
+                                  <p:childTnLst>
+                                    <p:set>
+                                      <p:cBhvr>
+                                        <p:cTn id="24" dur="1" fill="hold">
+                                          <p:stCondLst>
+                                            <p:cond delay="0"/>
+                                          </p:stCondLst>
+                                        </p:cTn>
+                                        <p:tgtEl>
+                                          <p:spTgt spid="5">
+                                            <p:txEl>
+                                              <p:pRg st="5" end="5"/>
+                                            </p:txEl>
+                                          </p:spTgt>
+                                        </p:tgtEl>
+                                        <p:attrNameLst>
+                                          <p:attrName>style.visibility</p:attrName>
+                                        </p:attrNameLst>
+                                      </p:cBhvr>
+                                      <p:to>
+                                        <p:strVal val="visible"/>
+                                      </p:to>
+                                    </p:set>
+                                    <p:animEffect transition="in" filter="fade">
+                                      <p:cBhvr>
+                                        <p:cTn id="25" dur="500"/>
+                                        <p:tgtEl>
+                                          <p:spTgt spid="5">
+                                            <p:txEl>
+                                              <p:pRg st="5" end="5"/>
+                                            </p:txEl>
+                                          </p:spTgt>
+                                        </p:tgtEl>
+                                      </p:cBhvr>
+                                    </p:animEffect>
+                                  </p:childTnLst>
+                                </p:cTn>
+                              </p:par>
+                            </p:childTnLst>
+                          </p:cTn>
+                        </p:par>
+                        <p:par>
+                          <p:cTn id="26" fill="hold">
+                            <p:stCondLst>
+                              <p:cond delay="3000"/>
+                            </p:stCondLst>
+                            <p:childTnLst>
+                              <p:par>
+                                <p:cTn id="27" presetID="10" presetClass="entr" presetSubtype="0" fill="hold" nodeType="afterEffect">
+                                  <p:stCondLst>
+                                    <p:cond delay="0"/>
+                                  </p:stCondLst>
+                                  <p:childTnLst>
+                                    <p:set>
+                                      <p:cBhvr>
+                                        <p:cTn id="28" dur="1" fill="hold">
+                                          <p:stCondLst>
+                                            <p:cond delay="0"/>
+                                          </p:stCondLst>
+                                        </p:cTn>
+                                        <p:tgtEl>
+                                          <p:spTgt spid="5">
+                                            <p:txEl>
+                                              <p:pRg st="1" end="1"/>
+                                            </p:txEl>
+                                          </p:spTgt>
+                                        </p:tgtEl>
+                                        <p:attrNameLst>
+                                          <p:attrName>style.visibility</p:attrName>
+                                        </p:attrNameLst>
+                                      </p:cBhvr>
+                                      <p:to>
+                                        <p:strVal val="visible"/>
+                                      </p:to>
+                                    </p:set>
+                                    <p:animEffect transition="in" filter="fade">
+                                      <p:cBhvr>
+                                        <p:cTn id="29" dur="500"/>
+                                        <p:tgtEl>
+                                          <p:spTgt spid="5">
+                                            <p:txEl>
+                                              <p:pRg st="1" end="1"/>
+                                            </p:txEl>
+                                          </p:spTgt>
+                                        </p:tgtEl>
+                                      </p:cBhvr>
+                                    </p:animEffect>
+                                  </p:childTnLst>
+                                </p:cTn>
+                              </p:par>
+                            </p:childTnLst>
+                          </p:cTn>
+                        </p:par>
+                        <p:par>
+                          <p:cTn id="30" fill="hold">
+                            <p:stCondLst>
+                              <p:cond delay="3500"/>
+                            </p:stCondLst>
+                            <p:childTnLst>
+                              <p:par>
+                                <p:cTn id="31" presetID="10" presetClass="entr" presetSubtype="0" fill="hold" nodeType="afterEffect">
+                                  <p:stCondLst>
+                                    <p:cond delay="0"/>
+                                  </p:stCondLst>
+                                  <p:childTnLst>
+                                    <p:set>
+                                      <p:cBhvr>
+                                        <p:cTn id="32" dur="1" fill="hold">
+                                          <p:stCondLst>
+                                            <p:cond delay="0"/>
+                                          </p:stCondLst>
+                                        </p:cTn>
+                                        <p:tgtEl>
+                                          <p:spTgt spid="5">
+                                            <p:txEl>
+                                              <p:pRg st="6" end="6"/>
+                                            </p:txEl>
+                                          </p:spTgt>
+                                        </p:tgtEl>
+                                        <p:attrNameLst>
+                                          <p:attrName>style.visibility</p:attrName>
+                                        </p:attrNameLst>
+                                      </p:cBhvr>
+                                      <p:to>
+                                        <p:strVal val="visible"/>
+                                      </p:to>
+                                    </p:set>
+                                    <p:animEffect transition="in" filter="fade">
+                                      <p:cBhvr>
+                                        <p:cTn id="33" dur="500"/>
+                                        <p:tgtEl>
+                                          <p:spTgt spid="5">
+                                            <p:txEl>
+                                              <p:pRg st="6" end="6"/>
+                                            </p:txEl>
+                                          </p:spTgt>
+                                        </p:tgtEl>
+                                      </p:cBhvr>
+                                    </p:animEffect>
+                                  </p:childTnLst>
+                                </p:cTn>
+                              </p:par>
+                            </p:childTnLst>
+                          </p:cTn>
+                        </p:par>
+                        <p:par>
+                          <p:cTn id="34" fill="hold">
+                            <p:stCondLst>
+                              <p:cond delay="4000"/>
+                            </p:stCondLst>
+                            <p:childTnLst>
+                              <p:par>
+                                <p:cTn id="35" presetID="10" presetClass="entr" presetSubtype="0" fill="hold" nodeType="afterEffect">
+                                  <p:stCondLst>
+                                    <p:cond delay="0"/>
+                                  </p:stCondLst>
+                                  <p:childTnLst>
+                                    <p:set>
+                                      <p:cBhvr>
+                                        <p:cTn id="36" dur="1" fill="hold">
+                                          <p:stCondLst>
+                                            <p:cond delay="0"/>
+                                          </p:stCondLst>
+                                        </p:cTn>
+                                        <p:tgtEl>
+                                          <p:spTgt spid="5">
+                                            <p:txEl>
+                                              <p:pRg st="7" end="7"/>
+                                            </p:txEl>
+                                          </p:spTgt>
+                                        </p:tgtEl>
+                                        <p:attrNameLst>
+                                          <p:attrName>style.visibility</p:attrName>
+                                        </p:attrNameLst>
+                                      </p:cBhvr>
+                                      <p:to>
+                                        <p:strVal val="visible"/>
+                                      </p:to>
+                                    </p:set>
+                                    <p:animEffect transition="in" filter="fade">
+                                      <p:cBhvr>
+                                        <p:cTn id="37" dur="500"/>
+                                        <p:tgtEl>
+                                          <p:spTgt spid="5">
+                                            <p:txEl>
+                                              <p:pRg st="7" end="7"/>
+                                            </p:txEl>
+                                          </p:spTgt>
+                                        </p:tgtEl>
+                                      </p:cBhvr>
+                                    </p:animEffect>
+                                  </p:childTnLst>
+                                </p:cTn>
+                              </p:par>
+                            </p:childTnLst>
+                          </p:cTn>
+                        </p:par>
+                        <p:par>
+                          <p:cTn id="38" fill="hold">
+                            <p:stCondLst>
+                              <p:cond delay="4500"/>
+                            </p:stCondLst>
+                            <p:childTnLst>
+                              <p:par>
+                                <p:cTn id="39" presetID="10" presetClass="entr" presetSubtype="0" fill="hold" nodeType="afterEffect">
+                                  <p:stCondLst>
+                                    <p:cond delay="0"/>
+                                  </p:stCondLst>
+                                  <p:childTnLst>
+                                    <p:set>
+                                      <p:cBhvr>
+                                        <p:cTn id="40" dur="1" fill="hold">
+                                          <p:stCondLst>
+                                            <p:cond delay="0"/>
+                                          </p:stCondLst>
+                                        </p:cTn>
+                                        <p:tgtEl>
+                                          <p:spTgt spid="5">
+                                            <p:txEl>
+                                              <p:pRg st="8" end="8"/>
+                                            </p:txEl>
+                                          </p:spTgt>
+                                        </p:tgtEl>
+                                        <p:attrNameLst>
+                                          <p:attrName>style.visibility</p:attrName>
+                                        </p:attrNameLst>
+                                      </p:cBhvr>
+                                      <p:to>
+                                        <p:strVal val="visible"/>
+                                      </p:to>
+                                    </p:set>
+                                    <p:animEffect transition="in" filter="fade">
+                                      <p:cBhvr>
+                                        <p:cTn id="41" dur="500"/>
+                                        <p:tgtEl>
+                                          <p:spTgt spid="5">
+                                            <p:txEl>
+                                              <p:pRg st="8" end="8"/>
+                                            </p:txEl>
+                                          </p:spTgt>
+                                        </p:tgtEl>
+                                      </p:cBhvr>
+                                    </p:animEffect>
+                                  </p:childTnLst>
+                                </p:cTn>
+                              </p:par>
+                            </p:childTnLst>
+                          </p:cTn>
+                        </p:par>
+                        <p:par>
+                          <p:cTn id="42" fill="hold">
+                            <p:stCondLst>
+                              <p:cond delay="5000"/>
+                            </p:stCondLst>
+                            <p:childTnLst>
+                              <p:par>
+                                <p:cTn id="43" presetID="10" presetClass="entr" presetSubtype="0" fill="hold" nodeType="afterEffect">
+                                  <p:stCondLst>
+                                    <p:cond delay="0"/>
+                                  </p:stCondLst>
+                                  <p:childTnLst>
+                                    <p:set>
+                                      <p:cBhvr>
+                                        <p:cTn id="44" dur="1" fill="hold">
+                                          <p:stCondLst>
+                                            <p:cond delay="0"/>
+                                          </p:stCondLst>
+                                        </p:cTn>
+                                        <p:tgtEl>
+                                          <p:spTgt spid="5">
+                                            <p:txEl>
+                                              <p:pRg st="9" end="9"/>
+                                            </p:txEl>
+                                          </p:spTgt>
+                                        </p:tgtEl>
+                                        <p:attrNameLst>
+                                          <p:attrName>style.visibility</p:attrName>
+                                        </p:attrNameLst>
+                                      </p:cBhvr>
+                                      <p:to>
+                                        <p:strVal val="visible"/>
+                                      </p:to>
+                                    </p:set>
+                                    <p:animEffect transition="in" filter="fade">
+                                      <p:cBhvr>
+                                        <p:cTn id="45" dur="500"/>
+                                        <p:tgtEl>
+                                          <p:spTgt spid="5">
+                                            <p:txEl>
+                                              <p:pRg st="9" end="9"/>
+                                            </p:txEl>
+                                          </p:spTgt>
+                                        </p:tgtEl>
+                                      </p:cBhvr>
+                                    </p:animEffect>
+                                  </p:childTnLst>
+                                </p:cTn>
+                              </p:par>
+                            </p:childTnLst>
+                          </p:cTn>
+                        </p:par>
+                        <p:par>
+                          <p:cTn id="46" fill="hold">
+                            <p:stCondLst>
+                              <p:cond delay="5500"/>
+                            </p:stCondLst>
+                            <p:childTnLst>
+                              <p:par>
+                                <p:cTn id="47" presetID="10" presetClass="entr" presetSubtype="0" fill="hold" nodeType="afterEffect">
+                                  <p:stCondLst>
+                                    <p:cond delay="0"/>
+                                  </p:stCondLst>
+                                  <p:childTnLst>
+                                    <p:set>
+                                      <p:cBhvr>
+                                        <p:cTn id="48" dur="1" fill="hold">
+                                          <p:stCondLst>
+                                            <p:cond delay="0"/>
+                                          </p:stCondLst>
+                                        </p:cTn>
+                                        <p:tgtEl>
+                                          <p:spTgt spid="5">
+                                            <p:txEl>
+                                              <p:pRg st="10" end="10"/>
+                                            </p:txEl>
+                                          </p:spTgt>
+                                        </p:tgtEl>
+                                        <p:attrNameLst>
+                                          <p:attrName>style.visibility</p:attrName>
+                                        </p:attrNameLst>
+                                      </p:cBhvr>
+                                      <p:to>
+                                        <p:strVal val="visible"/>
+                                      </p:to>
+                                    </p:set>
+                                    <p:animEffect transition="in" filter="fade">
+                                      <p:cBhvr>
+                                        <p:cTn id="49" dur="500"/>
+                                        <p:tgtEl>
+                                          <p:spTgt spid="5">
+                                            <p:txEl>
+                                              <p:pRg st="10" end="10"/>
+                                            </p:txEl>
+                                          </p:spTgt>
+                                        </p:tgtEl>
+                                      </p:cBhvr>
+                                    </p:animEffect>
+                                  </p:childTnLst>
+                                </p:cTn>
+                              </p:par>
+                            </p:childTnLst>
+                          </p:cTn>
+                        </p:par>
+                        <p:par>
+                          <p:cTn id="50" fill="hold">
+                            <p:stCondLst>
+                              <p:cond delay="6000"/>
+                            </p:stCondLst>
+                            <p:childTnLst>
+                              <p:par>
+                                <p:cTn id="51" presetID="10" presetClass="entr" presetSubtype="0" fill="hold" nodeType="afterEffect">
+                                  <p:stCondLst>
+                                    <p:cond delay="0"/>
+                                  </p:stCondLst>
+                                  <p:childTnLst>
+                                    <p:set>
+                                      <p:cBhvr>
+                                        <p:cTn id="52" dur="1" fill="hold">
+                                          <p:stCondLst>
+                                            <p:cond delay="0"/>
+                                          </p:stCondLst>
+                                        </p:cTn>
+                                        <p:tgtEl>
+                                          <p:spTgt spid="5">
+                                            <p:txEl>
+                                              <p:pRg st="11" end="11"/>
+                                            </p:txEl>
+                                          </p:spTgt>
+                                        </p:tgtEl>
+                                        <p:attrNameLst>
+                                          <p:attrName>style.visibility</p:attrName>
+                                        </p:attrNameLst>
+                                      </p:cBhvr>
+                                      <p:to>
+                                        <p:strVal val="visible"/>
+                                      </p:to>
+                                    </p:set>
+                                    <p:animEffect transition="in" filter="fade">
+                                      <p:cBhvr>
+                                        <p:cTn id="53" dur="500"/>
+                                        <p:tgtEl>
+                                          <p:spTgt spid="5">
+                                            <p:txEl>
+                                              <p:pRg st="11" end="11"/>
+                                            </p:txEl>
+                                          </p:spTgt>
+                                        </p:tgtEl>
+                                      </p:cBhvr>
+                                    </p:animEffect>
+                                  </p:childTnLst>
+                                </p:cTn>
+                              </p:par>
+                            </p:childTnLst>
+                          </p:cTn>
+                        </p:par>
+                        <p:par>
+                          <p:cTn id="54" fill="hold">
+                            <p:stCondLst>
+                              <p:cond delay="6500"/>
+                            </p:stCondLst>
+                            <p:childTnLst>
+                              <p:par>
+                                <p:cTn id="55" presetID="10" presetClass="entr" presetSubtype="0" fill="hold" nodeType="afterEffect">
+                                  <p:stCondLst>
+                                    <p:cond delay="0"/>
+                                  </p:stCondLst>
+                                  <p:childTnLst>
+                                    <p:set>
+                                      <p:cBhvr>
+                                        <p:cTn id="56" dur="1" fill="hold">
+                                          <p:stCondLst>
+                                            <p:cond delay="0"/>
+                                          </p:stCondLst>
+                                        </p:cTn>
+                                        <p:tgtEl>
+                                          <p:spTgt spid="5">
+                                            <p:txEl>
+                                              <p:pRg st="23" end="23"/>
+                                            </p:txEl>
+                                          </p:spTgt>
+                                        </p:tgtEl>
+                                        <p:attrNameLst>
+                                          <p:attrName>style.visibility</p:attrName>
+                                        </p:attrNameLst>
+                                      </p:cBhvr>
+                                      <p:to>
+                                        <p:strVal val="visible"/>
+                                      </p:to>
+                                    </p:set>
+                                    <p:animEffect transition="in" filter="fade">
+                                      <p:cBhvr>
+                                        <p:cTn id="57" dur="500"/>
+                                        <p:tgtEl>
+                                          <p:spTgt spid="5">
+                                            <p:txEl>
+                                              <p:pRg st="23" end="23"/>
+                                            </p:txEl>
+                                          </p:spTgt>
+                                        </p:tgtEl>
+                                      </p:cBhvr>
+                                    </p:animEffect>
+                                  </p:childTnLst>
+                                </p:cTn>
+                              </p:par>
+                            </p:childTnLst>
+                          </p:cTn>
+                        </p:par>
+                        <p:par>
+                          <p:cTn id="58" fill="hold">
+                            <p:stCondLst>
+                              <p:cond delay="7000"/>
+                            </p:stCondLst>
+                            <p:childTnLst>
+                              <p:par>
+                                <p:cTn id="59" presetID="10" presetClass="entr" presetSubtype="0" fill="hold" nodeType="afterEffect">
+                                  <p:stCondLst>
+                                    <p:cond delay="0"/>
+                                  </p:stCondLst>
+                                  <p:childTnLst>
+                                    <p:set>
+                                      <p:cBhvr>
+                                        <p:cTn id="60" dur="1" fill="hold">
+                                          <p:stCondLst>
+                                            <p:cond delay="0"/>
+                                          </p:stCondLst>
+                                        </p:cTn>
+                                        <p:tgtEl>
+                                          <p:spTgt spid="5">
+                                            <p:txEl>
+                                              <p:pRg st="13" end="13"/>
+                                            </p:txEl>
+                                          </p:spTgt>
+                                        </p:tgtEl>
+                                        <p:attrNameLst>
+                                          <p:attrName>style.visibility</p:attrName>
+                                        </p:attrNameLst>
+                                      </p:cBhvr>
+                                      <p:to>
+                                        <p:strVal val="visible"/>
+                                      </p:to>
+                                    </p:set>
+                                    <p:animEffect transition="in" filter="fade">
+                                      <p:cBhvr>
+                                        <p:cTn id="61" dur="500"/>
+                                        <p:tgtEl>
+                                          <p:spTgt spid="5">
+                                            <p:txEl>
+                                              <p:pRg st="13" end="13"/>
+                                            </p:txEl>
+                                          </p:spTgt>
+                                        </p:tgtEl>
+                                      </p:cBhvr>
+                                    </p:animEffect>
+                                  </p:childTnLst>
+                                </p:cTn>
+                              </p:par>
+                            </p:childTnLst>
+                          </p:cTn>
+                        </p:par>
+                        <p:par>
+                          <p:cTn id="62" fill="hold">
+                            <p:stCondLst>
+                              <p:cond delay="7500"/>
+                            </p:stCondLst>
+                            <p:childTnLst>
+                              <p:par>
+                                <p:cTn id="63" presetID="10" presetClass="entr" presetSubtype="0" fill="hold" nodeType="afterEffect">
+                                  <p:stCondLst>
+                                    <p:cond delay="0"/>
+                                  </p:stCondLst>
+                                  <p:childTnLst>
+                                    <p:set>
+                                      <p:cBhvr>
+                                        <p:cTn id="64" dur="1" fill="hold">
+                                          <p:stCondLst>
+                                            <p:cond delay="0"/>
+                                          </p:stCondLst>
+                                        </p:cTn>
+                                        <p:tgtEl>
+                                          <p:spTgt spid="5">
+                                            <p:txEl>
+                                              <p:pRg st="15" end="15"/>
+                                            </p:txEl>
+                                          </p:spTgt>
+                                        </p:tgtEl>
+                                        <p:attrNameLst>
+                                          <p:attrName>style.visibility</p:attrName>
+                                        </p:attrNameLst>
+                                      </p:cBhvr>
+                                      <p:to>
+                                        <p:strVal val="visible"/>
+                                      </p:to>
+                                    </p:set>
+                                    <p:animEffect transition="in" filter="fade">
+                                      <p:cBhvr>
+                                        <p:cTn id="65" dur="500"/>
+                                        <p:tgtEl>
+                                          <p:spTgt spid="5">
+                                            <p:txEl>
+                                              <p:pRg st="15" end="15"/>
+                                            </p:txEl>
+                                          </p:spTgt>
+                                        </p:tgtEl>
+                                      </p:cBhvr>
+                                    </p:animEffect>
+                                  </p:childTnLst>
+                                </p:cTn>
+                              </p:par>
+                            </p:childTnLst>
+                          </p:cTn>
+                        </p:par>
+                        <p:par>
+                          <p:cTn id="66" fill="hold">
+                            <p:stCondLst>
+                              <p:cond delay="8000"/>
+                            </p:stCondLst>
+                            <p:childTnLst>
+                              <p:par>
+                                <p:cTn id="67" presetID="10" presetClass="entr" presetSubtype="0" fill="hold" nodeType="afterEffect">
+                                  <p:stCondLst>
+                                    <p:cond delay="0"/>
+                                  </p:stCondLst>
+                                  <p:childTnLst>
+                                    <p:set>
+                                      <p:cBhvr>
+                                        <p:cTn id="68" dur="1" fill="hold">
+                                          <p:stCondLst>
+                                            <p:cond delay="0"/>
+                                          </p:stCondLst>
+                                        </p:cTn>
+                                        <p:tgtEl>
+                                          <p:spTgt spid="5">
+                                            <p:txEl>
+                                              <p:pRg st="16" end="16"/>
+                                            </p:txEl>
+                                          </p:spTgt>
+                                        </p:tgtEl>
+                                        <p:attrNameLst>
+                                          <p:attrName>style.visibility</p:attrName>
+                                        </p:attrNameLst>
+                                      </p:cBhvr>
+                                      <p:to>
+                                        <p:strVal val="visible"/>
+                                      </p:to>
+                                    </p:set>
+                                    <p:animEffect transition="in" filter="fade">
+                                      <p:cBhvr>
+                                        <p:cTn id="69" dur="500"/>
+                                        <p:tgtEl>
+                                          <p:spTgt spid="5">
+                                            <p:txEl>
+                                              <p:pRg st="16" end="16"/>
+                                            </p:txEl>
+                                          </p:spTgt>
+                                        </p:tgtEl>
+                                      </p:cBhvr>
+                                    </p:animEffect>
+                                  </p:childTnLst>
+                                </p:cTn>
+                              </p:par>
+                            </p:childTnLst>
+                          </p:cTn>
+                        </p:par>
+                        <p:par>
+                          <p:cTn id="70" fill="hold">
+                            <p:stCondLst>
+                              <p:cond delay="8500"/>
+                            </p:stCondLst>
+                            <p:childTnLst>
+                              <p:par>
+                                <p:cTn id="71" presetID="10" presetClass="entr" presetSubtype="0" fill="hold" nodeType="afterEffect">
+                                  <p:stCondLst>
+                                    <p:cond delay="0"/>
+                                  </p:stCondLst>
+                                  <p:childTnLst>
+                                    <p:set>
+                                      <p:cBhvr>
+                                        <p:cTn id="72" dur="1" fill="hold">
+                                          <p:stCondLst>
+                                            <p:cond delay="0"/>
+                                          </p:stCondLst>
+                                        </p:cTn>
+                                        <p:tgtEl>
+                                          <p:spTgt spid="5">
+                                            <p:txEl>
+                                              <p:pRg st="17" end="17"/>
+                                            </p:txEl>
+                                          </p:spTgt>
+                                        </p:tgtEl>
+                                        <p:attrNameLst>
+                                          <p:attrName>style.visibility</p:attrName>
+                                        </p:attrNameLst>
+                                      </p:cBhvr>
+                                      <p:to>
+                                        <p:strVal val="visible"/>
+                                      </p:to>
+                                    </p:set>
+                                    <p:animEffect transition="in" filter="fade">
+                                      <p:cBhvr>
+                                        <p:cTn id="73" dur="500"/>
+                                        <p:tgtEl>
+                                          <p:spTgt spid="5">
+                                            <p:txEl>
+                                              <p:pRg st="17" end="17"/>
+                                            </p:txEl>
+                                          </p:spTgt>
+                                        </p:tgtEl>
+                                      </p:cBhvr>
+                                    </p:animEffect>
+                                  </p:childTnLst>
+                                </p:cTn>
+                              </p:par>
+                            </p:childTnLst>
+                          </p:cTn>
+                        </p:par>
+                        <p:par>
+                          <p:cTn id="74" fill="hold">
+                            <p:stCondLst>
+                              <p:cond delay="9000"/>
+                            </p:stCondLst>
+                            <p:childTnLst>
+                              <p:par>
+                                <p:cTn id="75" presetID="10" presetClass="entr" presetSubtype="0" fill="hold" nodeType="afterEffect">
+                                  <p:stCondLst>
+                                    <p:cond delay="0"/>
+                                  </p:stCondLst>
+                                  <p:childTnLst>
+                                    <p:set>
+                                      <p:cBhvr>
+                                        <p:cTn id="76" dur="1" fill="hold">
+                                          <p:stCondLst>
+                                            <p:cond delay="0"/>
+                                          </p:stCondLst>
+                                        </p:cTn>
+                                        <p:tgtEl>
+                                          <p:spTgt spid="5">
+                                            <p:txEl>
+                                              <p:pRg st="18" end="18"/>
+                                            </p:txEl>
+                                          </p:spTgt>
+                                        </p:tgtEl>
+                                        <p:attrNameLst>
+                                          <p:attrName>style.visibility</p:attrName>
+                                        </p:attrNameLst>
+                                      </p:cBhvr>
+                                      <p:to>
+                                        <p:strVal val="visible"/>
+                                      </p:to>
+                                    </p:set>
+                                    <p:animEffect transition="in" filter="fade">
+                                      <p:cBhvr>
+                                        <p:cTn id="77" dur="500"/>
+                                        <p:tgtEl>
+                                          <p:spTgt spid="5">
+                                            <p:txEl>
+                                              <p:pRg st="18" end="18"/>
+                                            </p:txEl>
+                                          </p:spTgt>
+                                        </p:tgtEl>
+                                      </p:cBhvr>
+                                    </p:animEffect>
+                                  </p:childTnLst>
+                                </p:cTn>
+                              </p:par>
+                            </p:childTnLst>
+                          </p:cTn>
+                        </p:par>
+                        <p:par>
+                          <p:cTn id="78" fill="hold">
+                            <p:stCondLst>
+                              <p:cond delay="9500"/>
+                            </p:stCondLst>
+                            <p:childTnLst>
+                              <p:par>
+                                <p:cTn id="79" presetID="10" presetClass="entr" presetSubtype="0" fill="hold" nodeType="afterEffect">
+                                  <p:stCondLst>
+                                    <p:cond delay="0"/>
+                                  </p:stCondLst>
+                                  <p:childTnLst>
+                                    <p:set>
+                                      <p:cBhvr>
+                                        <p:cTn id="80" dur="1" fill="hold">
+                                          <p:stCondLst>
+                                            <p:cond delay="0"/>
+                                          </p:stCondLst>
+                                        </p:cTn>
+                                        <p:tgtEl>
+                                          <p:spTgt spid="5">
+                                            <p:txEl>
+                                              <p:pRg st="19" end="19"/>
+                                            </p:txEl>
+                                          </p:spTgt>
+                                        </p:tgtEl>
+                                        <p:attrNameLst>
+                                          <p:attrName>style.visibility</p:attrName>
+                                        </p:attrNameLst>
+                                      </p:cBhvr>
+                                      <p:to>
+                                        <p:strVal val="visible"/>
+                                      </p:to>
+                                    </p:set>
+                                    <p:animEffect transition="in" filter="fade">
+                                      <p:cBhvr>
+                                        <p:cTn id="81" dur="500"/>
+                                        <p:tgtEl>
+                                          <p:spTgt spid="5">
+                                            <p:txEl>
+                                              <p:pRg st="19" end="19"/>
+                                            </p:txEl>
+                                          </p:spTgt>
+                                        </p:tgtEl>
+                                      </p:cBhvr>
+                                    </p:animEffect>
+                                  </p:childTnLst>
+                                </p:cTn>
+                              </p:par>
+                            </p:childTnLst>
+                          </p:cTn>
+                        </p:par>
+                        <p:par>
+                          <p:cTn id="82" fill="hold">
+                            <p:stCondLst>
+                              <p:cond delay="10000"/>
+                            </p:stCondLst>
+                            <p:childTnLst>
+                              <p:par>
+                                <p:cTn id="83" presetID="10" presetClass="entr" presetSubtype="0" fill="hold" nodeType="afterEffect">
+                                  <p:stCondLst>
+                                    <p:cond delay="0"/>
+                                  </p:stCondLst>
+                                  <p:childTnLst>
+                                    <p:set>
+                                      <p:cBhvr>
+                                        <p:cTn id="84" dur="1" fill="hold">
+                                          <p:stCondLst>
+                                            <p:cond delay="0"/>
+                                          </p:stCondLst>
+                                        </p:cTn>
+                                        <p:tgtEl>
+                                          <p:spTgt spid="5">
+                                            <p:txEl>
+                                              <p:pRg st="24" end="24"/>
+                                            </p:txEl>
+                                          </p:spTgt>
+                                        </p:tgtEl>
+                                        <p:attrNameLst>
+                                          <p:attrName>style.visibility</p:attrName>
+                                        </p:attrNameLst>
+                                      </p:cBhvr>
+                                      <p:to>
+                                        <p:strVal val="visible"/>
+                                      </p:to>
+                                    </p:set>
+                                    <p:animEffect transition="in" filter="fade">
+                                      <p:cBhvr>
+                                        <p:cTn id="85" dur="500"/>
+                                        <p:tgtEl>
+                                          <p:spTgt spid="5">
+                                            <p:txEl>
+                                              <p:pRg st="24" end="24"/>
+                                            </p:txEl>
+                                          </p:spTgt>
+                                        </p:tgtEl>
+                                      </p:cBhvr>
+                                    </p:animEffect>
+                                  </p:childTnLst>
+                                </p:cTn>
+                              </p:par>
+                            </p:childTnLst>
+                          </p:cTn>
+                        </p:par>
+                        <p:par>
+                          <p:cTn id="86" fill="hold">
+                            <p:stCondLst>
+                              <p:cond delay="10500"/>
+                            </p:stCondLst>
+                            <p:childTnLst>
+                              <p:par>
+                                <p:cTn id="87" presetID="10" presetClass="entr" presetSubtype="0" fill="hold" nodeType="afterEffect">
+                                  <p:stCondLst>
+                                    <p:cond delay="0"/>
+                                  </p:stCondLst>
+                                  <p:childTnLst>
+                                    <p:set>
+                                      <p:cBhvr>
+                                        <p:cTn id="88" dur="1" fill="hold">
+                                          <p:stCondLst>
+                                            <p:cond delay="0"/>
+                                          </p:stCondLst>
+                                        </p:cTn>
+                                        <p:tgtEl>
+                                          <p:spTgt spid="5">
+                                            <p:txEl>
+                                              <p:pRg st="25" end="25"/>
+                                            </p:txEl>
+                                          </p:spTgt>
+                                        </p:tgtEl>
+                                        <p:attrNameLst>
+                                          <p:attrName>style.visibility</p:attrName>
+                                        </p:attrNameLst>
+                                      </p:cBhvr>
+                                      <p:to>
+                                        <p:strVal val="visible"/>
+                                      </p:to>
+                                    </p:set>
+                                    <p:animEffect transition="in" filter="fade">
+                                      <p:cBhvr>
+                                        <p:cTn id="89" dur="500"/>
+                                        <p:tgtEl>
+                                          <p:spTgt spid="5">
+                                            <p:txEl>
+                                              <p:pRg st="25" end="25"/>
+                                            </p:txEl>
+                                          </p:spTgt>
+                                        </p:tgtEl>
+                                      </p:cBhvr>
+                                    </p:animEffect>
+                                  </p:childTnLst>
+                                </p:cTn>
+                              </p:par>
+                            </p:childTnLst>
+                          </p:cTn>
+                        </p:par>
+                        <p:par>
+                          <p:cTn id="90" fill="hold">
+                            <p:stCondLst>
+                              <p:cond delay="11000"/>
+                            </p:stCondLst>
+                            <p:childTnLst>
+                              <p:par>
+                                <p:cTn id="91" presetID="10" presetClass="entr" presetSubtype="0" fill="hold" nodeType="afterEffect">
+                                  <p:stCondLst>
+                                    <p:cond delay="0"/>
+                                  </p:stCondLst>
+                                  <p:childTnLst>
+                                    <p:set>
+                                      <p:cBhvr>
+                                        <p:cTn id="92" dur="1" fill="hold">
+                                          <p:stCondLst>
+                                            <p:cond delay="0"/>
+                                          </p:stCondLst>
+                                        </p:cTn>
+                                        <p:tgtEl>
+                                          <p:spTgt spid="5">
+                                            <p:txEl>
+                                              <p:pRg st="26" end="26"/>
+                                            </p:txEl>
+                                          </p:spTgt>
+                                        </p:tgtEl>
+                                        <p:attrNameLst>
+                                          <p:attrName>style.visibility</p:attrName>
+                                        </p:attrNameLst>
+                                      </p:cBhvr>
+                                      <p:to>
+                                        <p:strVal val="visible"/>
+                                      </p:to>
+                                    </p:set>
+                                    <p:animEffect transition="in" filter="fade">
+                                      <p:cBhvr>
+                                        <p:cTn id="93" dur="500"/>
+                                        <p:tgtEl>
+                                          <p:spTgt spid="5">
+                                            <p:txEl>
+                                              <p:pRg st="26" end="26"/>
+                                            </p:txEl>
+                                          </p:spTgt>
+                                        </p:tgtEl>
+                                      </p:cBhvr>
+                                    </p:animEffect>
+                                  </p:childTnLst>
+                                </p:cTn>
+                              </p:par>
+                            </p:childTnLst>
+                          </p:cTn>
+                        </p:par>
+                        <p:par>
+                          <p:cTn id="94" fill="hold">
+                            <p:stCondLst>
+                              <p:cond delay="11500"/>
+                            </p:stCondLst>
+                            <p:childTnLst>
+                              <p:par>
+                                <p:cTn id="95" presetID="10" presetClass="entr" presetSubtype="0" fill="hold" nodeType="afterEffect">
+                                  <p:stCondLst>
+                                    <p:cond delay="0"/>
+                                  </p:stCondLst>
+                                  <p:childTnLst>
+                                    <p:set>
+                                      <p:cBhvr>
+                                        <p:cTn id="96" dur="1" fill="hold">
+                                          <p:stCondLst>
+                                            <p:cond delay="0"/>
+                                          </p:stCondLst>
+                                        </p:cTn>
+                                        <p:tgtEl>
+                                          <p:spTgt spid="5">
+                                            <p:txEl>
+                                              <p:pRg st="27" end="27"/>
+                                            </p:txEl>
+                                          </p:spTgt>
+                                        </p:tgtEl>
+                                        <p:attrNameLst>
+                                          <p:attrName>style.visibility</p:attrName>
+                                        </p:attrNameLst>
+                                      </p:cBhvr>
+                                      <p:to>
+                                        <p:strVal val="visible"/>
+                                      </p:to>
+                                    </p:set>
+                                    <p:animEffect transition="in" filter="fade">
+                                      <p:cBhvr>
+                                        <p:cTn id="97" dur="500"/>
+                                        <p:tgtEl>
+                                          <p:spTgt spid="5">
+                                            <p:txEl>
+                                              <p:pRg st="27" end="27"/>
+                                            </p:txEl>
+                                          </p:spTgt>
+                                        </p:tgtEl>
+                                      </p:cBhvr>
+                                    </p:animEffect>
+                                  </p:childTnLst>
+                                </p:cTn>
+                              </p:par>
+                            </p:childTnLst>
+                          </p:cTn>
+                        </p:par>
+                        <p:par>
+                          <p:cTn id="98" fill="hold">
+                            <p:stCondLst>
+                              <p:cond delay="12000"/>
+                            </p:stCondLst>
+                            <p:childTnLst>
+                              <p:par>
+                                <p:cTn id="99" presetID="10" presetClass="entr" presetSubtype="0" fill="hold" nodeType="afterEffect">
+                                  <p:stCondLst>
+                                    <p:cond delay="0"/>
+                                  </p:stCondLst>
+                                  <p:childTnLst>
+                                    <p:set>
+                                      <p:cBhvr>
+                                        <p:cTn id="100" dur="1" fill="hold">
+                                          <p:stCondLst>
+                                            <p:cond delay="0"/>
+                                          </p:stCondLst>
+                                        </p:cTn>
+                                        <p:tgtEl>
+                                          <p:spTgt spid="5">
+                                            <p:txEl>
+                                              <p:pRg st="28" end="28"/>
+                                            </p:txEl>
+                                          </p:spTgt>
+                                        </p:tgtEl>
+                                        <p:attrNameLst>
+                                          <p:attrName>style.visibility</p:attrName>
+                                        </p:attrNameLst>
+                                      </p:cBhvr>
+                                      <p:to>
+                                        <p:strVal val="visible"/>
+                                      </p:to>
+                                    </p:set>
+                                    <p:animEffect transition="in" filter="fade">
+                                      <p:cBhvr>
+                                        <p:cTn id="101" dur="500"/>
+                                        <p:tgtEl>
+                                          <p:spTgt spid="5">
+                                            <p:txEl>
+                                              <p:pRg st="28" end="28"/>
+                                            </p:txEl>
+                                          </p:spTgt>
+                                        </p:tgtEl>
+                                      </p:cBhvr>
+                                    </p:animEffect>
+                                  </p:childTnLst>
+                                </p:cTn>
+                              </p:par>
+                            </p:childTnLst>
+                          </p:cTn>
+                        </p:par>
+                        <p:par>
+                          <p:cTn id="102" fill="hold">
+                            <p:stCondLst>
+                              <p:cond delay="12500"/>
+                            </p:stCondLst>
+                            <p:childTnLst>
+                              <p:par>
+                                <p:cTn id="103" presetID="10" presetClass="entr" presetSubtype="0" fill="hold" nodeType="afterEffect">
+                                  <p:stCondLst>
+                                    <p:cond delay="0"/>
+                                  </p:stCondLst>
+                                  <p:childTnLst>
+                                    <p:set>
+                                      <p:cBhvr>
+                                        <p:cTn id="104" dur="1" fill="hold">
+                                          <p:stCondLst>
+                                            <p:cond delay="0"/>
+                                          </p:stCondLst>
+                                        </p:cTn>
+                                        <p:tgtEl>
+                                          <p:spTgt spid="5">
+                                            <p:txEl>
+                                              <p:pRg st="29" end="29"/>
+                                            </p:txEl>
+                                          </p:spTgt>
+                                        </p:tgtEl>
+                                        <p:attrNameLst>
+                                          <p:attrName>style.visibility</p:attrName>
+                                        </p:attrNameLst>
+                                      </p:cBhvr>
+                                      <p:to>
+                                        <p:strVal val="visible"/>
+                                      </p:to>
+                                    </p:set>
+                                    <p:animEffect transition="in" filter="fade">
+                                      <p:cBhvr>
+                                        <p:cTn id="105" dur="500"/>
+                                        <p:tgtEl>
+                                          <p:spTgt spid="5">
+                                            <p:txEl>
+                                              <p:pRg st="29" end="29"/>
+                                            </p:txEl>
+                                          </p:spTgt>
+                                        </p:tgtEl>
+                                      </p:cBhvr>
+                                    </p:animEffect>
+                                  </p:childTnLst>
+                                </p:cTn>
+                              </p:par>
+                              <p:par>
+                                <p:cTn id="106" presetID="10" presetClass="entr" presetSubtype="0" fill="hold" nodeType="withEffect">
+                                  <p:stCondLst>
+                                    <p:cond delay="0"/>
+                                  </p:stCondLst>
+                                  <p:childTnLst>
+                                    <p:set>
+                                      <p:cBhvr>
+                                        <p:cTn id="107" dur="1" fill="hold">
+                                          <p:stCondLst>
+                                            <p:cond delay="0"/>
+                                          </p:stCondLst>
+                                        </p:cTn>
+                                        <p:tgtEl>
+                                          <p:spTgt spid="5">
+                                            <p:txEl>
+                                              <p:pRg st="30" end="30"/>
+                                            </p:txEl>
+                                          </p:spTgt>
+                                        </p:tgtEl>
+                                        <p:attrNameLst>
+                                          <p:attrName>style.visibility</p:attrName>
+                                        </p:attrNameLst>
+                                      </p:cBhvr>
+                                      <p:to>
+                                        <p:strVal val="visible"/>
+                                      </p:to>
+                                    </p:set>
+                                    <p:animEffect transition="in" filter="fade">
+                                      <p:cBhvr>
+                                        <p:cTn id="108" dur="500"/>
+                                        <p:tgtEl>
+                                          <p:spTgt spid="5">
+                                            <p:txEl>
+                                              <p:pRg st="30" end="30"/>
+                                            </p:txEl>
+                                          </p:spTgt>
+                                        </p:tgtEl>
+                                      </p:cBhvr>
+                                    </p:animEffect>
+                                  </p:childTnLst>
+                                </p:cTn>
+                              </p:par>
+                            </p:childTnLst>
+                          </p:cTn>
+                        </p:par>
+                        <p:par>
+                          <p:cTn id="109" fill="hold">
+                            <p:stCondLst>
+                              <p:cond delay="13000"/>
+                            </p:stCondLst>
+                            <p:childTnLst>
+                              <p:par>
+                                <p:cTn id="110" presetID="10" presetClass="entr" presetSubtype="0" fill="hold" nodeType="afterEffect">
+                                  <p:stCondLst>
+                                    <p:cond delay="0"/>
+                                  </p:stCondLst>
+                                  <p:childTnLst>
+                                    <p:set>
+                                      <p:cBhvr>
+                                        <p:cTn id="111" dur="1" fill="hold">
+                                          <p:stCondLst>
+                                            <p:cond delay="0"/>
+                                          </p:stCondLst>
+                                        </p:cTn>
+                                        <p:tgtEl>
+                                          <p:spTgt spid="5">
+                                            <p:txEl>
+                                              <p:pRg st="0" end="0"/>
+                                            </p:txEl>
+                                          </p:spTgt>
+                                        </p:tgtEl>
+                                        <p:attrNameLst>
+                                          <p:attrName>style.visibility</p:attrName>
+                                        </p:attrNameLst>
+                                      </p:cBhvr>
+                                      <p:to>
+                                        <p:strVal val="visible"/>
+                                      </p:to>
+                                    </p:set>
+                                    <p:animEffect transition="in" filter="fade">
+                                      <p:cBhvr>
+                                        <p:cTn id="112" dur="500"/>
+                                        <p:tgtEl>
+                                          <p:spTgt spid="5">
+                                            <p:txEl>
+                                              <p:pRg st="0" end="0"/>
                                             </p:txEl>
                                           </p:spTgt>
                                         </p:tgtEl>
@@ -9055,7 +10112,7 @@
                   </a:outerShdw>
                 </a:effectLst>
               </a:rPr>
-              <a:t>The Patent, Design and Trademark Act, 2022</a:t>
+              <a:t>The Copyright Act, 2059</a:t>
             </a:r>
           </a:p>
         </p:txBody>
@@ -9094,7 +10151,7 @@
     </p:spTree>
     <p:extLst>
       <p:ext uri="{BB962C8B-B14F-4D97-AF65-F5344CB8AC3E}">
-        <p14:creationId xmlns:p14="http://schemas.microsoft.com/office/powerpoint/2010/main" val="3972514039"/>
+        <p14:creationId xmlns:p14="http://schemas.microsoft.com/office/powerpoint/2010/main" val="2742486279"/>
       </p:ext>
     </p:extLst>
   </p:cSld>
@@ -9172,7 +10229,7 @@
                   </a:outerShdw>
                 </a:effectLst>
               </a:rPr>
-              <a:t>The Copyright Act, 2059</a:t>
+              <a:t>National Intellectual Property Policy, 2073</a:t>
             </a:r>
           </a:p>
         </p:txBody>
@@ -9211,7 +10268,7 @@
     </p:spTree>
     <p:extLst>
       <p:ext uri="{BB962C8B-B14F-4D97-AF65-F5344CB8AC3E}">
-        <p14:creationId xmlns:p14="http://schemas.microsoft.com/office/powerpoint/2010/main" val="2742486279"/>
+        <p14:creationId xmlns:p14="http://schemas.microsoft.com/office/powerpoint/2010/main" val="914534059"/>
       </p:ext>
     </p:extLst>
   </p:cSld>
@@ -9289,7 +10346,7 @@
                   </a:outerShdw>
                 </a:effectLst>
               </a:rPr>
-              <a:t>National Intellectual Property Policy, 2073</a:t>
+              <a:t>Electronic Transaction Act, 2073</a:t>
             </a:r>
           </a:p>
         </p:txBody>
@@ -9328,7 +10385,7 @@
     </p:spTree>
     <p:extLst>
       <p:ext uri="{BB962C8B-B14F-4D97-AF65-F5344CB8AC3E}">
-        <p14:creationId xmlns:p14="http://schemas.microsoft.com/office/powerpoint/2010/main" val="914534059"/>
+        <p14:creationId xmlns:p14="http://schemas.microsoft.com/office/powerpoint/2010/main" val="999148043"/>
       </p:ext>
     </p:extLst>
   </p:cSld>
@@ -9406,7 +10463,7 @@
                   </a:outerShdw>
                 </a:effectLst>
               </a:rPr>
-              <a:t>Electronic Transaction Act, 2073</a:t>
+              <a:t>ICT Policy, 2072</a:t>
             </a:r>
           </a:p>
         </p:txBody>
@@ -9445,7 +10502,7 @@
     </p:spTree>
     <p:extLst>
       <p:ext uri="{BB962C8B-B14F-4D97-AF65-F5344CB8AC3E}">
-        <p14:creationId xmlns:p14="http://schemas.microsoft.com/office/powerpoint/2010/main" val="999148043"/>
+        <p14:creationId xmlns:p14="http://schemas.microsoft.com/office/powerpoint/2010/main" val="1074064937"/>
       </p:ext>
     </p:extLst>
   </p:cSld>
@@ -10418,6 +11475,151 @@
 </file>
 
 <file path=customXml/item1.xml><?xml version="1.0" encoding="utf-8"?>
+<?mso-contentType ?>
+<FormTemplates xmlns="http://schemas.microsoft.com/sharepoint/v3/contenttype/forms">
+  <Display>DocumentLibraryForm</Display>
+  <Edit>AssetEditForm</Edit>
+  <New>DocumentLibraryForm</New>
+</FormTemplates>
+</file>
+
+<file path=customXml/item2.xml><?xml version="1.0" encoding="utf-8"?>
+<p:properties xmlns:p="http://schemas.microsoft.com/office/2006/metadata/properties" xmlns:xsi="http://www.w3.org/2001/XMLSchema-instance" xmlns:pc="http://schemas.microsoft.com/office/infopath/2007/PartnerControls">
+  <documentManagement>
+    <LocPublishedLinkedAssetsLookup xmlns="4873beb7-5857-4685-be1f-d57550cc96cc" xsi:nil="true"/>
+    <ApprovalStatus xmlns="4873beb7-5857-4685-be1f-d57550cc96cc">InProgress</ApprovalStatus>
+    <MarketSpecific xmlns="4873beb7-5857-4685-be1f-d57550cc96cc">false</MarketSpecific>
+    <LocComments xmlns="4873beb7-5857-4685-be1f-d57550cc96cc" xsi:nil="true"/>
+    <LocLastLocAttemptVersionTypeLookup xmlns="4873beb7-5857-4685-be1f-d57550cc96cc" xsi:nil="true"/>
+    <DirectSourceMarket xmlns="4873beb7-5857-4685-be1f-d57550cc96cc" xsi:nil="true"/>
+    <ThumbnailAssetId xmlns="4873beb7-5857-4685-be1f-d57550cc96cc" xsi:nil="true"/>
+    <PrimaryImageGen xmlns="4873beb7-5857-4685-be1f-d57550cc96cc">false</PrimaryImageGen>
+    <LocNewPublishedVersionLookup xmlns="4873beb7-5857-4685-be1f-d57550cc96cc" xsi:nil="true"/>
+    <LegacyData xmlns="4873beb7-5857-4685-be1f-d57550cc96cc" xsi:nil="true"/>
+    <LocRecommendedHandoff xmlns="4873beb7-5857-4685-be1f-d57550cc96cc" xsi:nil="true"/>
+    <BusinessGroup xmlns="4873beb7-5857-4685-be1f-d57550cc96cc" xsi:nil="true"/>
+    <BlockPublish xmlns="4873beb7-5857-4685-be1f-d57550cc96cc">false</BlockPublish>
+    <TPFriendlyName xmlns="4873beb7-5857-4685-be1f-d57550cc96cc" xsi:nil="true"/>
+    <LocOverallPublishStatusLookup xmlns="4873beb7-5857-4685-be1f-d57550cc96cc" xsi:nil="true"/>
+    <NumericId xmlns="4873beb7-5857-4685-be1f-d57550cc96cc" xsi:nil="true"/>
+    <APEditor xmlns="4873beb7-5857-4685-be1f-d57550cc96cc">
+      <UserInfo>
+        <DisplayName/>
+        <AccountId xsi:nil="true"/>
+        <AccountType/>
+      </UserInfo>
+    </APEditor>
+    <SourceTitle xmlns="4873beb7-5857-4685-be1f-d57550cc96cc" xsi:nil="true"/>
+    <OpenTemplate xmlns="4873beb7-5857-4685-be1f-d57550cc96cc">true</OpenTemplate>
+    <LocOverallLocStatusLookup xmlns="4873beb7-5857-4685-be1f-d57550cc96cc" xsi:nil="true"/>
+    <UALocComments xmlns="4873beb7-5857-4685-be1f-d57550cc96cc" xsi:nil="true"/>
+    <ParentAssetId xmlns="4873beb7-5857-4685-be1f-d57550cc96cc" xsi:nil="true"/>
+    <IntlLangReviewDate xmlns="4873beb7-5857-4685-be1f-d57550cc96cc" xsi:nil="true"/>
+    <FeatureTagsTaxHTField0 xmlns="4873beb7-5857-4685-be1f-d57550cc96cc">
+      <Terms xmlns="http://schemas.microsoft.com/office/infopath/2007/PartnerControls"/>
+    </FeatureTagsTaxHTField0>
+    <PublishStatusLookup xmlns="4873beb7-5857-4685-be1f-d57550cc96cc">
+      <Value>1345093</Value>
+    </PublishStatusLookup>
+    <Providers xmlns="4873beb7-5857-4685-be1f-d57550cc96cc" xsi:nil="true"/>
+    <MachineTranslated xmlns="4873beb7-5857-4685-be1f-d57550cc96cc">false</MachineTranslated>
+    <OriginalSourceMarket xmlns="4873beb7-5857-4685-be1f-d57550cc96cc" xsi:nil="true"/>
+    <APDescription xmlns="4873beb7-5857-4685-be1f-d57550cc96cc">This simple template design works for technology and  businesses, but it's versatile enough to use in other contexts.  It features multiple slide layouts designed for widescreen (16x9 resolution) and includes a sample SmartArt list and chart that are easily editable.</APDescription>
+    <ClipArtFilename xmlns="4873beb7-5857-4685-be1f-d57550cc96cc" xsi:nil="true"/>
+    <ContentItem xmlns="4873beb7-5857-4685-be1f-d57550cc96cc" xsi:nil="true"/>
+    <TPInstallLocation xmlns="4873beb7-5857-4685-be1f-d57550cc96cc" xsi:nil="true"/>
+    <PublishTargets xmlns="4873beb7-5857-4685-be1f-d57550cc96cc">OfficeOnlineVNext</PublishTargets>
+    <TimesCloned xmlns="4873beb7-5857-4685-be1f-d57550cc96cc" xsi:nil="true"/>
+    <AssetStart xmlns="4873beb7-5857-4685-be1f-d57550cc96cc">2011-11-26T00:30:00+00:00</AssetStart>
+    <Provider xmlns="4873beb7-5857-4685-be1f-d57550cc96cc" xsi:nil="true"/>
+    <AcquiredFrom xmlns="4873beb7-5857-4685-be1f-d57550cc96cc">Internal MS</AcquiredFrom>
+    <FriendlyTitle xmlns="4873beb7-5857-4685-be1f-d57550cc96cc" xsi:nil="true"/>
+    <LastHandOff xmlns="4873beb7-5857-4685-be1f-d57550cc96cc" xsi:nil="true"/>
+    <TPClientViewer xmlns="4873beb7-5857-4685-be1f-d57550cc96cc" xsi:nil="true"/>
+    <TemplateStatus xmlns="4873beb7-5857-4685-be1f-d57550cc96cc">Complete</TemplateStatus>
+    <Downloads xmlns="4873beb7-5857-4685-be1f-d57550cc96cc">0</Downloads>
+    <OOCacheId xmlns="4873beb7-5857-4685-be1f-d57550cc96cc" xsi:nil="true"/>
+    <IsDeleted xmlns="4873beb7-5857-4685-be1f-d57550cc96cc">false</IsDeleted>
+    <LocPublishedDependentAssetsLookup xmlns="4873beb7-5857-4685-be1f-d57550cc96cc" xsi:nil="true"/>
+    <TPExecutable xmlns="4873beb7-5857-4685-be1f-d57550cc96cc" xsi:nil="true"/>
+    <EditorialTags xmlns="4873beb7-5857-4685-be1f-d57550cc96cc" xsi:nil="true"/>
+    <SubmitterId xmlns="4873beb7-5857-4685-be1f-d57550cc96cc" xsi:nil="true"/>
+    <ApprovalLog xmlns="4873beb7-5857-4685-be1f-d57550cc96cc" xsi:nil="true"/>
+    <AssetType xmlns="4873beb7-5857-4685-be1f-d57550cc96cc">TP</AssetType>
+    <BugNumber xmlns="4873beb7-5857-4685-be1f-d57550cc96cc" xsi:nil="true"/>
+    <CSXSubmissionDate xmlns="4873beb7-5857-4685-be1f-d57550cc96cc" xsi:nil="true"/>
+    <CSXUpdate xmlns="4873beb7-5857-4685-be1f-d57550cc96cc">false</CSXUpdate>
+    <Milestone xmlns="4873beb7-5857-4685-be1f-d57550cc96cc" xsi:nil="true"/>
+    <RecommendationsModifier xmlns="4873beb7-5857-4685-be1f-d57550cc96cc" xsi:nil="true"/>
+    <OriginAsset xmlns="4873beb7-5857-4685-be1f-d57550cc96cc" xsi:nil="true"/>
+    <TPComponent xmlns="4873beb7-5857-4685-be1f-d57550cc96cc" xsi:nil="true"/>
+    <AssetId xmlns="4873beb7-5857-4685-be1f-d57550cc96cc">TP102787989</AssetId>
+    <IntlLocPriority xmlns="4873beb7-5857-4685-be1f-d57550cc96cc" xsi:nil="true"/>
+    <PolicheckWords xmlns="4873beb7-5857-4685-be1f-d57550cc96cc" xsi:nil="true"/>
+    <TPLaunchHelpLink xmlns="4873beb7-5857-4685-be1f-d57550cc96cc" xsi:nil="true"/>
+    <TPApplication xmlns="4873beb7-5857-4685-be1f-d57550cc96cc" xsi:nil="true"/>
+    <CrawlForDependencies xmlns="4873beb7-5857-4685-be1f-d57550cc96cc">false</CrawlForDependencies>
+    <HandoffToMSDN xmlns="4873beb7-5857-4685-be1f-d57550cc96cc" xsi:nil="true"/>
+    <PlannedPubDate xmlns="4873beb7-5857-4685-be1f-d57550cc96cc" xsi:nil="true"/>
+    <IntlLangReviewer xmlns="4873beb7-5857-4685-be1f-d57550cc96cc" xsi:nil="true"/>
+    <TrustLevel xmlns="4873beb7-5857-4685-be1f-d57550cc96cc">1 Microsoft Managed Content</TrustLevel>
+    <LocLastLocAttemptVersionLookup xmlns="4873beb7-5857-4685-be1f-d57550cc96cc">694266</LocLastLocAttemptVersionLookup>
+    <LocProcessedForHandoffsLookup xmlns="4873beb7-5857-4685-be1f-d57550cc96cc" xsi:nil="true"/>
+    <IsSearchable xmlns="4873beb7-5857-4685-be1f-d57550cc96cc">true</IsSearchable>
+    <TemplateTemplateType xmlns="4873beb7-5857-4685-be1f-d57550cc96cc">PowerPoint Presentation Template</TemplateTemplateType>
+    <CampaignTagsTaxHTField0 xmlns="4873beb7-5857-4685-be1f-d57550cc96cc">
+      <Terms xmlns="http://schemas.microsoft.com/office/infopath/2007/PartnerControls"/>
+    </CampaignTagsTaxHTField0>
+    <TPNamespace xmlns="4873beb7-5857-4685-be1f-d57550cc96cc" xsi:nil="true"/>
+    <LocOverallPreviewStatusLookup xmlns="4873beb7-5857-4685-be1f-d57550cc96cc" xsi:nil="true"/>
+    <TaxCatchAll xmlns="4873beb7-5857-4685-be1f-d57550cc96cc"/>
+    <Markets xmlns="4873beb7-5857-4685-be1f-d57550cc96cc"/>
+    <UAProjectedTotalWords xmlns="4873beb7-5857-4685-be1f-d57550cc96cc" xsi:nil="true"/>
+    <IntlLangReview xmlns="4873beb7-5857-4685-be1f-d57550cc96cc" xsi:nil="true"/>
+    <OutputCachingOn xmlns="4873beb7-5857-4685-be1f-d57550cc96cc">false</OutputCachingOn>
+    <AverageRating xmlns="4873beb7-5857-4685-be1f-d57550cc96cc" xsi:nil="true"/>
+    <APAuthor xmlns="4873beb7-5857-4685-be1f-d57550cc96cc">
+      <UserInfo>
+        <DisplayName>REDMOND\kristaa</DisplayName>
+        <AccountId>136</AccountId>
+        <AccountType/>
+      </UserInfo>
+    </APAuthor>
+    <LocManualTestRequired xmlns="4873beb7-5857-4685-be1f-d57550cc96cc">false</LocManualTestRequired>
+    <TPCommandLine xmlns="4873beb7-5857-4685-be1f-d57550cc96cc" xsi:nil="true"/>
+    <TPAppVersion xmlns="4873beb7-5857-4685-be1f-d57550cc96cc" xsi:nil="true"/>
+    <EditorialStatus xmlns="4873beb7-5857-4685-be1f-d57550cc96cc">Complete</EditorialStatus>
+    <LastModifiedDateTime xmlns="4873beb7-5857-4685-be1f-d57550cc96cc" xsi:nil="true"/>
+    <ScenarioTagsTaxHTField0 xmlns="4873beb7-5857-4685-be1f-d57550cc96cc">
+      <Terms xmlns="http://schemas.microsoft.com/office/infopath/2007/PartnerControls"/>
+    </ScenarioTagsTaxHTField0>
+    <LocProcessedForMarketsLookup xmlns="4873beb7-5857-4685-be1f-d57550cc96cc" xsi:nil="true"/>
+    <TPLaunchHelpLinkType xmlns="4873beb7-5857-4685-be1f-d57550cc96cc">Template</TPLaunchHelpLinkType>
+    <OriginalRelease xmlns="4873beb7-5857-4685-be1f-d57550cc96cc">15</OriginalRelease>
+    <LocalizationTagsTaxHTField0 xmlns="4873beb7-5857-4685-be1f-d57550cc96cc">
+      <Terms xmlns="http://schemas.microsoft.com/office/infopath/2007/PartnerControls"/>
+    </LocalizationTagsTaxHTField0>
+    <UACurrentWords xmlns="4873beb7-5857-4685-be1f-d57550cc96cc" xsi:nil="true"/>
+    <ArtSampleDocs xmlns="4873beb7-5857-4685-be1f-d57550cc96cc" xsi:nil="true"/>
+    <UALocRecommendation xmlns="4873beb7-5857-4685-be1f-d57550cc96cc">Localize</UALocRecommendation>
+    <Manager xmlns="4873beb7-5857-4685-be1f-d57550cc96cc" xsi:nil="true"/>
+    <LocOverallHandbackStatusLookup xmlns="4873beb7-5857-4685-be1f-d57550cc96cc" xsi:nil="true"/>
+    <ShowIn xmlns="4873beb7-5857-4685-be1f-d57550cc96cc">Show everywhere</ShowIn>
+    <UANotes xmlns="4873beb7-5857-4685-be1f-d57550cc96cc" xsi:nil="true"/>
+    <InternalTagsTaxHTField0 xmlns="4873beb7-5857-4685-be1f-d57550cc96cc">
+      <Terms xmlns="http://schemas.microsoft.com/office/infopath/2007/PartnerControls"/>
+    </InternalTagsTaxHTField0>
+    <CSXHash xmlns="4873beb7-5857-4685-be1f-d57550cc96cc" xsi:nil="true"/>
+    <VoteCount xmlns="4873beb7-5857-4685-be1f-d57550cc96cc" xsi:nil="true"/>
+    <AssetExpire xmlns="4873beb7-5857-4685-be1f-d57550cc96cc">2029-05-12T07:00:00+00:00</AssetExpire>
+    <DSATActionTaken xmlns="4873beb7-5857-4685-be1f-d57550cc96cc" xsi:nil="true"/>
+    <CSXSubmissionMarket xmlns="4873beb7-5857-4685-be1f-d57550cc96cc" xsi:nil="true"/>
+    <LocMarketGroupTiers2 xmlns="4873beb7-5857-4685-be1f-d57550cc96cc" xsi:nil="true"/>
+  </documentManagement>
+</p:properties>
+</file>
+
+<file path=customXml/item3.xml><?xml version="1.0" encoding="utf-8"?>
 <ct:contentTypeSchema xmlns:ct="http://schemas.microsoft.com/office/2006/metadata/contentType" xmlns:ma="http://schemas.microsoft.com/office/2006/metadata/properties/metaAttributes" ct:_="" ma:_="" ma:contentTypeName="TemplateFile" ma:contentTypeID="0x0101006EDDDB5EE6D98C44930B742096920B300400F5B6D36B3EF94B4E9A635CDF2A18F5B8" ma:contentTypeVersion="72" ma:contentTypeDescription="Create a new document." ma:contentTypeScope="" ma:versionID="a23e56308344d904b51738559c3d67c9">
   <xsd:schema xmlns:xsd="http://www.w3.org/2001/XMLSchema" xmlns:xs="http://www.w3.org/2001/XMLSchema" xmlns:p="http://schemas.microsoft.com/office/2006/metadata/properties" xmlns:ns2="4873beb7-5857-4685-be1f-d57550cc96cc" targetNamespace="http://schemas.microsoft.com/office/2006/metadata/properties" ma:root="true" ma:fieldsID="cd0908cc4600e77bf5da051303e00c8d" ns2:_="">
     <xsd:import namespace="4873beb7-5857-4685-be1f-d57550cc96cc"/>
@@ -11457,165 +12659,10 @@
 </ct:contentTypeSchema>
 </file>
 
-<file path=customXml/item2.xml><?xml version="1.0" encoding="utf-8"?>
-<p:properties xmlns:p="http://schemas.microsoft.com/office/2006/metadata/properties" xmlns:xsi="http://www.w3.org/2001/XMLSchema-instance" xmlns:pc="http://schemas.microsoft.com/office/infopath/2007/PartnerControls">
-  <documentManagement>
-    <LocPublishedLinkedAssetsLookup xmlns="4873beb7-5857-4685-be1f-d57550cc96cc" xsi:nil="true"/>
-    <ApprovalStatus xmlns="4873beb7-5857-4685-be1f-d57550cc96cc">InProgress</ApprovalStatus>
-    <MarketSpecific xmlns="4873beb7-5857-4685-be1f-d57550cc96cc">false</MarketSpecific>
-    <LocComments xmlns="4873beb7-5857-4685-be1f-d57550cc96cc" xsi:nil="true"/>
-    <LocLastLocAttemptVersionTypeLookup xmlns="4873beb7-5857-4685-be1f-d57550cc96cc" xsi:nil="true"/>
-    <DirectSourceMarket xmlns="4873beb7-5857-4685-be1f-d57550cc96cc" xsi:nil="true"/>
-    <ThumbnailAssetId xmlns="4873beb7-5857-4685-be1f-d57550cc96cc" xsi:nil="true"/>
-    <PrimaryImageGen xmlns="4873beb7-5857-4685-be1f-d57550cc96cc">false</PrimaryImageGen>
-    <LocNewPublishedVersionLookup xmlns="4873beb7-5857-4685-be1f-d57550cc96cc" xsi:nil="true"/>
-    <LegacyData xmlns="4873beb7-5857-4685-be1f-d57550cc96cc" xsi:nil="true"/>
-    <LocRecommendedHandoff xmlns="4873beb7-5857-4685-be1f-d57550cc96cc" xsi:nil="true"/>
-    <BusinessGroup xmlns="4873beb7-5857-4685-be1f-d57550cc96cc" xsi:nil="true"/>
-    <BlockPublish xmlns="4873beb7-5857-4685-be1f-d57550cc96cc">false</BlockPublish>
-    <TPFriendlyName xmlns="4873beb7-5857-4685-be1f-d57550cc96cc" xsi:nil="true"/>
-    <LocOverallPublishStatusLookup xmlns="4873beb7-5857-4685-be1f-d57550cc96cc" xsi:nil="true"/>
-    <NumericId xmlns="4873beb7-5857-4685-be1f-d57550cc96cc" xsi:nil="true"/>
-    <APEditor xmlns="4873beb7-5857-4685-be1f-d57550cc96cc">
-      <UserInfo>
-        <DisplayName/>
-        <AccountId xsi:nil="true"/>
-        <AccountType/>
-      </UserInfo>
-    </APEditor>
-    <SourceTitle xmlns="4873beb7-5857-4685-be1f-d57550cc96cc" xsi:nil="true"/>
-    <OpenTemplate xmlns="4873beb7-5857-4685-be1f-d57550cc96cc">true</OpenTemplate>
-    <LocOverallLocStatusLookup xmlns="4873beb7-5857-4685-be1f-d57550cc96cc" xsi:nil="true"/>
-    <UALocComments xmlns="4873beb7-5857-4685-be1f-d57550cc96cc" xsi:nil="true"/>
-    <ParentAssetId xmlns="4873beb7-5857-4685-be1f-d57550cc96cc" xsi:nil="true"/>
-    <IntlLangReviewDate xmlns="4873beb7-5857-4685-be1f-d57550cc96cc" xsi:nil="true"/>
-    <FeatureTagsTaxHTField0 xmlns="4873beb7-5857-4685-be1f-d57550cc96cc">
-      <Terms xmlns="http://schemas.microsoft.com/office/infopath/2007/PartnerControls"/>
-    </FeatureTagsTaxHTField0>
-    <PublishStatusLookup xmlns="4873beb7-5857-4685-be1f-d57550cc96cc">
-      <Value>1345093</Value>
-    </PublishStatusLookup>
-    <Providers xmlns="4873beb7-5857-4685-be1f-d57550cc96cc" xsi:nil="true"/>
-    <MachineTranslated xmlns="4873beb7-5857-4685-be1f-d57550cc96cc">false</MachineTranslated>
-    <OriginalSourceMarket xmlns="4873beb7-5857-4685-be1f-d57550cc96cc" xsi:nil="true"/>
-    <APDescription xmlns="4873beb7-5857-4685-be1f-d57550cc96cc">This simple template design works for technology and  businesses, but it's versatile enough to use in other contexts.  It features multiple slide layouts designed for widescreen (16x9 resolution) and includes a sample SmartArt list and chart that are easily editable.</APDescription>
-    <ClipArtFilename xmlns="4873beb7-5857-4685-be1f-d57550cc96cc" xsi:nil="true"/>
-    <ContentItem xmlns="4873beb7-5857-4685-be1f-d57550cc96cc" xsi:nil="true"/>
-    <TPInstallLocation xmlns="4873beb7-5857-4685-be1f-d57550cc96cc" xsi:nil="true"/>
-    <PublishTargets xmlns="4873beb7-5857-4685-be1f-d57550cc96cc">OfficeOnlineVNext</PublishTargets>
-    <TimesCloned xmlns="4873beb7-5857-4685-be1f-d57550cc96cc" xsi:nil="true"/>
-    <AssetStart xmlns="4873beb7-5857-4685-be1f-d57550cc96cc">2011-11-26T00:30:00+00:00</AssetStart>
-    <Provider xmlns="4873beb7-5857-4685-be1f-d57550cc96cc" xsi:nil="true"/>
-    <AcquiredFrom xmlns="4873beb7-5857-4685-be1f-d57550cc96cc">Internal MS</AcquiredFrom>
-    <FriendlyTitle xmlns="4873beb7-5857-4685-be1f-d57550cc96cc" xsi:nil="true"/>
-    <LastHandOff xmlns="4873beb7-5857-4685-be1f-d57550cc96cc" xsi:nil="true"/>
-    <TPClientViewer xmlns="4873beb7-5857-4685-be1f-d57550cc96cc" xsi:nil="true"/>
-    <TemplateStatus xmlns="4873beb7-5857-4685-be1f-d57550cc96cc">Complete</TemplateStatus>
-    <Downloads xmlns="4873beb7-5857-4685-be1f-d57550cc96cc">0</Downloads>
-    <OOCacheId xmlns="4873beb7-5857-4685-be1f-d57550cc96cc" xsi:nil="true"/>
-    <IsDeleted xmlns="4873beb7-5857-4685-be1f-d57550cc96cc">false</IsDeleted>
-    <LocPublishedDependentAssetsLookup xmlns="4873beb7-5857-4685-be1f-d57550cc96cc" xsi:nil="true"/>
-    <TPExecutable xmlns="4873beb7-5857-4685-be1f-d57550cc96cc" xsi:nil="true"/>
-    <EditorialTags xmlns="4873beb7-5857-4685-be1f-d57550cc96cc" xsi:nil="true"/>
-    <SubmitterId xmlns="4873beb7-5857-4685-be1f-d57550cc96cc" xsi:nil="true"/>
-    <ApprovalLog xmlns="4873beb7-5857-4685-be1f-d57550cc96cc" xsi:nil="true"/>
-    <AssetType xmlns="4873beb7-5857-4685-be1f-d57550cc96cc">TP</AssetType>
-    <BugNumber xmlns="4873beb7-5857-4685-be1f-d57550cc96cc" xsi:nil="true"/>
-    <CSXSubmissionDate xmlns="4873beb7-5857-4685-be1f-d57550cc96cc" xsi:nil="true"/>
-    <CSXUpdate xmlns="4873beb7-5857-4685-be1f-d57550cc96cc">false</CSXUpdate>
-    <Milestone xmlns="4873beb7-5857-4685-be1f-d57550cc96cc" xsi:nil="true"/>
-    <RecommendationsModifier xmlns="4873beb7-5857-4685-be1f-d57550cc96cc" xsi:nil="true"/>
-    <OriginAsset xmlns="4873beb7-5857-4685-be1f-d57550cc96cc" xsi:nil="true"/>
-    <TPComponent xmlns="4873beb7-5857-4685-be1f-d57550cc96cc" xsi:nil="true"/>
-    <AssetId xmlns="4873beb7-5857-4685-be1f-d57550cc96cc">TP102787989</AssetId>
-    <IntlLocPriority xmlns="4873beb7-5857-4685-be1f-d57550cc96cc" xsi:nil="true"/>
-    <PolicheckWords xmlns="4873beb7-5857-4685-be1f-d57550cc96cc" xsi:nil="true"/>
-    <TPLaunchHelpLink xmlns="4873beb7-5857-4685-be1f-d57550cc96cc" xsi:nil="true"/>
-    <TPApplication xmlns="4873beb7-5857-4685-be1f-d57550cc96cc" xsi:nil="true"/>
-    <CrawlForDependencies xmlns="4873beb7-5857-4685-be1f-d57550cc96cc">false</CrawlForDependencies>
-    <HandoffToMSDN xmlns="4873beb7-5857-4685-be1f-d57550cc96cc" xsi:nil="true"/>
-    <PlannedPubDate xmlns="4873beb7-5857-4685-be1f-d57550cc96cc" xsi:nil="true"/>
-    <IntlLangReviewer xmlns="4873beb7-5857-4685-be1f-d57550cc96cc" xsi:nil="true"/>
-    <TrustLevel xmlns="4873beb7-5857-4685-be1f-d57550cc96cc">1 Microsoft Managed Content</TrustLevel>
-    <LocLastLocAttemptVersionLookup xmlns="4873beb7-5857-4685-be1f-d57550cc96cc">694266</LocLastLocAttemptVersionLookup>
-    <LocProcessedForHandoffsLookup xmlns="4873beb7-5857-4685-be1f-d57550cc96cc" xsi:nil="true"/>
-    <IsSearchable xmlns="4873beb7-5857-4685-be1f-d57550cc96cc">true</IsSearchable>
-    <TemplateTemplateType xmlns="4873beb7-5857-4685-be1f-d57550cc96cc">PowerPoint Presentation Template</TemplateTemplateType>
-    <CampaignTagsTaxHTField0 xmlns="4873beb7-5857-4685-be1f-d57550cc96cc">
-      <Terms xmlns="http://schemas.microsoft.com/office/infopath/2007/PartnerControls"/>
-    </CampaignTagsTaxHTField0>
-    <TPNamespace xmlns="4873beb7-5857-4685-be1f-d57550cc96cc" xsi:nil="true"/>
-    <LocOverallPreviewStatusLookup xmlns="4873beb7-5857-4685-be1f-d57550cc96cc" xsi:nil="true"/>
-    <TaxCatchAll xmlns="4873beb7-5857-4685-be1f-d57550cc96cc"/>
-    <Markets xmlns="4873beb7-5857-4685-be1f-d57550cc96cc"/>
-    <UAProjectedTotalWords xmlns="4873beb7-5857-4685-be1f-d57550cc96cc" xsi:nil="true"/>
-    <IntlLangReview xmlns="4873beb7-5857-4685-be1f-d57550cc96cc" xsi:nil="true"/>
-    <OutputCachingOn xmlns="4873beb7-5857-4685-be1f-d57550cc96cc">false</OutputCachingOn>
-    <AverageRating xmlns="4873beb7-5857-4685-be1f-d57550cc96cc" xsi:nil="true"/>
-    <APAuthor xmlns="4873beb7-5857-4685-be1f-d57550cc96cc">
-      <UserInfo>
-        <DisplayName>REDMOND\kristaa</DisplayName>
-        <AccountId>136</AccountId>
-        <AccountType/>
-      </UserInfo>
-    </APAuthor>
-    <LocManualTestRequired xmlns="4873beb7-5857-4685-be1f-d57550cc96cc">false</LocManualTestRequired>
-    <TPCommandLine xmlns="4873beb7-5857-4685-be1f-d57550cc96cc" xsi:nil="true"/>
-    <TPAppVersion xmlns="4873beb7-5857-4685-be1f-d57550cc96cc" xsi:nil="true"/>
-    <EditorialStatus xmlns="4873beb7-5857-4685-be1f-d57550cc96cc">Complete</EditorialStatus>
-    <LastModifiedDateTime xmlns="4873beb7-5857-4685-be1f-d57550cc96cc" xsi:nil="true"/>
-    <ScenarioTagsTaxHTField0 xmlns="4873beb7-5857-4685-be1f-d57550cc96cc">
-      <Terms xmlns="http://schemas.microsoft.com/office/infopath/2007/PartnerControls"/>
-    </ScenarioTagsTaxHTField0>
-    <LocProcessedForMarketsLookup xmlns="4873beb7-5857-4685-be1f-d57550cc96cc" xsi:nil="true"/>
-    <TPLaunchHelpLinkType xmlns="4873beb7-5857-4685-be1f-d57550cc96cc">Template</TPLaunchHelpLinkType>
-    <OriginalRelease xmlns="4873beb7-5857-4685-be1f-d57550cc96cc">15</OriginalRelease>
-    <LocalizationTagsTaxHTField0 xmlns="4873beb7-5857-4685-be1f-d57550cc96cc">
-      <Terms xmlns="http://schemas.microsoft.com/office/infopath/2007/PartnerControls"/>
-    </LocalizationTagsTaxHTField0>
-    <UACurrentWords xmlns="4873beb7-5857-4685-be1f-d57550cc96cc" xsi:nil="true"/>
-    <ArtSampleDocs xmlns="4873beb7-5857-4685-be1f-d57550cc96cc" xsi:nil="true"/>
-    <UALocRecommendation xmlns="4873beb7-5857-4685-be1f-d57550cc96cc">Localize</UALocRecommendation>
-    <Manager xmlns="4873beb7-5857-4685-be1f-d57550cc96cc" xsi:nil="true"/>
-    <LocOverallHandbackStatusLookup xmlns="4873beb7-5857-4685-be1f-d57550cc96cc" xsi:nil="true"/>
-    <ShowIn xmlns="4873beb7-5857-4685-be1f-d57550cc96cc">Show everywhere</ShowIn>
-    <UANotes xmlns="4873beb7-5857-4685-be1f-d57550cc96cc" xsi:nil="true"/>
-    <InternalTagsTaxHTField0 xmlns="4873beb7-5857-4685-be1f-d57550cc96cc">
-      <Terms xmlns="http://schemas.microsoft.com/office/infopath/2007/PartnerControls"/>
-    </InternalTagsTaxHTField0>
-    <CSXHash xmlns="4873beb7-5857-4685-be1f-d57550cc96cc" xsi:nil="true"/>
-    <VoteCount xmlns="4873beb7-5857-4685-be1f-d57550cc96cc" xsi:nil="true"/>
-    <AssetExpire xmlns="4873beb7-5857-4685-be1f-d57550cc96cc">2029-05-12T07:00:00+00:00</AssetExpire>
-    <DSATActionTaken xmlns="4873beb7-5857-4685-be1f-d57550cc96cc" xsi:nil="true"/>
-    <CSXSubmissionMarket xmlns="4873beb7-5857-4685-be1f-d57550cc96cc" xsi:nil="true"/>
-    <LocMarketGroupTiers2 xmlns="4873beb7-5857-4685-be1f-d57550cc96cc" xsi:nil="true"/>
-  </documentManagement>
-</p:properties>
-</file>
-
-<file path=customXml/item3.xml><?xml version="1.0" encoding="utf-8"?>
-<?mso-contentType ?>
-<FormTemplates xmlns="http://schemas.microsoft.com/sharepoint/v3/contenttype/forms">
-  <Display>DocumentLibraryForm</Display>
-  <Edit>AssetEditForm</Edit>
-  <New>DocumentLibraryForm</New>
-</FormTemplates>
-</file>
-
 <file path=customXml/itemProps1.xml><?xml version="1.0" encoding="utf-8"?>
-<ds:datastoreItem xmlns:ds="http://schemas.openxmlformats.org/officeDocument/2006/customXml" ds:itemID="{A09BF4D4-EF60-4196-BFC3-9462D607978C}">
+<ds:datastoreItem xmlns:ds="http://schemas.openxmlformats.org/officeDocument/2006/customXml" ds:itemID="{3836F65B-1B07-41EE-A0E8-BC6EF3855225}">
   <ds:schemaRefs>
-    <ds:schemaRef ds:uri="http://schemas.microsoft.com/office/2006/metadata/contentType"/>
-    <ds:schemaRef ds:uri="http://schemas.microsoft.com/office/2006/metadata/properties/metaAttributes"/>
-    <ds:schemaRef ds:uri="http://www.w3.org/2001/XMLSchema"/>
-    <ds:schemaRef ds:uri="http://schemas.microsoft.com/office/2006/metadata/properties"/>
-    <ds:schemaRef ds:uri="4873beb7-5857-4685-be1f-d57550cc96cc"/>
-    <ds:schemaRef ds:uri="http://schemas.microsoft.com/office/2006/documentManagement/types"/>
-    <ds:schemaRef ds:uri="http://schemas.microsoft.com/office/infopath/2007/PartnerControls"/>
-    <ds:schemaRef ds:uri="http://schemas.openxmlformats.org/package/2006/metadata/core-properties"/>
-    <ds:schemaRef ds:uri="http://purl.org/dc/elements/1.1/"/>
-    <ds:schemaRef ds:uri="http://purl.org/dc/terms/"/>
-    <ds:schemaRef ds:uri="http://schemas.microsoft.com/internal/obd"/>
+    <ds:schemaRef ds:uri="http://schemas.microsoft.com/sharepoint/v3/contenttype/forms"/>
   </ds:schemaRefs>
 </ds:datastoreItem>
 </file>
@@ -11637,9 +12684,19 @@
 </file>
 
 <file path=customXml/itemProps3.xml><?xml version="1.0" encoding="utf-8"?>
-<ds:datastoreItem xmlns:ds="http://schemas.openxmlformats.org/officeDocument/2006/customXml" ds:itemID="{3836F65B-1B07-41EE-A0E8-BC6EF3855225}">
+<ds:datastoreItem xmlns:ds="http://schemas.openxmlformats.org/officeDocument/2006/customXml" ds:itemID="{A09BF4D4-EF60-4196-BFC3-9462D607978C}">
   <ds:schemaRefs>
-    <ds:schemaRef ds:uri="http://schemas.microsoft.com/sharepoint/v3/contenttype/forms"/>
+    <ds:schemaRef ds:uri="http://schemas.microsoft.com/office/2006/metadata/contentType"/>
+    <ds:schemaRef ds:uri="http://schemas.microsoft.com/office/2006/metadata/properties/metaAttributes"/>
+    <ds:schemaRef ds:uri="http://www.w3.org/2001/XMLSchema"/>
+    <ds:schemaRef ds:uri="http://schemas.microsoft.com/office/2006/metadata/properties"/>
+    <ds:schemaRef ds:uri="4873beb7-5857-4685-be1f-d57550cc96cc"/>
+    <ds:schemaRef ds:uri="http://schemas.microsoft.com/office/2006/documentManagement/types"/>
+    <ds:schemaRef ds:uri="http://schemas.microsoft.com/office/infopath/2007/PartnerControls"/>
+    <ds:schemaRef ds:uri="http://schemas.openxmlformats.org/package/2006/metadata/core-properties"/>
+    <ds:schemaRef ds:uri="http://purl.org/dc/elements/1.1/"/>
+    <ds:schemaRef ds:uri="http://purl.org/dc/terms/"/>
+    <ds:schemaRef ds:uri="http://schemas.microsoft.com/internal/obd"/>
   </ds:schemaRefs>
 </ds:datastoreItem>
 </file>
--- a/presentation.pptx
+++ b/presentation.pptx
@@ -5,10 +5,10 @@
     <p:sldMasterId id="2147483660" r:id="rId4"/>
   </p:sldMasterIdLst>
   <p:notesMasterIdLst>
-    <p:notesMasterId r:id="rId15"/>
+    <p:notesMasterId r:id="rId16"/>
   </p:notesMasterIdLst>
   <p:handoutMasterIdLst>
-    <p:handoutMasterId r:id="rId16"/>
+    <p:handoutMasterId r:id="rId17"/>
   </p:handoutMasterIdLst>
   <p:sldIdLst>
     <p:sldId id="257" r:id="rId5"/>
@@ -20,7 +20,8 @@
     <p:sldId id="277" r:id="rId11"/>
     <p:sldId id="276" r:id="rId12"/>
     <p:sldId id="280" r:id="rId13"/>
-    <p:sldId id="263" r:id="rId14"/>
+    <p:sldId id="281" r:id="rId14"/>
+    <p:sldId id="282" r:id="rId15"/>
   </p:sldIdLst>
   <p:sldSz cx="12188825" cy="6858000"/>
   <p:notesSz cx="6858000" cy="9144000"/>
@@ -234,7 +235,7 @@
           <a:p>
             <a:fld id="{FE5B4EDC-59C0-49C7-8ADA-5A781B329E02}" type="datetimeFigureOut">
               <a:rPr lang="en-US"/>
-              <a:t>4/17/2022</a:t>
+              <a:t>4/18/2022</a:t>
             </a:fld>
             <a:endParaRPr/>
           </a:p>
@@ -399,7 +400,7 @@
           <a:p>
             <a:fld id="{F2D8D46A-B586-417D-BFBD-8C8FE0AAF762}" type="datetimeFigureOut">
               <a:rPr lang="en-US"/>
-              <a:t>4/17/2022</a:t>
+              <a:t>4/18/2022</a:t>
             </a:fld>
             <a:endParaRPr/>
           </a:p>
@@ -1417,7 +1418,7 @@
           <a:p>
             <a:fld id="{F0DFD029-FB74-4578-B929-F66AA97659CA}" type="datetimeFigureOut">
               <a:rPr lang="en-US"/>
-              <a:t>4/17/2022</a:t>
+              <a:t>4/18/2022</a:t>
             </a:fld>
             <a:endParaRPr/>
           </a:p>
@@ -1615,7 +1616,7 @@
           <a:p>
             <a:fld id="{F0DFD029-FB74-4578-B929-F66AA97659CA}" type="datetimeFigureOut">
               <a:rPr lang="en-US"/>
-              <a:t>4/17/2022</a:t>
+              <a:t>4/18/2022</a:t>
             </a:fld>
             <a:endParaRPr/>
           </a:p>
@@ -1823,7 +1824,7 @@
           <a:p>
             <a:fld id="{F0DFD029-FB74-4578-B929-F66AA97659CA}" type="datetimeFigureOut">
               <a:rPr lang="en-US"/>
-              <a:t>4/17/2022</a:t>
+              <a:t>4/18/2022</a:t>
             </a:fld>
             <a:endParaRPr/>
           </a:p>
@@ -2021,7 +2022,7 @@
           <a:p>
             <a:fld id="{F0DFD029-FB74-4578-B929-F66AA97659CA}" type="datetimeFigureOut">
               <a:rPr lang="en-US"/>
-              <a:t>4/17/2022</a:t>
+              <a:t>4/18/2022</a:t>
             </a:fld>
             <a:endParaRPr/>
           </a:p>
@@ -2453,7 +2454,7 @@
           <a:p>
             <a:fld id="{F0DFD029-FB74-4578-B929-F66AA97659CA}" type="datetimeFigureOut">
               <a:rPr lang="en-US"/>
-              <a:t>4/17/2022</a:t>
+              <a:t>4/18/2022</a:t>
             </a:fld>
             <a:endParaRPr/>
           </a:p>
@@ -2757,7 +2758,7 @@
           <a:p>
             <a:fld id="{F0DFD029-FB74-4578-B929-F66AA97659CA}" type="datetimeFigureOut">
               <a:rPr lang="en-US"/>
-              <a:t>4/17/2022</a:t>
+              <a:t>4/18/2022</a:t>
             </a:fld>
             <a:endParaRPr/>
           </a:p>
@@ -3213,7 +3214,7 @@
           <a:p>
             <a:fld id="{F0DFD029-FB74-4578-B929-F66AA97659CA}" type="datetimeFigureOut">
               <a:rPr lang="en-US"/>
-              <a:t>4/17/2022</a:t>
+              <a:t>4/18/2022</a:t>
             </a:fld>
             <a:endParaRPr/>
           </a:p>
@@ -3343,7 +3344,7 @@
           <a:p>
             <a:fld id="{F0DFD029-FB74-4578-B929-F66AA97659CA}" type="datetimeFigureOut">
               <a:rPr lang="en-US"/>
-              <a:t>4/17/2022</a:t>
+              <a:t>4/18/2022</a:t>
             </a:fld>
             <a:endParaRPr/>
           </a:p>
@@ -3450,7 +3451,7 @@
           <a:p>
             <a:fld id="{F0DFD029-FB74-4578-B929-F66AA97659CA}" type="datetimeFigureOut">
               <a:rPr lang="en-US"/>
-              <a:t>4/17/2022</a:t>
+              <a:t>4/18/2022</a:t>
             </a:fld>
             <a:endParaRPr/>
           </a:p>
@@ -3749,7 +3750,7 @@
           <a:p>
             <a:fld id="{F0DFD029-FB74-4578-B929-F66AA97659CA}" type="datetimeFigureOut">
               <a:rPr lang="en-US"/>
-              <a:t>4/17/2022</a:t>
+              <a:t>4/18/2022</a:t>
             </a:fld>
             <a:endParaRPr/>
           </a:p>
@@ -4037,7 +4038,7 @@
           <a:p>
             <a:fld id="{F0DFD029-FB74-4578-B929-F66AA97659CA}" type="datetimeFigureOut">
               <a:rPr lang="en-US"/>
-              <a:t>4/17/2022</a:t>
+              <a:t>4/18/2022</a:t>
             </a:fld>
             <a:endParaRPr/>
           </a:p>
@@ -4660,7 +4661,7 @@
             <a:fld id="{F0DFD029-FB74-4578-B929-F66AA97659CA}" type="datetimeFigureOut">
               <a:rPr lang="en-US"/>
               <a:pPr/>
-              <a:t>4/17/2022</a:t>
+              <a:t>4/18/2022</a:t>
             </a:fld>
             <a:endParaRPr/>
           </a:p>
@@ -5252,14 +5253,14 @@
   <p:clrMapOvr>
     <a:masterClrMapping/>
   </p:clrMapOvr>
-  <mc:AlternateContent xmlns:mc="http://schemas.openxmlformats.org/markup-compatibility/2006" xmlns:p159="http://schemas.microsoft.com/office/powerpoint/2015/09/main">
-    <mc:Choice Requires="p159">
-      <p:transition xmlns:p14="http://schemas.microsoft.com/office/powerpoint/2010/main" spd="slow" p14:dur="2000" advClick="0" advTm="1000">
+  <mc:AlternateContent xmlns:mc="http://schemas.openxmlformats.org/markup-compatibility/2006">
+    <mc:Choice xmlns:p159="http://schemas.microsoft.com/office/powerpoint/2015/09/main" Requires="p159">
+      <p:transition xmlns:p14="http://schemas.microsoft.com/office/powerpoint/2010/main" spd="slow" p14:dur="2000">
         <p159:morph option="byObject"/>
       </p:transition>
     </mc:Choice>
-    <mc:Fallback xmlns="">
-      <p:transition spd="slow" advClick="0" advTm="1000">
+    <mc:Fallback>
+      <p:transition spd="slow">
         <p:fade/>
       </p:transition>
     </mc:Fallback>
@@ -5630,10 +5631,237 @@
           <a:chExt cx="0" cy="0"/>
         </a:xfrm>
       </p:grpSpPr>
+      <p:sp>
+        <p:nvSpPr>
+          <p:cNvPr id="4" name="Title 3"/>
+          <p:cNvSpPr>
+            <a:spLocks noGrp="1"/>
+          </p:cNvSpPr>
+          <p:nvPr>
+            <p:ph type="title"/>
+          </p:nvPr>
+        </p:nvSpPr>
+        <p:spPr>
+          <a:xfrm>
+            <a:off x="1372958" y="228601"/>
+            <a:ext cx="9442908" cy="762000"/>
+          </a:xfrm>
+        </p:spPr>
+        <p:txBody>
+          <a:bodyPr>
+            <a:noAutofit/>
+          </a:bodyPr>
+          <a:lstStyle/>
+          <a:p>
+            <a:pPr algn="ctr"/>
+            <a:r>
+              <a:rPr lang="en-US" sz="4400" b="1" dirty="0">
+                <a:ln w="9525">
+                  <a:solidFill>
+                    <a:schemeClr val="bg1"/>
+                  </a:solidFill>
+                  <a:prstDash val="solid"/>
+                </a:ln>
+                <a:effectLst>
+                  <a:outerShdw blurRad="12700" dist="38100" dir="2700000" algn="tl" rotWithShape="0">
+                    <a:schemeClr val="bg1">
+                      <a:lumMod val="50000"/>
+                    </a:schemeClr>
+                  </a:outerShdw>
+                </a:effectLst>
+              </a:rPr>
+              <a:t>CONCLUSION</a:t>
+            </a:r>
+          </a:p>
+        </p:txBody>
+      </p:sp>
+      <p:sp>
+        <p:nvSpPr>
+          <p:cNvPr id="5" name="Text Placeholder 4"/>
+          <p:cNvSpPr>
+            <a:spLocks noGrp="1"/>
+          </p:cNvSpPr>
+          <p:nvPr>
+            <p:ph type="body" idx="1"/>
+          </p:nvPr>
+        </p:nvSpPr>
+        <p:spPr>
+          <a:xfrm>
+            <a:off x="417512" y="990601"/>
+            <a:ext cx="11353800" cy="5867399"/>
+          </a:xfrm>
+        </p:spPr>
+        <p:txBody>
+          <a:bodyPr>
+            <a:normAutofit/>
+          </a:bodyPr>
+          <a:lstStyle/>
+          <a:p>
+            <a:pPr algn="ctr"/>
+            <a:r>
+              <a:rPr lang="en-US" sz="2400" cap="none" dirty="0">
+                <a:solidFill>
+                  <a:schemeClr val="tx2"/>
+                </a:solidFill>
+              </a:rPr>
+              <a:t>The following presentation concludes that the above laws are important and they need to be implemented more strictly to reduce crimes and law breaches in our country. Especially for an underdeveloped country like Nepal, these country needs to implement the patent laws more strictly since almost all of the people, students specifically tend to copy information from a site without crediting the real author. Education about such topics need to be given to all people of all ages for making the implementation more fruitful.</a:t>
+            </a:r>
+            <a:endParaRPr lang="en-GB" sz="2400" cap="none" dirty="0">
+              <a:solidFill>
+                <a:schemeClr val="tx2"/>
+              </a:solidFill>
+            </a:endParaRPr>
+          </a:p>
+          <a:p>
+            <a:pPr algn="ctr"/>
+            <a:endParaRPr lang="en-US" sz="2400" b="1" u="sng" cap="none" dirty="0">
+              <a:solidFill>
+                <a:schemeClr val="tx2"/>
+              </a:solidFill>
+              <a:latin typeface="+mj-lt"/>
+            </a:endParaRPr>
+          </a:p>
+        </p:txBody>
+      </p:sp>
     </p:spTree>
     <p:extLst>
       <p:ext uri="{BB962C8B-B14F-4D97-AF65-F5344CB8AC3E}">
-        <p14:creationId xmlns:p14="http://schemas.microsoft.com/office/powerpoint/2010/main" val="1405850135"/>
+        <p14:creationId xmlns:p14="http://schemas.microsoft.com/office/powerpoint/2010/main" val="1510019163"/>
+      </p:ext>
+    </p:extLst>
+  </p:cSld>
+  <p:clrMapOvr>
+    <a:masterClrMapping/>
+  </p:clrMapOvr>
+  <mc:AlternateContent xmlns:mc="http://schemas.openxmlformats.org/markup-compatibility/2006">
+    <mc:Choice xmlns:p14="http://schemas.microsoft.com/office/powerpoint/2010/main" Requires="p14">
+      <p:transition spd="med" p14:dur="700">
+        <p:fade/>
+      </p:transition>
+    </mc:Choice>
+    <mc:Fallback>
+      <p:transition spd="med">
+        <p:fade/>
+      </p:transition>
+    </mc:Fallback>
+  </mc:AlternateContent>
+</p:sld>
+</file>
+
+<file path=ppt/slides/slide11.xml><?xml version="1.0" encoding="utf-8"?>
+<p:sld xmlns:a="http://schemas.openxmlformats.org/drawingml/2006/main" xmlns:r="http://schemas.openxmlformats.org/officeDocument/2006/relationships" xmlns:p="http://schemas.openxmlformats.org/presentationml/2006/main">
+  <p:cSld>
+    <p:spTree>
+      <p:nvGrpSpPr>
+        <p:cNvPr id="1" name=""/>
+        <p:cNvGrpSpPr/>
+        <p:nvPr/>
+      </p:nvGrpSpPr>
+      <p:grpSpPr>
+        <a:xfrm>
+          <a:off x="0" y="0"/>
+          <a:ext cx="0" cy="0"/>
+          <a:chOff x="0" y="0"/>
+          <a:chExt cx="0" cy="0"/>
+        </a:xfrm>
+      </p:grpSpPr>
+      <p:sp>
+        <p:nvSpPr>
+          <p:cNvPr id="2" name="Title 1">
+            <a:extLst>
+              <a:ext uri="{FF2B5EF4-FFF2-40B4-BE49-F238E27FC236}">
+                <a16:creationId xmlns:a16="http://schemas.microsoft.com/office/drawing/2014/main" id="{EC24980E-3EBC-4FAB-BB91-A623B557BD07}"/>
+              </a:ext>
+            </a:extLst>
+          </p:cNvPr>
+          <p:cNvSpPr>
+            <a:spLocks noGrp="1"/>
+          </p:cNvSpPr>
+          <p:nvPr>
+            <p:ph type="title"/>
+          </p:nvPr>
+        </p:nvSpPr>
+        <p:spPr>
+          <a:xfrm>
+            <a:off x="1522412" y="1828800"/>
+            <a:ext cx="8938472" cy="3276600"/>
+          </a:xfrm>
+        </p:spPr>
+        <p:txBody>
+          <a:bodyPr>
+            <a:noAutofit/>
+          </a:bodyPr>
+          <a:lstStyle/>
+          <a:p>
+            <a:r>
+              <a:rPr lang="en-US" sz="4400" dirty="0"/>
+              <a:t>If you have any questions ..., </a:t>
+            </a:r>
+            <a:br>
+              <a:rPr lang="en-US" sz="4400" dirty="0"/>
+            </a:br>
+            <a:r>
+              <a:rPr lang="en-US" sz="4400" dirty="0">
+                <a:solidFill>
+                  <a:srgbClr val="FF0000"/>
+                </a:solidFill>
+              </a:rPr>
+              <a:t>please keep it for yourself </a:t>
+            </a:r>
+            <a:br>
+              <a:rPr lang="en-US" sz="4400" dirty="0"/>
+            </a:br>
+            <a:r>
+              <a:rPr lang="en-US" sz="4400" dirty="0"/>
+              <a:t>I’m not google</a:t>
+            </a:r>
+            <a:br>
+              <a:rPr lang="en-US" sz="4400" dirty="0"/>
+            </a:br>
+            <a:br>
+              <a:rPr lang="en-US" sz="4400" dirty="0"/>
+            </a:br>
+            <a:r>
+              <a:rPr lang="en-US" sz="4400" dirty="0"/>
+              <a:t>You can google it yourself :)</a:t>
+            </a:r>
+          </a:p>
+        </p:txBody>
+      </p:sp>
+      <p:sp>
+        <p:nvSpPr>
+          <p:cNvPr id="3" name="Text Placeholder 2">
+            <a:extLst>
+              <a:ext uri="{FF2B5EF4-FFF2-40B4-BE49-F238E27FC236}">
+                <a16:creationId xmlns:a16="http://schemas.microsoft.com/office/drawing/2014/main" id="{ED0EF714-7A53-4089-8363-657739988BBA}"/>
+              </a:ext>
+            </a:extLst>
+          </p:cNvPr>
+          <p:cNvSpPr>
+            <a:spLocks noGrp="1"/>
+          </p:cNvSpPr>
+          <p:nvPr>
+            <p:ph type="body" idx="1"/>
+          </p:nvPr>
+        </p:nvSpPr>
+        <p:spPr>
+          <a:xfrm>
+            <a:off x="2741612" y="5867400"/>
+            <a:ext cx="7069519" cy="533399"/>
+          </a:xfrm>
+        </p:spPr>
+        <p:txBody>
+          <a:bodyPr/>
+          <a:lstStyle/>
+          <a:p>
+            <a:endParaRPr lang="en-US" dirty="0"/>
+          </a:p>
+        </p:txBody>
+      </p:sp>
+    </p:spTree>
+    <p:extLst>
+      <p:ext uri="{BB962C8B-B14F-4D97-AF65-F5344CB8AC3E}">
+        <p14:creationId xmlns:p14="http://schemas.microsoft.com/office/powerpoint/2010/main" val="3903424447"/>
       </p:ext>
     </p:extLst>
   </p:cSld>
@@ -5901,20 +6129,12 @@
               <a:buNone/>
             </a:pPr>
             <a:r>
-              <a:rPr lang="en-US" sz="3200" b="1" dirty="0" err="1">
+              <a:rPr lang="en-US" sz="3200" b="1" dirty="0">
                 <a:solidFill>
                   <a:schemeClr val="accent1"/>
                 </a:solidFill>
               </a:rPr>
-              <a:t>Presneted</a:t>
-            </a:r>
-            <a:r>
-              <a:rPr lang="en-US" sz="3200" b="1" dirty="0">
-                <a:solidFill>
-                  <a:schemeClr val="accent1"/>
-                </a:solidFill>
-              </a:rPr>
-              <a:t> by:</a:t>
+              <a:t>Presented by:</a:t>
             </a:r>
           </a:p>
           <a:p>
@@ -6032,7 +6252,7 @@
                   <a:schemeClr val="accent1"/>
                 </a:solidFill>
               </a:rPr>
-              <a:t>Unknown</a:t>
+              <a:t>Ishan Shrestha</a:t>
             </a:r>
           </a:p>
           <a:p>
@@ -6051,7 +6271,7 @@
                   <a:schemeClr val="accent1"/>
                 </a:solidFill>
               </a:rPr>
-              <a:t>Unknown</a:t>
+              <a:t>Chandan</a:t>
             </a:r>
             <a:br>
               <a:rPr lang="en-US" sz="2400" dirty="0">
@@ -6066,7 +6286,7 @@
                   <a:schemeClr val="accent1"/>
                 </a:solidFill>
               </a:rPr>
-              <a:t>Unknown</a:t>
+              <a:t>Aayush Yadav</a:t>
             </a:r>
           </a:p>
           <a:p>
@@ -6091,14 +6311,14 @@
   <p:clrMapOvr>
     <a:masterClrMapping/>
   </p:clrMapOvr>
-  <mc:AlternateContent xmlns:mc="http://schemas.openxmlformats.org/markup-compatibility/2006" xmlns:p14="http://schemas.microsoft.com/office/powerpoint/2010/main">
-    <mc:Choice Requires="p14">
-      <p:transition spd="med" p14:dur="700" advClick="0" advTm="1000">
+  <mc:AlternateContent xmlns:mc="http://schemas.openxmlformats.org/markup-compatibility/2006">
+    <mc:Choice xmlns:p14="http://schemas.microsoft.com/office/powerpoint/2010/main" Requires="p14">
+      <p:transition spd="med" p14:dur="700">
         <p:fade/>
       </p:transition>
     </mc:Choice>
-    <mc:Fallback xmlns="">
-      <p:transition spd="med" advClick="0" advTm="1000">
+    <mc:Fallback>
+      <p:transition spd="med">
         <p:fade/>
       </p:transition>
     </mc:Fallback>
@@ -7171,26 +7391,26 @@
           <a:lstStyle/>
           <a:p>
             <a:r>
-              <a:rPr lang="en-US" sz="1800" b="0" cap="none" dirty="0">
+              <a:rPr lang="en-US" sz="2000" b="0" cap="none" dirty="0">
                 <a:solidFill>
                   <a:schemeClr val="tx2"/>
                 </a:solidFill>
                 <a:effectLst/>
                 <a:latin typeface="+mj-lt"/>
               </a:rPr>
-              <a:t>I would like to acknowledge all those without whom this project would not have been successful. firstly, </a:t>
-            </a:r>
-            <a:r>
-              <a:rPr lang="en-US" sz="1800" cap="none" dirty="0">
+              <a:t>We would like to acknowledge all those without whom this project would not have been successful. firstly, </a:t>
+            </a:r>
+            <a:r>
+              <a:rPr lang="en-US" sz="2000" cap="none" dirty="0">
                 <a:solidFill>
                   <a:schemeClr val="tx2"/>
                 </a:solidFill>
                 <a:latin typeface="+mj-lt"/>
               </a:rPr>
-              <a:t>I</a:t>
-            </a:r>
-            <a:r>
-              <a:rPr lang="en-US" sz="1800" b="0" cap="none" dirty="0">
+              <a:t>we</a:t>
+            </a:r>
+            <a:r>
+              <a:rPr lang="en-US" sz="2000" b="0" cap="none" dirty="0">
                 <a:solidFill>
                   <a:schemeClr val="tx2"/>
                 </a:solidFill>
@@ -7200,7 +7420,7 @@
               <a:t> would wish to thank our computer science teacher </a:t>
             </a:r>
             <a:r>
-              <a:rPr lang="en-US" sz="1800" cap="none" dirty="0">
+              <a:rPr lang="en-US" sz="2000" cap="none" dirty="0">
                 <a:solidFill>
                   <a:schemeClr val="tx2"/>
                 </a:solidFill>
@@ -7209,7 +7429,7 @@
               <a:t>M</a:t>
             </a:r>
             <a:r>
-              <a:rPr lang="en-US" sz="1800" b="0" cap="none" dirty="0">
+              <a:rPr lang="en-US" sz="2000" b="0" cap="none" dirty="0">
                 <a:solidFill>
                   <a:schemeClr val="tx2"/>
                 </a:solidFill>
@@ -7219,7 +7439,7 @@
               <a:t>r. </a:t>
             </a:r>
             <a:r>
-              <a:rPr lang="en-US" sz="1800" cap="none" dirty="0">
+              <a:rPr lang="en-US" sz="2000" cap="none" dirty="0">
                 <a:solidFill>
                   <a:schemeClr val="tx2"/>
                 </a:solidFill>
@@ -7228,7 +7448,7 @@
               <a:t>K</a:t>
             </a:r>
             <a:r>
-              <a:rPr lang="en-US" sz="1800" b="0" cap="none" dirty="0">
+              <a:rPr lang="en-US" sz="2000" b="0" cap="none" dirty="0">
                 <a:solidFill>
                   <a:schemeClr val="tx2"/>
                 </a:solidFill>
@@ -7238,7 +7458,7 @@
               <a:t>apil </a:t>
             </a:r>
             <a:r>
-              <a:rPr lang="en-US" sz="1800" cap="none" dirty="0" err="1">
+              <a:rPr lang="en-US" sz="2000" cap="none" dirty="0" err="1">
                 <a:solidFill>
                   <a:schemeClr val="tx2"/>
                 </a:solidFill>
@@ -7247,7 +7467,7 @@
               <a:t>D</a:t>
             </a:r>
             <a:r>
-              <a:rPr lang="en-US" sz="1800" b="0" cap="none" dirty="0" err="1">
+              <a:rPr lang="en-US" sz="2000" b="0" cap="none" dirty="0" err="1">
                 <a:solidFill>
                   <a:schemeClr val="tx2"/>
                 </a:solidFill>
@@ -7257,18 +7477,18 @@
               <a:t>hungel</a:t>
             </a:r>
             <a:r>
-              <a:rPr lang="en-US" sz="1800" b="0" cap="none" dirty="0">
+              <a:rPr lang="en-US" sz="2000" b="0" cap="none" dirty="0">
                 <a:solidFill>
                   <a:schemeClr val="tx2"/>
                 </a:solidFill>
                 <a:effectLst/>
                 <a:latin typeface="+mj-lt"/>
               </a:rPr>
-              <a:t> who guided me throughout the project and gave his/her immense support. he made us understand how to successfully complete this project and without him, the project would not have been complete.</a:t>
-            </a:r>
-          </a:p>
-          <a:p>
-            <a:endParaRPr lang="en-US" sz="1800" cap="none" dirty="0">
+              <a:t> who guided us throughout the project and gave his immense support. he made us understand how to successfully complete this project and without him, the project would not have been complete.</a:t>
+            </a:r>
+          </a:p>
+          <a:p>
+            <a:endParaRPr lang="en-US" sz="2000" cap="none" dirty="0">
               <a:solidFill>
                 <a:schemeClr val="tx2"/>
               </a:solidFill>
@@ -7277,7 +7497,7 @@
           </a:p>
           <a:p>
             <a:r>
-              <a:rPr lang="en-US" sz="1800" cap="none" dirty="0">
+              <a:rPr lang="en-US" sz="2000" cap="none" dirty="0">
                 <a:solidFill>
                   <a:schemeClr val="tx2"/>
                 </a:solidFill>
@@ -7286,26 +7506,26 @@
               <a:t>T</a:t>
             </a:r>
             <a:r>
-              <a:rPr lang="en-US" sz="1800" b="0" cap="none" dirty="0">
+              <a:rPr lang="en-US" sz="2000" b="0" cap="none" dirty="0">
                 <a:solidFill>
                   <a:schemeClr val="tx2"/>
                 </a:solidFill>
                 <a:effectLst/>
                 <a:latin typeface="+mj-lt"/>
               </a:rPr>
-              <a:t>his project has been a source to learn and bring our theoretical knowledge to the real-life world. so, </a:t>
-            </a:r>
-            <a:r>
-              <a:rPr lang="en-US" sz="1800" cap="none" dirty="0">
+              <a:t>his project has been a source to learn and bring our theoretical knowledge to the real-life world. so, w</a:t>
+            </a:r>
+            <a:r>
+              <a:rPr lang="en-US" sz="2000" cap="none" dirty="0">
                 <a:solidFill>
                   <a:schemeClr val="tx2"/>
                 </a:solidFill>
                 <a:latin typeface="+mj-lt"/>
               </a:rPr>
-              <a:t>I</a:t>
-            </a:r>
-            <a:r>
-              <a:rPr lang="en-US" sz="1800" b="0" cap="none" dirty="0">
+              <a:t>e</a:t>
+            </a:r>
+            <a:r>
+              <a:rPr lang="en-US" sz="2000" b="0" cap="none" dirty="0">
                 <a:solidFill>
                   <a:schemeClr val="tx2"/>
                 </a:solidFill>
@@ -7314,7 +7534,7 @@
               </a:rPr>
               <a:t> would really acknowledge his help and guidance for this project.</a:t>
             </a:r>
-            <a:endParaRPr lang="en-US" sz="1800" cap="none" dirty="0">
+            <a:endParaRPr lang="en-US" sz="2000" cap="none" dirty="0">
               <a:solidFill>
                 <a:schemeClr val="tx2"/>
               </a:solidFill>
@@ -7333,14 +7553,14 @@
   <p:clrMapOvr>
     <a:masterClrMapping/>
   </p:clrMapOvr>
-  <mc:AlternateContent xmlns:mc="http://schemas.openxmlformats.org/markup-compatibility/2006" xmlns:p14="http://schemas.microsoft.com/office/powerpoint/2010/main">
-    <mc:Choice Requires="p14">
-      <p:transition spd="med" p14:dur="700" advTm="5000">
+  <mc:AlternateContent xmlns:mc="http://schemas.openxmlformats.org/markup-compatibility/2006">
+    <mc:Choice xmlns:p14="http://schemas.microsoft.com/office/powerpoint/2010/main" Requires="p14">
+      <p:transition spd="med" p14:dur="700">
         <p:fade/>
       </p:transition>
     </mc:Choice>
-    <mc:Fallback xmlns="">
-      <p:transition spd="med" advTm="5000">
+    <mc:Fallback>
+      <p:transition spd="med">
         <p:fade/>
       </p:transition>
     </mc:Fallback>
@@ -7805,14 +8025,14 @@
   <p:clrMapOvr>
     <a:masterClrMapping/>
   </p:clrMapOvr>
-  <mc:AlternateContent xmlns:mc="http://schemas.openxmlformats.org/markup-compatibility/2006" xmlns:p14="http://schemas.microsoft.com/office/powerpoint/2010/main">
-    <mc:Choice Requires="p14">
-      <p:transition spd="med" p14:dur="700" advTm="4000">
+  <mc:AlternateContent xmlns:mc="http://schemas.openxmlformats.org/markup-compatibility/2006">
+    <mc:Choice xmlns:p14="http://schemas.microsoft.com/office/powerpoint/2010/main" Requires="p14">
+      <p:transition spd="med" p14:dur="700">
         <p:fade/>
       </p:transition>
     </mc:Choice>
-    <mc:Fallback xmlns="">
-      <p:transition spd="med" advTm="4000">
+    <mc:Fallback>
+      <p:transition spd="med">
         <p:fade/>
       </p:transition>
     </mc:Fallback>
@@ -8244,7 +8464,7 @@
         </p:nvSpPr>
         <p:spPr>
           <a:xfrm>
-            <a:off x="1372958" y="381001"/>
+            <a:off x="1449158" y="228601"/>
             <a:ext cx="9442908" cy="762000"/>
           </a:xfrm>
         </p:spPr>
@@ -8271,7 +8491,7 @@
                   </a:outerShdw>
                 </a:effectLst>
               </a:rPr>
-              <a:t>The Patent, Design and Trademark Act, 2022</a:t>
+              <a:t>1) The Patent, Design and Trademark Act, 2022</a:t>
             </a:r>
           </a:p>
         </p:txBody>
@@ -8288,237 +8508,232 @@
         </p:nvSpPr>
         <p:spPr>
           <a:xfrm>
-            <a:off x="1223504" y="1143001"/>
-            <a:ext cx="9741816" cy="5333998"/>
+            <a:off x="531812" y="990601"/>
+            <a:ext cx="11125200" cy="6128657"/>
           </a:xfrm>
         </p:spPr>
         <p:txBody>
           <a:bodyPr>
-            <a:normAutofit fontScale="55000" lnSpcReduction="20000"/>
+            <a:normAutofit fontScale="77500" lnSpcReduction="20000"/>
           </a:bodyPr>
           <a:lstStyle/>
           <a:p>
-            <a:r>
-              <a:rPr lang="en-US" sz="2300" dirty="0"/>
+            <a:pPr algn="ctr">
+              <a:spcAft>
+                <a:spcPts val="500"/>
+              </a:spcAft>
+            </a:pPr>
+            <a:r>
+              <a:rPr lang="en-US" b="1" u="sng" dirty="0">
+                <a:solidFill>
+                  <a:schemeClr val="tx2"/>
+                </a:solidFill>
+              </a:rPr>
+              <a:t>RIGHT OVER THE PATENT</a:t>
+            </a:r>
+            <a:r>
+              <a:rPr lang="en-US" sz="2500" u="sng" dirty="0">
+                <a:solidFill>
+                  <a:schemeClr val="tx2"/>
+                </a:solidFill>
+              </a:rPr>
               <a:t> </a:t>
             </a:r>
-          </a:p>
-          <a:p>
-            <a:r>
-              <a:rPr lang="en-US" sz="2300" cap="none" dirty="0">
+            <a:endParaRPr lang="en-US" sz="2600" cap="none" dirty="0">
+              <a:solidFill>
+                <a:schemeClr val="tx2"/>
+              </a:solidFill>
+            </a:endParaRPr>
+          </a:p>
+          <a:p>
+            <a:pPr marL="457200" indent="-457200">
+              <a:buFont typeface="Arial" panose="020B0604020202020204" pitchFamily="34" charset="0"/>
+              <a:buChar char="•"/>
+            </a:pPr>
+            <a:r>
+              <a:rPr lang="en-US" sz="2600" cap="none" dirty="0">
                 <a:solidFill>
                   <a:schemeClr val="tx2"/>
                 </a:solidFill>
                 <a:latin typeface="+mj-lt"/>
               </a:rPr>
-              <a:t>                                            </a:t>
-            </a:r>
-            <a:r>
-              <a:rPr lang="en-US" sz="2500" b="1" u="sng" dirty="0"/>
-              <a:t>Patents</a:t>
-            </a:r>
-            <a:r>
-              <a:rPr lang="en-US" sz="2500" dirty="0"/>
+              <a:t>Any person, willing to have rights on any patent, has to register such patent under the patent design and trademark act.</a:t>
+            </a:r>
+          </a:p>
+          <a:p>
+            <a:pPr marL="457200" indent="-457200">
+              <a:buFont typeface="Arial" panose="020B0604020202020204" pitchFamily="34" charset="0"/>
+              <a:buChar char="•"/>
+            </a:pPr>
+            <a:r>
+              <a:rPr lang="en-US" sz="2600" cap="none" dirty="0">
+                <a:solidFill>
+                  <a:schemeClr val="tx2"/>
+                </a:solidFill>
+                <a:latin typeface="+mj-lt"/>
+              </a:rPr>
+              <a:t>Any patent registered in the name of any person shall not be copied use used or utilized without the patentee's written consent .</a:t>
+            </a:r>
+          </a:p>
+          <a:p>
+            <a:pPr marL="457200" indent="-457200">
+              <a:buFont typeface="Arial" panose="020B0604020202020204" pitchFamily="34" charset="0"/>
+              <a:buChar char="•"/>
+            </a:pPr>
+            <a:r>
+              <a:rPr lang="en-US" sz="2600" cap="none" dirty="0">
+                <a:solidFill>
+                  <a:schemeClr val="tx2"/>
+                </a:solidFill>
+                <a:latin typeface="+mj-lt"/>
+              </a:rPr>
+              <a:t>Ownership of a patent can be transferred in any way to any person as movable property.</a:t>
+            </a:r>
+          </a:p>
+          <a:p>
+            <a:endParaRPr lang="en-US" sz="2700" dirty="0"/>
+          </a:p>
+          <a:p>
+            <a:pPr algn="ctr">
+              <a:spcAft>
+                <a:spcPts val="500"/>
+              </a:spcAft>
+            </a:pPr>
+            <a:r>
+              <a:rPr lang="en-US" b="1" u="sng" dirty="0">
+                <a:solidFill>
+                  <a:schemeClr val="tx2"/>
+                </a:solidFill>
+              </a:rPr>
+              <a:t>RIGHT ON DESIGN</a:t>
+            </a:r>
+            <a:r>
+              <a:rPr lang="en-US" sz="2400" b="1" u="sng" dirty="0">
+                <a:solidFill>
+                  <a:schemeClr val="tx2"/>
+                </a:solidFill>
+              </a:rPr>
               <a:t> </a:t>
             </a:r>
           </a:p>
           <a:p>
-            <a:endParaRPr lang="en-US" sz="2700" cap="none" dirty="0"/>
-          </a:p>
-          <a:p>
-            <a:r>
-              <a:rPr lang="en-US" sz="2700" cap="none" dirty="0"/>
-              <a:t>1.  Acquisition of patent rights</a:t>
-            </a:r>
-          </a:p>
-          <a:p>
-            <a:r>
-              <a:rPr lang="en-US" sz="2700" cap="none" dirty="0"/>
-              <a:t>2.  Application for acquiring right over patent</a:t>
-            </a:r>
-          </a:p>
-          <a:p>
-            <a:r>
-              <a:rPr lang="en-US" sz="2700" cap="none" dirty="0"/>
-              <a:t>3.  Investigation by department</a:t>
-            </a:r>
-          </a:p>
-          <a:p>
-            <a:r>
-              <a:rPr lang="en-US" sz="2700" cap="none" dirty="0"/>
-              <a:t>4.  Circumstances in which patents cannot be registered </a:t>
-            </a:r>
-          </a:p>
-          <a:p>
-            <a:r>
-              <a:rPr lang="en-US" sz="2700" cap="none" dirty="0"/>
-              <a:t>5.  Registration of patent</a:t>
-            </a:r>
-          </a:p>
-          <a:p>
-            <a:r>
-              <a:rPr lang="en-US" sz="2700" cap="none" dirty="0"/>
-              <a:t>6.  Registered patents to be published</a:t>
-            </a:r>
-          </a:p>
-          <a:p>
-            <a:r>
-              <a:rPr lang="en-US" sz="2700" cap="none" dirty="0"/>
-              <a:t>7.  Term of patent</a:t>
-            </a:r>
-          </a:p>
-          <a:p>
-            <a:r>
-              <a:rPr lang="en-US" sz="2700" cap="none" dirty="0"/>
-              <a:t>8.  Submission of design or model of patent to government archives</a:t>
-            </a:r>
-          </a:p>
-          <a:p>
-            <a:r>
-              <a:rPr lang="en-US" sz="2700" cap="none" dirty="0"/>
-              <a:t>9.  Penalty for violation of section 3</a:t>
-            </a:r>
+            <a:pPr marL="457200" indent="-457200">
+              <a:spcAft>
+                <a:spcPts val="200"/>
+              </a:spcAft>
+              <a:buFont typeface="Arial" panose="020B0604020202020204" pitchFamily="34" charset="0"/>
+              <a:buChar char="•"/>
+            </a:pPr>
+            <a:r>
+              <a:rPr lang="en-US" sz="2600" cap="none" dirty="0">
+                <a:solidFill>
+                  <a:schemeClr val="tx2"/>
+                </a:solidFill>
+              </a:rPr>
+              <a:t>Any body may have a right on a design of any goods under the act, which is made or caused to be made by him, and has been registered in department.</a:t>
+            </a:r>
+          </a:p>
+          <a:p>
+            <a:pPr marL="457200" indent="-457200">
+              <a:spcAft>
+                <a:spcPts val="200"/>
+              </a:spcAft>
+              <a:buFont typeface="Arial" panose="020B0604020202020204" pitchFamily="34" charset="0"/>
+              <a:buChar char="•"/>
+            </a:pPr>
+            <a:r>
+              <a:rPr lang="en-US" sz="2600" cap="none" dirty="0">
+                <a:solidFill>
+                  <a:schemeClr val="tx2"/>
+                </a:solidFill>
+              </a:rPr>
+              <a:t>Owner ship of a design can be transfer.</a:t>
+            </a:r>
+          </a:p>
+          <a:p>
+            <a:pPr marL="457200" indent="-457200">
+              <a:buFont typeface="Arial" panose="020B0604020202020204" pitchFamily="34" charset="0"/>
+              <a:buChar char="•"/>
+            </a:pPr>
+            <a:r>
+              <a:rPr lang="en-US" sz="2600" cap="none" dirty="0">
+                <a:solidFill>
+                  <a:schemeClr val="tx2"/>
+                </a:solidFill>
+              </a:rPr>
+              <a:t>No body shall make any goods by using other’s design or in a way to manipulate the people in general and copying such design without written consent of the person in whose name design is registered.</a:t>
+            </a:r>
+          </a:p>
+          <a:p>
+            <a:pPr marL="342900" indent="-342900">
+              <a:buFont typeface="Arial" panose="020B0604020202020204" pitchFamily="34" charset="0"/>
+              <a:buChar char="•"/>
+            </a:pPr>
+            <a:endParaRPr lang="en-US" sz="2400" dirty="0"/>
           </a:p>
           <a:p>
             <a:endParaRPr lang="en-US" sz="2700" dirty="0"/>
           </a:p>
           <a:p>
-            <a:r>
-              <a:rPr lang="en-US" sz="2700" b="1" dirty="0"/>
-              <a:t>                                           </a:t>
-            </a:r>
-            <a:r>
-              <a:rPr lang="en-US" sz="2700" b="1" u="sng" dirty="0"/>
-              <a:t>Designs</a:t>
-            </a:r>
-          </a:p>
-          <a:p>
-            <a:endParaRPr lang="en-US" sz="2700" cap="none" dirty="0"/>
-          </a:p>
-          <a:p>
-            <a:r>
-              <a:rPr lang="en-US" sz="2700" cap="none" dirty="0"/>
-              <a:t>1.  Acquisition of title to design</a:t>
-            </a:r>
-          </a:p>
-          <a:p>
-            <a:r>
-              <a:rPr lang="en-US" sz="2700" cap="none" dirty="0"/>
-              <a:t>2.  Application for registration of design</a:t>
-            </a:r>
-          </a:p>
-          <a:p>
-            <a:r>
-              <a:rPr lang="en-US" sz="2700" cap="none" dirty="0"/>
-              <a:t>3.  Registration of design</a:t>
-            </a:r>
-          </a:p>
-          <a:p>
-            <a:r>
-              <a:rPr lang="en-US" sz="2700" cap="none" dirty="0"/>
-              <a:t>4.  Term of design</a:t>
-            </a:r>
-          </a:p>
-          <a:p>
-            <a:r>
-              <a:rPr lang="en-US" sz="2700" cap="none" dirty="0"/>
-              <a:t>5.  Punishment for contravention of section 12</a:t>
-            </a:r>
-          </a:p>
-          <a:p>
-            <a:endParaRPr lang="en-US" sz="2700" dirty="0"/>
-          </a:p>
-          <a:p>
-            <a:r>
-              <a:rPr lang="en-US" sz="2700" dirty="0"/>
-              <a:t>                                      </a:t>
-            </a:r>
-            <a:r>
-              <a:rPr lang="en-US" sz="2700" b="1" u="sng" dirty="0"/>
-              <a:t>Trade-Marks</a:t>
-            </a:r>
-          </a:p>
-          <a:p>
-            <a:endParaRPr lang="en-US" sz="2700" cap="none" dirty="0"/>
+            <a:pPr algn="ctr">
+              <a:spcAft>
+                <a:spcPts val="500"/>
+              </a:spcAft>
+            </a:pPr>
+            <a:r>
+              <a:rPr lang="en-US" b="1" u="sng" dirty="0">
+                <a:solidFill>
+                  <a:schemeClr val="tx2"/>
+                </a:solidFill>
+              </a:rPr>
+              <a:t>RIGHT ON TRADEMARK</a:t>
+            </a:r>
+            <a:endParaRPr lang="en-US" sz="2700" b="1" u="sng" cap="none" dirty="0">
+              <a:solidFill>
+                <a:schemeClr val="tx2"/>
+              </a:solidFill>
+            </a:endParaRPr>
           </a:p>
           <a:p>
             <a:pPr marL="457200" indent="-457200">
-              <a:buFont typeface="+mj-lt"/>
-              <a:buAutoNum type="arabicPeriod"/>
+              <a:buFont typeface="Arial" panose="020B0604020202020204" pitchFamily="34" charset="0"/>
+              <a:buChar char="•"/>
             </a:pPr>
             <a:r>
-              <a:rPr lang="en-US" sz="2700" cap="none" dirty="0"/>
-              <a:t>Acquisition of title to trade marks</a:t>
+              <a:rPr lang="en-US" sz="2600" cap="none" dirty="0">
+                <a:solidFill>
+                  <a:schemeClr val="tx2"/>
+                </a:solidFill>
+              </a:rPr>
+              <a:t>Any body may have a right on any trademark of his trade or business under the act having it registered in the department.</a:t>
             </a:r>
           </a:p>
           <a:p>
             <a:pPr marL="457200" indent="-457200">
-              <a:buFont typeface="+mj-lt"/>
-              <a:buAutoNum type="arabicPeriod"/>
+              <a:buFont typeface="Arial" panose="020B0604020202020204" pitchFamily="34" charset="0"/>
+              <a:buChar char="•"/>
             </a:pPr>
             <a:r>
-              <a:rPr lang="en-US" sz="2700" cap="none" dirty="0"/>
-              <a:t>Application for registration of trademark</a:t>
+              <a:rPr lang="en-US" sz="2600" cap="none" dirty="0">
+                <a:solidFill>
+                  <a:schemeClr val="tx2"/>
+                </a:solidFill>
+              </a:rPr>
+              <a:t>Nobody shall use or copy any trademark in a way of manipulating the people in general without a written consent of person in whose name the trademark is registered.</a:t>
             </a:r>
           </a:p>
           <a:p>
             <a:pPr marL="457200" indent="-457200">
-              <a:buFont typeface="+mj-lt"/>
-              <a:buAutoNum type="arabicPeriod"/>
+              <a:buFont typeface="Arial" panose="020B0604020202020204" pitchFamily="34" charset="0"/>
+              <a:buChar char="•"/>
             </a:pPr>
             <a:r>
-              <a:rPr lang="en-US" sz="2700" cap="none" dirty="0"/>
-              <a:t>Registration of trademark</a:t>
-            </a:r>
-          </a:p>
-          <a:p>
-            <a:pPr marL="457200" indent="-457200">
-              <a:buFont typeface="+mj-lt"/>
-              <a:buAutoNum type="arabicPeriod"/>
-            </a:pPr>
-            <a:r>
-              <a:rPr lang="en-US" sz="2700" cap="none" dirty="0"/>
-              <a:t>Classification of goods and services for trade-mark registration</a:t>
-            </a:r>
-          </a:p>
-          <a:p>
-            <a:pPr marL="457200" indent="-457200">
-              <a:buFont typeface="+mj-lt"/>
-              <a:buAutoNum type="arabicPeriod"/>
-            </a:pPr>
-            <a:r>
-              <a:rPr lang="en-US" sz="2700" cap="none" dirty="0"/>
-              <a:t>Prohibition to use trade-marks</a:t>
-            </a:r>
-          </a:p>
-          <a:p>
-            <a:pPr marL="457200" indent="-457200">
-              <a:buFont typeface="+mj-lt"/>
-              <a:buAutoNum type="arabicPeriod"/>
-            </a:pPr>
-            <a:r>
-              <a:rPr lang="en-US" sz="2700" cap="none" dirty="0"/>
-              <a:t>Time limit for use of trade-marks </a:t>
-            </a:r>
-          </a:p>
-          <a:p>
-            <a:pPr marL="457200" indent="-457200">
-              <a:buFont typeface="+mj-lt"/>
-              <a:buAutoNum type="arabicPeriod"/>
-            </a:pPr>
-            <a:r>
-              <a:rPr lang="en-US" sz="2700" cap="none" dirty="0"/>
-              <a:t>Term of trade-marks</a:t>
-            </a:r>
-          </a:p>
-          <a:p>
-            <a:pPr marL="457200" indent="-457200">
-              <a:buFont typeface="+mj-lt"/>
-              <a:buAutoNum type="arabicPeriod"/>
-            </a:pPr>
-            <a:r>
-              <a:rPr lang="en-US" sz="2700" cap="none" dirty="0"/>
-              <a:t>Punishment for illegal use of trade-marks</a:t>
+              <a:rPr lang="en-US" sz="2600" cap="none" dirty="0">
+                <a:solidFill>
+                  <a:schemeClr val="tx2"/>
+                </a:solidFill>
+              </a:rPr>
+              <a:t>Ownership of a trademark can be transferred to other with a permission of the department.</a:t>
             </a:r>
           </a:p>
           <a:p>
@@ -8704,7 +8919,7 @@
                                         <p:tgtEl>
                                           <p:spTgt spid="5">
                                             <p:txEl>
-                                              <p:pRg st="21" end="21"/>
+                                              <p:pRg st="11" end="11"/>
                                             </p:txEl>
                                           </p:spTgt>
                                         </p:tgtEl>
@@ -8722,7 +8937,7 @@
                                         <p:tgtEl>
                                           <p:spTgt spid="5">
                                             <p:txEl>
-                                              <p:pRg st="21" end="21"/>
+                                              <p:pRg st="11" end="11"/>
                                             </p:txEl>
                                           </p:spTgt>
                                         </p:tgtEl>
@@ -8756,7 +8971,7 @@
                                         <p:tgtEl>
                                           <p:spTgt spid="5">
                                             <p:txEl>
-                                              <p:pRg st="3" end="3"/>
+                                              <p:pRg st="0" end="0"/>
                                             </p:txEl>
                                           </p:spTgt>
                                         </p:tgtEl>
@@ -8774,7 +8989,7 @@
                                         <p:tgtEl>
                                           <p:spTgt spid="5">
                                             <p:txEl>
-                                              <p:pRg st="3" end="3"/>
+                                              <p:pRg st="0" end="0"/>
                                             </p:txEl>
                                           </p:spTgt>
                                         </p:tgtEl>
@@ -8808,7 +9023,7 @@
                                         <p:tgtEl>
                                           <p:spTgt spid="5">
                                             <p:txEl>
-                                              <p:pRg st="4" end="4"/>
+                                              <p:pRg st="5" end="5"/>
                                             </p:txEl>
                                           </p:spTgt>
                                         </p:tgtEl>
@@ -8826,1194 +9041,7 @@
                                         <p:tgtEl>
                                           <p:spTgt spid="5">
                                             <p:txEl>
-                                              <p:pRg st="4" end="4"/>
-                                            </p:txEl>
-                                          </p:spTgt>
-                                        </p:tgtEl>
-                                      </p:cBhvr>
-                                    </p:animEffect>
-                                  </p:childTnLst>
-                                </p:cTn>
-                              </p:par>
-                            </p:childTnLst>
-                          </p:cTn>
-                        </p:par>
-                        <p:par>
-                          <p:cTn id="22" fill="hold">
-                            <p:stCondLst>
-                              <p:cond delay="2500"/>
-                            </p:stCondLst>
-                            <p:childTnLst>
-                              <p:par>
-                                <p:cTn id="23" presetID="10" presetClass="entr" presetSubtype="0" fill="hold" nodeType="afterEffect">
-                                  <p:stCondLst>
-                                    <p:cond delay="0"/>
-                                  </p:stCondLst>
-                                  <p:childTnLst>
-                                    <p:set>
-                                      <p:cBhvr>
-                                        <p:cTn id="24" dur="1" fill="hold">
-                                          <p:stCondLst>
-                                            <p:cond delay="0"/>
-                                          </p:stCondLst>
-                                        </p:cTn>
-                                        <p:tgtEl>
-                                          <p:spTgt spid="5">
-                                            <p:txEl>
                                               <p:pRg st="5" end="5"/>
-                                            </p:txEl>
-                                          </p:spTgt>
-                                        </p:tgtEl>
-                                        <p:attrNameLst>
-                                          <p:attrName>style.visibility</p:attrName>
-                                        </p:attrNameLst>
-                                      </p:cBhvr>
-                                      <p:to>
-                                        <p:strVal val="visible"/>
-                                      </p:to>
-                                    </p:set>
-                                    <p:animEffect transition="in" filter="fade">
-                                      <p:cBhvr>
-                                        <p:cTn id="25" dur="500"/>
-                                        <p:tgtEl>
-                                          <p:spTgt spid="5">
-                                            <p:txEl>
-                                              <p:pRg st="5" end="5"/>
-                                            </p:txEl>
-                                          </p:spTgt>
-                                        </p:tgtEl>
-                                      </p:cBhvr>
-                                    </p:animEffect>
-                                  </p:childTnLst>
-                                </p:cTn>
-                              </p:par>
-                            </p:childTnLst>
-                          </p:cTn>
-                        </p:par>
-                        <p:par>
-                          <p:cTn id="26" fill="hold">
-                            <p:stCondLst>
-                              <p:cond delay="3000"/>
-                            </p:stCondLst>
-                            <p:childTnLst>
-                              <p:par>
-                                <p:cTn id="27" presetID="10" presetClass="entr" presetSubtype="0" fill="hold" nodeType="afterEffect">
-                                  <p:stCondLst>
-                                    <p:cond delay="0"/>
-                                  </p:stCondLst>
-                                  <p:childTnLst>
-                                    <p:set>
-                                      <p:cBhvr>
-                                        <p:cTn id="28" dur="1" fill="hold">
-                                          <p:stCondLst>
-                                            <p:cond delay="0"/>
-                                          </p:stCondLst>
-                                        </p:cTn>
-                                        <p:tgtEl>
-                                          <p:spTgt spid="5">
-                                            <p:txEl>
-                                              <p:pRg st="1" end="1"/>
-                                            </p:txEl>
-                                          </p:spTgt>
-                                        </p:tgtEl>
-                                        <p:attrNameLst>
-                                          <p:attrName>style.visibility</p:attrName>
-                                        </p:attrNameLst>
-                                      </p:cBhvr>
-                                      <p:to>
-                                        <p:strVal val="visible"/>
-                                      </p:to>
-                                    </p:set>
-                                    <p:animEffect transition="in" filter="fade">
-                                      <p:cBhvr>
-                                        <p:cTn id="29" dur="500"/>
-                                        <p:tgtEl>
-                                          <p:spTgt spid="5">
-                                            <p:txEl>
-                                              <p:pRg st="1" end="1"/>
-                                            </p:txEl>
-                                          </p:spTgt>
-                                        </p:tgtEl>
-                                      </p:cBhvr>
-                                    </p:animEffect>
-                                  </p:childTnLst>
-                                </p:cTn>
-                              </p:par>
-                            </p:childTnLst>
-                          </p:cTn>
-                        </p:par>
-                        <p:par>
-                          <p:cTn id="30" fill="hold">
-                            <p:stCondLst>
-                              <p:cond delay="3500"/>
-                            </p:stCondLst>
-                            <p:childTnLst>
-                              <p:par>
-                                <p:cTn id="31" presetID="10" presetClass="entr" presetSubtype="0" fill="hold" nodeType="afterEffect">
-                                  <p:stCondLst>
-                                    <p:cond delay="0"/>
-                                  </p:stCondLst>
-                                  <p:childTnLst>
-                                    <p:set>
-                                      <p:cBhvr>
-                                        <p:cTn id="32" dur="1" fill="hold">
-                                          <p:stCondLst>
-                                            <p:cond delay="0"/>
-                                          </p:stCondLst>
-                                        </p:cTn>
-                                        <p:tgtEl>
-                                          <p:spTgt spid="5">
-                                            <p:txEl>
-                                              <p:pRg st="6" end="6"/>
-                                            </p:txEl>
-                                          </p:spTgt>
-                                        </p:tgtEl>
-                                        <p:attrNameLst>
-                                          <p:attrName>style.visibility</p:attrName>
-                                        </p:attrNameLst>
-                                      </p:cBhvr>
-                                      <p:to>
-                                        <p:strVal val="visible"/>
-                                      </p:to>
-                                    </p:set>
-                                    <p:animEffect transition="in" filter="fade">
-                                      <p:cBhvr>
-                                        <p:cTn id="33" dur="500"/>
-                                        <p:tgtEl>
-                                          <p:spTgt spid="5">
-                                            <p:txEl>
-                                              <p:pRg st="6" end="6"/>
-                                            </p:txEl>
-                                          </p:spTgt>
-                                        </p:tgtEl>
-                                      </p:cBhvr>
-                                    </p:animEffect>
-                                  </p:childTnLst>
-                                </p:cTn>
-                              </p:par>
-                            </p:childTnLst>
-                          </p:cTn>
-                        </p:par>
-                        <p:par>
-                          <p:cTn id="34" fill="hold">
-                            <p:stCondLst>
-                              <p:cond delay="4000"/>
-                            </p:stCondLst>
-                            <p:childTnLst>
-                              <p:par>
-                                <p:cTn id="35" presetID="10" presetClass="entr" presetSubtype="0" fill="hold" nodeType="afterEffect">
-                                  <p:stCondLst>
-                                    <p:cond delay="0"/>
-                                  </p:stCondLst>
-                                  <p:childTnLst>
-                                    <p:set>
-                                      <p:cBhvr>
-                                        <p:cTn id="36" dur="1" fill="hold">
-                                          <p:stCondLst>
-                                            <p:cond delay="0"/>
-                                          </p:stCondLst>
-                                        </p:cTn>
-                                        <p:tgtEl>
-                                          <p:spTgt spid="5">
-                                            <p:txEl>
-                                              <p:pRg st="7" end="7"/>
-                                            </p:txEl>
-                                          </p:spTgt>
-                                        </p:tgtEl>
-                                        <p:attrNameLst>
-                                          <p:attrName>style.visibility</p:attrName>
-                                        </p:attrNameLst>
-                                      </p:cBhvr>
-                                      <p:to>
-                                        <p:strVal val="visible"/>
-                                      </p:to>
-                                    </p:set>
-                                    <p:animEffect transition="in" filter="fade">
-                                      <p:cBhvr>
-                                        <p:cTn id="37" dur="500"/>
-                                        <p:tgtEl>
-                                          <p:spTgt spid="5">
-                                            <p:txEl>
-                                              <p:pRg st="7" end="7"/>
-                                            </p:txEl>
-                                          </p:spTgt>
-                                        </p:tgtEl>
-                                      </p:cBhvr>
-                                    </p:animEffect>
-                                  </p:childTnLst>
-                                </p:cTn>
-                              </p:par>
-                            </p:childTnLst>
-                          </p:cTn>
-                        </p:par>
-                        <p:par>
-                          <p:cTn id="38" fill="hold">
-                            <p:stCondLst>
-                              <p:cond delay="4500"/>
-                            </p:stCondLst>
-                            <p:childTnLst>
-                              <p:par>
-                                <p:cTn id="39" presetID="10" presetClass="entr" presetSubtype="0" fill="hold" nodeType="afterEffect">
-                                  <p:stCondLst>
-                                    <p:cond delay="0"/>
-                                  </p:stCondLst>
-                                  <p:childTnLst>
-                                    <p:set>
-                                      <p:cBhvr>
-                                        <p:cTn id="40" dur="1" fill="hold">
-                                          <p:stCondLst>
-                                            <p:cond delay="0"/>
-                                          </p:stCondLst>
-                                        </p:cTn>
-                                        <p:tgtEl>
-                                          <p:spTgt spid="5">
-                                            <p:txEl>
-                                              <p:pRg st="8" end="8"/>
-                                            </p:txEl>
-                                          </p:spTgt>
-                                        </p:tgtEl>
-                                        <p:attrNameLst>
-                                          <p:attrName>style.visibility</p:attrName>
-                                        </p:attrNameLst>
-                                      </p:cBhvr>
-                                      <p:to>
-                                        <p:strVal val="visible"/>
-                                      </p:to>
-                                    </p:set>
-                                    <p:animEffect transition="in" filter="fade">
-                                      <p:cBhvr>
-                                        <p:cTn id="41" dur="500"/>
-                                        <p:tgtEl>
-                                          <p:spTgt spid="5">
-                                            <p:txEl>
-                                              <p:pRg st="8" end="8"/>
-                                            </p:txEl>
-                                          </p:spTgt>
-                                        </p:tgtEl>
-                                      </p:cBhvr>
-                                    </p:animEffect>
-                                  </p:childTnLst>
-                                </p:cTn>
-                              </p:par>
-                            </p:childTnLst>
-                          </p:cTn>
-                        </p:par>
-                        <p:par>
-                          <p:cTn id="42" fill="hold">
-                            <p:stCondLst>
-                              <p:cond delay="5000"/>
-                            </p:stCondLst>
-                            <p:childTnLst>
-                              <p:par>
-                                <p:cTn id="43" presetID="10" presetClass="entr" presetSubtype="0" fill="hold" nodeType="afterEffect">
-                                  <p:stCondLst>
-                                    <p:cond delay="0"/>
-                                  </p:stCondLst>
-                                  <p:childTnLst>
-                                    <p:set>
-                                      <p:cBhvr>
-                                        <p:cTn id="44" dur="1" fill="hold">
-                                          <p:stCondLst>
-                                            <p:cond delay="0"/>
-                                          </p:stCondLst>
-                                        </p:cTn>
-                                        <p:tgtEl>
-                                          <p:spTgt spid="5">
-                                            <p:txEl>
-                                              <p:pRg st="9" end="9"/>
-                                            </p:txEl>
-                                          </p:spTgt>
-                                        </p:tgtEl>
-                                        <p:attrNameLst>
-                                          <p:attrName>style.visibility</p:attrName>
-                                        </p:attrNameLst>
-                                      </p:cBhvr>
-                                      <p:to>
-                                        <p:strVal val="visible"/>
-                                      </p:to>
-                                    </p:set>
-                                    <p:animEffect transition="in" filter="fade">
-                                      <p:cBhvr>
-                                        <p:cTn id="45" dur="500"/>
-                                        <p:tgtEl>
-                                          <p:spTgt spid="5">
-                                            <p:txEl>
-                                              <p:pRg st="9" end="9"/>
-                                            </p:txEl>
-                                          </p:spTgt>
-                                        </p:tgtEl>
-                                      </p:cBhvr>
-                                    </p:animEffect>
-                                  </p:childTnLst>
-                                </p:cTn>
-                              </p:par>
-                            </p:childTnLst>
-                          </p:cTn>
-                        </p:par>
-                        <p:par>
-                          <p:cTn id="46" fill="hold">
-                            <p:stCondLst>
-                              <p:cond delay="5500"/>
-                            </p:stCondLst>
-                            <p:childTnLst>
-                              <p:par>
-                                <p:cTn id="47" presetID="10" presetClass="entr" presetSubtype="0" fill="hold" nodeType="afterEffect">
-                                  <p:stCondLst>
-                                    <p:cond delay="0"/>
-                                  </p:stCondLst>
-                                  <p:childTnLst>
-                                    <p:set>
-                                      <p:cBhvr>
-                                        <p:cTn id="48" dur="1" fill="hold">
-                                          <p:stCondLst>
-                                            <p:cond delay="0"/>
-                                          </p:stCondLst>
-                                        </p:cTn>
-                                        <p:tgtEl>
-                                          <p:spTgt spid="5">
-                                            <p:txEl>
-                                              <p:pRg st="10" end="10"/>
-                                            </p:txEl>
-                                          </p:spTgt>
-                                        </p:tgtEl>
-                                        <p:attrNameLst>
-                                          <p:attrName>style.visibility</p:attrName>
-                                        </p:attrNameLst>
-                                      </p:cBhvr>
-                                      <p:to>
-                                        <p:strVal val="visible"/>
-                                      </p:to>
-                                    </p:set>
-                                    <p:animEffect transition="in" filter="fade">
-                                      <p:cBhvr>
-                                        <p:cTn id="49" dur="500"/>
-                                        <p:tgtEl>
-                                          <p:spTgt spid="5">
-                                            <p:txEl>
-                                              <p:pRg st="10" end="10"/>
-                                            </p:txEl>
-                                          </p:spTgt>
-                                        </p:tgtEl>
-                                      </p:cBhvr>
-                                    </p:animEffect>
-                                  </p:childTnLst>
-                                </p:cTn>
-                              </p:par>
-                            </p:childTnLst>
-                          </p:cTn>
-                        </p:par>
-                        <p:par>
-                          <p:cTn id="50" fill="hold">
-                            <p:stCondLst>
-                              <p:cond delay="6000"/>
-                            </p:stCondLst>
-                            <p:childTnLst>
-                              <p:par>
-                                <p:cTn id="51" presetID="10" presetClass="entr" presetSubtype="0" fill="hold" nodeType="afterEffect">
-                                  <p:stCondLst>
-                                    <p:cond delay="0"/>
-                                  </p:stCondLst>
-                                  <p:childTnLst>
-                                    <p:set>
-                                      <p:cBhvr>
-                                        <p:cTn id="52" dur="1" fill="hold">
-                                          <p:stCondLst>
-                                            <p:cond delay="0"/>
-                                          </p:stCondLst>
-                                        </p:cTn>
-                                        <p:tgtEl>
-                                          <p:spTgt spid="5">
-                                            <p:txEl>
-                                              <p:pRg st="11" end="11"/>
-                                            </p:txEl>
-                                          </p:spTgt>
-                                        </p:tgtEl>
-                                        <p:attrNameLst>
-                                          <p:attrName>style.visibility</p:attrName>
-                                        </p:attrNameLst>
-                                      </p:cBhvr>
-                                      <p:to>
-                                        <p:strVal val="visible"/>
-                                      </p:to>
-                                    </p:set>
-                                    <p:animEffect transition="in" filter="fade">
-                                      <p:cBhvr>
-                                        <p:cTn id="53" dur="500"/>
-                                        <p:tgtEl>
-                                          <p:spTgt spid="5">
-                                            <p:txEl>
-                                              <p:pRg st="11" end="11"/>
-                                            </p:txEl>
-                                          </p:spTgt>
-                                        </p:tgtEl>
-                                      </p:cBhvr>
-                                    </p:animEffect>
-                                  </p:childTnLst>
-                                </p:cTn>
-                              </p:par>
-                            </p:childTnLst>
-                          </p:cTn>
-                        </p:par>
-                        <p:par>
-                          <p:cTn id="54" fill="hold">
-                            <p:stCondLst>
-                              <p:cond delay="6500"/>
-                            </p:stCondLst>
-                            <p:childTnLst>
-                              <p:par>
-                                <p:cTn id="55" presetID="10" presetClass="entr" presetSubtype="0" fill="hold" nodeType="afterEffect">
-                                  <p:stCondLst>
-                                    <p:cond delay="0"/>
-                                  </p:stCondLst>
-                                  <p:childTnLst>
-                                    <p:set>
-                                      <p:cBhvr>
-                                        <p:cTn id="56" dur="1" fill="hold">
-                                          <p:stCondLst>
-                                            <p:cond delay="0"/>
-                                          </p:stCondLst>
-                                        </p:cTn>
-                                        <p:tgtEl>
-                                          <p:spTgt spid="5">
-                                            <p:txEl>
-                                              <p:pRg st="23" end="23"/>
-                                            </p:txEl>
-                                          </p:spTgt>
-                                        </p:tgtEl>
-                                        <p:attrNameLst>
-                                          <p:attrName>style.visibility</p:attrName>
-                                        </p:attrNameLst>
-                                      </p:cBhvr>
-                                      <p:to>
-                                        <p:strVal val="visible"/>
-                                      </p:to>
-                                    </p:set>
-                                    <p:animEffect transition="in" filter="fade">
-                                      <p:cBhvr>
-                                        <p:cTn id="57" dur="500"/>
-                                        <p:tgtEl>
-                                          <p:spTgt spid="5">
-                                            <p:txEl>
-                                              <p:pRg st="23" end="23"/>
-                                            </p:txEl>
-                                          </p:spTgt>
-                                        </p:tgtEl>
-                                      </p:cBhvr>
-                                    </p:animEffect>
-                                  </p:childTnLst>
-                                </p:cTn>
-                              </p:par>
-                            </p:childTnLst>
-                          </p:cTn>
-                        </p:par>
-                        <p:par>
-                          <p:cTn id="58" fill="hold">
-                            <p:stCondLst>
-                              <p:cond delay="7000"/>
-                            </p:stCondLst>
-                            <p:childTnLst>
-                              <p:par>
-                                <p:cTn id="59" presetID="10" presetClass="entr" presetSubtype="0" fill="hold" nodeType="afterEffect">
-                                  <p:stCondLst>
-                                    <p:cond delay="0"/>
-                                  </p:stCondLst>
-                                  <p:childTnLst>
-                                    <p:set>
-                                      <p:cBhvr>
-                                        <p:cTn id="60" dur="1" fill="hold">
-                                          <p:stCondLst>
-                                            <p:cond delay="0"/>
-                                          </p:stCondLst>
-                                        </p:cTn>
-                                        <p:tgtEl>
-                                          <p:spTgt spid="5">
-                                            <p:txEl>
-                                              <p:pRg st="13" end="13"/>
-                                            </p:txEl>
-                                          </p:spTgt>
-                                        </p:tgtEl>
-                                        <p:attrNameLst>
-                                          <p:attrName>style.visibility</p:attrName>
-                                        </p:attrNameLst>
-                                      </p:cBhvr>
-                                      <p:to>
-                                        <p:strVal val="visible"/>
-                                      </p:to>
-                                    </p:set>
-                                    <p:animEffect transition="in" filter="fade">
-                                      <p:cBhvr>
-                                        <p:cTn id="61" dur="500"/>
-                                        <p:tgtEl>
-                                          <p:spTgt spid="5">
-                                            <p:txEl>
-                                              <p:pRg st="13" end="13"/>
-                                            </p:txEl>
-                                          </p:spTgt>
-                                        </p:tgtEl>
-                                      </p:cBhvr>
-                                    </p:animEffect>
-                                  </p:childTnLst>
-                                </p:cTn>
-                              </p:par>
-                            </p:childTnLst>
-                          </p:cTn>
-                        </p:par>
-                        <p:par>
-                          <p:cTn id="62" fill="hold">
-                            <p:stCondLst>
-                              <p:cond delay="7500"/>
-                            </p:stCondLst>
-                            <p:childTnLst>
-                              <p:par>
-                                <p:cTn id="63" presetID="10" presetClass="entr" presetSubtype="0" fill="hold" nodeType="afterEffect">
-                                  <p:stCondLst>
-                                    <p:cond delay="0"/>
-                                  </p:stCondLst>
-                                  <p:childTnLst>
-                                    <p:set>
-                                      <p:cBhvr>
-                                        <p:cTn id="64" dur="1" fill="hold">
-                                          <p:stCondLst>
-                                            <p:cond delay="0"/>
-                                          </p:stCondLst>
-                                        </p:cTn>
-                                        <p:tgtEl>
-                                          <p:spTgt spid="5">
-                                            <p:txEl>
-                                              <p:pRg st="15" end="15"/>
-                                            </p:txEl>
-                                          </p:spTgt>
-                                        </p:tgtEl>
-                                        <p:attrNameLst>
-                                          <p:attrName>style.visibility</p:attrName>
-                                        </p:attrNameLst>
-                                      </p:cBhvr>
-                                      <p:to>
-                                        <p:strVal val="visible"/>
-                                      </p:to>
-                                    </p:set>
-                                    <p:animEffect transition="in" filter="fade">
-                                      <p:cBhvr>
-                                        <p:cTn id="65" dur="500"/>
-                                        <p:tgtEl>
-                                          <p:spTgt spid="5">
-                                            <p:txEl>
-                                              <p:pRg st="15" end="15"/>
-                                            </p:txEl>
-                                          </p:spTgt>
-                                        </p:tgtEl>
-                                      </p:cBhvr>
-                                    </p:animEffect>
-                                  </p:childTnLst>
-                                </p:cTn>
-                              </p:par>
-                            </p:childTnLst>
-                          </p:cTn>
-                        </p:par>
-                        <p:par>
-                          <p:cTn id="66" fill="hold">
-                            <p:stCondLst>
-                              <p:cond delay="8000"/>
-                            </p:stCondLst>
-                            <p:childTnLst>
-                              <p:par>
-                                <p:cTn id="67" presetID="10" presetClass="entr" presetSubtype="0" fill="hold" nodeType="afterEffect">
-                                  <p:stCondLst>
-                                    <p:cond delay="0"/>
-                                  </p:stCondLst>
-                                  <p:childTnLst>
-                                    <p:set>
-                                      <p:cBhvr>
-                                        <p:cTn id="68" dur="1" fill="hold">
-                                          <p:stCondLst>
-                                            <p:cond delay="0"/>
-                                          </p:stCondLst>
-                                        </p:cTn>
-                                        <p:tgtEl>
-                                          <p:spTgt spid="5">
-                                            <p:txEl>
-                                              <p:pRg st="16" end="16"/>
-                                            </p:txEl>
-                                          </p:spTgt>
-                                        </p:tgtEl>
-                                        <p:attrNameLst>
-                                          <p:attrName>style.visibility</p:attrName>
-                                        </p:attrNameLst>
-                                      </p:cBhvr>
-                                      <p:to>
-                                        <p:strVal val="visible"/>
-                                      </p:to>
-                                    </p:set>
-                                    <p:animEffect transition="in" filter="fade">
-                                      <p:cBhvr>
-                                        <p:cTn id="69" dur="500"/>
-                                        <p:tgtEl>
-                                          <p:spTgt spid="5">
-                                            <p:txEl>
-                                              <p:pRg st="16" end="16"/>
-                                            </p:txEl>
-                                          </p:spTgt>
-                                        </p:tgtEl>
-                                      </p:cBhvr>
-                                    </p:animEffect>
-                                  </p:childTnLst>
-                                </p:cTn>
-                              </p:par>
-                            </p:childTnLst>
-                          </p:cTn>
-                        </p:par>
-                        <p:par>
-                          <p:cTn id="70" fill="hold">
-                            <p:stCondLst>
-                              <p:cond delay="8500"/>
-                            </p:stCondLst>
-                            <p:childTnLst>
-                              <p:par>
-                                <p:cTn id="71" presetID="10" presetClass="entr" presetSubtype="0" fill="hold" nodeType="afterEffect">
-                                  <p:stCondLst>
-                                    <p:cond delay="0"/>
-                                  </p:stCondLst>
-                                  <p:childTnLst>
-                                    <p:set>
-                                      <p:cBhvr>
-                                        <p:cTn id="72" dur="1" fill="hold">
-                                          <p:stCondLst>
-                                            <p:cond delay="0"/>
-                                          </p:stCondLst>
-                                        </p:cTn>
-                                        <p:tgtEl>
-                                          <p:spTgt spid="5">
-                                            <p:txEl>
-                                              <p:pRg st="17" end="17"/>
-                                            </p:txEl>
-                                          </p:spTgt>
-                                        </p:tgtEl>
-                                        <p:attrNameLst>
-                                          <p:attrName>style.visibility</p:attrName>
-                                        </p:attrNameLst>
-                                      </p:cBhvr>
-                                      <p:to>
-                                        <p:strVal val="visible"/>
-                                      </p:to>
-                                    </p:set>
-                                    <p:animEffect transition="in" filter="fade">
-                                      <p:cBhvr>
-                                        <p:cTn id="73" dur="500"/>
-                                        <p:tgtEl>
-                                          <p:spTgt spid="5">
-                                            <p:txEl>
-                                              <p:pRg st="17" end="17"/>
-                                            </p:txEl>
-                                          </p:spTgt>
-                                        </p:tgtEl>
-                                      </p:cBhvr>
-                                    </p:animEffect>
-                                  </p:childTnLst>
-                                </p:cTn>
-                              </p:par>
-                            </p:childTnLst>
-                          </p:cTn>
-                        </p:par>
-                        <p:par>
-                          <p:cTn id="74" fill="hold">
-                            <p:stCondLst>
-                              <p:cond delay="9000"/>
-                            </p:stCondLst>
-                            <p:childTnLst>
-                              <p:par>
-                                <p:cTn id="75" presetID="10" presetClass="entr" presetSubtype="0" fill="hold" nodeType="afterEffect">
-                                  <p:stCondLst>
-                                    <p:cond delay="0"/>
-                                  </p:stCondLst>
-                                  <p:childTnLst>
-                                    <p:set>
-                                      <p:cBhvr>
-                                        <p:cTn id="76" dur="1" fill="hold">
-                                          <p:stCondLst>
-                                            <p:cond delay="0"/>
-                                          </p:stCondLst>
-                                        </p:cTn>
-                                        <p:tgtEl>
-                                          <p:spTgt spid="5">
-                                            <p:txEl>
-                                              <p:pRg st="18" end="18"/>
-                                            </p:txEl>
-                                          </p:spTgt>
-                                        </p:tgtEl>
-                                        <p:attrNameLst>
-                                          <p:attrName>style.visibility</p:attrName>
-                                        </p:attrNameLst>
-                                      </p:cBhvr>
-                                      <p:to>
-                                        <p:strVal val="visible"/>
-                                      </p:to>
-                                    </p:set>
-                                    <p:animEffect transition="in" filter="fade">
-                                      <p:cBhvr>
-                                        <p:cTn id="77" dur="500"/>
-                                        <p:tgtEl>
-                                          <p:spTgt spid="5">
-                                            <p:txEl>
-                                              <p:pRg st="18" end="18"/>
-                                            </p:txEl>
-                                          </p:spTgt>
-                                        </p:tgtEl>
-                                      </p:cBhvr>
-                                    </p:animEffect>
-                                  </p:childTnLst>
-                                </p:cTn>
-                              </p:par>
-                            </p:childTnLst>
-                          </p:cTn>
-                        </p:par>
-                        <p:par>
-                          <p:cTn id="78" fill="hold">
-                            <p:stCondLst>
-                              <p:cond delay="9500"/>
-                            </p:stCondLst>
-                            <p:childTnLst>
-                              <p:par>
-                                <p:cTn id="79" presetID="10" presetClass="entr" presetSubtype="0" fill="hold" nodeType="afterEffect">
-                                  <p:stCondLst>
-                                    <p:cond delay="0"/>
-                                  </p:stCondLst>
-                                  <p:childTnLst>
-                                    <p:set>
-                                      <p:cBhvr>
-                                        <p:cTn id="80" dur="1" fill="hold">
-                                          <p:stCondLst>
-                                            <p:cond delay="0"/>
-                                          </p:stCondLst>
-                                        </p:cTn>
-                                        <p:tgtEl>
-                                          <p:spTgt spid="5">
-                                            <p:txEl>
-                                              <p:pRg st="19" end="19"/>
-                                            </p:txEl>
-                                          </p:spTgt>
-                                        </p:tgtEl>
-                                        <p:attrNameLst>
-                                          <p:attrName>style.visibility</p:attrName>
-                                        </p:attrNameLst>
-                                      </p:cBhvr>
-                                      <p:to>
-                                        <p:strVal val="visible"/>
-                                      </p:to>
-                                    </p:set>
-                                    <p:animEffect transition="in" filter="fade">
-                                      <p:cBhvr>
-                                        <p:cTn id="81" dur="500"/>
-                                        <p:tgtEl>
-                                          <p:spTgt spid="5">
-                                            <p:txEl>
-                                              <p:pRg st="19" end="19"/>
-                                            </p:txEl>
-                                          </p:spTgt>
-                                        </p:tgtEl>
-                                      </p:cBhvr>
-                                    </p:animEffect>
-                                  </p:childTnLst>
-                                </p:cTn>
-                              </p:par>
-                            </p:childTnLst>
-                          </p:cTn>
-                        </p:par>
-                        <p:par>
-                          <p:cTn id="82" fill="hold">
-                            <p:stCondLst>
-                              <p:cond delay="10000"/>
-                            </p:stCondLst>
-                            <p:childTnLst>
-                              <p:par>
-                                <p:cTn id="83" presetID="10" presetClass="entr" presetSubtype="0" fill="hold" nodeType="afterEffect">
-                                  <p:stCondLst>
-                                    <p:cond delay="0"/>
-                                  </p:stCondLst>
-                                  <p:childTnLst>
-                                    <p:set>
-                                      <p:cBhvr>
-                                        <p:cTn id="84" dur="1" fill="hold">
-                                          <p:stCondLst>
-                                            <p:cond delay="0"/>
-                                          </p:stCondLst>
-                                        </p:cTn>
-                                        <p:tgtEl>
-                                          <p:spTgt spid="5">
-                                            <p:txEl>
-                                              <p:pRg st="24" end="24"/>
-                                            </p:txEl>
-                                          </p:spTgt>
-                                        </p:tgtEl>
-                                        <p:attrNameLst>
-                                          <p:attrName>style.visibility</p:attrName>
-                                        </p:attrNameLst>
-                                      </p:cBhvr>
-                                      <p:to>
-                                        <p:strVal val="visible"/>
-                                      </p:to>
-                                    </p:set>
-                                    <p:animEffect transition="in" filter="fade">
-                                      <p:cBhvr>
-                                        <p:cTn id="85" dur="500"/>
-                                        <p:tgtEl>
-                                          <p:spTgt spid="5">
-                                            <p:txEl>
-                                              <p:pRg st="24" end="24"/>
-                                            </p:txEl>
-                                          </p:spTgt>
-                                        </p:tgtEl>
-                                      </p:cBhvr>
-                                    </p:animEffect>
-                                  </p:childTnLst>
-                                </p:cTn>
-                              </p:par>
-                            </p:childTnLst>
-                          </p:cTn>
-                        </p:par>
-                        <p:par>
-                          <p:cTn id="86" fill="hold">
-                            <p:stCondLst>
-                              <p:cond delay="10500"/>
-                            </p:stCondLst>
-                            <p:childTnLst>
-                              <p:par>
-                                <p:cTn id="87" presetID="10" presetClass="entr" presetSubtype="0" fill="hold" nodeType="afterEffect">
-                                  <p:stCondLst>
-                                    <p:cond delay="0"/>
-                                  </p:stCondLst>
-                                  <p:childTnLst>
-                                    <p:set>
-                                      <p:cBhvr>
-                                        <p:cTn id="88" dur="1" fill="hold">
-                                          <p:stCondLst>
-                                            <p:cond delay="0"/>
-                                          </p:stCondLst>
-                                        </p:cTn>
-                                        <p:tgtEl>
-                                          <p:spTgt spid="5">
-                                            <p:txEl>
-                                              <p:pRg st="25" end="25"/>
-                                            </p:txEl>
-                                          </p:spTgt>
-                                        </p:tgtEl>
-                                        <p:attrNameLst>
-                                          <p:attrName>style.visibility</p:attrName>
-                                        </p:attrNameLst>
-                                      </p:cBhvr>
-                                      <p:to>
-                                        <p:strVal val="visible"/>
-                                      </p:to>
-                                    </p:set>
-                                    <p:animEffect transition="in" filter="fade">
-                                      <p:cBhvr>
-                                        <p:cTn id="89" dur="500"/>
-                                        <p:tgtEl>
-                                          <p:spTgt spid="5">
-                                            <p:txEl>
-                                              <p:pRg st="25" end="25"/>
-                                            </p:txEl>
-                                          </p:spTgt>
-                                        </p:tgtEl>
-                                      </p:cBhvr>
-                                    </p:animEffect>
-                                  </p:childTnLst>
-                                </p:cTn>
-                              </p:par>
-                            </p:childTnLst>
-                          </p:cTn>
-                        </p:par>
-                        <p:par>
-                          <p:cTn id="90" fill="hold">
-                            <p:stCondLst>
-                              <p:cond delay="11000"/>
-                            </p:stCondLst>
-                            <p:childTnLst>
-                              <p:par>
-                                <p:cTn id="91" presetID="10" presetClass="entr" presetSubtype="0" fill="hold" nodeType="afterEffect">
-                                  <p:stCondLst>
-                                    <p:cond delay="0"/>
-                                  </p:stCondLst>
-                                  <p:childTnLst>
-                                    <p:set>
-                                      <p:cBhvr>
-                                        <p:cTn id="92" dur="1" fill="hold">
-                                          <p:stCondLst>
-                                            <p:cond delay="0"/>
-                                          </p:stCondLst>
-                                        </p:cTn>
-                                        <p:tgtEl>
-                                          <p:spTgt spid="5">
-                                            <p:txEl>
-                                              <p:pRg st="26" end="26"/>
-                                            </p:txEl>
-                                          </p:spTgt>
-                                        </p:tgtEl>
-                                        <p:attrNameLst>
-                                          <p:attrName>style.visibility</p:attrName>
-                                        </p:attrNameLst>
-                                      </p:cBhvr>
-                                      <p:to>
-                                        <p:strVal val="visible"/>
-                                      </p:to>
-                                    </p:set>
-                                    <p:animEffect transition="in" filter="fade">
-                                      <p:cBhvr>
-                                        <p:cTn id="93" dur="500"/>
-                                        <p:tgtEl>
-                                          <p:spTgt spid="5">
-                                            <p:txEl>
-                                              <p:pRg st="26" end="26"/>
-                                            </p:txEl>
-                                          </p:spTgt>
-                                        </p:tgtEl>
-                                      </p:cBhvr>
-                                    </p:animEffect>
-                                  </p:childTnLst>
-                                </p:cTn>
-                              </p:par>
-                            </p:childTnLst>
-                          </p:cTn>
-                        </p:par>
-                        <p:par>
-                          <p:cTn id="94" fill="hold">
-                            <p:stCondLst>
-                              <p:cond delay="11500"/>
-                            </p:stCondLst>
-                            <p:childTnLst>
-                              <p:par>
-                                <p:cTn id="95" presetID="10" presetClass="entr" presetSubtype="0" fill="hold" nodeType="afterEffect">
-                                  <p:stCondLst>
-                                    <p:cond delay="0"/>
-                                  </p:stCondLst>
-                                  <p:childTnLst>
-                                    <p:set>
-                                      <p:cBhvr>
-                                        <p:cTn id="96" dur="1" fill="hold">
-                                          <p:stCondLst>
-                                            <p:cond delay="0"/>
-                                          </p:stCondLst>
-                                        </p:cTn>
-                                        <p:tgtEl>
-                                          <p:spTgt spid="5">
-                                            <p:txEl>
-                                              <p:pRg st="27" end="27"/>
-                                            </p:txEl>
-                                          </p:spTgt>
-                                        </p:tgtEl>
-                                        <p:attrNameLst>
-                                          <p:attrName>style.visibility</p:attrName>
-                                        </p:attrNameLst>
-                                      </p:cBhvr>
-                                      <p:to>
-                                        <p:strVal val="visible"/>
-                                      </p:to>
-                                    </p:set>
-                                    <p:animEffect transition="in" filter="fade">
-                                      <p:cBhvr>
-                                        <p:cTn id="97" dur="500"/>
-                                        <p:tgtEl>
-                                          <p:spTgt spid="5">
-                                            <p:txEl>
-                                              <p:pRg st="27" end="27"/>
-                                            </p:txEl>
-                                          </p:spTgt>
-                                        </p:tgtEl>
-                                      </p:cBhvr>
-                                    </p:animEffect>
-                                  </p:childTnLst>
-                                </p:cTn>
-                              </p:par>
-                            </p:childTnLst>
-                          </p:cTn>
-                        </p:par>
-                        <p:par>
-                          <p:cTn id="98" fill="hold">
-                            <p:stCondLst>
-                              <p:cond delay="12000"/>
-                            </p:stCondLst>
-                            <p:childTnLst>
-                              <p:par>
-                                <p:cTn id="99" presetID="10" presetClass="entr" presetSubtype="0" fill="hold" nodeType="afterEffect">
-                                  <p:stCondLst>
-                                    <p:cond delay="0"/>
-                                  </p:stCondLst>
-                                  <p:childTnLst>
-                                    <p:set>
-                                      <p:cBhvr>
-                                        <p:cTn id="100" dur="1" fill="hold">
-                                          <p:stCondLst>
-                                            <p:cond delay="0"/>
-                                          </p:stCondLst>
-                                        </p:cTn>
-                                        <p:tgtEl>
-                                          <p:spTgt spid="5">
-                                            <p:txEl>
-                                              <p:pRg st="28" end="28"/>
-                                            </p:txEl>
-                                          </p:spTgt>
-                                        </p:tgtEl>
-                                        <p:attrNameLst>
-                                          <p:attrName>style.visibility</p:attrName>
-                                        </p:attrNameLst>
-                                      </p:cBhvr>
-                                      <p:to>
-                                        <p:strVal val="visible"/>
-                                      </p:to>
-                                    </p:set>
-                                    <p:animEffect transition="in" filter="fade">
-                                      <p:cBhvr>
-                                        <p:cTn id="101" dur="500"/>
-                                        <p:tgtEl>
-                                          <p:spTgt spid="5">
-                                            <p:txEl>
-                                              <p:pRg st="28" end="28"/>
-                                            </p:txEl>
-                                          </p:spTgt>
-                                        </p:tgtEl>
-                                      </p:cBhvr>
-                                    </p:animEffect>
-                                  </p:childTnLst>
-                                </p:cTn>
-                              </p:par>
-                            </p:childTnLst>
-                          </p:cTn>
-                        </p:par>
-                        <p:par>
-                          <p:cTn id="102" fill="hold">
-                            <p:stCondLst>
-                              <p:cond delay="12500"/>
-                            </p:stCondLst>
-                            <p:childTnLst>
-                              <p:par>
-                                <p:cTn id="103" presetID="10" presetClass="entr" presetSubtype="0" fill="hold" nodeType="afterEffect">
-                                  <p:stCondLst>
-                                    <p:cond delay="0"/>
-                                  </p:stCondLst>
-                                  <p:childTnLst>
-                                    <p:set>
-                                      <p:cBhvr>
-                                        <p:cTn id="104" dur="1" fill="hold">
-                                          <p:stCondLst>
-                                            <p:cond delay="0"/>
-                                          </p:stCondLst>
-                                        </p:cTn>
-                                        <p:tgtEl>
-                                          <p:spTgt spid="5">
-                                            <p:txEl>
-                                              <p:pRg st="29" end="29"/>
-                                            </p:txEl>
-                                          </p:spTgt>
-                                        </p:tgtEl>
-                                        <p:attrNameLst>
-                                          <p:attrName>style.visibility</p:attrName>
-                                        </p:attrNameLst>
-                                      </p:cBhvr>
-                                      <p:to>
-                                        <p:strVal val="visible"/>
-                                      </p:to>
-                                    </p:set>
-                                    <p:animEffect transition="in" filter="fade">
-                                      <p:cBhvr>
-                                        <p:cTn id="105" dur="500"/>
-                                        <p:tgtEl>
-                                          <p:spTgt spid="5">
-                                            <p:txEl>
-                                              <p:pRg st="29" end="29"/>
-                                            </p:txEl>
-                                          </p:spTgt>
-                                        </p:tgtEl>
-                                      </p:cBhvr>
-                                    </p:animEffect>
-                                  </p:childTnLst>
-                                </p:cTn>
-                              </p:par>
-                              <p:par>
-                                <p:cTn id="106" presetID="10" presetClass="entr" presetSubtype="0" fill="hold" nodeType="withEffect">
-                                  <p:stCondLst>
-                                    <p:cond delay="0"/>
-                                  </p:stCondLst>
-                                  <p:childTnLst>
-                                    <p:set>
-                                      <p:cBhvr>
-                                        <p:cTn id="107" dur="1" fill="hold">
-                                          <p:stCondLst>
-                                            <p:cond delay="0"/>
-                                          </p:stCondLst>
-                                        </p:cTn>
-                                        <p:tgtEl>
-                                          <p:spTgt spid="5">
-                                            <p:txEl>
-                                              <p:pRg st="30" end="30"/>
-                                            </p:txEl>
-                                          </p:spTgt>
-                                        </p:tgtEl>
-                                        <p:attrNameLst>
-                                          <p:attrName>style.visibility</p:attrName>
-                                        </p:attrNameLst>
-                                      </p:cBhvr>
-                                      <p:to>
-                                        <p:strVal val="visible"/>
-                                      </p:to>
-                                    </p:set>
-                                    <p:animEffect transition="in" filter="fade">
-                                      <p:cBhvr>
-                                        <p:cTn id="108" dur="500"/>
-                                        <p:tgtEl>
-                                          <p:spTgt spid="5">
-                                            <p:txEl>
-                                              <p:pRg st="30" end="30"/>
-                                            </p:txEl>
-                                          </p:spTgt>
-                                        </p:tgtEl>
-                                      </p:cBhvr>
-                                    </p:animEffect>
-                                  </p:childTnLst>
-                                </p:cTn>
-                              </p:par>
-                            </p:childTnLst>
-                          </p:cTn>
-                        </p:par>
-                        <p:par>
-                          <p:cTn id="109" fill="hold">
-                            <p:stCondLst>
-                              <p:cond delay="13000"/>
-                            </p:stCondLst>
-                            <p:childTnLst>
-                              <p:par>
-                                <p:cTn id="110" presetID="10" presetClass="entr" presetSubtype="0" fill="hold" nodeType="afterEffect">
-                                  <p:stCondLst>
-                                    <p:cond delay="0"/>
-                                  </p:stCondLst>
-                                  <p:childTnLst>
-                                    <p:set>
-                                      <p:cBhvr>
-                                        <p:cTn id="111" dur="1" fill="hold">
-                                          <p:stCondLst>
-                                            <p:cond delay="0"/>
-                                          </p:stCondLst>
-                                        </p:cTn>
-                                        <p:tgtEl>
-                                          <p:spTgt spid="5">
-                                            <p:txEl>
-                                              <p:pRg st="0" end="0"/>
-                                            </p:txEl>
-                                          </p:spTgt>
-                                        </p:tgtEl>
-                                        <p:attrNameLst>
-                                          <p:attrName>style.visibility</p:attrName>
-                                        </p:attrNameLst>
-                                      </p:cBhvr>
-                                      <p:to>
-                                        <p:strVal val="visible"/>
-                                      </p:to>
-                                    </p:set>
-                                    <p:animEffect transition="in" filter="fade">
-                                      <p:cBhvr>
-                                        <p:cTn id="112" dur="500"/>
-                                        <p:tgtEl>
-                                          <p:spTgt spid="5">
-                                            <p:txEl>
-                                              <p:pRg st="0" end="0"/>
                                             </p:txEl>
                                           </p:spTgt>
                                         </p:tgtEl>
@@ -10085,7 +9113,7 @@
         </p:nvSpPr>
         <p:spPr>
           <a:xfrm>
-            <a:off x="1372958" y="381001"/>
+            <a:off x="1372958" y="0"/>
             <a:ext cx="9442908" cy="762000"/>
           </a:xfrm>
         </p:spPr>
@@ -10112,7 +9140,7 @@
                   </a:outerShdw>
                 </a:effectLst>
               </a:rPr>
-              <a:t>The Copyright Act, 2059</a:t>
+              <a:t>2) The Copyright Act, 2059</a:t>
             </a:r>
           </a:p>
         </p:txBody>
@@ -10129,8 +9157,8 @@
         </p:nvSpPr>
         <p:spPr>
           <a:xfrm>
-            <a:off x="1223504" y="1600200"/>
-            <a:ext cx="9741816" cy="4572000"/>
+            <a:off x="417512" y="762000"/>
+            <a:ext cx="11353800" cy="5867399"/>
           </a:xfrm>
         </p:spPr>
         <p:txBody>
@@ -10139,7 +9167,242 @@
           </a:bodyPr>
           <a:lstStyle/>
           <a:p>
-            <a:endParaRPr lang="en-US" sz="1800" cap="none" dirty="0">
+            <a:pPr algn="ctr"/>
+            <a:r>
+              <a:rPr lang="en-US" sz="2100" b="1" u="sng" cap="none" dirty="0">
+                <a:solidFill>
+                  <a:schemeClr val="tx2"/>
+                </a:solidFill>
+                <a:latin typeface="+mj-lt"/>
+              </a:rPr>
+              <a:t>COPYRIGHT LAW</a:t>
+            </a:r>
+          </a:p>
+          <a:p>
+            <a:r>
+              <a:rPr lang="en-US" sz="1800" b="0" i="0" cap="none" dirty="0">
+                <a:solidFill>
+                  <a:schemeClr val="tx2"/>
+                </a:solidFill>
+                <a:effectLst/>
+                <a:latin typeface="+mj-lt"/>
+              </a:rPr>
+              <a:t>According to the law, the owner of copyright shall have the exclusive right to reproduce, translate, revise or amend, sell, distribute or rent, broadcast or communicate the work to the general public</a:t>
+            </a:r>
+            <a:r>
+              <a:rPr lang="en-US" sz="1600" b="0" i="0" cap="none" dirty="0">
+                <a:solidFill>
+                  <a:schemeClr val="tx2"/>
+                </a:solidFill>
+                <a:effectLst/>
+                <a:latin typeface="+mj-lt"/>
+              </a:rPr>
+              <a:t>. </a:t>
+            </a:r>
+          </a:p>
+          <a:p>
+            <a:endParaRPr lang="en-US" sz="1600" cap="none" dirty="0">
+              <a:solidFill>
+                <a:schemeClr val="tx2"/>
+              </a:solidFill>
+              <a:latin typeface="+mj-lt"/>
+            </a:endParaRPr>
+          </a:p>
+          <a:p>
+            <a:pPr algn="ctr"/>
+            <a:r>
+              <a:rPr lang="en-US" sz="2000" b="1" u="sng" cap="none" dirty="0">
+                <a:solidFill>
+                  <a:schemeClr val="tx2"/>
+                </a:solidFill>
+                <a:latin typeface="+mj-lt"/>
+              </a:rPr>
+              <a:t>ACQUISITIONS OF COPYRIGHT</a:t>
+            </a:r>
+          </a:p>
+          <a:p>
+            <a:pPr marL="285750" indent="-285750">
+              <a:buFont typeface="Arial" panose="020B0604020202020204" pitchFamily="34" charset="0"/>
+              <a:buChar char="•"/>
+            </a:pPr>
+            <a:r>
+              <a:rPr lang="en-US" sz="1600" cap="none" dirty="0">
+                <a:solidFill>
+                  <a:schemeClr val="tx2"/>
+                </a:solidFill>
+              </a:rPr>
+              <a:t>Copyright protection shall be extended to any work. </a:t>
+            </a:r>
+            <a:endParaRPr lang="en-US" sz="1600" cap="none" dirty="0">
+              <a:solidFill>
+                <a:schemeClr val="tx2"/>
+              </a:solidFill>
+              <a:latin typeface="+mj-lt"/>
+            </a:endParaRPr>
+          </a:p>
+          <a:p>
+            <a:pPr marL="285750" indent="-285750">
+              <a:buFont typeface="Arial" panose="020B0604020202020204" pitchFamily="34" charset="0"/>
+              <a:buChar char="•"/>
+            </a:pPr>
+            <a:r>
+              <a:rPr lang="en-US" sz="1600" cap="none" dirty="0">
+                <a:solidFill>
+                  <a:schemeClr val="tx2"/>
+                </a:solidFill>
+              </a:rPr>
+              <a:t>Registration of a work, sound recording, performance or broadcasting shall not be required to acquire the right under this act.</a:t>
+            </a:r>
+            <a:endParaRPr lang="en-US" sz="1600" cap="none" dirty="0">
+              <a:solidFill>
+                <a:schemeClr val="tx2"/>
+              </a:solidFill>
+              <a:latin typeface="+mj-lt"/>
+            </a:endParaRPr>
+          </a:p>
+          <a:p>
+            <a:pPr marL="285750" indent="-285750">
+              <a:buFont typeface="Arial" panose="020B0604020202020204" pitchFamily="34" charset="0"/>
+              <a:buChar char="•"/>
+            </a:pPr>
+            <a:r>
+              <a:rPr lang="en-US" sz="1600" cap="none" dirty="0">
+                <a:solidFill>
+                  <a:schemeClr val="tx2"/>
+                </a:solidFill>
+              </a:rPr>
+              <a:t>The author of a work shall be the first owner of the economic right of that work. </a:t>
+            </a:r>
+            <a:endParaRPr lang="en-US" sz="1600" cap="none" dirty="0">
+              <a:solidFill>
+                <a:schemeClr val="tx2"/>
+              </a:solidFill>
+              <a:latin typeface="+mj-lt"/>
+            </a:endParaRPr>
+          </a:p>
+          <a:p>
+            <a:pPr marL="285750" indent="-285750">
+              <a:buFont typeface="Arial" panose="020B0604020202020204" pitchFamily="34" charset="0"/>
+              <a:buChar char="•"/>
+            </a:pPr>
+            <a:r>
+              <a:rPr lang="en-US" sz="1600" cap="none" dirty="0">
+                <a:solidFill>
+                  <a:schemeClr val="tx2"/>
+                </a:solidFill>
+              </a:rPr>
+              <a:t>Only the author or the owner of copyright shall have the exclusive right to carry out the following acts in respect of the work.</a:t>
+            </a:r>
+          </a:p>
+          <a:p>
+            <a:pPr marL="285750" indent="-285750">
+              <a:buFont typeface="Arial" panose="020B0604020202020204" pitchFamily="34" charset="0"/>
+              <a:buChar char="•"/>
+            </a:pPr>
+            <a:endParaRPr lang="en-US" sz="1600" cap="none" dirty="0">
+              <a:solidFill>
+                <a:schemeClr val="tx2"/>
+              </a:solidFill>
+              <a:latin typeface="+mj-lt"/>
+            </a:endParaRPr>
+          </a:p>
+          <a:p>
+            <a:pPr algn="ctr">
+              <a:spcAft>
+                <a:spcPts val="600"/>
+              </a:spcAft>
+            </a:pPr>
+            <a:r>
+              <a:rPr lang="en-US" sz="1800" b="1" u="sng" dirty="0">
+                <a:solidFill>
+                  <a:schemeClr val="tx2"/>
+                </a:solidFill>
+              </a:rPr>
+              <a:t>Punishment on infringement of copyright act</a:t>
+            </a:r>
+            <a:endParaRPr lang="en-US" sz="1100" b="1" u="sng" dirty="0">
+              <a:solidFill>
+                <a:schemeClr val="tx2"/>
+              </a:solidFill>
+            </a:endParaRPr>
+          </a:p>
+          <a:p>
+            <a:r>
+              <a:rPr lang="en-US" sz="1600" cap="none" dirty="0">
+                <a:solidFill>
+                  <a:schemeClr val="tx2"/>
+                </a:solidFill>
+              </a:rPr>
+              <a:t>In cases where any person infringes copyright act, such a person shall be punished with a fine of a sum from ten thousand to one hundred thousand rupees or with imprisonment for a term not exceeding six months or both and with a fine of a sum from twenty thousand to two hundred thousand rupees or with imprisonment for a term not exceeding one year or with both for each instance from the second time. The materials so published or reproduced or distributed or devices used to reproduce such materials shall be seized.</a:t>
+            </a:r>
+            <a:endParaRPr lang="en-US" sz="1600" b="1" u="sng" cap="none" dirty="0">
+              <a:solidFill>
+                <a:schemeClr val="tx2"/>
+              </a:solidFill>
+            </a:endParaRPr>
+          </a:p>
+          <a:p>
+            <a:endParaRPr lang="en-US" sz="1600" b="1" u="sng" cap="none" dirty="0">
+              <a:solidFill>
+                <a:schemeClr val="tx2"/>
+              </a:solidFill>
+              <a:latin typeface="+mj-lt"/>
+            </a:endParaRPr>
+          </a:p>
+          <a:p>
+            <a:r>
+              <a:rPr lang="en-US" sz="1600" cap="none" dirty="0">
+                <a:solidFill>
+                  <a:schemeClr val="tx2"/>
+                </a:solidFill>
+              </a:rPr>
+              <a:t>Compensation for the loss caused to the copyright owner by the infringer of the protected right shall also be realized and provided to the copyright owner. </a:t>
+            </a:r>
+            <a:endParaRPr lang="en-US" sz="1600" b="1" u="sng" cap="none" dirty="0">
+              <a:solidFill>
+                <a:schemeClr val="tx2"/>
+              </a:solidFill>
+              <a:latin typeface="+mj-lt"/>
+            </a:endParaRPr>
+          </a:p>
+          <a:p>
+            <a:pPr algn="ctr"/>
+            <a:endParaRPr lang="en-US" sz="1600" b="1" i="0" u="sng" cap="none" dirty="0">
+              <a:solidFill>
+                <a:schemeClr val="tx2"/>
+              </a:solidFill>
+              <a:effectLst/>
+              <a:latin typeface="+mj-lt"/>
+            </a:endParaRPr>
+          </a:p>
+          <a:p>
+            <a:endParaRPr lang="en-US" sz="1600" cap="none" dirty="0">
+              <a:solidFill>
+                <a:schemeClr val="tx2"/>
+              </a:solidFill>
+              <a:latin typeface="+mj-lt"/>
+            </a:endParaRPr>
+          </a:p>
+          <a:p>
+            <a:endParaRPr lang="en-US" sz="1600" b="0" i="0" cap="none" dirty="0">
+              <a:solidFill>
+                <a:schemeClr val="tx2"/>
+              </a:solidFill>
+              <a:effectLst/>
+              <a:latin typeface="+mj-lt"/>
+            </a:endParaRPr>
+          </a:p>
+          <a:p>
+            <a:endParaRPr lang="en-US" sz="1600" b="1" u="sng" cap="none" dirty="0">
+              <a:solidFill>
+                <a:schemeClr val="tx2"/>
+              </a:solidFill>
+              <a:latin typeface="+mj-lt"/>
+            </a:endParaRPr>
+          </a:p>
+          <a:p>
+            <a:pPr algn="ctr"/>
+            <a:endParaRPr lang="en-US" sz="1600" b="1" u="sng" cap="none" dirty="0">
               <a:solidFill>
                 <a:schemeClr val="tx2"/>
               </a:solidFill>
@@ -10202,7 +9465,7 @@
         </p:nvSpPr>
         <p:spPr>
           <a:xfrm>
-            <a:off x="1372958" y="381001"/>
+            <a:off x="1372958" y="217714"/>
             <a:ext cx="9442908" cy="762000"/>
           </a:xfrm>
         </p:spPr>
@@ -10229,7 +9492,7 @@
                   </a:outerShdw>
                 </a:effectLst>
               </a:rPr>
-              <a:t>National Intellectual Property Policy, 2073</a:t>
+              <a:t>3) National Intellectual Property Policy, 2073</a:t>
             </a:r>
           </a:p>
         </p:txBody>
@@ -10246,8 +9509,8 @@
         </p:nvSpPr>
         <p:spPr>
           <a:xfrm>
-            <a:off x="1223504" y="1600200"/>
-            <a:ext cx="9741816" cy="4572000"/>
+            <a:off x="608012" y="990600"/>
+            <a:ext cx="11277600" cy="5753099"/>
           </a:xfrm>
         </p:spPr>
         <p:txBody>
@@ -10256,11 +9519,186 @@
           </a:bodyPr>
           <a:lstStyle/>
           <a:p>
-            <a:endParaRPr lang="en-US" sz="1800" cap="none" dirty="0">
+            <a:pPr algn="ctr"/>
+            <a:r>
+              <a:rPr lang="en-US" sz="2200" b="1" u="sng" cap="none" dirty="0">
+                <a:solidFill>
+                  <a:schemeClr val="tx2"/>
+                </a:solidFill>
+                <a:latin typeface="+mj-lt"/>
+              </a:rPr>
+              <a:t>VISION</a:t>
+            </a:r>
+          </a:p>
+          <a:p>
+            <a:r>
+              <a:rPr lang="en-US" sz="2000" cap="none" dirty="0">
+                <a:solidFill>
+                  <a:schemeClr val="tx2"/>
+                </a:solidFill>
+              </a:rPr>
+              <a:t>A Uganda where innovation and creativity stimulate sustainable development.</a:t>
+            </a:r>
+          </a:p>
+          <a:p>
+            <a:endParaRPr lang="en-US" sz="2000" b="1" u="sng" cap="none" dirty="0">
               <a:solidFill>
                 <a:schemeClr val="tx2"/>
               </a:solidFill>
               <a:latin typeface="+mj-lt"/>
+            </a:endParaRPr>
+          </a:p>
+          <a:p>
+            <a:pPr algn="ctr"/>
+            <a:r>
+              <a:rPr lang="en-US" sz="2200" b="1" u="sng" cap="none" dirty="0">
+                <a:solidFill>
+                  <a:schemeClr val="tx2"/>
+                </a:solidFill>
+                <a:latin typeface="+mj-lt"/>
+              </a:rPr>
+              <a:t>MISSION</a:t>
+            </a:r>
+          </a:p>
+          <a:p>
+            <a:r>
+              <a:rPr lang="en-US" sz="2000" cap="none" dirty="0">
+                <a:solidFill>
+                  <a:schemeClr val="tx2"/>
+                </a:solidFill>
+              </a:rPr>
+              <a:t>To create a robust IP value chain that fosters innovation and creativity as pillars for sustainable development.</a:t>
+            </a:r>
+          </a:p>
+          <a:p>
+            <a:endParaRPr lang="en-US" sz="2200" cap="none" dirty="0">
+              <a:solidFill>
+                <a:schemeClr val="tx2"/>
+              </a:solidFill>
+            </a:endParaRPr>
+          </a:p>
+          <a:p>
+            <a:pPr algn="ctr"/>
+            <a:r>
+              <a:rPr lang="en-US" sz="2200" b="1" u="sng" cap="none" dirty="0">
+                <a:solidFill>
+                  <a:schemeClr val="tx2"/>
+                </a:solidFill>
+              </a:rPr>
+              <a:t>POLICY GOALS</a:t>
+            </a:r>
+          </a:p>
+          <a:p>
+            <a:pPr marL="285750" indent="-285750">
+              <a:buFont typeface="Arial" panose="020B0604020202020204" pitchFamily="34" charset="0"/>
+              <a:buChar char="•"/>
+            </a:pPr>
+            <a:r>
+              <a:rPr lang="en-US" sz="2000" cap="none" dirty="0">
+                <a:solidFill>
+                  <a:schemeClr val="tx2"/>
+                </a:solidFill>
+              </a:rPr>
+              <a:t>To establish appropriate IP infrastructure that supports innovation and creativity.</a:t>
+            </a:r>
+          </a:p>
+          <a:p>
+            <a:pPr marL="285750" indent="-285750">
+              <a:buFont typeface="Arial" panose="020B0604020202020204" pitchFamily="34" charset="0"/>
+              <a:buChar char="•"/>
+            </a:pPr>
+            <a:r>
+              <a:rPr lang="en-US" sz="2000" cap="none" dirty="0">
+                <a:solidFill>
+                  <a:schemeClr val="tx2"/>
+                </a:solidFill>
+              </a:rPr>
+              <a:t>To develop human capital for the IP value chain.</a:t>
+            </a:r>
+          </a:p>
+          <a:p>
+            <a:pPr marL="285750" indent="-285750">
+              <a:buFont typeface="Arial" panose="020B0604020202020204" pitchFamily="34" charset="0"/>
+              <a:buChar char="•"/>
+            </a:pPr>
+            <a:r>
+              <a:rPr lang="en-US" sz="2000" cap="none" dirty="0">
+                <a:solidFill>
+                  <a:schemeClr val="tx2"/>
+                </a:solidFill>
+              </a:rPr>
+              <a:t>To enhance utilization of the IP system.</a:t>
+            </a:r>
+          </a:p>
+          <a:p>
+            <a:pPr marL="285750" indent="-285750">
+              <a:buFont typeface="Arial" panose="020B0604020202020204" pitchFamily="34" charset="0"/>
+              <a:buChar char="•"/>
+            </a:pPr>
+            <a:endParaRPr lang="en-US" sz="2000" cap="none" dirty="0">
+              <a:solidFill>
+                <a:schemeClr val="tx2"/>
+              </a:solidFill>
+            </a:endParaRPr>
+          </a:p>
+          <a:p>
+            <a:pPr algn="ctr"/>
+            <a:r>
+              <a:rPr lang="en-US" sz="2200" b="1" u="sng" cap="none" dirty="0">
+                <a:solidFill>
+                  <a:schemeClr val="tx2"/>
+                </a:solidFill>
+              </a:rPr>
+              <a:t>POLICY ISSUES</a:t>
+            </a:r>
+          </a:p>
+          <a:p>
+            <a:pPr marL="285750" indent="-285750">
+              <a:buFont typeface="Arial" panose="020B0604020202020204" pitchFamily="34" charset="0"/>
+              <a:buChar char="•"/>
+            </a:pPr>
+            <a:r>
+              <a:rPr lang="en-US" sz="2000" cap="none" dirty="0">
+                <a:solidFill>
+                  <a:schemeClr val="tx2"/>
+                </a:solidFill>
+              </a:rPr>
+              <a:t>Lack of appropriate IP infrastructure to support innovation and creativity</a:t>
+            </a:r>
+          </a:p>
+          <a:p>
+            <a:pPr marL="285750" indent="-285750">
+              <a:buFont typeface="Arial" panose="020B0604020202020204" pitchFamily="34" charset="0"/>
+              <a:buChar char="•"/>
+            </a:pPr>
+            <a:r>
+              <a:rPr lang="en-US" sz="2000" cap="none" dirty="0">
+                <a:solidFill>
+                  <a:schemeClr val="tx2"/>
+                </a:solidFill>
+              </a:rPr>
+              <a:t>Inadequate human capital development for the IP value chain</a:t>
+            </a:r>
+          </a:p>
+          <a:p>
+            <a:pPr marL="285750" indent="-285750">
+              <a:buFont typeface="Arial" panose="020B0604020202020204" pitchFamily="34" charset="0"/>
+              <a:buChar char="•"/>
+            </a:pPr>
+            <a:r>
+              <a:rPr lang="en-US" sz="2000" cap="none" dirty="0">
+                <a:solidFill>
+                  <a:schemeClr val="tx2"/>
+                </a:solidFill>
+              </a:rPr>
+              <a:t>Inadequate utilization of the IP system.</a:t>
+            </a:r>
+          </a:p>
+          <a:p>
+            <a:endParaRPr lang="en-US" sz="1600" cap="none" dirty="0">
+              <a:solidFill>
+                <a:schemeClr val="tx2"/>
+              </a:solidFill>
             </a:endParaRPr>
           </a:p>
         </p:txBody>
@@ -10319,7 +9757,7 @@
         </p:nvSpPr>
         <p:spPr>
           <a:xfrm>
-            <a:off x="1372958" y="381001"/>
+            <a:off x="1372958" y="228600"/>
             <a:ext cx="9442908" cy="762000"/>
           </a:xfrm>
         </p:spPr>
@@ -10346,7 +9784,7 @@
                   </a:outerShdw>
                 </a:effectLst>
               </a:rPr>
-              <a:t>Electronic Transaction Act, 2073</a:t>
+              <a:t>4) Electronic Transaction Act, 2073</a:t>
             </a:r>
           </a:p>
         </p:txBody>
@@ -10363,17 +9801,368 @@
         </p:nvSpPr>
         <p:spPr>
           <a:xfrm>
-            <a:off x="1223504" y="1600200"/>
-            <a:ext cx="9741816" cy="4572000"/>
+            <a:off x="420458" y="990600"/>
+            <a:ext cx="11347908" cy="5638800"/>
           </a:xfrm>
         </p:spPr>
         <p:txBody>
           <a:bodyPr>
-            <a:normAutofit/>
+            <a:normAutofit fontScale="92500" lnSpcReduction="20000"/>
           </a:bodyPr>
           <a:lstStyle/>
           <a:p>
-            <a:endParaRPr lang="en-US" sz="1800" cap="none" dirty="0">
+            <a:pPr algn="ctr">
+              <a:lnSpc>
+                <a:spcPct val="210000"/>
+              </a:lnSpc>
+            </a:pPr>
+            <a:r>
+              <a:rPr lang="en-US" sz="2600" b="1" u="sng" cap="none" dirty="0">
+                <a:solidFill>
+                  <a:schemeClr val="tx2"/>
+                </a:solidFill>
+                <a:latin typeface="+mj-lt"/>
+              </a:rPr>
+              <a:t>ELECTRONIC TRANSACTION</a:t>
+            </a:r>
+          </a:p>
+          <a:p>
+            <a:r>
+              <a:rPr lang="en-US" sz="2200" cap="none" dirty="0">
+                <a:solidFill>
+                  <a:schemeClr val="tx2"/>
+                </a:solidFill>
+                <a:latin typeface="+mj-lt"/>
+              </a:rPr>
+              <a:t>Electronic transaction is </a:t>
+            </a:r>
+            <a:r>
+              <a:rPr lang="en-US" sz="2200" b="0" i="0" cap="none" dirty="0">
+                <a:solidFill>
+                  <a:schemeClr val="tx2"/>
+                </a:solidFill>
+                <a:effectLst/>
+                <a:latin typeface="+mj-lt"/>
+              </a:rPr>
+              <a:t>transactions of electronic records data by using any types of electronic means.</a:t>
+            </a:r>
+            <a:endParaRPr lang="en-US" sz="2200" cap="none" dirty="0">
+              <a:solidFill>
+                <a:schemeClr val="tx2"/>
+              </a:solidFill>
+              <a:latin typeface="+mj-lt"/>
+            </a:endParaRPr>
+          </a:p>
+          <a:p>
+            <a:pPr algn="ctr">
+              <a:lnSpc>
+                <a:spcPct val="210000"/>
+              </a:lnSpc>
+            </a:pPr>
+            <a:r>
+              <a:rPr lang="en-US" sz="2600" b="1" u="sng" cap="none" dirty="0">
+                <a:solidFill>
+                  <a:schemeClr val="tx2"/>
+                </a:solidFill>
+                <a:effectLst/>
+                <a:latin typeface="+mj-lt"/>
+              </a:rPr>
+              <a:t>OBJECTIVES</a:t>
+            </a:r>
+          </a:p>
+          <a:p>
+            <a:pPr marL="285750" indent="-285750" algn="l">
+              <a:buFont typeface="Arial" panose="020B0604020202020204" pitchFamily="34" charset="0"/>
+              <a:buChar char="•"/>
+            </a:pPr>
+            <a:r>
+              <a:rPr lang="en-US" sz="2000" b="0" i="0" cap="none" dirty="0">
+                <a:solidFill>
+                  <a:schemeClr val="tx2"/>
+                </a:solidFill>
+                <a:effectLst/>
+                <a:latin typeface="+mj-lt"/>
+              </a:rPr>
+              <a:t> </a:t>
+            </a:r>
+            <a:r>
+              <a:rPr lang="en-US" sz="2200" b="0" i="0" cap="none" dirty="0">
+                <a:solidFill>
+                  <a:schemeClr val="tx2"/>
+                </a:solidFill>
+                <a:effectLst/>
+                <a:latin typeface="+mj-lt"/>
+              </a:rPr>
+              <a:t>To make legal provision for authentication and regulation of electronic data.</a:t>
+            </a:r>
+          </a:p>
+          <a:p>
+            <a:pPr marL="285750" indent="-285750" algn="l">
+              <a:buFont typeface="Arial" panose="020B0604020202020204" pitchFamily="34" charset="0"/>
+              <a:buChar char="•"/>
+            </a:pPr>
+            <a:r>
+              <a:rPr lang="en-US" sz="2200" cap="none" dirty="0">
+                <a:solidFill>
+                  <a:schemeClr val="tx2"/>
+                </a:solidFill>
+                <a:latin typeface="+mj-lt"/>
+              </a:rPr>
+              <a:t> T</a:t>
+            </a:r>
+            <a:r>
+              <a:rPr lang="en-US" sz="2200" b="0" i="0" cap="none" dirty="0">
+                <a:solidFill>
+                  <a:schemeClr val="tx2"/>
+                </a:solidFill>
+                <a:effectLst/>
+                <a:latin typeface="+mj-lt"/>
+              </a:rPr>
+              <a:t>o make a reliable date generation, communication, and transmission.</a:t>
+            </a:r>
+          </a:p>
+          <a:p>
+            <a:pPr marL="285750" indent="-285750" algn="l">
+              <a:buFont typeface="Arial" panose="020B0604020202020204" pitchFamily="34" charset="0"/>
+              <a:buChar char="•"/>
+            </a:pPr>
+            <a:r>
+              <a:rPr lang="en-US" sz="2200" b="0" i="0" cap="none" dirty="0">
+                <a:solidFill>
+                  <a:schemeClr val="tx2"/>
+                </a:solidFill>
+                <a:effectLst/>
+                <a:latin typeface="+mj-lt"/>
+              </a:rPr>
+              <a:t> To make a secured and authentic means of electronic communication.</a:t>
+            </a:r>
+          </a:p>
+          <a:p>
+            <a:pPr marL="285750" indent="-285750" algn="l">
+              <a:buFont typeface="Arial" panose="020B0604020202020204" pitchFamily="34" charset="0"/>
+              <a:buChar char="•"/>
+            </a:pPr>
+            <a:r>
+              <a:rPr lang="en-US" sz="2200" cap="none" dirty="0">
+                <a:solidFill>
+                  <a:schemeClr val="tx2"/>
+                </a:solidFill>
+                <a:latin typeface="+mj-lt"/>
+              </a:rPr>
+              <a:t> T</a:t>
+            </a:r>
+            <a:r>
+              <a:rPr lang="en-US" sz="2200" b="0" i="0" cap="none" dirty="0">
+                <a:solidFill>
+                  <a:schemeClr val="tx2"/>
+                </a:solidFill>
+                <a:effectLst/>
+                <a:latin typeface="+mj-lt"/>
+              </a:rPr>
+              <a:t>o regulate all the relating matters of electronic transactions.</a:t>
+            </a:r>
+          </a:p>
+          <a:p>
+            <a:pPr marL="285750" indent="-285750" algn="l">
+              <a:buFont typeface="Arial" panose="020B0604020202020204" pitchFamily="34" charset="0"/>
+              <a:buChar char="•"/>
+            </a:pPr>
+            <a:endParaRPr lang="en-US" sz="2000" b="0" i="0" cap="none" dirty="0">
+              <a:solidFill>
+                <a:schemeClr val="tx2"/>
+              </a:solidFill>
+              <a:effectLst/>
+              <a:latin typeface="+mj-lt"/>
+            </a:endParaRPr>
+          </a:p>
+          <a:p>
+            <a:pPr marL="285750" indent="-285750" algn="l">
+              <a:buFont typeface="Arial" panose="020B0604020202020204" pitchFamily="34" charset="0"/>
+              <a:buChar char="•"/>
+            </a:pPr>
+            <a:endParaRPr lang="en-US" sz="2000" cap="none" dirty="0">
+              <a:solidFill>
+                <a:schemeClr val="tx2"/>
+              </a:solidFill>
+              <a:latin typeface="+mj-lt"/>
+            </a:endParaRPr>
+          </a:p>
+          <a:p>
+            <a:pPr algn="ctr"/>
+            <a:r>
+              <a:rPr lang="en-US" sz="2600" b="1" i="0" u="sng" cap="none" dirty="0">
+                <a:solidFill>
+                  <a:schemeClr val="tx2"/>
+                </a:solidFill>
+                <a:effectLst/>
+                <a:latin typeface="+mj-lt"/>
+              </a:rPr>
+              <a:t>SCOPES</a:t>
+            </a:r>
+          </a:p>
+          <a:p>
+            <a:pPr marL="171450" indent="-171450" algn="l">
+              <a:buFont typeface="Arial" panose="020B0604020202020204" pitchFamily="34" charset="0"/>
+              <a:buChar char="•"/>
+            </a:pPr>
+            <a:r>
+              <a:rPr lang="en-US" sz="2200" cap="none" dirty="0">
+                <a:solidFill>
+                  <a:schemeClr val="tx2"/>
+                </a:solidFill>
+                <a:latin typeface="+mj-lt"/>
+              </a:rPr>
+              <a:t>  C</a:t>
+            </a:r>
+            <a:r>
+              <a:rPr lang="en-US" sz="2200" b="0" i="0" cap="none" dirty="0">
+                <a:solidFill>
+                  <a:schemeClr val="tx2"/>
+                </a:solidFill>
+                <a:effectLst/>
+                <a:latin typeface="+mj-lt"/>
+              </a:rPr>
+              <a:t>reation and use of digital signature</a:t>
+            </a:r>
+          </a:p>
+          <a:p>
+            <a:pPr marL="171450" indent="-171450" algn="l">
+              <a:buFont typeface="Arial" panose="020B0604020202020204" pitchFamily="34" charset="0"/>
+              <a:buChar char="•"/>
+            </a:pPr>
+            <a:r>
+              <a:rPr lang="en-US" sz="2200" cap="none" dirty="0">
+                <a:solidFill>
+                  <a:schemeClr val="tx2"/>
+                </a:solidFill>
+                <a:latin typeface="+mj-lt"/>
+              </a:rPr>
+              <a:t>  C</a:t>
+            </a:r>
+            <a:r>
+              <a:rPr lang="en-US" sz="2200" b="0" i="0" cap="none" dirty="0">
+                <a:solidFill>
+                  <a:schemeClr val="tx2"/>
+                </a:solidFill>
+                <a:effectLst/>
+                <a:latin typeface="+mj-lt"/>
+              </a:rPr>
+              <a:t>ontrol cyber/computer-related crimes.</a:t>
+            </a:r>
+          </a:p>
+          <a:p>
+            <a:pPr marL="171450" indent="-171450" algn="l">
+              <a:buFont typeface="Arial" panose="020B0604020202020204" pitchFamily="34" charset="0"/>
+              <a:buChar char="•"/>
+            </a:pPr>
+            <a:r>
+              <a:rPr lang="en-US" sz="2200" b="0" i="0" cap="none" dirty="0">
+                <a:solidFill>
+                  <a:schemeClr val="tx2"/>
+                </a:solidFill>
+                <a:effectLst/>
+                <a:latin typeface="+mj-lt"/>
+              </a:rPr>
+              <a:t>  Protection of intellectual property.</a:t>
+            </a:r>
+          </a:p>
+          <a:p>
+            <a:pPr marL="171450" indent="-171450" algn="l">
+              <a:buFont typeface="Arial" panose="020B0604020202020204" pitchFamily="34" charset="0"/>
+              <a:buChar char="•"/>
+            </a:pPr>
+            <a:r>
+              <a:rPr lang="en-US" sz="2200" cap="none" dirty="0">
+                <a:solidFill>
+                  <a:schemeClr val="tx2"/>
+                </a:solidFill>
+                <a:latin typeface="+mj-lt"/>
+              </a:rPr>
+              <a:t>  P</a:t>
+            </a:r>
+            <a:r>
+              <a:rPr lang="en-US" sz="2200" b="0" i="0" cap="none" dirty="0">
+                <a:solidFill>
+                  <a:schemeClr val="tx2"/>
+                </a:solidFill>
+                <a:effectLst/>
+                <a:latin typeface="+mj-lt"/>
+              </a:rPr>
+              <a:t>rotection of confidentiality.</a:t>
+            </a:r>
+          </a:p>
+          <a:p>
+            <a:pPr marL="171450" indent="-171450" algn="l">
+              <a:buFont typeface="Arial" panose="020B0604020202020204" pitchFamily="34" charset="0"/>
+              <a:buChar char="•"/>
+            </a:pPr>
+            <a:r>
+              <a:rPr lang="en-US" sz="2200" cap="none" dirty="0">
+                <a:solidFill>
+                  <a:schemeClr val="tx2"/>
+                </a:solidFill>
+                <a:latin typeface="+mj-lt"/>
+              </a:rPr>
+              <a:t>  R</a:t>
+            </a:r>
+            <a:r>
+              <a:rPr lang="en-US" sz="2200" b="0" i="0" cap="none" dirty="0">
+                <a:solidFill>
+                  <a:schemeClr val="tx2"/>
+                </a:solidFill>
+                <a:effectLst/>
+                <a:latin typeface="+mj-lt"/>
+              </a:rPr>
+              <a:t>egulations of an electronic transaction by establishing regulating bodies</a:t>
+            </a:r>
+          </a:p>
+          <a:p>
+            <a:endParaRPr lang="en-US" sz="1600" i="0" cap="none" dirty="0">
+              <a:solidFill>
+                <a:schemeClr val="tx2"/>
+              </a:solidFill>
+              <a:effectLst/>
+              <a:latin typeface="+mj-lt"/>
+            </a:endParaRPr>
+          </a:p>
+          <a:p>
+            <a:pPr algn="ctr"/>
+            <a:endParaRPr lang="en-US" sz="1600" i="0" cap="none" dirty="0">
+              <a:solidFill>
+                <a:schemeClr val="tx2"/>
+              </a:solidFill>
+              <a:effectLst/>
+              <a:latin typeface="+mj-lt"/>
+            </a:endParaRPr>
+          </a:p>
+          <a:p>
+            <a:endParaRPr lang="en-US" sz="1600" cap="none" dirty="0">
+              <a:solidFill>
+                <a:schemeClr val="tx2"/>
+              </a:solidFill>
+              <a:effectLst/>
+              <a:latin typeface="+mj-lt"/>
+            </a:endParaRPr>
+          </a:p>
+          <a:p>
+            <a:endParaRPr lang="en-US" sz="1600" cap="none" dirty="0">
+              <a:solidFill>
+                <a:schemeClr val="tx2"/>
+              </a:solidFill>
+              <a:effectLst/>
+              <a:latin typeface="+mj-lt"/>
+            </a:endParaRPr>
+          </a:p>
+          <a:p>
+            <a:br>
+              <a:rPr lang="en-US" sz="1600" cap="none" dirty="0">
+                <a:solidFill>
+                  <a:schemeClr val="tx2"/>
+                </a:solidFill>
+                <a:latin typeface="+mj-lt"/>
+              </a:rPr>
+            </a:br>
+            <a:endParaRPr lang="en-US" sz="1600" cap="none" dirty="0">
               <a:solidFill>
                 <a:schemeClr val="tx2"/>
               </a:solidFill>
@@ -10436,7 +10225,7 @@
         </p:nvSpPr>
         <p:spPr>
           <a:xfrm>
-            <a:off x="1372958" y="381001"/>
+            <a:off x="1372958" y="152400"/>
             <a:ext cx="9442908" cy="762000"/>
           </a:xfrm>
         </p:spPr>
@@ -10463,7 +10252,7 @@
                   </a:outerShdw>
                 </a:effectLst>
               </a:rPr>
-              <a:t>ICT Policy, 2072</a:t>
+              <a:t>5) ICT Policy, 2072</a:t>
             </a:r>
           </a:p>
         </p:txBody>
@@ -10480,17 +10269,349 @@
         </p:nvSpPr>
         <p:spPr>
           <a:xfrm>
-            <a:off x="1223504" y="1600200"/>
-            <a:ext cx="9741816" cy="4572000"/>
+            <a:off x="303212" y="838200"/>
+            <a:ext cx="11582400" cy="5486400"/>
           </a:xfrm>
         </p:spPr>
         <p:txBody>
           <a:bodyPr>
-            <a:normAutofit/>
+            <a:noAutofit/>
           </a:bodyPr>
           <a:lstStyle/>
           <a:p>
-            <a:endParaRPr lang="en-US" sz="1800" cap="none" dirty="0">
+            <a:pPr algn="ctr">
+              <a:lnSpc>
+                <a:spcPct val="150000"/>
+              </a:lnSpc>
+            </a:pPr>
+            <a:r>
+              <a:rPr lang="en-US" sz="2400" b="1" u="sng" cap="none" dirty="0">
+                <a:solidFill>
+                  <a:schemeClr val="tx2"/>
+                </a:solidFill>
+                <a:latin typeface="+mj-lt"/>
+              </a:rPr>
+              <a:t>VISION</a:t>
+            </a:r>
+          </a:p>
+          <a:p>
+            <a:r>
+              <a:rPr lang="en-US" sz="1800" b="0" i="0" dirty="0">
+                <a:solidFill>
+                  <a:srgbClr val="E8EAED"/>
+                </a:solidFill>
+                <a:effectLst/>
+                <a:latin typeface="+mj-lt"/>
+              </a:rPr>
+              <a:t>“</a:t>
+            </a:r>
+            <a:r>
+              <a:rPr lang="en-US" sz="1800" cap="none" dirty="0">
+                <a:solidFill>
+                  <a:srgbClr val="E8EAED"/>
+                </a:solidFill>
+                <a:latin typeface="+mj-lt"/>
+              </a:rPr>
+              <a:t>T</a:t>
+            </a:r>
+            <a:r>
+              <a:rPr lang="en-US" sz="1800" b="0" i="0" cap="none" dirty="0">
+                <a:solidFill>
+                  <a:srgbClr val="E8EAED"/>
+                </a:solidFill>
+                <a:effectLst/>
+                <a:latin typeface="+mj-lt"/>
+              </a:rPr>
+              <a:t>o transform </a:t>
+            </a:r>
+            <a:r>
+              <a:rPr lang="en-US" sz="1800" cap="none" dirty="0">
+                <a:solidFill>
+                  <a:srgbClr val="E8EAED"/>
+                </a:solidFill>
+                <a:latin typeface="+mj-lt"/>
+              </a:rPr>
+              <a:t>N</a:t>
+            </a:r>
+            <a:r>
+              <a:rPr lang="en-US" sz="1800" b="0" i="0" cap="none" dirty="0">
+                <a:solidFill>
+                  <a:srgbClr val="E8EAED"/>
+                </a:solidFill>
+                <a:effectLst/>
+                <a:latin typeface="+mj-lt"/>
+              </a:rPr>
+              <a:t>epal into an information and knowledge-based society and economy</a:t>
+            </a:r>
+            <a:r>
+              <a:rPr lang="en-US" sz="1800" b="0" i="0" dirty="0">
+                <a:solidFill>
+                  <a:srgbClr val="E8EAED"/>
+                </a:solidFill>
+                <a:effectLst/>
+                <a:latin typeface="+mj-lt"/>
+              </a:rPr>
+              <a:t>.“</a:t>
+            </a:r>
+          </a:p>
+          <a:p>
+            <a:endParaRPr lang="en-US" sz="1800" u="sng" cap="none" dirty="0">
+              <a:solidFill>
+                <a:srgbClr val="E8EAED"/>
+              </a:solidFill>
+              <a:latin typeface="+mj-lt"/>
+            </a:endParaRPr>
+          </a:p>
+          <a:p>
+            <a:pPr algn="ctr">
+              <a:lnSpc>
+                <a:spcPct val="150000"/>
+              </a:lnSpc>
+            </a:pPr>
+            <a:r>
+              <a:rPr lang="en-US" sz="2400" b="1" u="sng" cap="none" dirty="0">
+                <a:solidFill>
+                  <a:srgbClr val="E8EAED"/>
+                </a:solidFill>
+                <a:latin typeface="+mj-lt"/>
+              </a:rPr>
+              <a:t>MISSION</a:t>
+            </a:r>
+          </a:p>
+          <a:p>
+            <a:r>
+              <a:rPr lang="en-US" sz="1800" cap="none" dirty="0">
+                <a:solidFill>
+                  <a:srgbClr val="E8EAED"/>
+                </a:solidFill>
+                <a:latin typeface="+mj-lt"/>
+              </a:rPr>
+              <a:t>T</a:t>
+            </a:r>
+            <a:r>
+              <a:rPr lang="en-US" sz="1800" b="0" i="0" cap="none" dirty="0">
+                <a:solidFill>
+                  <a:srgbClr val="E8EAED"/>
+                </a:solidFill>
+                <a:effectLst/>
+                <a:latin typeface="+mj-lt"/>
+              </a:rPr>
+              <a:t>o create conditions for the intensified development and growth of </a:t>
+            </a:r>
+            <a:r>
+              <a:rPr lang="en-US" sz="1800" cap="none" dirty="0">
+                <a:solidFill>
+                  <a:srgbClr val="E8EAED"/>
+                </a:solidFill>
+                <a:latin typeface="+mj-lt"/>
+              </a:rPr>
+              <a:t>ICT</a:t>
+            </a:r>
+            <a:r>
+              <a:rPr lang="en-US" sz="1800" b="0" i="0" cap="none" dirty="0">
+                <a:solidFill>
+                  <a:srgbClr val="E8EAED"/>
+                </a:solidFill>
+                <a:effectLst/>
+                <a:latin typeface="+mj-lt"/>
+              </a:rPr>
+              <a:t> sector as a key driver for </a:t>
+            </a:r>
+            <a:r>
+              <a:rPr lang="en-US" sz="1800" cap="none" dirty="0">
+                <a:solidFill>
+                  <a:srgbClr val="E8EAED"/>
+                </a:solidFill>
+                <a:latin typeface="+mj-lt"/>
+              </a:rPr>
+              <a:t>N</a:t>
+            </a:r>
+            <a:r>
+              <a:rPr lang="en-US" sz="1800" b="0" i="0" cap="none" dirty="0">
+                <a:solidFill>
+                  <a:srgbClr val="E8EAED"/>
+                </a:solidFill>
+                <a:effectLst/>
+                <a:latin typeface="+mj-lt"/>
+              </a:rPr>
+              <a:t>epal's sustainable development and poverty reduction strategies.</a:t>
+            </a:r>
+          </a:p>
+          <a:p>
+            <a:endParaRPr lang="en-US" sz="1800" u="sng" cap="none" dirty="0">
+              <a:solidFill>
+                <a:srgbClr val="E8EAED"/>
+              </a:solidFill>
+              <a:latin typeface="+mj-lt"/>
+            </a:endParaRPr>
+          </a:p>
+          <a:p>
+            <a:pPr algn="ctr">
+              <a:lnSpc>
+                <a:spcPct val="200000"/>
+              </a:lnSpc>
+            </a:pPr>
+            <a:r>
+              <a:rPr lang="en-US" sz="2400" b="1" u="sng" cap="none" dirty="0">
+                <a:solidFill>
+                  <a:srgbClr val="E8EAED"/>
+                </a:solidFill>
+                <a:latin typeface="+mj-lt"/>
+              </a:rPr>
+              <a:t>OBJECTIVES</a:t>
+            </a:r>
+          </a:p>
+          <a:p>
+            <a:pPr marL="228600" indent="-228600">
+              <a:lnSpc>
+                <a:spcPct val="100000"/>
+              </a:lnSpc>
+              <a:buFont typeface="Arial" panose="020B0604020202020204" pitchFamily="34" charset="0"/>
+              <a:buChar char="•"/>
+            </a:pPr>
+            <a:r>
+              <a:rPr lang="en-US" sz="1800" cap="none" dirty="0">
+                <a:solidFill>
+                  <a:srgbClr val="E8EAED"/>
+                </a:solidFill>
+                <a:latin typeface="+mj-lt"/>
+              </a:rPr>
+              <a:t>T</a:t>
+            </a:r>
+            <a:r>
+              <a:rPr lang="en-US" sz="1800" b="0" i="0" cap="none" dirty="0">
+                <a:solidFill>
+                  <a:srgbClr val="E8EAED"/>
+                </a:solidFill>
+                <a:effectLst/>
+                <a:latin typeface="+mj-lt"/>
+              </a:rPr>
+              <a:t>o empower and facilitate </a:t>
+            </a:r>
+            <a:r>
+              <a:rPr lang="en-US" sz="1800" cap="none" dirty="0">
+                <a:solidFill>
+                  <a:srgbClr val="E8EAED"/>
+                </a:solidFill>
+                <a:latin typeface="+mj-lt"/>
+              </a:rPr>
+              <a:t>N</a:t>
+            </a:r>
+            <a:r>
+              <a:rPr lang="en-US" sz="1800" b="0" i="0" cap="none" dirty="0">
+                <a:solidFill>
+                  <a:srgbClr val="E8EAED"/>
+                </a:solidFill>
+                <a:effectLst/>
+                <a:latin typeface="+mj-lt"/>
+              </a:rPr>
+              <a:t>epal's participation in the global knowledge society.</a:t>
+            </a:r>
+          </a:p>
+          <a:p>
+            <a:pPr marL="228600" indent="-228600">
+              <a:lnSpc>
+                <a:spcPct val="100000"/>
+              </a:lnSpc>
+              <a:buFont typeface="Arial" panose="020B0604020202020204" pitchFamily="34" charset="0"/>
+              <a:buChar char="•"/>
+            </a:pPr>
+            <a:r>
+              <a:rPr lang="en-US" sz="1800" cap="none" dirty="0">
+                <a:solidFill>
+                  <a:srgbClr val="E8EAED"/>
+                </a:solidFill>
+                <a:latin typeface="+mj-lt"/>
+              </a:rPr>
+              <a:t>T</a:t>
+            </a:r>
+            <a:r>
+              <a:rPr lang="en-US" sz="1800" b="0" i="0" cap="none" dirty="0">
+                <a:solidFill>
+                  <a:srgbClr val="E8EAED"/>
+                </a:solidFill>
+                <a:effectLst/>
+                <a:latin typeface="+mj-lt"/>
+              </a:rPr>
+              <a:t>o transform government service delivery regime by promoting transparency, efficiency, inclusiveness and participation through effective utilization of information and communication technologies.</a:t>
+            </a:r>
+          </a:p>
+          <a:p>
+            <a:pPr marL="228600" indent="-228600">
+              <a:lnSpc>
+                <a:spcPct val="100000"/>
+              </a:lnSpc>
+              <a:buFont typeface="Arial" panose="020B0604020202020204" pitchFamily="34" charset="0"/>
+              <a:buChar char="•"/>
+            </a:pPr>
+            <a:r>
+              <a:rPr lang="en-US" sz="1800" cap="none" dirty="0">
+                <a:solidFill>
+                  <a:srgbClr val="E8EAED"/>
+                </a:solidFill>
+                <a:latin typeface="+mj-lt"/>
+              </a:rPr>
+              <a:t>T</a:t>
+            </a:r>
+            <a:r>
+              <a:rPr lang="en-US" sz="1800" b="0" i="0" cap="none" dirty="0">
+                <a:solidFill>
+                  <a:srgbClr val="E8EAED"/>
+                </a:solidFill>
+                <a:effectLst/>
+                <a:latin typeface="+mj-lt"/>
+              </a:rPr>
+              <a:t>o promote ICT to further productivity among the sectors that is key drivers of the national economy.</a:t>
+            </a:r>
+          </a:p>
+          <a:p>
+            <a:pPr marL="228600" indent="-228600">
+              <a:lnSpc>
+                <a:spcPct val="100000"/>
+              </a:lnSpc>
+              <a:buFont typeface="Arial" panose="020B0604020202020204" pitchFamily="34" charset="0"/>
+              <a:buChar char="•"/>
+            </a:pPr>
+            <a:r>
+              <a:rPr lang="en-US" sz="1800" cap="none" dirty="0">
+                <a:solidFill>
+                  <a:srgbClr val="E8EAED"/>
+                </a:solidFill>
+                <a:latin typeface="+mj-lt"/>
+              </a:rPr>
+              <a:t>T</a:t>
+            </a:r>
+            <a:r>
+              <a:rPr lang="en-US" sz="1800" b="0" i="0" cap="none" dirty="0">
+                <a:solidFill>
+                  <a:srgbClr val="E8EAED"/>
+                </a:solidFill>
+                <a:effectLst/>
+                <a:latin typeface="+mj-lt"/>
+              </a:rPr>
+              <a:t>o foster efficient, inter-operable, secure, reliable and sustainable national </a:t>
+            </a:r>
+            <a:r>
+              <a:rPr lang="en-US" sz="1800" b="0" i="0" cap="none" dirty="0" err="1">
+                <a:solidFill>
+                  <a:srgbClr val="E8EAED"/>
+                </a:solidFill>
+                <a:effectLst/>
+                <a:latin typeface="+mj-lt"/>
+              </a:rPr>
+              <a:t>ict</a:t>
+            </a:r>
+            <a:r>
+              <a:rPr lang="en-US" sz="1800" b="0" i="0" cap="none" dirty="0">
+                <a:solidFill>
+                  <a:srgbClr val="E8EAED"/>
+                </a:solidFill>
+                <a:effectLst/>
+                <a:latin typeface="+mj-lt"/>
+              </a:rPr>
+              <a:t> infrastructure in alignment with grass-root needs, and compliant with regional and international standards.</a:t>
+            </a:r>
+            <a:endParaRPr lang="en-US" sz="1800" b="1" u="sng" cap="none" dirty="0">
               <a:solidFill>
                 <a:schemeClr val="tx2"/>
               </a:solidFill>
@@ -11475,15 +11596,6 @@
 </file>
 
 <file path=customXml/item1.xml><?xml version="1.0" encoding="utf-8"?>
-<?mso-contentType ?>
-<FormTemplates xmlns="http://schemas.microsoft.com/sharepoint/v3/contenttype/forms">
-  <Display>DocumentLibraryForm</Display>
-  <Edit>AssetEditForm</Edit>
-  <New>DocumentLibraryForm</New>
-</FormTemplates>
-</file>
-
-<file path=customXml/item2.xml><?xml version="1.0" encoding="utf-8"?>
 <p:properties xmlns:p="http://schemas.microsoft.com/office/2006/metadata/properties" xmlns:xsi="http://www.w3.org/2001/XMLSchema-instance" xmlns:pc="http://schemas.microsoft.com/office/infopath/2007/PartnerControls">
   <documentManagement>
     <LocPublishedLinkedAssetsLookup xmlns="4873beb7-5857-4685-be1f-d57550cc96cc" xsi:nil="true"/>
@@ -11617,6 +11729,15 @@
     <LocMarketGroupTiers2 xmlns="4873beb7-5857-4685-be1f-d57550cc96cc" xsi:nil="true"/>
   </documentManagement>
 </p:properties>
+</file>
+
+<file path=customXml/item2.xml><?xml version="1.0" encoding="utf-8"?>
+<?mso-contentType ?>
+<FormTemplates xmlns="http://schemas.microsoft.com/sharepoint/v3/contenttype/forms">
+  <Display>DocumentLibraryForm</Display>
+  <Edit>AssetEditForm</Edit>
+  <New>DocumentLibraryForm</New>
+</FormTemplates>
 </file>
 
 <file path=customXml/item3.xml><?xml version="1.0" encoding="utf-8"?>
@@ -12660,14 +12781,6 @@
 </file>
 
 <file path=customXml/itemProps1.xml><?xml version="1.0" encoding="utf-8"?>
-<ds:datastoreItem xmlns:ds="http://schemas.openxmlformats.org/officeDocument/2006/customXml" ds:itemID="{3836F65B-1B07-41EE-A0E8-BC6EF3855225}">
-  <ds:schemaRefs>
-    <ds:schemaRef ds:uri="http://schemas.microsoft.com/sharepoint/v3/contenttype/forms"/>
-  </ds:schemaRefs>
-</ds:datastoreItem>
-</file>
-
-<file path=customXml/itemProps2.xml><?xml version="1.0" encoding="utf-8"?>
 <ds:datastoreItem xmlns:ds="http://schemas.openxmlformats.org/officeDocument/2006/customXml" ds:itemID="{60C67BEE-D13F-4BD2-98A5-34D8A0977F68}">
   <ds:schemaRefs>
     <ds:schemaRef ds:uri="4873beb7-5857-4685-be1f-d57550cc96cc"/>
@@ -12679,6 +12792,14 @@
     <ds:schemaRef ds:uri="http://schemas.microsoft.com/office/infopath/2007/PartnerControls"/>
     <ds:schemaRef ds:uri="http://www.w3.org/XML/1998/namespace"/>
     <ds:schemaRef ds:uri="http://purl.org/dc/dcmitype/"/>
+  </ds:schemaRefs>
+</ds:datastoreItem>
+</file>
+
+<file path=customXml/itemProps2.xml><?xml version="1.0" encoding="utf-8"?>
+<ds:datastoreItem xmlns:ds="http://schemas.openxmlformats.org/officeDocument/2006/customXml" ds:itemID="{3836F65B-1B07-41EE-A0E8-BC6EF3855225}">
+  <ds:schemaRefs>
+    <ds:schemaRef ds:uri="http://schemas.microsoft.com/sharepoint/v3/contenttype/forms"/>
   </ds:schemaRefs>
 </ds:datastoreItem>
 </file>

--- a/presentation.pptx
+++ b/presentation.pptx
@@ -5,10 +5,10 @@
     <p:sldMasterId id="2147483660" r:id="rId4"/>
   </p:sldMasterIdLst>
   <p:notesMasterIdLst>
-    <p:notesMasterId r:id="rId16"/>
+    <p:notesMasterId r:id="rId17"/>
   </p:notesMasterIdLst>
   <p:handoutMasterIdLst>
-    <p:handoutMasterId r:id="rId17"/>
+    <p:handoutMasterId r:id="rId18"/>
   </p:handoutMasterIdLst>
   <p:sldIdLst>
     <p:sldId id="257" r:id="rId5"/>
@@ -22,6 +22,7 @@
     <p:sldId id="280" r:id="rId13"/>
     <p:sldId id="281" r:id="rId14"/>
     <p:sldId id="282" r:id="rId15"/>
+    <p:sldId id="283" r:id="rId16"/>
   </p:sldIdLst>
   <p:sldSz cx="12188825" cy="6858000"/>
   <p:notesSz cx="6858000" cy="9144000"/>
@@ -5253,13 +5254,13 @@
   <p:clrMapOvr>
     <a:masterClrMapping/>
   </p:clrMapOvr>
-  <mc:AlternateContent xmlns:mc="http://schemas.openxmlformats.org/markup-compatibility/2006">
-    <mc:Choice xmlns:p159="http://schemas.microsoft.com/office/powerpoint/2015/09/main" Requires="p159">
+  <mc:AlternateContent xmlns:mc="http://schemas.openxmlformats.org/markup-compatibility/2006" xmlns:p159="http://schemas.microsoft.com/office/powerpoint/2015/09/main">
+    <mc:Choice Requires="p159">
       <p:transition xmlns:p14="http://schemas.microsoft.com/office/powerpoint/2010/main" spd="slow" p14:dur="2000">
         <p159:morph option="byObject"/>
       </p:transition>
     </mc:Choice>
-    <mc:Fallback>
+    <mc:Fallback xmlns="">
       <p:transition spd="slow">
         <p:fade/>
       </p:transition>
@@ -5733,13 +5734,13 @@
   <p:clrMapOvr>
     <a:masterClrMapping/>
   </p:clrMapOvr>
-  <mc:AlternateContent xmlns:mc="http://schemas.openxmlformats.org/markup-compatibility/2006">
-    <mc:Choice xmlns:p14="http://schemas.microsoft.com/office/powerpoint/2010/main" Requires="p14">
+  <mc:AlternateContent xmlns:mc="http://schemas.openxmlformats.org/markup-compatibility/2006" xmlns:p14="http://schemas.microsoft.com/office/powerpoint/2010/main">
+    <mc:Choice Requires="p14">
       <p:transition spd="med" p14:dur="700">
         <p:fade/>
       </p:transition>
     </mc:Choice>
-    <mc:Fallback>
+    <mc:Fallback xmlns="">
       <p:transition spd="med">
         <p:fade/>
       </p:transition>
@@ -5883,6 +5884,138 @@
 </p:sld>
 </file>
 
+<file path=ppt/slides/slide12.xml><?xml version="1.0" encoding="utf-8"?>
+<p:sld xmlns:a="http://schemas.openxmlformats.org/drawingml/2006/main" xmlns:r="http://schemas.openxmlformats.org/officeDocument/2006/relationships" xmlns:p="http://schemas.openxmlformats.org/presentationml/2006/main">
+  <p:cSld>
+    <p:spTree>
+      <p:nvGrpSpPr>
+        <p:cNvPr id="1" name=""/>
+        <p:cNvGrpSpPr/>
+        <p:nvPr/>
+      </p:nvGrpSpPr>
+      <p:grpSpPr>
+        <a:xfrm>
+          <a:off x="0" y="0"/>
+          <a:ext cx="0" cy="0"/>
+          <a:chOff x="0" y="0"/>
+          <a:chExt cx="0" cy="0"/>
+        </a:xfrm>
+      </p:grpSpPr>
+      <p:sp>
+        <p:nvSpPr>
+          <p:cNvPr id="2" name="Title 1">
+            <a:extLst>
+              <a:ext uri="{FF2B5EF4-FFF2-40B4-BE49-F238E27FC236}">
+                <a16:creationId xmlns:a16="http://schemas.microsoft.com/office/drawing/2014/main" id="{EC24980E-3EBC-4FAB-BB91-A623B557BD07}"/>
+              </a:ext>
+            </a:extLst>
+          </p:cNvPr>
+          <p:cNvSpPr>
+            <a:spLocks noGrp="1"/>
+          </p:cNvSpPr>
+          <p:nvPr>
+            <p:ph type="title"/>
+          </p:nvPr>
+        </p:nvSpPr>
+        <p:spPr>
+          <a:xfrm>
+            <a:off x="1217612" y="1447800"/>
+            <a:ext cx="8938472" cy="3276600"/>
+          </a:xfrm>
+        </p:spPr>
+        <p:txBody>
+          <a:bodyPr>
+            <a:noAutofit/>
+          </a:bodyPr>
+          <a:lstStyle/>
+          <a:p>
+            <a:r>
+              <a:rPr lang="en-US" sz="4400" dirty="0"/>
+              <a:t>Can’t google?</a:t>
+            </a:r>
+            <a:br>
+              <a:rPr lang="en-US" sz="4400" dirty="0"/>
+            </a:br>
+            <a:br>
+              <a:rPr lang="en-US" sz="4400" dirty="0"/>
+            </a:br>
+            <a:r>
+              <a:rPr lang="en-US" sz="4400" dirty="0"/>
+              <a:t>Just mail me then….,</a:t>
+            </a:r>
+            <a:br>
+              <a:rPr lang="en-US" sz="4400" dirty="0"/>
+            </a:br>
+            <a:r>
+              <a:rPr lang="en-US" sz="4400" dirty="0"/>
+              <a:t>Email: </a:t>
+            </a:r>
+            <a:r>
+              <a:rPr lang="en-US" sz="4400" dirty="0">
+                <a:solidFill>
+                  <a:srgbClr val="FF0000"/>
+                </a:solidFill>
+              </a:rPr>
+              <a:t>katelpranav333@gmail.com</a:t>
+            </a:r>
+          </a:p>
+        </p:txBody>
+      </p:sp>
+      <p:sp>
+        <p:nvSpPr>
+          <p:cNvPr id="3" name="Text Placeholder 2">
+            <a:extLst>
+              <a:ext uri="{FF2B5EF4-FFF2-40B4-BE49-F238E27FC236}">
+                <a16:creationId xmlns:a16="http://schemas.microsoft.com/office/drawing/2014/main" id="{ED0EF714-7A53-4089-8363-657739988BBA}"/>
+              </a:ext>
+            </a:extLst>
+          </p:cNvPr>
+          <p:cNvSpPr>
+            <a:spLocks noGrp="1"/>
+          </p:cNvSpPr>
+          <p:nvPr>
+            <p:ph type="body" idx="1"/>
+          </p:nvPr>
+        </p:nvSpPr>
+        <p:spPr>
+          <a:xfrm>
+            <a:off x="2741612" y="5867400"/>
+            <a:ext cx="7069519" cy="533399"/>
+          </a:xfrm>
+        </p:spPr>
+        <p:txBody>
+          <a:bodyPr/>
+          <a:lstStyle/>
+          <a:p>
+            <a:endParaRPr lang="en-US" dirty="0"/>
+          </a:p>
+        </p:txBody>
+      </p:sp>
+    </p:spTree>
+    <p:extLst>
+      <p:ext uri="{BB962C8B-B14F-4D97-AF65-F5344CB8AC3E}">
+        <p14:creationId xmlns:p14="http://schemas.microsoft.com/office/powerpoint/2010/main" val="2934229949"/>
+      </p:ext>
+    </p:extLst>
+  </p:cSld>
+  <p:clrMapOvr>
+    <a:masterClrMapping/>
+  </p:clrMapOvr>
+  <mc:AlternateContent xmlns:mc="http://schemas.openxmlformats.org/markup-compatibility/2006">
+    <mc:Choice xmlns:p14="http://schemas.microsoft.com/office/powerpoint/2010/main" Requires="p14">
+      <p:transition spd="med" p14:dur="700">
+        <p:fade/>
+      </p:transition>
+    </mc:Choice>
+    <mc:Fallback>
+      <p:transition spd="med">
+        <p:fade/>
+      </p:transition>
+    </mc:Fallback>
+  </mc:AlternateContent>
+</p:sld>
+</file>
+
 <file path=ppt/slides/slide2.xml><?xml version="1.0" encoding="utf-8"?>
 <p:sld xmlns:a="http://schemas.openxmlformats.org/drawingml/2006/main" xmlns:r="http://schemas.openxmlformats.org/officeDocument/2006/relationships" xmlns:p="http://schemas.openxmlformats.org/presentationml/2006/main">
   <p:cSld>
@@ -6311,13 +6444,13 @@
   <p:clrMapOvr>
     <a:masterClrMapping/>
   </p:clrMapOvr>
-  <mc:AlternateContent xmlns:mc="http://schemas.openxmlformats.org/markup-compatibility/2006">
-    <mc:Choice xmlns:p14="http://schemas.microsoft.com/office/powerpoint/2010/main" Requires="p14">
+  <mc:AlternateContent xmlns:mc="http://schemas.openxmlformats.org/markup-compatibility/2006" xmlns:p14="http://schemas.microsoft.com/office/powerpoint/2010/main">
+    <mc:Choice Requires="p14">
       <p:transition spd="med" p14:dur="700">
         <p:fade/>
       </p:transition>
     </mc:Choice>
-    <mc:Fallback>
+    <mc:Fallback xmlns="">
       <p:transition spd="med">
         <p:fade/>
       </p:transition>
@@ -7553,13 +7686,13 @@
   <p:clrMapOvr>
     <a:masterClrMapping/>
   </p:clrMapOvr>
-  <mc:AlternateContent xmlns:mc="http://schemas.openxmlformats.org/markup-compatibility/2006">
-    <mc:Choice xmlns:p14="http://schemas.microsoft.com/office/powerpoint/2010/main" Requires="p14">
+  <mc:AlternateContent xmlns:mc="http://schemas.openxmlformats.org/markup-compatibility/2006" xmlns:p14="http://schemas.microsoft.com/office/powerpoint/2010/main">
+    <mc:Choice Requires="p14">
       <p:transition spd="med" p14:dur="700">
         <p:fade/>
       </p:transition>
     </mc:Choice>
-    <mc:Fallback>
+    <mc:Fallback xmlns="">
       <p:transition spd="med">
         <p:fade/>
       </p:transition>
@@ -8025,13 +8158,13 @@
   <p:clrMapOvr>
     <a:masterClrMapping/>
   </p:clrMapOvr>
-  <mc:AlternateContent xmlns:mc="http://schemas.openxmlformats.org/markup-compatibility/2006">
-    <mc:Choice xmlns:p14="http://schemas.microsoft.com/office/powerpoint/2010/main" Requires="p14">
+  <mc:AlternateContent xmlns:mc="http://schemas.openxmlformats.org/markup-compatibility/2006" xmlns:p14="http://schemas.microsoft.com/office/powerpoint/2010/main">
+    <mc:Choice Requires="p14">
       <p:transition spd="med" p14:dur="700">
         <p:fade/>
       </p:transition>
     </mc:Choice>
-    <mc:Fallback>
+    <mc:Fallback xmlns="">
       <p:transition spd="med">
         <p:fade/>
       </p:transition>
@@ -11596,151 +11729,6 @@
 </file>
 
 <file path=customXml/item1.xml><?xml version="1.0" encoding="utf-8"?>
-<p:properties xmlns:p="http://schemas.microsoft.com/office/2006/metadata/properties" xmlns:xsi="http://www.w3.org/2001/XMLSchema-instance" xmlns:pc="http://schemas.microsoft.com/office/infopath/2007/PartnerControls">
-  <documentManagement>
-    <LocPublishedLinkedAssetsLookup xmlns="4873beb7-5857-4685-be1f-d57550cc96cc" xsi:nil="true"/>
-    <ApprovalStatus xmlns="4873beb7-5857-4685-be1f-d57550cc96cc">InProgress</ApprovalStatus>
-    <MarketSpecific xmlns="4873beb7-5857-4685-be1f-d57550cc96cc">false</MarketSpecific>
-    <LocComments xmlns="4873beb7-5857-4685-be1f-d57550cc96cc" xsi:nil="true"/>
-    <LocLastLocAttemptVersionTypeLookup xmlns="4873beb7-5857-4685-be1f-d57550cc96cc" xsi:nil="true"/>
-    <DirectSourceMarket xmlns="4873beb7-5857-4685-be1f-d57550cc96cc" xsi:nil="true"/>
-    <ThumbnailAssetId xmlns="4873beb7-5857-4685-be1f-d57550cc96cc" xsi:nil="true"/>
-    <PrimaryImageGen xmlns="4873beb7-5857-4685-be1f-d57550cc96cc">false</PrimaryImageGen>
-    <LocNewPublishedVersionLookup xmlns="4873beb7-5857-4685-be1f-d57550cc96cc" xsi:nil="true"/>
-    <LegacyData xmlns="4873beb7-5857-4685-be1f-d57550cc96cc" xsi:nil="true"/>
-    <LocRecommendedHandoff xmlns="4873beb7-5857-4685-be1f-d57550cc96cc" xsi:nil="true"/>
-    <BusinessGroup xmlns="4873beb7-5857-4685-be1f-d57550cc96cc" xsi:nil="true"/>
-    <BlockPublish xmlns="4873beb7-5857-4685-be1f-d57550cc96cc">false</BlockPublish>
-    <TPFriendlyName xmlns="4873beb7-5857-4685-be1f-d57550cc96cc" xsi:nil="true"/>
-    <LocOverallPublishStatusLookup xmlns="4873beb7-5857-4685-be1f-d57550cc96cc" xsi:nil="true"/>
-    <NumericId xmlns="4873beb7-5857-4685-be1f-d57550cc96cc" xsi:nil="true"/>
-    <APEditor xmlns="4873beb7-5857-4685-be1f-d57550cc96cc">
-      <UserInfo>
-        <DisplayName/>
-        <AccountId xsi:nil="true"/>
-        <AccountType/>
-      </UserInfo>
-    </APEditor>
-    <SourceTitle xmlns="4873beb7-5857-4685-be1f-d57550cc96cc" xsi:nil="true"/>
-    <OpenTemplate xmlns="4873beb7-5857-4685-be1f-d57550cc96cc">true</OpenTemplate>
-    <LocOverallLocStatusLookup xmlns="4873beb7-5857-4685-be1f-d57550cc96cc" xsi:nil="true"/>
-    <UALocComments xmlns="4873beb7-5857-4685-be1f-d57550cc96cc" xsi:nil="true"/>
-    <ParentAssetId xmlns="4873beb7-5857-4685-be1f-d57550cc96cc" xsi:nil="true"/>
-    <IntlLangReviewDate xmlns="4873beb7-5857-4685-be1f-d57550cc96cc" xsi:nil="true"/>
-    <FeatureTagsTaxHTField0 xmlns="4873beb7-5857-4685-be1f-d57550cc96cc">
-      <Terms xmlns="http://schemas.microsoft.com/office/infopath/2007/PartnerControls"/>
-    </FeatureTagsTaxHTField0>
-    <PublishStatusLookup xmlns="4873beb7-5857-4685-be1f-d57550cc96cc">
-      <Value>1345093</Value>
-    </PublishStatusLookup>
-    <Providers xmlns="4873beb7-5857-4685-be1f-d57550cc96cc" xsi:nil="true"/>
-    <MachineTranslated xmlns="4873beb7-5857-4685-be1f-d57550cc96cc">false</MachineTranslated>
-    <OriginalSourceMarket xmlns="4873beb7-5857-4685-be1f-d57550cc96cc" xsi:nil="true"/>
-    <APDescription xmlns="4873beb7-5857-4685-be1f-d57550cc96cc">This simple template design works for technology and  businesses, but it's versatile enough to use in other contexts.  It features multiple slide layouts designed for widescreen (16x9 resolution) and includes a sample SmartArt list and chart that are easily editable.</APDescription>
-    <ClipArtFilename xmlns="4873beb7-5857-4685-be1f-d57550cc96cc" xsi:nil="true"/>
-    <ContentItem xmlns="4873beb7-5857-4685-be1f-d57550cc96cc" xsi:nil="true"/>
-    <TPInstallLocation xmlns="4873beb7-5857-4685-be1f-d57550cc96cc" xsi:nil="true"/>
-    <PublishTargets xmlns="4873beb7-5857-4685-be1f-d57550cc96cc">OfficeOnlineVNext</PublishTargets>
-    <TimesCloned xmlns="4873beb7-5857-4685-be1f-d57550cc96cc" xsi:nil="true"/>
-    <AssetStart xmlns="4873beb7-5857-4685-be1f-d57550cc96cc">2011-11-26T00:30:00+00:00</AssetStart>
-    <Provider xmlns="4873beb7-5857-4685-be1f-d57550cc96cc" xsi:nil="true"/>
-    <AcquiredFrom xmlns="4873beb7-5857-4685-be1f-d57550cc96cc">Internal MS</AcquiredFrom>
-    <FriendlyTitle xmlns="4873beb7-5857-4685-be1f-d57550cc96cc" xsi:nil="true"/>
-    <LastHandOff xmlns="4873beb7-5857-4685-be1f-d57550cc96cc" xsi:nil="true"/>
-    <TPClientViewer xmlns="4873beb7-5857-4685-be1f-d57550cc96cc" xsi:nil="true"/>
-    <TemplateStatus xmlns="4873beb7-5857-4685-be1f-d57550cc96cc">Complete</TemplateStatus>
-    <Downloads xmlns="4873beb7-5857-4685-be1f-d57550cc96cc">0</Downloads>
-    <OOCacheId xmlns="4873beb7-5857-4685-be1f-d57550cc96cc" xsi:nil="true"/>
-    <IsDeleted xmlns="4873beb7-5857-4685-be1f-d57550cc96cc">false</IsDeleted>
-    <LocPublishedDependentAssetsLookup xmlns="4873beb7-5857-4685-be1f-d57550cc96cc" xsi:nil="true"/>
-    <TPExecutable xmlns="4873beb7-5857-4685-be1f-d57550cc96cc" xsi:nil="true"/>
-    <EditorialTags xmlns="4873beb7-5857-4685-be1f-d57550cc96cc" xsi:nil="true"/>
-    <SubmitterId xmlns="4873beb7-5857-4685-be1f-d57550cc96cc" xsi:nil="true"/>
-    <ApprovalLog xmlns="4873beb7-5857-4685-be1f-d57550cc96cc" xsi:nil="true"/>
-    <AssetType xmlns="4873beb7-5857-4685-be1f-d57550cc96cc">TP</AssetType>
-    <BugNumber xmlns="4873beb7-5857-4685-be1f-d57550cc96cc" xsi:nil="true"/>
-    <CSXSubmissionDate xmlns="4873beb7-5857-4685-be1f-d57550cc96cc" xsi:nil="true"/>
-    <CSXUpdate xmlns="4873beb7-5857-4685-be1f-d57550cc96cc">false</CSXUpdate>
-    <Milestone xmlns="4873beb7-5857-4685-be1f-d57550cc96cc" xsi:nil="true"/>
-    <RecommendationsModifier xmlns="4873beb7-5857-4685-be1f-d57550cc96cc" xsi:nil="true"/>
-    <OriginAsset xmlns="4873beb7-5857-4685-be1f-d57550cc96cc" xsi:nil="true"/>
-    <TPComponent xmlns="4873beb7-5857-4685-be1f-d57550cc96cc" xsi:nil="true"/>
-    <AssetId xmlns="4873beb7-5857-4685-be1f-d57550cc96cc">TP102787989</AssetId>
-    <IntlLocPriority xmlns="4873beb7-5857-4685-be1f-d57550cc96cc" xsi:nil="true"/>
-    <PolicheckWords xmlns="4873beb7-5857-4685-be1f-d57550cc96cc" xsi:nil="true"/>
-    <TPLaunchHelpLink xmlns="4873beb7-5857-4685-be1f-d57550cc96cc" xsi:nil="true"/>
-    <TPApplication xmlns="4873beb7-5857-4685-be1f-d57550cc96cc" xsi:nil="true"/>
-    <CrawlForDependencies xmlns="4873beb7-5857-4685-be1f-d57550cc96cc">false</CrawlForDependencies>
-    <HandoffToMSDN xmlns="4873beb7-5857-4685-be1f-d57550cc96cc" xsi:nil="true"/>
-    <PlannedPubDate xmlns="4873beb7-5857-4685-be1f-d57550cc96cc" xsi:nil="true"/>
-    <IntlLangReviewer xmlns="4873beb7-5857-4685-be1f-d57550cc96cc" xsi:nil="true"/>
-    <TrustLevel xmlns="4873beb7-5857-4685-be1f-d57550cc96cc">1 Microsoft Managed Content</TrustLevel>
-    <LocLastLocAttemptVersionLookup xmlns="4873beb7-5857-4685-be1f-d57550cc96cc">694266</LocLastLocAttemptVersionLookup>
-    <LocProcessedForHandoffsLookup xmlns="4873beb7-5857-4685-be1f-d57550cc96cc" xsi:nil="true"/>
-    <IsSearchable xmlns="4873beb7-5857-4685-be1f-d57550cc96cc">true</IsSearchable>
-    <TemplateTemplateType xmlns="4873beb7-5857-4685-be1f-d57550cc96cc">PowerPoint Presentation Template</TemplateTemplateType>
-    <CampaignTagsTaxHTField0 xmlns="4873beb7-5857-4685-be1f-d57550cc96cc">
-      <Terms xmlns="http://schemas.microsoft.com/office/infopath/2007/PartnerControls"/>
-    </CampaignTagsTaxHTField0>
-    <TPNamespace xmlns="4873beb7-5857-4685-be1f-d57550cc96cc" xsi:nil="true"/>
-    <LocOverallPreviewStatusLookup xmlns="4873beb7-5857-4685-be1f-d57550cc96cc" xsi:nil="true"/>
-    <TaxCatchAll xmlns="4873beb7-5857-4685-be1f-d57550cc96cc"/>
-    <Markets xmlns="4873beb7-5857-4685-be1f-d57550cc96cc"/>
-    <UAProjectedTotalWords xmlns="4873beb7-5857-4685-be1f-d57550cc96cc" xsi:nil="true"/>
-    <IntlLangReview xmlns="4873beb7-5857-4685-be1f-d57550cc96cc" xsi:nil="true"/>
-    <OutputCachingOn xmlns="4873beb7-5857-4685-be1f-d57550cc96cc">false</OutputCachingOn>
-    <AverageRating xmlns="4873beb7-5857-4685-be1f-d57550cc96cc" xsi:nil="true"/>
-    <APAuthor xmlns="4873beb7-5857-4685-be1f-d57550cc96cc">
-      <UserInfo>
-        <DisplayName>REDMOND\kristaa</DisplayName>
-        <AccountId>136</AccountId>
-        <AccountType/>
-      </UserInfo>
-    </APAuthor>
-    <LocManualTestRequired xmlns="4873beb7-5857-4685-be1f-d57550cc96cc">false</LocManualTestRequired>
-    <TPCommandLine xmlns="4873beb7-5857-4685-be1f-d57550cc96cc" xsi:nil="true"/>
-    <TPAppVersion xmlns="4873beb7-5857-4685-be1f-d57550cc96cc" xsi:nil="true"/>
-    <EditorialStatus xmlns="4873beb7-5857-4685-be1f-d57550cc96cc">Complete</EditorialStatus>
-    <LastModifiedDateTime xmlns="4873beb7-5857-4685-be1f-d57550cc96cc" xsi:nil="true"/>
-    <ScenarioTagsTaxHTField0 xmlns="4873beb7-5857-4685-be1f-d57550cc96cc">
-      <Terms xmlns="http://schemas.microsoft.com/office/infopath/2007/PartnerControls"/>
-    </ScenarioTagsTaxHTField0>
-    <LocProcessedForMarketsLookup xmlns="4873beb7-5857-4685-be1f-d57550cc96cc" xsi:nil="true"/>
-    <TPLaunchHelpLinkType xmlns="4873beb7-5857-4685-be1f-d57550cc96cc">Template</TPLaunchHelpLinkType>
-    <OriginalRelease xmlns="4873beb7-5857-4685-be1f-d57550cc96cc">15</OriginalRelease>
-    <LocalizationTagsTaxHTField0 xmlns="4873beb7-5857-4685-be1f-d57550cc96cc">
-      <Terms xmlns="http://schemas.microsoft.com/office/infopath/2007/PartnerControls"/>
-    </LocalizationTagsTaxHTField0>
-    <UACurrentWords xmlns="4873beb7-5857-4685-be1f-d57550cc96cc" xsi:nil="true"/>
-    <ArtSampleDocs xmlns="4873beb7-5857-4685-be1f-d57550cc96cc" xsi:nil="true"/>
-    <UALocRecommendation xmlns="4873beb7-5857-4685-be1f-d57550cc96cc">Localize</UALocRecommendation>
-    <Manager xmlns="4873beb7-5857-4685-be1f-d57550cc96cc" xsi:nil="true"/>
-    <LocOverallHandbackStatusLookup xmlns="4873beb7-5857-4685-be1f-d57550cc96cc" xsi:nil="true"/>
-    <ShowIn xmlns="4873beb7-5857-4685-be1f-d57550cc96cc">Show everywhere</ShowIn>
-    <UANotes xmlns="4873beb7-5857-4685-be1f-d57550cc96cc" xsi:nil="true"/>
-    <InternalTagsTaxHTField0 xmlns="4873beb7-5857-4685-be1f-d57550cc96cc">
-      <Terms xmlns="http://schemas.microsoft.com/office/infopath/2007/PartnerControls"/>
-    </InternalTagsTaxHTField0>
-    <CSXHash xmlns="4873beb7-5857-4685-be1f-d57550cc96cc" xsi:nil="true"/>
-    <VoteCount xmlns="4873beb7-5857-4685-be1f-d57550cc96cc" xsi:nil="true"/>
-    <AssetExpire xmlns="4873beb7-5857-4685-be1f-d57550cc96cc">2029-05-12T07:00:00+00:00</AssetExpire>
-    <DSATActionTaken xmlns="4873beb7-5857-4685-be1f-d57550cc96cc" xsi:nil="true"/>
-    <CSXSubmissionMarket xmlns="4873beb7-5857-4685-be1f-d57550cc96cc" xsi:nil="true"/>
-    <LocMarketGroupTiers2 xmlns="4873beb7-5857-4685-be1f-d57550cc96cc" xsi:nil="true"/>
-  </documentManagement>
-</p:properties>
-</file>
-
-<file path=customXml/item2.xml><?xml version="1.0" encoding="utf-8"?>
-<?mso-contentType ?>
-<FormTemplates xmlns="http://schemas.microsoft.com/sharepoint/v3/contenttype/forms">
-  <Display>DocumentLibraryForm</Display>
-  <Edit>AssetEditForm</Edit>
-  <New>DocumentLibraryForm</New>
-</FormTemplates>
-</file>
-
-<file path=customXml/item3.xml><?xml version="1.0" encoding="utf-8"?>
 <ct:contentTypeSchema xmlns:ct="http://schemas.microsoft.com/office/2006/metadata/contentType" xmlns:ma="http://schemas.microsoft.com/office/2006/metadata/properties/metaAttributes" ct:_="" ma:_="" ma:contentTypeName="TemplateFile" ma:contentTypeID="0x0101006EDDDB5EE6D98C44930B742096920B300400F5B6D36B3EF94B4E9A635CDF2A18F5B8" ma:contentTypeVersion="72" ma:contentTypeDescription="Create a new document." ma:contentTypeScope="" ma:versionID="a23e56308344d904b51738559c3d67c9">
   <xsd:schema xmlns:xsd="http://www.w3.org/2001/XMLSchema" xmlns:xs="http://www.w3.org/2001/XMLSchema" xmlns:p="http://schemas.microsoft.com/office/2006/metadata/properties" xmlns:ns2="4873beb7-5857-4685-be1f-d57550cc96cc" targetNamespace="http://schemas.microsoft.com/office/2006/metadata/properties" ma:root="true" ma:fieldsID="cd0908cc4600e77bf5da051303e00c8d" ns2:_="">
     <xsd:import namespace="4873beb7-5857-4685-be1f-d57550cc96cc"/>
@@ -12780,31 +12768,152 @@
 </ct:contentTypeSchema>
 </file>
 
-<file path=customXml/itemProps1.xml><?xml version="1.0" encoding="utf-8"?>
-<ds:datastoreItem xmlns:ds="http://schemas.openxmlformats.org/officeDocument/2006/customXml" ds:itemID="{60C67BEE-D13F-4BD2-98A5-34D8A0977F68}">
-  <ds:schemaRefs>
-    <ds:schemaRef ds:uri="4873beb7-5857-4685-be1f-d57550cc96cc"/>
-    <ds:schemaRef ds:uri="http://schemas.openxmlformats.org/package/2006/metadata/core-properties"/>
-    <ds:schemaRef ds:uri="http://purl.org/dc/terms/"/>
-    <ds:schemaRef ds:uri="http://schemas.microsoft.com/office/2006/documentManagement/types"/>
-    <ds:schemaRef ds:uri="http://purl.org/dc/elements/1.1/"/>
-    <ds:schemaRef ds:uri="http://schemas.microsoft.com/office/2006/metadata/properties"/>
-    <ds:schemaRef ds:uri="http://schemas.microsoft.com/office/infopath/2007/PartnerControls"/>
-    <ds:schemaRef ds:uri="http://www.w3.org/XML/1998/namespace"/>
-    <ds:schemaRef ds:uri="http://purl.org/dc/dcmitype/"/>
-  </ds:schemaRefs>
-</ds:datastoreItem>
+<file path=customXml/item2.xml><?xml version="1.0" encoding="utf-8"?>
+<?mso-contentType ?>
+<FormTemplates xmlns="http://schemas.microsoft.com/sharepoint/v3/contenttype/forms">
+  <Display>DocumentLibraryForm</Display>
+  <Edit>AssetEditForm</Edit>
+  <New>DocumentLibraryForm</New>
+</FormTemplates>
 </file>
 
-<file path=customXml/itemProps2.xml><?xml version="1.0" encoding="utf-8"?>
-<ds:datastoreItem xmlns:ds="http://schemas.openxmlformats.org/officeDocument/2006/customXml" ds:itemID="{3836F65B-1B07-41EE-A0E8-BC6EF3855225}">
-  <ds:schemaRefs>
-    <ds:schemaRef ds:uri="http://schemas.microsoft.com/sharepoint/v3/contenttype/forms"/>
-  </ds:schemaRefs>
-</ds:datastoreItem>
+<file path=customXml/item3.xml><?xml version="1.0" encoding="utf-8"?>
+<p:properties xmlns:p="http://schemas.microsoft.com/office/2006/metadata/properties" xmlns:xsi="http://www.w3.org/2001/XMLSchema-instance" xmlns:pc="http://schemas.microsoft.com/office/infopath/2007/PartnerControls">
+  <documentManagement>
+    <LocPublishedLinkedAssetsLookup xmlns="4873beb7-5857-4685-be1f-d57550cc96cc" xsi:nil="true"/>
+    <ApprovalStatus xmlns="4873beb7-5857-4685-be1f-d57550cc96cc">InProgress</ApprovalStatus>
+    <MarketSpecific xmlns="4873beb7-5857-4685-be1f-d57550cc96cc">false</MarketSpecific>
+    <LocComments xmlns="4873beb7-5857-4685-be1f-d57550cc96cc" xsi:nil="true"/>
+    <LocLastLocAttemptVersionTypeLookup xmlns="4873beb7-5857-4685-be1f-d57550cc96cc" xsi:nil="true"/>
+    <DirectSourceMarket xmlns="4873beb7-5857-4685-be1f-d57550cc96cc" xsi:nil="true"/>
+    <ThumbnailAssetId xmlns="4873beb7-5857-4685-be1f-d57550cc96cc" xsi:nil="true"/>
+    <PrimaryImageGen xmlns="4873beb7-5857-4685-be1f-d57550cc96cc">false</PrimaryImageGen>
+    <LocNewPublishedVersionLookup xmlns="4873beb7-5857-4685-be1f-d57550cc96cc" xsi:nil="true"/>
+    <LegacyData xmlns="4873beb7-5857-4685-be1f-d57550cc96cc" xsi:nil="true"/>
+    <LocRecommendedHandoff xmlns="4873beb7-5857-4685-be1f-d57550cc96cc" xsi:nil="true"/>
+    <BusinessGroup xmlns="4873beb7-5857-4685-be1f-d57550cc96cc" xsi:nil="true"/>
+    <BlockPublish xmlns="4873beb7-5857-4685-be1f-d57550cc96cc">false</BlockPublish>
+    <TPFriendlyName xmlns="4873beb7-5857-4685-be1f-d57550cc96cc" xsi:nil="true"/>
+    <LocOverallPublishStatusLookup xmlns="4873beb7-5857-4685-be1f-d57550cc96cc" xsi:nil="true"/>
+    <NumericId xmlns="4873beb7-5857-4685-be1f-d57550cc96cc" xsi:nil="true"/>
+    <APEditor xmlns="4873beb7-5857-4685-be1f-d57550cc96cc">
+      <UserInfo>
+        <DisplayName/>
+        <AccountId xsi:nil="true"/>
+        <AccountType/>
+      </UserInfo>
+    </APEditor>
+    <SourceTitle xmlns="4873beb7-5857-4685-be1f-d57550cc96cc" xsi:nil="true"/>
+    <OpenTemplate xmlns="4873beb7-5857-4685-be1f-d57550cc96cc">true</OpenTemplate>
+    <LocOverallLocStatusLookup xmlns="4873beb7-5857-4685-be1f-d57550cc96cc" xsi:nil="true"/>
+    <UALocComments xmlns="4873beb7-5857-4685-be1f-d57550cc96cc" xsi:nil="true"/>
+    <ParentAssetId xmlns="4873beb7-5857-4685-be1f-d57550cc96cc" xsi:nil="true"/>
+    <IntlLangReviewDate xmlns="4873beb7-5857-4685-be1f-d57550cc96cc" xsi:nil="true"/>
+    <FeatureTagsTaxHTField0 xmlns="4873beb7-5857-4685-be1f-d57550cc96cc">
+      <Terms xmlns="http://schemas.microsoft.com/office/infopath/2007/PartnerControls"/>
+    </FeatureTagsTaxHTField0>
+    <PublishStatusLookup xmlns="4873beb7-5857-4685-be1f-d57550cc96cc">
+      <Value>1345093</Value>
+    </PublishStatusLookup>
+    <Providers xmlns="4873beb7-5857-4685-be1f-d57550cc96cc" xsi:nil="true"/>
+    <MachineTranslated xmlns="4873beb7-5857-4685-be1f-d57550cc96cc">false</MachineTranslated>
+    <OriginalSourceMarket xmlns="4873beb7-5857-4685-be1f-d57550cc96cc" xsi:nil="true"/>
+    <APDescription xmlns="4873beb7-5857-4685-be1f-d57550cc96cc">This simple template design works for technology and  businesses, but it's versatile enough to use in other contexts.  It features multiple slide layouts designed for widescreen (16x9 resolution) and includes a sample SmartArt list and chart that are easily editable.</APDescription>
+    <ClipArtFilename xmlns="4873beb7-5857-4685-be1f-d57550cc96cc" xsi:nil="true"/>
+    <ContentItem xmlns="4873beb7-5857-4685-be1f-d57550cc96cc" xsi:nil="true"/>
+    <TPInstallLocation xmlns="4873beb7-5857-4685-be1f-d57550cc96cc" xsi:nil="true"/>
+    <PublishTargets xmlns="4873beb7-5857-4685-be1f-d57550cc96cc">OfficeOnlineVNext</PublishTargets>
+    <TimesCloned xmlns="4873beb7-5857-4685-be1f-d57550cc96cc" xsi:nil="true"/>
+    <AssetStart xmlns="4873beb7-5857-4685-be1f-d57550cc96cc">2011-11-26T00:30:00+00:00</AssetStart>
+    <Provider xmlns="4873beb7-5857-4685-be1f-d57550cc96cc" xsi:nil="true"/>
+    <AcquiredFrom xmlns="4873beb7-5857-4685-be1f-d57550cc96cc">Internal MS</AcquiredFrom>
+    <FriendlyTitle xmlns="4873beb7-5857-4685-be1f-d57550cc96cc" xsi:nil="true"/>
+    <LastHandOff xmlns="4873beb7-5857-4685-be1f-d57550cc96cc" xsi:nil="true"/>
+    <TPClientViewer xmlns="4873beb7-5857-4685-be1f-d57550cc96cc" xsi:nil="true"/>
+    <TemplateStatus xmlns="4873beb7-5857-4685-be1f-d57550cc96cc">Complete</TemplateStatus>
+    <Downloads xmlns="4873beb7-5857-4685-be1f-d57550cc96cc">0</Downloads>
+    <OOCacheId xmlns="4873beb7-5857-4685-be1f-d57550cc96cc" xsi:nil="true"/>
+    <IsDeleted xmlns="4873beb7-5857-4685-be1f-d57550cc96cc">false</IsDeleted>
+    <LocPublishedDependentAssetsLookup xmlns="4873beb7-5857-4685-be1f-d57550cc96cc" xsi:nil="true"/>
+    <TPExecutable xmlns="4873beb7-5857-4685-be1f-d57550cc96cc" xsi:nil="true"/>
+    <EditorialTags xmlns="4873beb7-5857-4685-be1f-d57550cc96cc" xsi:nil="true"/>
+    <SubmitterId xmlns="4873beb7-5857-4685-be1f-d57550cc96cc" xsi:nil="true"/>
+    <ApprovalLog xmlns="4873beb7-5857-4685-be1f-d57550cc96cc" xsi:nil="true"/>
+    <AssetType xmlns="4873beb7-5857-4685-be1f-d57550cc96cc">TP</AssetType>
+    <BugNumber xmlns="4873beb7-5857-4685-be1f-d57550cc96cc" xsi:nil="true"/>
+    <CSXSubmissionDate xmlns="4873beb7-5857-4685-be1f-d57550cc96cc" xsi:nil="true"/>
+    <CSXUpdate xmlns="4873beb7-5857-4685-be1f-d57550cc96cc">false</CSXUpdate>
+    <Milestone xmlns="4873beb7-5857-4685-be1f-d57550cc96cc" xsi:nil="true"/>
+    <RecommendationsModifier xmlns="4873beb7-5857-4685-be1f-d57550cc96cc" xsi:nil="true"/>
+    <OriginAsset xmlns="4873beb7-5857-4685-be1f-d57550cc96cc" xsi:nil="true"/>
+    <TPComponent xmlns="4873beb7-5857-4685-be1f-d57550cc96cc" xsi:nil="true"/>
+    <AssetId xmlns="4873beb7-5857-4685-be1f-d57550cc96cc">TP102787989</AssetId>
+    <IntlLocPriority xmlns="4873beb7-5857-4685-be1f-d57550cc96cc" xsi:nil="true"/>
+    <PolicheckWords xmlns="4873beb7-5857-4685-be1f-d57550cc96cc" xsi:nil="true"/>
+    <TPLaunchHelpLink xmlns="4873beb7-5857-4685-be1f-d57550cc96cc" xsi:nil="true"/>
+    <TPApplication xmlns="4873beb7-5857-4685-be1f-d57550cc96cc" xsi:nil="true"/>
+    <CrawlForDependencies xmlns="4873beb7-5857-4685-be1f-d57550cc96cc">false</CrawlForDependencies>
+    <HandoffToMSDN xmlns="4873beb7-5857-4685-be1f-d57550cc96cc" xsi:nil="true"/>
+    <PlannedPubDate xmlns="4873beb7-5857-4685-be1f-d57550cc96cc" xsi:nil="true"/>
+    <IntlLangReviewer xmlns="4873beb7-5857-4685-be1f-d57550cc96cc" xsi:nil="true"/>
+    <TrustLevel xmlns="4873beb7-5857-4685-be1f-d57550cc96cc">1 Microsoft Managed Content</TrustLevel>
+    <LocLastLocAttemptVersionLookup xmlns="4873beb7-5857-4685-be1f-d57550cc96cc">694266</LocLastLocAttemptVersionLookup>
+    <LocProcessedForHandoffsLookup xmlns="4873beb7-5857-4685-be1f-d57550cc96cc" xsi:nil="true"/>
+    <IsSearchable xmlns="4873beb7-5857-4685-be1f-d57550cc96cc">true</IsSearchable>
+    <TemplateTemplateType xmlns="4873beb7-5857-4685-be1f-d57550cc96cc">PowerPoint Presentation Template</TemplateTemplateType>
+    <CampaignTagsTaxHTField0 xmlns="4873beb7-5857-4685-be1f-d57550cc96cc">
+      <Terms xmlns="http://schemas.microsoft.com/office/infopath/2007/PartnerControls"/>
+    </CampaignTagsTaxHTField0>
+    <TPNamespace xmlns="4873beb7-5857-4685-be1f-d57550cc96cc" xsi:nil="true"/>
+    <LocOverallPreviewStatusLookup xmlns="4873beb7-5857-4685-be1f-d57550cc96cc" xsi:nil="true"/>
+    <TaxCatchAll xmlns="4873beb7-5857-4685-be1f-d57550cc96cc"/>
+    <Markets xmlns="4873beb7-5857-4685-be1f-d57550cc96cc"/>
+    <UAProjectedTotalWords xmlns="4873beb7-5857-4685-be1f-d57550cc96cc" xsi:nil="true"/>
+    <IntlLangReview xmlns="4873beb7-5857-4685-be1f-d57550cc96cc" xsi:nil="true"/>
+    <OutputCachingOn xmlns="4873beb7-5857-4685-be1f-d57550cc96cc">false</OutputCachingOn>
+    <AverageRating xmlns="4873beb7-5857-4685-be1f-d57550cc96cc" xsi:nil="true"/>
+    <APAuthor xmlns="4873beb7-5857-4685-be1f-d57550cc96cc">
+      <UserInfo>
+        <DisplayName>REDMOND\kristaa</DisplayName>
+        <AccountId>136</AccountId>
+        <AccountType/>
+      </UserInfo>
+    </APAuthor>
+    <LocManualTestRequired xmlns="4873beb7-5857-4685-be1f-d57550cc96cc">false</LocManualTestRequired>
+    <TPCommandLine xmlns="4873beb7-5857-4685-be1f-d57550cc96cc" xsi:nil="true"/>
+    <TPAppVersion xmlns="4873beb7-5857-4685-be1f-d57550cc96cc" xsi:nil="true"/>
+    <EditorialStatus xmlns="4873beb7-5857-4685-be1f-d57550cc96cc">Complete</EditorialStatus>
+    <LastModifiedDateTime xmlns="4873beb7-5857-4685-be1f-d57550cc96cc" xsi:nil="true"/>
+    <ScenarioTagsTaxHTField0 xmlns="4873beb7-5857-4685-be1f-d57550cc96cc">
+      <Terms xmlns="http://schemas.microsoft.com/office/infopath/2007/PartnerControls"/>
+    </ScenarioTagsTaxHTField0>
+    <LocProcessedForMarketsLookup xmlns="4873beb7-5857-4685-be1f-d57550cc96cc" xsi:nil="true"/>
+    <TPLaunchHelpLinkType xmlns="4873beb7-5857-4685-be1f-d57550cc96cc">Template</TPLaunchHelpLinkType>
+    <OriginalRelease xmlns="4873beb7-5857-4685-be1f-d57550cc96cc">15</OriginalRelease>
+    <LocalizationTagsTaxHTField0 xmlns="4873beb7-5857-4685-be1f-d57550cc96cc">
+      <Terms xmlns="http://schemas.microsoft.com/office/infopath/2007/PartnerControls"/>
+    </LocalizationTagsTaxHTField0>
+    <UACurrentWords xmlns="4873beb7-5857-4685-be1f-d57550cc96cc" xsi:nil="true"/>
+    <ArtSampleDocs xmlns="4873beb7-5857-4685-be1f-d57550cc96cc" xsi:nil="true"/>
+    <UALocRecommendation xmlns="4873beb7-5857-4685-be1f-d57550cc96cc">Localize</UALocRecommendation>
+    <Manager xmlns="4873beb7-5857-4685-be1f-d57550cc96cc" xsi:nil="true"/>
+    <LocOverallHandbackStatusLookup xmlns="4873beb7-5857-4685-be1f-d57550cc96cc" xsi:nil="true"/>
+    <ShowIn xmlns="4873beb7-5857-4685-be1f-d57550cc96cc">Show everywhere</ShowIn>
+    <UANotes xmlns="4873beb7-5857-4685-be1f-d57550cc96cc" xsi:nil="true"/>
+    <InternalTagsTaxHTField0 xmlns="4873beb7-5857-4685-be1f-d57550cc96cc">
+      <Terms xmlns="http://schemas.microsoft.com/office/infopath/2007/PartnerControls"/>
+    </InternalTagsTaxHTField0>
+    <CSXHash xmlns="4873beb7-5857-4685-be1f-d57550cc96cc" xsi:nil="true"/>
+    <VoteCount xmlns="4873beb7-5857-4685-be1f-d57550cc96cc" xsi:nil="true"/>
+    <AssetExpire xmlns="4873beb7-5857-4685-be1f-d57550cc96cc">2029-05-12T07:00:00+00:00</AssetExpire>
+    <DSATActionTaken xmlns="4873beb7-5857-4685-be1f-d57550cc96cc" xsi:nil="true"/>
+    <CSXSubmissionMarket xmlns="4873beb7-5857-4685-be1f-d57550cc96cc" xsi:nil="true"/>
+    <LocMarketGroupTiers2 xmlns="4873beb7-5857-4685-be1f-d57550cc96cc" xsi:nil="true"/>
+  </documentManagement>
+</p:properties>
 </file>
 
-<file path=customXml/itemProps3.xml><?xml version="1.0" encoding="utf-8"?>
+<file path=customXml/itemProps1.xml><?xml version="1.0" encoding="utf-8"?>
 <ds:datastoreItem xmlns:ds="http://schemas.openxmlformats.org/officeDocument/2006/customXml" ds:itemID="{A09BF4D4-EF60-4196-BFC3-9462D607978C}">
   <ds:schemaRefs>
     <ds:schemaRef ds:uri="http://schemas.microsoft.com/office/2006/metadata/contentType"/>
@@ -12820,4 +12929,28 @@
     <ds:schemaRef ds:uri="http://schemas.microsoft.com/internal/obd"/>
   </ds:schemaRefs>
 </ds:datastoreItem>
+</file>
+
+<file path=customXml/itemProps2.xml><?xml version="1.0" encoding="utf-8"?>
+<ds:datastoreItem xmlns:ds="http://schemas.openxmlformats.org/officeDocument/2006/customXml" ds:itemID="{3836F65B-1B07-41EE-A0E8-BC6EF3855225}">
+  <ds:schemaRefs>
+    <ds:schemaRef ds:uri="http://schemas.microsoft.com/sharepoint/v3/contenttype/forms"/>
+  </ds:schemaRefs>
+</ds:datastoreItem>
+</file>
+
+<file path=customXml/itemProps3.xml><?xml version="1.0" encoding="utf-8"?>
+<ds:datastoreItem xmlns:ds="http://schemas.openxmlformats.org/officeDocument/2006/customXml" ds:itemID="{60C67BEE-D13F-4BD2-98A5-34D8A0977F68}">
+  <ds:schemaRefs>
+    <ds:schemaRef ds:uri="4873beb7-5857-4685-be1f-d57550cc96cc"/>
+    <ds:schemaRef ds:uri="http://schemas.openxmlformats.org/package/2006/metadata/core-properties"/>
+    <ds:schemaRef ds:uri="http://purl.org/dc/terms/"/>
+    <ds:schemaRef ds:uri="http://schemas.microsoft.com/office/2006/documentManagement/types"/>
+    <ds:schemaRef ds:uri="http://purl.org/dc/elements/1.1/"/>
+    <ds:schemaRef ds:uri="http://schemas.microsoft.com/office/2006/metadata/properties"/>
+    <ds:schemaRef ds:uri="http://schemas.microsoft.com/office/infopath/2007/PartnerControls"/>
+    <ds:schemaRef ds:uri="http://www.w3.org/XML/1998/namespace"/>
+    <ds:schemaRef ds:uri="http://purl.org/dc/dcmitype/"/>
+  </ds:schemaRefs>
+</ds:datastoreItem>
 </file>
--- a/presentation.pptx
+++ b/presentation.pptx
@@ -5,24 +5,23 @@
     <p:sldMasterId id="2147483660" r:id="rId4"/>
   </p:sldMasterIdLst>
   <p:notesMasterIdLst>
-    <p:notesMasterId r:id="rId17"/>
+    <p:notesMasterId r:id="rId16"/>
   </p:notesMasterIdLst>
   <p:handoutMasterIdLst>
-    <p:handoutMasterId r:id="rId18"/>
+    <p:handoutMasterId r:id="rId17"/>
   </p:handoutMasterIdLst>
   <p:sldIdLst>
     <p:sldId id="257" r:id="rId5"/>
     <p:sldId id="268" r:id="rId6"/>
-    <p:sldId id="259" r:id="rId7"/>
-    <p:sldId id="275" r:id="rId8"/>
-    <p:sldId id="272" r:id="rId9"/>
-    <p:sldId id="278" r:id="rId10"/>
-    <p:sldId id="277" r:id="rId11"/>
-    <p:sldId id="276" r:id="rId12"/>
-    <p:sldId id="280" r:id="rId13"/>
-    <p:sldId id="281" r:id="rId14"/>
-    <p:sldId id="282" r:id="rId15"/>
-    <p:sldId id="283" r:id="rId16"/>
+    <p:sldId id="275" r:id="rId7"/>
+    <p:sldId id="272" r:id="rId8"/>
+    <p:sldId id="278" r:id="rId9"/>
+    <p:sldId id="277" r:id="rId10"/>
+    <p:sldId id="276" r:id="rId11"/>
+    <p:sldId id="280" r:id="rId12"/>
+    <p:sldId id="284" r:id="rId13"/>
+    <p:sldId id="282" r:id="rId14"/>
+    <p:sldId id="283" r:id="rId15"/>
   </p:sldIdLst>
   <p:sldSz cx="12188825" cy="6858000"/>
   <p:notesSz cx="6858000" cy="9144000"/>
@@ -5634,7 +5633,13 @@
       </p:grpSpPr>
       <p:sp>
         <p:nvSpPr>
-          <p:cNvPr id="4" name="Title 3"/>
+          <p:cNvPr id="2" name="Title 1">
+            <a:extLst>
+              <a:ext uri="{FF2B5EF4-FFF2-40B4-BE49-F238E27FC236}">
+                <a16:creationId xmlns:a16="http://schemas.microsoft.com/office/drawing/2014/main" id="{EC24980E-3EBC-4FAB-BB91-A623B557BD07}"/>
+              </a:ext>
+            </a:extLst>
+          </p:cNvPr>
           <p:cNvSpPr>
             <a:spLocks noGrp="1"/>
           </p:cNvSpPr>
@@ -5644,8 +5649,8 @@
         </p:nvSpPr>
         <p:spPr>
           <a:xfrm>
-            <a:off x="1372958" y="228601"/>
-            <a:ext cx="9442908" cy="762000"/>
+            <a:off x="1522412" y="1828800"/>
+            <a:ext cx="8938472" cy="3276600"/>
           </a:xfrm>
         </p:spPr>
         <p:txBody>
@@ -5654,31 +5659,50 @@
           </a:bodyPr>
           <a:lstStyle/>
           <a:p>
-            <a:pPr algn="ctr"/>
-            <a:r>
-              <a:rPr lang="en-US" sz="4400" b="1" dirty="0">
-                <a:ln w="9525">
-                  <a:solidFill>
-                    <a:schemeClr val="bg1"/>
-                  </a:solidFill>
-                  <a:prstDash val="solid"/>
-                </a:ln>
-                <a:effectLst>
-                  <a:outerShdw blurRad="12700" dist="38100" dir="2700000" algn="tl" rotWithShape="0">
-                    <a:schemeClr val="bg1">
-                      <a:lumMod val="50000"/>
-                    </a:schemeClr>
-                  </a:outerShdw>
-                </a:effectLst>
+            <a:r>
+              <a:rPr lang="en-US" sz="4400" dirty="0"/>
+              <a:t>If you have any questions ..., </a:t>
+            </a:r>
+            <a:br>
+              <a:rPr lang="en-US" sz="4400" dirty="0"/>
+            </a:br>
+            <a:r>
+              <a:rPr lang="en-US" sz="4400" dirty="0">
+                <a:solidFill>
+                  <a:srgbClr val="FF0000"/>
+                </a:solidFill>
               </a:rPr>
-              <a:t>CONCLUSION</a:t>
+              <a:t>please keep it for yourself </a:t>
+            </a:r>
+            <a:br>
+              <a:rPr lang="en-US" sz="4400" dirty="0"/>
+            </a:br>
+            <a:r>
+              <a:rPr lang="en-US" sz="4400" dirty="0"/>
+              <a:t>I’m not google</a:t>
+            </a:r>
+            <a:br>
+              <a:rPr lang="en-US" sz="4400" dirty="0"/>
+            </a:br>
+            <a:br>
+              <a:rPr lang="en-US" sz="4400" dirty="0"/>
+            </a:br>
+            <a:r>
+              <a:rPr lang="en-US" sz="4400" dirty="0"/>
+              <a:t>You can google it yourself :)</a:t>
             </a:r>
           </a:p>
         </p:txBody>
       </p:sp>
       <p:sp>
         <p:nvSpPr>
-          <p:cNvPr id="5" name="Text Placeholder 4"/>
+          <p:cNvPr id="3" name="Text Placeholder 2">
+            <a:extLst>
+              <a:ext uri="{FF2B5EF4-FFF2-40B4-BE49-F238E27FC236}">
+                <a16:creationId xmlns:a16="http://schemas.microsoft.com/office/drawing/2014/main" id="{ED0EF714-7A53-4089-8363-657739988BBA}"/>
+              </a:ext>
+            </a:extLst>
+          </p:cNvPr>
           <p:cNvSpPr>
             <a:spLocks noGrp="1"/>
           </p:cNvSpPr>
@@ -5688,46 +5712,22 @@
         </p:nvSpPr>
         <p:spPr>
           <a:xfrm>
-            <a:off x="417512" y="990601"/>
-            <a:ext cx="11353800" cy="5867399"/>
+            <a:off x="2741612" y="5867400"/>
+            <a:ext cx="7069519" cy="533399"/>
           </a:xfrm>
         </p:spPr>
         <p:txBody>
-          <a:bodyPr>
-            <a:normAutofit/>
-          </a:bodyPr>
+          <a:bodyPr/>
           <a:lstStyle/>
           <a:p>
-            <a:pPr algn="ctr"/>
-            <a:r>
-              <a:rPr lang="en-US" sz="2400" cap="none" dirty="0">
-                <a:solidFill>
-                  <a:schemeClr val="tx2"/>
-                </a:solidFill>
-              </a:rPr>
-              <a:t>The following presentation concludes that the above laws are important and they need to be implemented more strictly to reduce crimes and law breaches in our country. Especially for an underdeveloped country like Nepal, these country needs to implement the patent laws more strictly since almost all of the people, students specifically tend to copy information from a site without crediting the real author. Education about such topics need to be given to all people of all ages for making the implementation more fruitful.</a:t>
-            </a:r>
-            <a:endParaRPr lang="en-GB" sz="2400" cap="none" dirty="0">
-              <a:solidFill>
-                <a:schemeClr val="tx2"/>
-              </a:solidFill>
-            </a:endParaRPr>
-          </a:p>
-          <a:p>
-            <a:pPr algn="ctr"/>
-            <a:endParaRPr lang="en-US" sz="2400" b="1" u="sng" cap="none" dirty="0">
-              <a:solidFill>
-                <a:schemeClr val="tx2"/>
-              </a:solidFill>
-              <a:latin typeface="+mj-lt"/>
-            </a:endParaRPr>
+            <a:endParaRPr lang="en-US" dirty="0"/>
           </a:p>
         </p:txBody>
       </p:sp>
     </p:spTree>
     <p:extLst>
       <p:ext uri="{BB962C8B-B14F-4D97-AF65-F5344CB8AC3E}">
-        <p14:creationId xmlns:p14="http://schemas.microsoft.com/office/powerpoint/2010/main" val="1510019163"/>
+        <p14:creationId xmlns:p14="http://schemas.microsoft.com/office/powerpoint/2010/main" val="3903424447"/>
       </p:ext>
     </p:extLst>
   </p:cSld>
@@ -5784,7 +5784,7 @@
         </p:nvSpPr>
         <p:spPr>
           <a:xfrm>
-            <a:off x="1522412" y="1828800"/>
+            <a:off x="1217612" y="1447800"/>
             <a:ext cx="8938472" cy="3276600"/>
           </a:xfrm>
         </p:spPr>
@@ -5796,25 +5796,7 @@
           <a:p>
             <a:r>
               <a:rPr lang="en-US" sz="4400" dirty="0"/>
-              <a:t>If you have any questions ..., </a:t>
-            </a:r>
-            <a:br>
-              <a:rPr lang="en-US" sz="4400" dirty="0"/>
-            </a:br>
-            <a:r>
-              <a:rPr lang="en-US" sz="4400" dirty="0">
-                <a:solidFill>
-                  <a:srgbClr val="FF0000"/>
-                </a:solidFill>
-              </a:rPr>
-              <a:t>please keep it for yourself </a:t>
-            </a:r>
-            <a:br>
-              <a:rPr lang="en-US" sz="4400" dirty="0"/>
-            </a:br>
-            <a:r>
-              <a:rPr lang="en-US" sz="4400" dirty="0"/>
-              <a:t>I’m not google</a:t>
+              <a:t>Can’t google?</a:t>
             </a:r>
             <a:br>
               <a:rPr lang="en-US" sz="4400" dirty="0"/>
@@ -5824,7 +5806,22 @@
             </a:br>
             <a:r>
               <a:rPr lang="en-US" sz="4400" dirty="0"/>
-              <a:t>You can google it yourself :)</a:t>
+              <a:t>Just mail me then….,</a:t>
+            </a:r>
+            <a:br>
+              <a:rPr lang="en-US" sz="4400" dirty="0"/>
+            </a:br>
+            <a:r>
+              <a:rPr lang="en-US" sz="4400" dirty="0"/>
+              <a:t>Email: </a:t>
+            </a:r>
+            <a:r>
+              <a:rPr lang="en-US" sz="4400" dirty="0">
+                <a:solidFill>
+                  <a:srgbClr val="FF0000"/>
+                </a:solidFill>
+              </a:rPr>
+              <a:t>katelpranav333@gmail.com</a:t>
             </a:r>
           </a:p>
         </p:txBody>
@@ -5862,7 +5859,7 @@
     </p:spTree>
     <p:extLst>
       <p:ext uri="{BB962C8B-B14F-4D97-AF65-F5344CB8AC3E}">
-        <p14:creationId xmlns:p14="http://schemas.microsoft.com/office/powerpoint/2010/main" val="3903424447"/>
+        <p14:creationId xmlns:p14="http://schemas.microsoft.com/office/powerpoint/2010/main" val="2934229949"/>
       </p:ext>
     </p:extLst>
   </p:cSld>
@@ -5876,138 +5873,6 @@
       </p:transition>
     </mc:Choice>
     <mc:Fallback xmlns="">
-      <p:transition spd="med">
-        <p:fade/>
-      </p:transition>
-    </mc:Fallback>
-  </mc:AlternateContent>
-</p:sld>
-</file>
-
-<file path=ppt/slides/slide12.xml><?xml version="1.0" encoding="utf-8"?>
-<p:sld xmlns:a="http://schemas.openxmlformats.org/drawingml/2006/main" xmlns:r="http://schemas.openxmlformats.org/officeDocument/2006/relationships" xmlns:p="http://schemas.openxmlformats.org/presentationml/2006/main">
-  <p:cSld>
-    <p:spTree>
-      <p:nvGrpSpPr>
-        <p:cNvPr id="1" name=""/>
-        <p:cNvGrpSpPr/>
-        <p:nvPr/>
-      </p:nvGrpSpPr>
-      <p:grpSpPr>
-        <a:xfrm>
-          <a:off x="0" y="0"/>
-          <a:ext cx="0" cy="0"/>
-          <a:chOff x="0" y="0"/>
-          <a:chExt cx="0" cy="0"/>
-        </a:xfrm>
-      </p:grpSpPr>
-      <p:sp>
-        <p:nvSpPr>
-          <p:cNvPr id="2" name="Title 1">
-            <a:extLst>
-              <a:ext uri="{FF2B5EF4-FFF2-40B4-BE49-F238E27FC236}">
-                <a16:creationId xmlns:a16="http://schemas.microsoft.com/office/drawing/2014/main" id="{EC24980E-3EBC-4FAB-BB91-A623B557BD07}"/>
-              </a:ext>
-            </a:extLst>
-          </p:cNvPr>
-          <p:cNvSpPr>
-            <a:spLocks noGrp="1"/>
-          </p:cNvSpPr>
-          <p:nvPr>
-            <p:ph type="title"/>
-          </p:nvPr>
-        </p:nvSpPr>
-        <p:spPr>
-          <a:xfrm>
-            <a:off x="1217612" y="1447800"/>
-            <a:ext cx="8938472" cy="3276600"/>
-          </a:xfrm>
-        </p:spPr>
-        <p:txBody>
-          <a:bodyPr>
-            <a:noAutofit/>
-          </a:bodyPr>
-          <a:lstStyle/>
-          <a:p>
-            <a:r>
-              <a:rPr lang="en-US" sz="4400" dirty="0"/>
-              <a:t>Can’t google?</a:t>
-            </a:r>
-            <a:br>
-              <a:rPr lang="en-US" sz="4400" dirty="0"/>
-            </a:br>
-            <a:br>
-              <a:rPr lang="en-US" sz="4400" dirty="0"/>
-            </a:br>
-            <a:r>
-              <a:rPr lang="en-US" sz="4400" dirty="0"/>
-              <a:t>Just mail me then….,</a:t>
-            </a:r>
-            <a:br>
-              <a:rPr lang="en-US" sz="4400" dirty="0"/>
-            </a:br>
-            <a:r>
-              <a:rPr lang="en-US" sz="4400" dirty="0"/>
-              <a:t>Email: </a:t>
-            </a:r>
-            <a:r>
-              <a:rPr lang="en-US" sz="4400" dirty="0">
-                <a:solidFill>
-                  <a:srgbClr val="FF0000"/>
-                </a:solidFill>
-              </a:rPr>
-              <a:t>katelpranav333@gmail.com</a:t>
-            </a:r>
-          </a:p>
-        </p:txBody>
-      </p:sp>
-      <p:sp>
-        <p:nvSpPr>
-          <p:cNvPr id="3" name="Text Placeholder 2">
-            <a:extLst>
-              <a:ext uri="{FF2B5EF4-FFF2-40B4-BE49-F238E27FC236}">
-                <a16:creationId xmlns:a16="http://schemas.microsoft.com/office/drawing/2014/main" id="{ED0EF714-7A53-4089-8363-657739988BBA}"/>
-              </a:ext>
-            </a:extLst>
-          </p:cNvPr>
-          <p:cNvSpPr>
-            <a:spLocks noGrp="1"/>
-          </p:cNvSpPr>
-          <p:nvPr>
-            <p:ph type="body" idx="1"/>
-          </p:nvPr>
-        </p:nvSpPr>
-        <p:spPr>
-          <a:xfrm>
-            <a:off x="2741612" y="5867400"/>
-            <a:ext cx="7069519" cy="533399"/>
-          </a:xfrm>
-        </p:spPr>
-        <p:txBody>
-          <a:bodyPr/>
-          <a:lstStyle/>
-          <a:p>
-            <a:endParaRPr lang="en-US" dirty="0"/>
-          </a:p>
-        </p:txBody>
-      </p:sp>
-    </p:spTree>
-    <p:extLst>
-      <p:ext uri="{BB962C8B-B14F-4D97-AF65-F5344CB8AC3E}">
-        <p14:creationId xmlns:p14="http://schemas.microsoft.com/office/powerpoint/2010/main" val="2934229949"/>
-      </p:ext>
-    </p:extLst>
-  </p:cSld>
-  <p:clrMapOvr>
-    <a:masterClrMapping/>
-  </p:clrMapOvr>
-  <mc:AlternateContent xmlns:mc="http://schemas.openxmlformats.org/markup-compatibility/2006">
-    <mc:Choice xmlns:p14="http://schemas.microsoft.com/office/powerpoint/2010/main" Requires="p14">
-      <p:transition spd="med" p14:dur="700">
-        <p:fade/>
-      </p:transition>
-    </mc:Choice>
-    <mc:Fallback>
       <p:transition spd="med">
         <p:fade/>
       </p:transition>
@@ -7494,482 +7359,6 @@
           <a:p>
             <a:pPr algn="ctr"/>
             <a:r>
-              <a:rPr lang="en-US" sz="5400" b="1" u="sng" dirty="0"/>
-              <a:t>ACKNOWLEDGEMENT</a:t>
-            </a:r>
-            <a:endParaRPr lang="en-US" dirty="0"/>
-          </a:p>
-        </p:txBody>
-      </p:sp>
-      <p:sp>
-        <p:nvSpPr>
-          <p:cNvPr id="5" name="Text Placeholder 4"/>
-          <p:cNvSpPr>
-            <a:spLocks noGrp="1"/>
-          </p:cNvSpPr>
-          <p:nvPr>
-            <p:ph type="body" idx="1"/>
-          </p:nvPr>
-        </p:nvSpPr>
-        <p:spPr>
-          <a:xfrm>
-            <a:off x="1223504" y="1600200"/>
-            <a:ext cx="9741816" cy="4572000"/>
-          </a:xfrm>
-        </p:spPr>
-        <p:txBody>
-          <a:bodyPr>
-            <a:normAutofit/>
-          </a:bodyPr>
-          <a:lstStyle/>
-          <a:p>
-            <a:r>
-              <a:rPr lang="en-US" sz="2000" b="0" cap="none" dirty="0">
-                <a:solidFill>
-                  <a:schemeClr val="tx2"/>
-                </a:solidFill>
-                <a:effectLst/>
-                <a:latin typeface="+mj-lt"/>
-              </a:rPr>
-              <a:t>We would like to acknowledge all those without whom this project would not have been successful. firstly, </a:t>
-            </a:r>
-            <a:r>
-              <a:rPr lang="en-US" sz="2000" cap="none" dirty="0">
-                <a:solidFill>
-                  <a:schemeClr val="tx2"/>
-                </a:solidFill>
-                <a:latin typeface="+mj-lt"/>
-              </a:rPr>
-              <a:t>we</a:t>
-            </a:r>
-            <a:r>
-              <a:rPr lang="en-US" sz="2000" b="0" cap="none" dirty="0">
-                <a:solidFill>
-                  <a:schemeClr val="tx2"/>
-                </a:solidFill>
-                <a:effectLst/>
-                <a:latin typeface="+mj-lt"/>
-              </a:rPr>
-              <a:t> would wish to thank our computer science teacher </a:t>
-            </a:r>
-            <a:r>
-              <a:rPr lang="en-US" sz="2000" cap="none" dirty="0">
-                <a:solidFill>
-                  <a:schemeClr val="tx2"/>
-                </a:solidFill>
-                <a:latin typeface="+mj-lt"/>
-              </a:rPr>
-              <a:t>M</a:t>
-            </a:r>
-            <a:r>
-              <a:rPr lang="en-US" sz="2000" b="0" cap="none" dirty="0">
-                <a:solidFill>
-                  <a:schemeClr val="tx2"/>
-                </a:solidFill>
-                <a:effectLst/>
-                <a:latin typeface="+mj-lt"/>
-              </a:rPr>
-              <a:t>r. </a:t>
-            </a:r>
-            <a:r>
-              <a:rPr lang="en-US" sz="2000" cap="none" dirty="0">
-                <a:solidFill>
-                  <a:schemeClr val="tx2"/>
-                </a:solidFill>
-                <a:latin typeface="+mj-lt"/>
-              </a:rPr>
-              <a:t>K</a:t>
-            </a:r>
-            <a:r>
-              <a:rPr lang="en-US" sz="2000" b="0" cap="none" dirty="0">
-                <a:solidFill>
-                  <a:schemeClr val="tx2"/>
-                </a:solidFill>
-                <a:effectLst/>
-                <a:latin typeface="+mj-lt"/>
-              </a:rPr>
-              <a:t>apil </a:t>
-            </a:r>
-            <a:r>
-              <a:rPr lang="en-US" sz="2000" cap="none" dirty="0" err="1">
-                <a:solidFill>
-                  <a:schemeClr val="tx2"/>
-                </a:solidFill>
-                <a:latin typeface="+mj-lt"/>
-              </a:rPr>
-              <a:t>D</a:t>
-            </a:r>
-            <a:r>
-              <a:rPr lang="en-US" sz="2000" b="0" cap="none" dirty="0" err="1">
-                <a:solidFill>
-                  <a:schemeClr val="tx2"/>
-                </a:solidFill>
-                <a:effectLst/>
-                <a:latin typeface="+mj-lt"/>
-              </a:rPr>
-              <a:t>hungel</a:t>
-            </a:r>
-            <a:r>
-              <a:rPr lang="en-US" sz="2000" b="0" cap="none" dirty="0">
-                <a:solidFill>
-                  <a:schemeClr val="tx2"/>
-                </a:solidFill>
-                <a:effectLst/>
-                <a:latin typeface="+mj-lt"/>
-              </a:rPr>
-              <a:t> who guided us throughout the project and gave his immense support. he made us understand how to successfully complete this project and without him, the project would not have been complete.</a:t>
-            </a:r>
-          </a:p>
-          <a:p>
-            <a:endParaRPr lang="en-US" sz="2000" cap="none" dirty="0">
-              <a:solidFill>
-                <a:schemeClr val="tx2"/>
-              </a:solidFill>
-              <a:latin typeface="+mj-lt"/>
-            </a:endParaRPr>
-          </a:p>
-          <a:p>
-            <a:r>
-              <a:rPr lang="en-US" sz="2000" cap="none" dirty="0">
-                <a:solidFill>
-                  <a:schemeClr val="tx2"/>
-                </a:solidFill>
-                <a:latin typeface="+mj-lt"/>
-              </a:rPr>
-              <a:t>T</a:t>
-            </a:r>
-            <a:r>
-              <a:rPr lang="en-US" sz="2000" b="0" cap="none" dirty="0">
-                <a:solidFill>
-                  <a:schemeClr val="tx2"/>
-                </a:solidFill>
-                <a:effectLst/>
-                <a:latin typeface="+mj-lt"/>
-              </a:rPr>
-              <a:t>his project has been a source to learn and bring our theoretical knowledge to the real-life world. so, w</a:t>
-            </a:r>
-            <a:r>
-              <a:rPr lang="en-US" sz="2000" cap="none" dirty="0">
-                <a:solidFill>
-                  <a:schemeClr val="tx2"/>
-                </a:solidFill>
-                <a:latin typeface="+mj-lt"/>
-              </a:rPr>
-              <a:t>e</a:t>
-            </a:r>
-            <a:r>
-              <a:rPr lang="en-US" sz="2000" b="0" cap="none" dirty="0">
-                <a:solidFill>
-                  <a:schemeClr val="tx2"/>
-                </a:solidFill>
-                <a:effectLst/>
-                <a:latin typeface="+mj-lt"/>
-              </a:rPr>
-              <a:t> would really acknowledge his help and guidance for this project.</a:t>
-            </a:r>
-            <a:endParaRPr lang="en-US" sz="2000" cap="none" dirty="0">
-              <a:solidFill>
-                <a:schemeClr val="tx2"/>
-              </a:solidFill>
-              <a:latin typeface="+mj-lt"/>
-            </a:endParaRPr>
-          </a:p>
-        </p:txBody>
-      </p:sp>
-    </p:spTree>
-    <p:extLst>
-      <p:ext uri="{BB962C8B-B14F-4D97-AF65-F5344CB8AC3E}">
-        <p14:creationId xmlns:p14="http://schemas.microsoft.com/office/powerpoint/2010/main" val="4264977537"/>
-      </p:ext>
-    </p:extLst>
-  </p:cSld>
-  <p:clrMapOvr>
-    <a:masterClrMapping/>
-  </p:clrMapOvr>
-  <mc:AlternateContent xmlns:mc="http://schemas.openxmlformats.org/markup-compatibility/2006" xmlns:p14="http://schemas.microsoft.com/office/powerpoint/2010/main">
-    <mc:Choice Requires="p14">
-      <p:transition spd="med" p14:dur="700">
-        <p:fade/>
-      </p:transition>
-    </mc:Choice>
-    <mc:Fallback xmlns="">
-      <p:transition spd="med">
-        <p:fade/>
-      </p:transition>
-    </mc:Fallback>
-  </mc:AlternateContent>
-  <p:timing>
-    <p:tnLst>
-      <p:par>
-        <p:cTn id="1" dur="indefinite" restart="never" nodeType="tmRoot">
-          <p:childTnLst>
-            <p:seq concurrent="1" nextAc="seek">
-              <p:cTn id="2" dur="indefinite" nodeType="mainSeq">
-                <p:childTnLst>
-                  <p:par>
-                    <p:cTn id="3" fill="hold">
-                      <p:stCondLst>
-                        <p:cond delay="indefinite"/>
-                        <p:cond evt="onBegin" delay="0">
-                          <p:tn val="2"/>
-                        </p:cond>
-                      </p:stCondLst>
-                      <p:childTnLst>
-                        <p:par>
-                          <p:cTn id="4" fill="hold">
-                            <p:stCondLst>
-                              <p:cond delay="0"/>
-                            </p:stCondLst>
-                            <p:childTnLst>
-                              <p:par>
-                                <p:cTn id="5" presetID="42" presetClass="entr" presetSubtype="0" fill="hold" grpId="0" nodeType="afterEffect">
-                                  <p:stCondLst>
-                                    <p:cond delay="0"/>
-                                  </p:stCondLst>
-                                  <p:childTnLst>
-                                    <p:set>
-                                      <p:cBhvr>
-                                        <p:cTn id="6" dur="1" fill="hold">
-                                          <p:stCondLst>
-                                            <p:cond delay="0"/>
-                                          </p:stCondLst>
-                                        </p:cTn>
-                                        <p:tgtEl>
-                                          <p:spTgt spid="4"/>
-                                        </p:tgtEl>
-                                        <p:attrNameLst>
-                                          <p:attrName>style.visibility</p:attrName>
-                                        </p:attrNameLst>
-                                      </p:cBhvr>
-                                      <p:to>
-                                        <p:strVal val="visible"/>
-                                      </p:to>
-                                    </p:set>
-                                    <p:animEffect transition="in" filter="fade">
-                                      <p:cBhvr>
-                                        <p:cTn id="7" dur="1000"/>
-                                        <p:tgtEl>
-                                          <p:spTgt spid="4"/>
-                                        </p:tgtEl>
-                                      </p:cBhvr>
-                                    </p:animEffect>
-                                    <p:anim calcmode="lin" valueType="num">
-                                      <p:cBhvr>
-                                        <p:cTn id="8" dur="1000" fill="hold"/>
-                                        <p:tgtEl>
-                                          <p:spTgt spid="4"/>
-                                        </p:tgtEl>
-                                        <p:attrNameLst>
-                                          <p:attrName>ppt_x</p:attrName>
-                                        </p:attrNameLst>
-                                      </p:cBhvr>
-                                      <p:tavLst>
-                                        <p:tav tm="0">
-                                          <p:val>
-                                            <p:strVal val="#ppt_x"/>
-                                          </p:val>
-                                        </p:tav>
-                                        <p:tav tm="100000">
-                                          <p:val>
-                                            <p:strVal val="#ppt_x"/>
-                                          </p:val>
-                                        </p:tav>
-                                      </p:tavLst>
-                                    </p:anim>
-                                    <p:anim calcmode="lin" valueType="num">
-                                      <p:cBhvr>
-                                        <p:cTn id="9" dur="1000" fill="hold"/>
-                                        <p:tgtEl>
-                                          <p:spTgt spid="4"/>
-                                        </p:tgtEl>
-                                        <p:attrNameLst>
-                                          <p:attrName>ppt_y</p:attrName>
-                                        </p:attrNameLst>
-                                      </p:cBhvr>
-                                      <p:tavLst>
-                                        <p:tav tm="0">
-                                          <p:val>
-                                            <p:strVal val="#ppt_y+.1"/>
-                                          </p:val>
-                                        </p:tav>
-                                        <p:tav tm="100000">
-                                          <p:val>
-                                            <p:strVal val="#ppt_y"/>
-                                          </p:val>
-                                        </p:tav>
-                                      </p:tavLst>
-                                    </p:anim>
-                                  </p:childTnLst>
-                                </p:cTn>
-                              </p:par>
-                            </p:childTnLst>
-                          </p:cTn>
-                        </p:par>
-                        <p:par>
-                          <p:cTn id="10" fill="hold">
-                            <p:stCondLst>
-                              <p:cond delay="1000"/>
-                            </p:stCondLst>
-                            <p:childTnLst>
-                              <p:par>
-                                <p:cTn id="11" presetID="10" presetClass="entr" presetSubtype="0" fill="hold" nodeType="afterEffect">
-                                  <p:stCondLst>
-                                    <p:cond delay="0"/>
-                                  </p:stCondLst>
-                                  <p:childTnLst>
-                                    <p:set>
-                                      <p:cBhvr>
-                                        <p:cTn id="12" dur="1" fill="hold">
-                                          <p:stCondLst>
-                                            <p:cond delay="0"/>
-                                          </p:stCondLst>
-                                        </p:cTn>
-                                        <p:tgtEl>
-                                          <p:spTgt spid="5">
-                                            <p:txEl>
-                                              <p:pRg st="0" end="0"/>
-                                            </p:txEl>
-                                          </p:spTgt>
-                                        </p:tgtEl>
-                                        <p:attrNameLst>
-                                          <p:attrName>style.visibility</p:attrName>
-                                        </p:attrNameLst>
-                                      </p:cBhvr>
-                                      <p:to>
-                                        <p:strVal val="visible"/>
-                                      </p:to>
-                                    </p:set>
-                                    <p:animEffect transition="in" filter="fade">
-                                      <p:cBhvr>
-                                        <p:cTn id="13" dur="500"/>
-                                        <p:tgtEl>
-                                          <p:spTgt spid="5">
-                                            <p:txEl>
-                                              <p:pRg st="0" end="0"/>
-                                            </p:txEl>
-                                          </p:spTgt>
-                                        </p:tgtEl>
-                                      </p:cBhvr>
-                                    </p:animEffect>
-                                  </p:childTnLst>
-                                </p:cTn>
-                              </p:par>
-                              <p:par>
-                                <p:cTn id="14" presetID="10" presetClass="entr" presetSubtype="0" fill="hold" nodeType="withEffect">
-                                  <p:stCondLst>
-                                    <p:cond delay="0"/>
-                                  </p:stCondLst>
-                                  <p:childTnLst>
-                                    <p:set>
-                                      <p:cBhvr>
-                                        <p:cTn id="15" dur="1" fill="hold">
-                                          <p:stCondLst>
-                                            <p:cond delay="0"/>
-                                          </p:stCondLst>
-                                        </p:cTn>
-                                        <p:tgtEl>
-                                          <p:spTgt spid="5">
-                                            <p:txEl>
-                                              <p:pRg st="2" end="2"/>
-                                            </p:txEl>
-                                          </p:spTgt>
-                                        </p:tgtEl>
-                                        <p:attrNameLst>
-                                          <p:attrName>style.visibility</p:attrName>
-                                        </p:attrNameLst>
-                                      </p:cBhvr>
-                                      <p:to>
-                                        <p:strVal val="visible"/>
-                                      </p:to>
-                                    </p:set>
-                                    <p:animEffect transition="in" filter="fade">
-                                      <p:cBhvr>
-                                        <p:cTn id="16" dur="500"/>
-                                        <p:tgtEl>
-                                          <p:spTgt spid="5">
-                                            <p:txEl>
-                                              <p:pRg st="2" end="2"/>
-                                            </p:txEl>
-                                          </p:spTgt>
-                                        </p:tgtEl>
-                                      </p:cBhvr>
-                                    </p:animEffect>
-                                  </p:childTnLst>
-                                </p:cTn>
-                              </p:par>
-                            </p:childTnLst>
-                          </p:cTn>
-                        </p:par>
-                      </p:childTnLst>
-                    </p:cTn>
-                  </p:par>
-                </p:childTnLst>
-              </p:cTn>
-              <p:prevCondLst>
-                <p:cond evt="onPrev" delay="0">
-                  <p:tgtEl>
-                    <p:sldTgt/>
-                  </p:tgtEl>
-                </p:cond>
-              </p:prevCondLst>
-              <p:nextCondLst>
-                <p:cond evt="onNext" delay="0">
-                  <p:tgtEl>
-                    <p:sldTgt/>
-                  </p:tgtEl>
-                </p:cond>
-              </p:nextCondLst>
-            </p:seq>
-          </p:childTnLst>
-        </p:cTn>
-      </p:par>
-    </p:tnLst>
-    <p:bldLst>
-      <p:bldP spid="4" grpId="0"/>
-    </p:bldLst>
-  </p:timing>
-</p:sld>
-</file>
-
-<file path=ppt/slides/slide4.xml><?xml version="1.0" encoding="utf-8"?>
-<p:sld xmlns:a="http://schemas.openxmlformats.org/drawingml/2006/main" xmlns:r="http://schemas.openxmlformats.org/officeDocument/2006/relationships" xmlns:p="http://schemas.openxmlformats.org/presentationml/2006/main">
-  <p:cSld>
-    <p:spTree>
-      <p:nvGrpSpPr>
-        <p:cNvPr id="1" name=""/>
-        <p:cNvGrpSpPr/>
-        <p:nvPr/>
-      </p:nvGrpSpPr>
-      <p:grpSpPr>
-        <a:xfrm>
-          <a:off x="0" y="0"/>
-          <a:ext cx="0" cy="0"/>
-          <a:chOff x="0" y="0"/>
-          <a:chExt cx="0" cy="0"/>
-        </a:xfrm>
-      </p:grpSpPr>
-      <p:sp>
-        <p:nvSpPr>
-          <p:cNvPr id="4" name="Title 3"/>
-          <p:cNvSpPr>
-            <a:spLocks noGrp="1"/>
-          </p:cNvSpPr>
-          <p:nvPr>
-            <p:ph type="title"/>
-          </p:nvPr>
-        </p:nvSpPr>
-        <p:spPr>
-          <a:xfrm>
-            <a:off x="1522412" y="381000"/>
-            <a:ext cx="8938472" cy="1066799"/>
-          </a:xfrm>
-        </p:spPr>
-        <p:txBody>
-          <a:bodyPr/>
-          <a:lstStyle/>
-          <a:p>
-            <a:pPr algn="ctr"/>
-            <a:r>
               <a:rPr lang="en-US" dirty="0"/>
               <a:t>Table of content</a:t>
             </a:r>
@@ -8568,7 +7957,7 @@
 </p:sld>
 </file>
 
-<file path=ppt/slides/slide5.xml><?xml version="1.0" encoding="utf-8"?>
+<file path=ppt/slides/slide4.xml><?xml version="1.0" encoding="utf-8"?>
 <p:sld xmlns:a="http://schemas.openxmlformats.org/drawingml/2006/main" xmlns:r="http://schemas.openxmlformats.org/officeDocument/2006/relationships" xmlns:p="http://schemas.openxmlformats.org/presentationml/2006/main">
   <p:cSld>
     <p:spTree>
@@ -9217,7 +8606,7 @@
 </p:sld>
 </file>
 
-<file path=ppt/slides/slide6.xml><?xml version="1.0" encoding="utf-8"?>
+<file path=ppt/slides/slide5.xml><?xml version="1.0" encoding="utf-8"?>
 <p:sld xmlns:a="http://schemas.openxmlformats.org/drawingml/2006/main" xmlns:r="http://schemas.openxmlformats.org/officeDocument/2006/relationships" xmlns:p="http://schemas.openxmlformats.org/presentationml/2006/main">
   <p:cSld>
     <p:spTree>
@@ -9548,6 +8937,298 @@
     <p:extLst>
       <p:ext uri="{BB962C8B-B14F-4D97-AF65-F5344CB8AC3E}">
         <p14:creationId xmlns:p14="http://schemas.microsoft.com/office/powerpoint/2010/main" val="2742486279"/>
+      </p:ext>
+    </p:extLst>
+  </p:cSld>
+  <p:clrMapOvr>
+    <a:masterClrMapping/>
+  </p:clrMapOvr>
+  <mc:AlternateContent xmlns:mc="http://schemas.openxmlformats.org/markup-compatibility/2006" xmlns:p14="http://schemas.microsoft.com/office/powerpoint/2010/main">
+    <mc:Choice Requires="p14">
+      <p:transition spd="med" p14:dur="700">
+        <p:fade/>
+      </p:transition>
+    </mc:Choice>
+    <mc:Fallback xmlns="">
+      <p:transition spd="med">
+        <p:fade/>
+      </p:transition>
+    </mc:Fallback>
+  </mc:AlternateContent>
+</p:sld>
+</file>
+
+<file path=ppt/slides/slide6.xml><?xml version="1.0" encoding="utf-8"?>
+<p:sld xmlns:a="http://schemas.openxmlformats.org/drawingml/2006/main" xmlns:r="http://schemas.openxmlformats.org/officeDocument/2006/relationships" xmlns:p="http://schemas.openxmlformats.org/presentationml/2006/main">
+  <p:cSld>
+    <p:spTree>
+      <p:nvGrpSpPr>
+        <p:cNvPr id="1" name=""/>
+        <p:cNvGrpSpPr/>
+        <p:nvPr/>
+      </p:nvGrpSpPr>
+      <p:grpSpPr>
+        <a:xfrm>
+          <a:off x="0" y="0"/>
+          <a:ext cx="0" cy="0"/>
+          <a:chOff x="0" y="0"/>
+          <a:chExt cx="0" cy="0"/>
+        </a:xfrm>
+      </p:grpSpPr>
+      <p:sp>
+        <p:nvSpPr>
+          <p:cNvPr id="4" name="Title 3"/>
+          <p:cNvSpPr>
+            <a:spLocks noGrp="1"/>
+          </p:cNvSpPr>
+          <p:nvPr>
+            <p:ph type="title"/>
+          </p:nvPr>
+        </p:nvSpPr>
+        <p:spPr>
+          <a:xfrm>
+            <a:off x="1372958" y="217714"/>
+            <a:ext cx="9442908" cy="762000"/>
+          </a:xfrm>
+        </p:spPr>
+        <p:txBody>
+          <a:bodyPr>
+            <a:noAutofit/>
+          </a:bodyPr>
+          <a:lstStyle/>
+          <a:p>
+            <a:pPr algn="ctr"/>
+            <a:r>
+              <a:rPr lang="en-US" sz="3600" b="1" dirty="0">
+                <a:ln w="9525">
+                  <a:solidFill>
+                    <a:schemeClr val="bg1"/>
+                  </a:solidFill>
+                  <a:prstDash val="solid"/>
+                </a:ln>
+                <a:effectLst>
+                  <a:outerShdw blurRad="12700" dist="38100" dir="2700000" algn="tl" rotWithShape="0">
+                    <a:schemeClr val="bg1">
+                      <a:lumMod val="50000"/>
+                    </a:schemeClr>
+                  </a:outerShdw>
+                </a:effectLst>
+              </a:rPr>
+              <a:t>3) National Intellectual Property Policy, 2073</a:t>
+            </a:r>
+          </a:p>
+        </p:txBody>
+      </p:sp>
+      <p:sp>
+        <p:nvSpPr>
+          <p:cNvPr id="5" name="Text Placeholder 4"/>
+          <p:cNvSpPr>
+            <a:spLocks noGrp="1"/>
+          </p:cNvSpPr>
+          <p:nvPr>
+            <p:ph type="body" idx="1"/>
+          </p:nvPr>
+        </p:nvSpPr>
+        <p:spPr>
+          <a:xfrm>
+            <a:off x="608012" y="990600"/>
+            <a:ext cx="11277600" cy="5753099"/>
+          </a:xfrm>
+        </p:spPr>
+        <p:txBody>
+          <a:bodyPr>
+            <a:normAutofit/>
+          </a:bodyPr>
+          <a:lstStyle/>
+          <a:p>
+            <a:pPr algn="ctr"/>
+            <a:r>
+              <a:rPr lang="en-US" sz="2200" b="1" u="sng" cap="none" dirty="0">
+                <a:solidFill>
+                  <a:schemeClr val="tx2"/>
+                </a:solidFill>
+                <a:latin typeface="+mj-lt"/>
+              </a:rPr>
+              <a:t>VISION</a:t>
+            </a:r>
+          </a:p>
+          <a:p>
+            <a:r>
+              <a:rPr lang="en-US" sz="2000" cap="none" dirty="0">
+                <a:solidFill>
+                  <a:schemeClr val="tx2"/>
+                </a:solidFill>
+              </a:rPr>
+              <a:t>A Uganda where innovation and creativity stimulate sustainable development.</a:t>
+            </a:r>
+          </a:p>
+          <a:p>
+            <a:endParaRPr lang="en-US" sz="2000" b="1" u="sng" cap="none" dirty="0">
+              <a:solidFill>
+                <a:schemeClr val="tx2"/>
+              </a:solidFill>
+              <a:latin typeface="+mj-lt"/>
+            </a:endParaRPr>
+          </a:p>
+          <a:p>
+            <a:pPr algn="ctr"/>
+            <a:r>
+              <a:rPr lang="en-US" sz="2200" b="1" u="sng" cap="none" dirty="0">
+                <a:solidFill>
+                  <a:schemeClr val="tx2"/>
+                </a:solidFill>
+                <a:latin typeface="+mj-lt"/>
+              </a:rPr>
+              <a:t>MISSION</a:t>
+            </a:r>
+          </a:p>
+          <a:p>
+            <a:r>
+              <a:rPr lang="en-US" sz="2000" cap="none" dirty="0">
+                <a:solidFill>
+                  <a:schemeClr val="tx2"/>
+                </a:solidFill>
+              </a:rPr>
+              <a:t>To create a robust IP value chain that fosters innovation and creativity as pillars for sustainable development.</a:t>
+            </a:r>
+          </a:p>
+          <a:p>
+            <a:endParaRPr lang="en-US" sz="2200" cap="none" dirty="0">
+              <a:solidFill>
+                <a:schemeClr val="tx2"/>
+              </a:solidFill>
+            </a:endParaRPr>
+          </a:p>
+          <a:p>
+            <a:pPr algn="ctr"/>
+            <a:r>
+              <a:rPr lang="en-US" sz="2200" b="1" u="sng" cap="none" dirty="0">
+                <a:solidFill>
+                  <a:schemeClr val="tx2"/>
+                </a:solidFill>
+              </a:rPr>
+              <a:t>POLICY GOALS</a:t>
+            </a:r>
+          </a:p>
+          <a:p>
+            <a:pPr marL="285750" indent="-285750">
+              <a:buFont typeface="Arial" panose="020B0604020202020204" pitchFamily="34" charset="0"/>
+              <a:buChar char="•"/>
+            </a:pPr>
+            <a:r>
+              <a:rPr lang="en-US" sz="2000" cap="none" dirty="0">
+                <a:solidFill>
+                  <a:schemeClr val="tx2"/>
+                </a:solidFill>
+              </a:rPr>
+              <a:t>To establish appropriate IP infrastructure that supports innovation and creativity.</a:t>
+            </a:r>
+          </a:p>
+          <a:p>
+            <a:pPr marL="285750" indent="-285750">
+              <a:buFont typeface="Arial" panose="020B0604020202020204" pitchFamily="34" charset="0"/>
+              <a:buChar char="•"/>
+            </a:pPr>
+            <a:r>
+              <a:rPr lang="en-US" sz="2000" cap="none" dirty="0">
+                <a:solidFill>
+                  <a:schemeClr val="tx2"/>
+                </a:solidFill>
+              </a:rPr>
+              <a:t>To develop human capital for the IP value chain.</a:t>
+            </a:r>
+          </a:p>
+          <a:p>
+            <a:pPr marL="285750" indent="-285750">
+              <a:buFont typeface="Arial" panose="020B0604020202020204" pitchFamily="34" charset="0"/>
+              <a:buChar char="•"/>
+            </a:pPr>
+            <a:r>
+              <a:rPr lang="en-US" sz="2000" cap="none" dirty="0">
+                <a:solidFill>
+                  <a:schemeClr val="tx2"/>
+                </a:solidFill>
+              </a:rPr>
+              <a:t>To enhance utilization of the IP system.</a:t>
+            </a:r>
+          </a:p>
+          <a:p>
+            <a:pPr marL="285750" indent="-285750">
+              <a:buFont typeface="Arial" panose="020B0604020202020204" pitchFamily="34" charset="0"/>
+              <a:buChar char="•"/>
+            </a:pPr>
+            <a:endParaRPr lang="en-US" sz="2000" cap="none" dirty="0">
+              <a:solidFill>
+                <a:schemeClr val="tx2"/>
+              </a:solidFill>
+            </a:endParaRPr>
+          </a:p>
+          <a:p>
+            <a:pPr algn="ctr"/>
+            <a:r>
+              <a:rPr lang="en-US" sz="2200" b="1" u="sng" cap="none" dirty="0">
+                <a:solidFill>
+                  <a:schemeClr val="tx2"/>
+                </a:solidFill>
+              </a:rPr>
+              <a:t>POLICY ISSUES</a:t>
+            </a:r>
+          </a:p>
+          <a:p>
+            <a:pPr marL="285750" indent="-285750">
+              <a:buFont typeface="Arial" panose="020B0604020202020204" pitchFamily="34" charset="0"/>
+              <a:buChar char="•"/>
+            </a:pPr>
+            <a:r>
+              <a:rPr lang="en-US" sz="2000" cap="none" dirty="0">
+                <a:solidFill>
+                  <a:schemeClr val="tx2"/>
+                </a:solidFill>
+              </a:rPr>
+              <a:t>Lack of appropriate IP infrastructure to support innovation and creativity</a:t>
+            </a:r>
+          </a:p>
+          <a:p>
+            <a:pPr marL="285750" indent="-285750">
+              <a:buFont typeface="Arial" panose="020B0604020202020204" pitchFamily="34" charset="0"/>
+              <a:buChar char="•"/>
+            </a:pPr>
+            <a:r>
+              <a:rPr lang="en-US" sz="2000" cap="none" dirty="0">
+                <a:solidFill>
+                  <a:schemeClr val="tx2"/>
+                </a:solidFill>
+              </a:rPr>
+              <a:t>Inadequate human capital development for the IP value chain</a:t>
+            </a:r>
+          </a:p>
+          <a:p>
+            <a:pPr marL="285750" indent="-285750">
+              <a:buFont typeface="Arial" panose="020B0604020202020204" pitchFamily="34" charset="0"/>
+              <a:buChar char="•"/>
+            </a:pPr>
+            <a:r>
+              <a:rPr lang="en-US" sz="2000" cap="none" dirty="0">
+                <a:solidFill>
+                  <a:schemeClr val="tx2"/>
+                </a:solidFill>
+              </a:rPr>
+              <a:t>Inadequate utilization of the IP system.</a:t>
+            </a:r>
+          </a:p>
+          <a:p>
+            <a:endParaRPr lang="en-US" sz="1600" cap="none" dirty="0">
+              <a:solidFill>
+                <a:schemeClr val="tx2"/>
+              </a:solidFill>
+            </a:endParaRPr>
+          </a:p>
+        </p:txBody>
+      </p:sp>
+    </p:spTree>
+    <p:extLst>
+      <p:ext uri="{BB962C8B-B14F-4D97-AF65-F5344CB8AC3E}">
+        <p14:creationId xmlns:p14="http://schemas.microsoft.com/office/powerpoint/2010/main" val="914534059"/>
       </p:ext>
     </p:extLst>
   </p:cSld>
@@ -9598,7 +9279,7 @@
         </p:nvSpPr>
         <p:spPr>
           <a:xfrm>
-            <a:off x="1372958" y="217714"/>
+            <a:off x="1372958" y="228600"/>
             <a:ext cx="9442908" cy="762000"/>
           </a:xfrm>
         </p:spPr>
@@ -9625,7 +9306,7 @@
                   </a:outerShdw>
                 </a:effectLst>
               </a:rPr>
-              <a:t>3) National Intellectual Property Policy, 2073</a:t>
+              <a:t>4) Electronic Transaction Act, 2073</a:t>
             </a:r>
           </a:p>
         </p:txBody>
@@ -9642,39 +9323,52 @@
         </p:nvSpPr>
         <p:spPr>
           <a:xfrm>
-            <a:off x="608012" y="990600"/>
-            <a:ext cx="11277600" cy="5753099"/>
+            <a:off x="420458" y="990600"/>
+            <a:ext cx="11347908" cy="5638800"/>
           </a:xfrm>
         </p:spPr>
         <p:txBody>
           <a:bodyPr>
-            <a:normAutofit/>
+            <a:normAutofit fontScale="92500" lnSpcReduction="20000"/>
           </a:bodyPr>
           <a:lstStyle/>
           <a:p>
-            <a:pPr algn="ctr"/>
-            <a:r>
-              <a:rPr lang="en-US" sz="2200" b="1" u="sng" cap="none" dirty="0">
+            <a:pPr algn="ctr">
+              <a:lnSpc>
+                <a:spcPct val="210000"/>
+              </a:lnSpc>
+            </a:pPr>
+            <a:r>
+              <a:rPr lang="en-US" sz="2600" b="1" u="sng" cap="none" dirty="0">
                 <a:solidFill>
                   <a:schemeClr val="tx2"/>
                 </a:solidFill>
                 <a:latin typeface="+mj-lt"/>
               </a:rPr>
-              <a:t>VISION</a:t>
-            </a:r>
-          </a:p>
-          <a:p>
-            <a:r>
-              <a:rPr lang="en-US" sz="2000" cap="none" dirty="0">
+              <a:t>ELECTRONIC TRANSACTION</a:t>
+            </a:r>
+          </a:p>
+          <a:p>
+            <a:r>
+              <a:rPr lang="en-US" sz="2200" cap="none" dirty="0">
                 <a:solidFill>
                   <a:schemeClr val="tx2"/>
                 </a:solidFill>
+                <a:latin typeface="+mj-lt"/>
               </a:rPr>
-              <a:t>A Uganda where innovation and creativity stimulate sustainable development.</a:t>
-            </a:r>
-          </a:p>
-          <a:p>
-            <a:endParaRPr lang="en-US" sz="2000" b="1" u="sng" cap="none" dirty="0">
+              <a:t>Electronic transaction is </a:t>
+            </a:r>
+            <a:r>
+              <a:rPr lang="en-US" sz="2200" b="0" i="0" cap="none" dirty="0">
+                <a:solidFill>
+                  <a:schemeClr val="tx2"/>
+                </a:solidFill>
+                <a:effectLst/>
+                <a:latin typeface="+mj-lt"/>
+              </a:rPr>
+              <a:t>transactions of electronic records data by using any types of electronic means.</a:t>
+            </a:r>
+            <a:endParaRPr lang="en-US" sz="2200" cap="none" dirty="0">
               <a:solidFill>
                 <a:schemeClr val="tx2"/>
               </a:solidFill>
@@ -9682,89 +9376,129 @@
             </a:endParaRPr>
           </a:p>
           <a:p>
-            <a:pPr algn="ctr"/>
-            <a:r>
-              <a:rPr lang="en-US" sz="2200" b="1" u="sng" cap="none" dirty="0">
+            <a:pPr algn="ctr">
+              <a:lnSpc>
+                <a:spcPct val="210000"/>
+              </a:lnSpc>
+            </a:pPr>
+            <a:r>
+              <a:rPr lang="en-US" sz="2600" b="1" u="sng" cap="none" dirty="0">
                 <a:solidFill>
                   <a:schemeClr val="tx2"/>
                 </a:solidFill>
+                <a:effectLst/>
                 <a:latin typeface="+mj-lt"/>
               </a:rPr>
-              <a:t>MISSION</a:t>
-            </a:r>
-          </a:p>
-          <a:p>
-            <a:r>
-              <a:rPr lang="en-US" sz="2000" cap="none" dirty="0">
+              <a:t>OBJECTIVES</a:t>
+            </a:r>
+          </a:p>
+          <a:p>
+            <a:pPr marL="285750" indent="-285750" algn="l">
+              <a:buFont typeface="Arial" panose="020B0604020202020204" pitchFamily="34" charset="0"/>
+              <a:buChar char="•"/>
+            </a:pPr>
+            <a:r>
+              <a:rPr lang="en-US" sz="2000" b="0" i="0" cap="none" dirty="0">
                 <a:solidFill>
                   <a:schemeClr val="tx2"/>
                 </a:solidFill>
+                <a:effectLst/>
+                <a:latin typeface="+mj-lt"/>
               </a:rPr>
-              <a:t>To create a robust IP value chain that fosters innovation and creativity as pillars for sustainable development.</a:t>
-            </a:r>
-          </a:p>
-          <a:p>
-            <a:endParaRPr lang="en-US" sz="2200" cap="none" dirty="0">
+              <a:t> </a:t>
+            </a:r>
+            <a:r>
+              <a:rPr lang="en-US" sz="2200" b="0" i="0" cap="none" dirty="0">
+                <a:solidFill>
+                  <a:schemeClr val="tx2"/>
+                </a:solidFill>
+                <a:effectLst/>
+                <a:latin typeface="+mj-lt"/>
+              </a:rPr>
+              <a:t>To make legal provision for authentication and regulation of electronic data.</a:t>
+            </a:r>
+          </a:p>
+          <a:p>
+            <a:pPr marL="285750" indent="-285750" algn="l">
+              <a:buFont typeface="Arial" panose="020B0604020202020204" pitchFamily="34" charset="0"/>
+              <a:buChar char="•"/>
+            </a:pPr>
+            <a:r>
+              <a:rPr lang="en-US" sz="2200" cap="none" dirty="0">
+                <a:solidFill>
+                  <a:schemeClr val="tx2"/>
+                </a:solidFill>
+                <a:latin typeface="+mj-lt"/>
+              </a:rPr>
+              <a:t> T</a:t>
+            </a:r>
+            <a:r>
+              <a:rPr lang="en-US" sz="2200" b="0" i="0" cap="none" dirty="0">
+                <a:solidFill>
+                  <a:schemeClr val="tx2"/>
+                </a:solidFill>
+                <a:effectLst/>
+                <a:latin typeface="+mj-lt"/>
+              </a:rPr>
+              <a:t>o make a reliable date generation, communication, and transmission.</a:t>
+            </a:r>
+          </a:p>
+          <a:p>
+            <a:pPr marL="285750" indent="-285750" algn="l">
+              <a:buFont typeface="Arial" panose="020B0604020202020204" pitchFamily="34" charset="0"/>
+              <a:buChar char="•"/>
+            </a:pPr>
+            <a:r>
+              <a:rPr lang="en-US" sz="2200" b="0" i="0" cap="none" dirty="0">
+                <a:solidFill>
+                  <a:schemeClr val="tx2"/>
+                </a:solidFill>
+                <a:effectLst/>
+                <a:latin typeface="+mj-lt"/>
+              </a:rPr>
+              <a:t> To make a secured and authentic means of electronic communication.</a:t>
+            </a:r>
+          </a:p>
+          <a:p>
+            <a:pPr marL="285750" indent="-285750" algn="l">
+              <a:buFont typeface="Arial" panose="020B0604020202020204" pitchFamily="34" charset="0"/>
+              <a:buChar char="•"/>
+            </a:pPr>
+            <a:r>
+              <a:rPr lang="en-US" sz="2200" cap="none" dirty="0">
+                <a:solidFill>
+                  <a:schemeClr val="tx2"/>
+                </a:solidFill>
+                <a:latin typeface="+mj-lt"/>
+              </a:rPr>
+              <a:t> T</a:t>
+            </a:r>
+            <a:r>
+              <a:rPr lang="en-US" sz="2200" b="0" i="0" cap="none" dirty="0">
+                <a:solidFill>
+                  <a:schemeClr val="tx2"/>
+                </a:solidFill>
+                <a:effectLst/>
+                <a:latin typeface="+mj-lt"/>
+              </a:rPr>
+              <a:t>o regulate all the relating matters of electronic transactions.</a:t>
+            </a:r>
+          </a:p>
+          <a:p>
+            <a:pPr marL="285750" indent="-285750" algn="l">
+              <a:buFont typeface="Arial" panose="020B0604020202020204" pitchFamily="34" charset="0"/>
+              <a:buChar char="•"/>
+            </a:pPr>
+            <a:endParaRPr lang="en-US" sz="2000" b="0" i="0" cap="none" dirty="0">
               <a:solidFill>
                 <a:schemeClr val="tx2"/>
               </a:solidFill>
+              <a:effectLst/>
+              <a:latin typeface="+mj-lt"/>
             </a:endParaRPr>
           </a:p>
           <a:p>
-            <a:pPr algn="ctr"/>
-            <a:r>
-              <a:rPr lang="en-US" sz="2200" b="1" u="sng" cap="none" dirty="0">
-                <a:solidFill>
-                  <a:schemeClr val="tx2"/>
-                </a:solidFill>
-              </a:rPr>
-              <a:t>POLICY GOALS</a:t>
-            </a:r>
-          </a:p>
-          <a:p>
-            <a:pPr marL="285750" indent="-285750">
-              <a:buFont typeface="Arial" panose="020B0604020202020204" pitchFamily="34" charset="0"/>
-              <a:buChar char="•"/>
-            </a:pPr>
-            <a:r>
-              <a:rPr lang="en-US" sz="2000" cap="none" dirty="0">
-                <a:solidFill>
-                  <a:schemeClr val="tx2"/>
-                </a:solidFill>
-              </a:rPr>
-              <a:t>To establish appropriate IP infrastructure that supports innovation and creativity.</a:t>
-            </a:r>
-          </a:p>
-          <a:p>
-            <a:pPr marL="285750" indent="-285750">
-              <a:buFont typeface="Arial" panose="020B0604020202020204" pitchFamily="34" charset="0"/>
-              <a:buChar char="•"/>
-            </a:pPr>
-            <a:r>
-              <a:rPr lang="en-US" sz="2000" cap="none" dirty="0">
-                <a:solidFill>
-                  <a:schemeClr val="tx2"/>
-                </a:solidFill>
-              </a:rPr>
-              <a:t>To develop human capital for the IP value chain.</a:t>
-            </a:r>
-          </a:p>
-          <a:p>
-            <a:pPr marL="285750" indent="-285750">
-              <a:buFont typeface="Arial" panose="020B0604020202020204" pitchFamily="34" charset="0"/>
-              <a:buChar char="•"/>
-            </a:pPr>
-            <a:r>
-              <a:rPr lang="en-US" sz="2000" cap="none" dirty="0">
-                <a:solidFill>
-                  <a:schemeClr val="tx2"/>
-                </a:solidFill>
-              </a:rPr>
-              <a:t>To enhance utilization of the IP system.</a:t>
-            </a:r>
-          </a:p>
-          <a:p>
-            <a:pPr marL="285750" indent="-285750">
+            <a:pPr marL="285750" indent="-285750" algn="l">
               <a:buFont typeface="Arial" panose="020B0604020202020204" pitchFamily="34" charset="0"/>
               <a:buChar char="•"/>
             </a:pPr>
@@ -9772,66 +9506,189 @@
               <a:solidFill>
                 <a:schemeClr val="tx2"/>
               </a:solidFill>
+              <a:latin typeface="+mj-lt"/>
             </a:endParaRPr>
           </a:p>
           <a:p>
             <a:pPr algn="ctr"/>
             <a:r>
-              <a:rPr lang="en-US" sz="2200" b="1" u="sng" cap="none" dirty="0">
+              <a:rPr lang="en-US" sz="2600" b="1" i="0" u="sng" cap="none" dirty="0">
                 <a:solidFill>
                   <a:schemeClr val="tx2"/>
                 </a:solidFill>
+                <a:effectLst/>
+                <a:latin typeface="+mj-lt"/>
               </a:rPr>
-              <a:t>POLICY ISSUES</a:t>
-            </a:r>
-          </a:p>
-          <a:p>
-            <a:pPr marL="285750" indent="-285750">
+              <a:t>SCOPES</a:t>
+            </a:r>
+          </a:p>
+          <a:p>
+            <a:pPr marL="171450" indent="-171450" algn="l">
               <a:buFont typeface="Arial" panose="020B0604020202020204" pitchFamily="34" charset="0"/>
               <a:buChar char="•"/>
             </a:pPr>
             <a:r>
-              <a:rPr lang="en-US" sz="2000" cap="none" dirty="0">
+              <a:rPr lang="en-US" sz="2200" cap="none" dirty="0">
                 <a:solidFill>
                   <a:schemeClr val="tx2"/>
                 </a:solidFill>
+                <a:latin typeface="+mj-lt"/>
               </a:rPr>
-              <a:t>Lack of appropriate IP infrastructure to support innovation and creativity</a:t>
-            </a:r>
-          </a:p>
-          <a:p>
-            <a:pPr marL="285750" indent="-285750">
+              <a:t>  C</a:t>
+            </a:r>
+            <a:r>
+              <a:rPr lang="en-US" sz="2200" b="0" i="0" cap="none" dirty="0">
+                <a:solidFill>
+                  <a:schemeClr val="tx2"/>
+                </a:solidFill>
+                <a:effectLst/>
+                <a:latin typeface="+mj-lt"/>
+              </a:rPr>
+              <a:t>reation and use of digital signature</a:t>
+            </a:r>
+          </a:p>
+          <a:p>
+            <a:pPr marL="171450" indent="-171450" algn="l">
               <a:buFont typeface="Arial" panose="020B0604020202020204" pitchFamily="34" charset="0"/>
               <a:buChar char="•"/>
             </a:pPr>
             <a:r>
-              <a:rPr lang="en-US" sz="2000" cap="none" dirty="0">
+              <a:rPr lang="en-US" sz="2200" cap="none" dirty="0">
                 <a:solidFill>
                   <a:schemeClr val="tx2"/>
                 </a:solidFill>
+                <a:latin typeface="+mj-lt"/>
               </a:rPr>
-              <a:t>Inadequate human capital development for the IP value chain</a:t>
-            </a:r>
-          </a:p>
-          <a:p>
-            <a:pPr marL="285750" indent="-285750">
+              <a:t>  C</a:t>
+            </a:r>
+            <a:r>
+              <a:rPr lang="en-US" sz="2200" b="0" i="0" cap="none" dirty="0">
+                <a:solidFill>
+                  <a:schemeClr val="tx2"/>
+                </a:solidFill>
+                <a:effectLst/>
+                <a:latin typeface="+mj-lt"/>
+              </a:rPr>
+              <a:t>ontrol cyber/computer-related crimes.</a:t>
+            </a:r>
+          </a:p>
+          <a:p>
+            <a:pPr marL="171450" indent="-171450" algn="l">
               <a:buFont typeface="Arial" panose="020B0604020202020204" pitchFamily="34" charset="0"/>
               <a:buChar char="•"/>
             </a:pPr>
             <a:r>
-              <a:rPr lang="en-US" sz="2000" cap="none" dirty="0">
+              <a:rPr lang="en-US" sz="2200" b="0" i="0" cap="none" dirty="0">
                 <a:solidFill>
                   <a:schemeClr val="tx2"/>
                 </a:solidFill>
+                <a:effectLst/>
+                <a:latin typeface="+mj-lt"/>
               </a:rPr>
-              <a:t>Inadequate utilization of the IP system.</a:t>
-            </a:r>
+              <a:t>  Protection of intellectual property.</a:t>
+            </a:r>
+          </a:p>
+          <a:p>
+            <a:pPr marL="171450" indent="-171450" algn="l">
+              <a:buFont typeface="Arial" panose="020B0604020202020204" pitchFamily="34" charset="0"/>
+              <a:buChar char="•"/>
+            </a:pPr>
+            <a:r>
+              <a:rPr lang="en-US" sz="2200" cap="none" dirty="0">
+                <a:solidFill>
+                  <a:schemeClr val="tx2"/>
+                </a:solidFill>
+                <a:latin typeface="+mj-lt"/>
+              </a:rPr>
+              <a:t>  P</a:t>
+            </a:r>
+            <a:r>
+              <a:rPr lang="en-US" sz="2200" b="0" i="0" cap="none" dirty="0">
+                <a:solidFill>
+                  <a:schemeClr val="tx2"/>
+                </a:solidFill>
+                <a:effectLst/>
+                <a:latin typeface="+mj-lt"/>
+              </a:rPr>
+              <a:t>rotection of confidentiality.</a:t>
+            </a:r>
+          </a:p>
+          <a:p>
+            <a:pPr marL="171450" indent="-171450" algn="l">
+              <a:buFont typeface="Arial" panose="020B0604020202020204" pitchFamily="34" charset="0"/>
+              <a:buChar char="•"/>
+            </a:pPr>
+            <a:r>
+              <a:rPr lang="en-US" sz="2200" cap="none" dirty="0">
+                <a:solidFill>
+                  <a:schemeClr val="tx2"/>
+                </a:solidFill>
+                <a:latin typeface="+mj-lt"/>
+              </a:rPr>
+              <a:t>  R</a:t>
+            </a:r>
+            <a:r>
+              <a:rPr lang="en-US" sz="2200" b="0" i="0" cap="none" dirty="0">
+                <a:solidFill>
+                  <a:schemeClr val="tx2"/>
+                </a:solidFill>
+                <a:effectLst/>
+                <a:latin typeface="+mj-lt"/>
+              </a:rPr>
+              <a:t>egulations of an electronic transaction by establishing regulating bodies</a:t>
+            </a:r>
+          </a:p>
+          <a:p>
+            <a:endParaRPr lang="en-US" sz="1600" i="0" cap="none" dirty="0">
+              <a:solidFill>
+                <a:schemeClr val="tx2"/>
+              </a:solidFill>
+              <a:effectLst/>
+              <a:latin typeface="+mj-lt"/>
+            </a:endParaRPr>
+          </a:p>
+          <a:p>
+            <a:pPr algn="ctr"/>
+            <a:endParaRPr lang="en-US" sz="1600" i="0" cap="none" dirty="0">
+              <a:solidFill>
+                <a:schemeClr val="tx2"/>
+              </a:solidFill>
+              <a:effectLst/>
+              <a:latin typeface="+mj-lt"/>
+            </a:endParaRPr>
           </a:p>
           <a:p>
             <a:endParaRPr lang="en-US" sz="1600" cap="none" dirty="0">
               <a:solidFill>
                 <a:schemeClr val="tx2"/>
               </a:solidFill>
+              <a:effectLst/>
+              <a:latin typeface="+mj-lt"/>
+            </a:endParaRPr>
+          </a:p>
+          <a:p>
+            <a:endParaRPr lang="en-US" sz="1600" cap="none" dirty="0">
+              <a:solidFill>
+                <a:schemeClr val="tx2"/>
+              </a:solidFill>
+              <a:effectLst/>
+              <a:latin typeface="+mj-lt"/>
+            </a:endParaRPr>
+          </a:p>
+          <a:p>
+            <a:br>
+              <a:rPr lang="en-US" sz="1600" cap="none" dirty="0">
+                <a:solidFill>
+                  <a:schemeClr val="tx2"/>
+                </a:solidFill>
+                <a:latin typeface="+mj-lt"/>
+              </a:rPr>
+            </a:br>
+            <a:endParaRPr lang="en-US" sz="1600" cap="none" dirty="0">
+              <a:solidFill>
+                <a:schemeClr val="tx2"/>
+              </a:solidFill>
+              <a:latin typeface="+mj-lt"/>
             </a:endParaRPr>
           </a:p>
         </p:txBody>
@@ -9839,7 +9696,7 @@
     </p:spTree>
     <p:extLst>
       <p:ext uri="{BB962C8B-B14F-4D97-AF65-F5344CB8AC3E}">
-        <p14:creationId xmlns:p14="http://schemas.microsoft.com/office/powerpoint/2010/main" val="914534059"/>
+        <p14:creationId xmlns:p14="http://schemas.microsoft.com/office/powerpoint/2010/main" val="999148043"/>
       </p:ext>
     </p:extLst>
   </p:cSld>
@@ -9890,7 +9747,7 @@
         </p:nvSpPr>
         <p:spPr>
           <a:xfrm>
-            <a:off x="1372958" y="228600"/>
+            <a:off x="1372958" y="152400"/>
             <a:ext cx="9442908" cy="762000"/>
           </a:xfrm>
         </p:spPr>
@@ -9917,7 +9774,7 @@
                   </a:outerShdw>
                 </a:effectLst>
               </a:rPr>
-              <a:t>4) Electronic Transaction Act, 2073</a:t>
+              <a:t>5) ICT Policy, 2072</a:t>
             </a:r>
           </a:p>
         </p:txBody>
@@ -9934,380 +9791,361 @@
         </p:nvSpPr>
         <p:spPr>
           <a:xfrm>
-            <a:off x="420458" y="990600"/>
-            <a:ext cx="11347908" cy="5638800"/>
+            <a:off x="303212" y="838200"/>
+            <a:ext cx="11582400" cy="5486400"/>
           </a:xfrm>
         </p:spPr>
         <p:txBody>
           <a:bodyPr>
-            <a:normAutofit fontScale="92500" lnSpcReduction="20000"/>
+            <a:noAutofit/>
           </a:bodyPr>
           <a:lstStyle/>
           <a:p>
             <a:pPr algn="ctr">
               <a:lnSpc>
-                <a:spcPct val="210000"/>
+                <a:spcPct val="150000"/>
               </a:lnSpc>
             </a:pPr>
             <a:r>
-              <a:rPr lang="en-US" sz="2600" b="1" u="sng" cap="none" dirty="0">
+              <a:rPr lang="en-US" sz="2400" b="1" u="sng" cap="none" dirty="0">
                 <a:solidFill>
                   <a:schemeClr val="tx2"/>
                 </a:solidFill>
                 <a:latin typeface="+mj-lt"/>
               </a:rPr>
-              <a:t>ELECTRONIC TRANSACTION</a:t>
-            </a:r>
-          </a:p>
-          <a:p>
-            <a:r>
-              <a:rPr lang="en-US" sz="2200" cap="none" dirty="0">
-                <a:solidFill>
-                  <a:schemeClr val="tx2"/>
-                </a:solidFill>
-                <a:latin typeface="+mj-lt"/>
-              </a:rPr>
-              <a:t>Electronic transaction is </a:t>
-            </a:r>
-            <a:r>
-              <a:rPr lang="en-US" sz="2200" b="0" i="0" cap="none" dirty="0">
-                <a:solidFill>
-                  <a:schemeClr val="tx2"/>
+              <a:t>VISION</a:t>
+            </a:r>
+          </a:p>
+          <a:p>
+            <a:r>
+              <a:rPr lang="en-US" sz="1800" b="0" i="0" dirty="0">
+                <a:solidFill>
+                  <a:srgbClr val="E8EAED"/>
                 </a:solidFill>
                 <a:effectLst/>
                 <a:latin typeface="+mj-lt"/>
               </a:rPr>
-              <a:t>transactions of electronic records data by using any types of electronic means.</a:t>
-            </a:r>
-            <a:endParaRPr lang="en-US" sz="2200" cap="none" dirty="0">
+              <a:t>“</a:t>
+            </a:r>
+            <a:r>
+              <a:rPr lang="en-US" sz="1800" cap="none" dirty="0">
+                <a:solidFill>
+                  <a:srgbClr val="E8EAED"/>
+                </a:solidFill>
+                <a:latin typeface="+mj-lt"/>
+              </a:rPr>
+              <a:t>T</a:t>
+            </a:r>
+            <a:r>
+              <a:rPr lang="en-US" sz="1800" b="0" i="0" cap="none" dirty="0">
+                <a:solidFill>
+                  <a:srgbClr val="E8EAED"/>
+                </a:solidFill>
+                <a:effectLst/>
+                <a:latin typeface="+mj-lt"/>
+              </a:rPr>
+              <a:t>o transform </a:t>
+            </a:r>
+            <a:r>
+              <a:rPr lang="en-US" sz="1800" cap="none" dirty="0">
+                <a:solidFill>
+                  <a:srgbClr val="E8EAED"/>
+                </a:solidFill>
+                <a:latin typeface="+mj-lt"/>
+              </a:rPr>
+              <a:t>N</a:t>
+            </a:r>
+            <a:r>
+              <a:rPr lang="en-US" sz="1800" b="0" i="0" cap="none" dirty="0">
+                <a:solidFill>
+                  <a:srgbClr val="E8EAED"/>
+                </a:solidFill>
+                <a:effectLst/>
+                <a:latin typeface="+mj-lt"/>
+              </a:rPr>
+              <a:t>epal into an information and knowledge-based society and economy</a:t>
+            </a:r>
+            <a:r>
+              <a:rPr lang="en-US" sz="1800" b="0" i="0" dirty="0">
+                <a:solidFill>
+                  <a:srgbClr val="E8EAED"/>
+                </a:solidFill>
+                <a:effectLst/>
+                <a:latin typeface="+mj-lt"/>
+              </a:rPr>
+              <a:t>.“</a:t>
+            </a:r>
+          </a:p>
+          <a:p>
+            <a:endParaRPr lang="en-US" sz="1800" u="sng" cap="none" dirty="0">
+              <a:solidFill>
+                <a:srgbClr val="E8EAED"/>
+              </a:solidFill>
+              <a:latin typeface="+mj-lt"/>
+            </a:endParaRPr>
+          </a:p>
+          <a:p>
+            <a:pPr algn="ctr">
+              <a:lnSpc>
+                <a:spcPct val="150000"/>
+              </a:lnSpc>
+            </a:pPr>
+            <a:r>
+              <a:rPr lang="en-US" sz="2400" b="1" u="sng" cap="none" dirty="0">
+                <a:solidFill>
+                  <a:srgbClr val="E8EAED"/>
+                </a:solidFill>
+                <a:latin typeface="+mj-lt"/>
+              </a:rPr>
+              <a:t>MISSION</a:t>
+            </a:r>
+          </a:p>
+          <a:p>
+            <a:r>
+              <a:rPr lang="en-US" sz="1800" cap="none" dirty="0">
+                <a:solidFill>
+                  <a:srgbClr val="E8EAED"/>
+                </a:solidFill>
+                <a:latin typeface="+mj-lt"/>
+              </a:rPr>
+              <a:t>T</a:t>
+            </a:r>
+            <a:r>
+              <a:rPr lang="en-US" sz="1800" b="0" i="0" cap="none" dirty="0">
+                <a:solidFill>
+                  <a:srgbClr val="E8EAED"/>
+                </a:solidFill>
+                <a:effectLst/>
+                <a:latin typeface="+mj-lt"/>
+              </a:rPr>
+              <a:t>o create conditions for the intensified development and growth of </a:t>
+            </a:r>
+            <a:r>
+              <a:rPr lang="en-US" sz="1800" cap="none" dirty="0">
+                <a:solidFill>
+                  <a:srgbClr val="E8EAED"/>
+                </a:solidFill>
+                <a:latin typeface="+mj-lt"/>
+              </a:rPr>
+              <a:t>ICT</a:t>
+            </a:r>
+            <a:r>
+              <a:rPr lang="en-US" sz="1800" b="0" i="0" cap="none" dirty="0">
+                <a:solidFill>
+                  <a:srgbClr val="E8EAED"/>
+                </a:solidFill>
+                <a:effectLst/>
+                <a:latin typeface="+mj-lt"/>
+              </a:rPr>
+              <a:t> sector as a key driver for </a:t>
+            </a:r>
+            <a:r>
+              <a:rPr lang="en-US" sz="1800" cap="none" dirty="0">
+                <a:solidFill>
+                  <a:srgbClr val="E8EAED"/>
+                </a:solidFill>
+                <a:latin typeface="+mj-lt"/>
+              </a:rPr>
+              <a:t>N</a:t>
+            </a:r>
+            <a:r>
+              <a:rPr lang="en-US" sz="1800" b="0" i="0" cap="none" dirty="0">
+                <a:solidFill>
+                  <a:srgbClr val="E8EAED"/>
+                </a:solidFill>
+                <a:effectLst/>
+                <a:latin typeface="+mj-lt"/>
+              </a:rPr>
+              <a:t>epal's sustainable development and poverty reduction strategies.</a:t>
+            </a:r>
+          </a:p>
+          <a:p>
+            <a:endParaRPr lang="en-US" sz="1800" u="sng" cap="none" dirty="0">
+              <a:solidFill>
+                <a:srgbClr val="E8EAED"/>
+              </a:solidFill>
+              <a:latin typeface="+mj-lt"/>
+            </a:endParaRPr>
+          </a:p>
+          <a:p>
+            <a:pPr algn="ctr">
+              <a:lnSpc>
+                <a:spcPct val="200000"/>
+              </a:lnSpc>
+            </a:pPr>
+            <a:r>
+              <a:rPr lang="en-US" sz="2400" b="1" u="sng" cap="none" dirty="0">
+                <a:solidFill>
+                  <a:srgbClr val="E8EAED"/>
+                </a:solidFill>
+                <a:latin typeface="+mj-lt"/>
+              </a:rPr>
+              <a:t>OBJECTIVES</a:t>
+            </a:r>
+          </a:p>
+          <a:p>
+            <a:pPr marL="228600" indent="-228600">
+              <a:lnSpc>
+                <a:spcPct val="100000"/>
+              </a:lnSpc>
+              <a:buFont typeface="Arial" panose="020B0604020202020204" pitchFamily="34" charset="0"/>
+              <a:buChar char="•"/>
+            </a:pPr>
+            <a:r>
+              <a:rPr lang="en-US" sz="1800" cap="none" dirty="0">
+                <a:solidFill>
+                  <a:srgbClr val="E8EAED"/>
+                </a:solidFill>
+                <a:latin typeface="+mj-lt"/>
+              </a:rPr>
+              <a:t>T</a:t>
+            </a:r>
+            <a:r>
+              <a:rPr lang="en-US" sz="1800" b="0" i="0" cap="none" dirty="0">
+                <a:solidFill>
+                  <a:srgbClr val="E8EAED"/>
+                </a:solidFill>
+                <a:effectLst/>
+                <a:latin typeface="+mj-lt"/>
+              </a:rPr>
+              <a:t>o empower and facilitate </a:t>
+            </a:r>
+            <a:r>
+              <a:rPr lang="en-US" sz="1800" cap="none" dirty="0">
+                <a:solidFill>
+                  <a:srgbClr val="E8EAED"/>
+                </a:solidFill>
+                <a:latin typeface="+mj-lt"/>
+              </a:rPr>
+              <a:t>N</a:t>
+            </a:r>
+            <a:r>
+              <a:rPr lang="en-US" sz="1800" b="0" i="0" cap="none" dirty="0">
+                <a:solidFill>
+                  <a:srgbClr val="E8EAED"/>
+                </a:solidFill>
+                <a:effectLst/>
+                <a:latin typeface="+mj-lt"/>
+              </a:rPr>
+              <a:t>epal's participation in the global knowledge society.</a:t>
+            </a:r>
+          </a:p>
+          <a:p>
+            <a:pPr marL="228600" indent="-228600">
+              <a:lnSpc>
+                <a:spcPct val="100000"/>
+              </a:lnSpc>
+              <a:buFont typeface="Arial" panose="020B0604020202020204" pitchFamily="34" charset="0"/>
+              <a:buChar char="•"/>
+            </a:pPr>
+            <a:r>
+              <a:rPr lang="en-US" sz="1800" cap="none" dirty="0">
+                <a:solidFill>
+                  <a:srgbClr val="E8EAED"/>
+                </a:solidFill>
+                <a:latin typeface="+mj-lt"/>
+              </a:rPr>
+              <a:t>T</a:t>
+            </a:r>
+            <a:r>
+              <a:rPr lang="en-US" sz="1800" b="0" i="0" cap="none" dirty="0">
+                <a:solidFill>
+                  <a:srgbClr val="E8EAED"/>
+                </a:solidFill>
+                <a:effectLst/>
+                <a:latin typeface="+mj-lt"/>
+              </a:rPr>
+              <a:t>o transform government service delivery regime by promoting transparency, efficiency, inclusiveness and participation through effective utilization of information and communication technologies.</a:t>
+            </a:r>
+          </a:p>
+          <a:p>
+            <a:pPr marL="228600" indent="-228600">
+              <a:lnSpc>
+                <a:spcPct val="100000"/>
+              </a:lnSpc>
+              <a:buFont typeface="Arial" panose="020B0604020202020204" pitchFamily="34" charset="0"/>
+              <a:buChar char="•"/>
+            </a:pPr>
+            <a:r>
+              <a:rPr lang="en-US" sz="1800" cap="none" dirty="0">
+                <a:solidFill>
+                  <a:srgbClr val="E8EAED"/>
+                </a:solidFill>
+                <a:latin typeface="+mj-lt"/>
+              </a:rPr>
+              <a:t>T</a:t>
+            </a:r>
+            <a:r>
+              <a:rPr lang="en-US" sz="1800" b="0" i="0" cap="none" dirty="0">
+                <a:solidFill>
+                  <a:srgbClr val="E8EAED"/>
+                </a:solidFill>
+                <a:effectLst/>
+                <a:latin typeface="+mj-lt"/>
+              </a:rPr>
+              <a:t>o promote ICT to further productivity among the sectors that is key drivers of the national economy.</a:t>
+            </a:r>
+          </a:p>
+          <a:p>
+            <a:pPr marL="228600" indent="-228600">
+              <a:lnSpc>
+                <a:spcPct val="100000"/>
+              </a:lnSpc>
+              <a:buFont typeface="Arial" panose="020B0604020202020204" pitchFamily="34" charset="0"/>
+              <a:buChar char="•"/>
+            </a:pPr>
+            <a:r>
+              <a:rPr lang="en-US" sz="1800" cap="none" dirty="0">
+                <a:solidFill>
+                  <a:srgbClr val="E8EAED"/>
+                </a:solidFill>
+                <a:latin typeface="+mj-lt"/>
+              </a:rPr>
+              <a:t>T</a:t>
+            </a:r>
+            <a:r>
+              <a:rPr lang="en-US" sz="1800" b="0" i="0" cap="none" dirty="0">
+                <a:solidFill>
+                  <a:srgbClr val="E8EAED"/>
+                </a:solidFill>
+                <a:effectLst/>
+                <a:latin typeface="+mj-lt"/>
+              </a:rPr>
+              <a:t>o foster efficient, inter-operable, secure, reliable and sustainable national </a:t>
+            </a:r>
+            <a:r>
+              <a:rPr lang="en-US" sz="1800" b="0" i="0" cap="none" dirty="0" err="1">
+                <a:solidFill>
+                  <a:srgbClr val="E8EAED"/>
+                </a:solidFill>
+                <a:effectLst/>
+                <a:latin typeface="+mj-lt"/>
+              </a:rPr>
+              <a:t>ict</a:t>
+            </a:r>
+            <a:r>
+              <a:rPr lang="en-US" sz="1800" b="0" i="0" cap="none" dirty="0">
+                <a:solidFill>
+                  <a:srgbClr val="E8EAED"/>
+                </a:solidFill>
+                <a:effectLst/>
+                <a:latin typeface="+mj-lt"/>
+              </a:rPr>
+              <a:t> infrastructure in alignment with grass-root needs, and compliant with regional and international standards.</a:t>
+            </a:r>
+            <a:endParaRPr lang="en-US" sz="1800" b="1" u="sng" cap="none" dirty="0">
               <a:solidFill>
                 <a:schemeClr val="tx2"/>
               </a:solidFill>
               <a:latin typeface="+mj-lt"/>
             </a:endParaRPr>
           </a:p>
-          <a:p>
-            <a:pPr algn="ctr">
-              <a:lnSpc>
-                <a:spcPct val="210000"/>
-              </a:lnSpc>
-            </a:pPr>
-            <a:r>
-              <a:rPr lang="en-US" sz="2600" b="1" u="sng" cap="none" dirty="0">
-                <a:solidFill>
-                  <a:schemeClr val="tx2"/>
-                </a:solidFill>
-                <a:effectLst/>
-                <a:latin typeface="+mj-lt"/>
-              </a:rPr>
-              <a:t>OBJECTIVES</a:t>
-            </a:r>
-          </a:p>
-          <a:p>
-            <a:pPr marL="285750" indent="-285750" algn="l">
-              <a:buFont typeface="Arial" panose="020B0604020202020204" pitchFamily="34" charset="0"/>
-              <a:buChar char="•"/>
-            </a:pPr>
-            <a:r>
-              <a:rPr lang="en-US" sz="2000" b="0" i="0" cap="none" dirty="0">
-                <a:solidFill>
-                  <a:schemeClr val="tx2"/>
-                </a:solidFill>
-                <a:effectLst/>
-                <a:latin typeface="+mj-lt"/>
-              </a:rPr>
-              <a:t> </a:t>
-            </a:r>
-            <a:r>
-              <a:rPr lang="en-US" sz="2200" b="0" i="0" cap="none" dirty="0">
-                <a:solidFill>
-                  <a:schemeClr val="tx2"/>
-                </a:solidFill>
-                <a:effectLst/>
-                <a:latin typeface="+mj-lt"/>
-              </a:rPr>
-              <a:t>To make legal provision for authentication and regulation of electronic data.</a:t>
-            </a:r>
-          </a:p>
-          <a:p>
-            <a:pPr marL="285750" indent="-285750" algn="l">
-              <a:buFont typeface="Arial" panose="020B0604020202020204" pitchFamily="34" charset="0"/>
-              <a:buChar char="•"/>
-            </a:pPr>
-            <a:r>
-              <a:rPr lang="en-US" sz="2200" cap="none" dirty="0">
-                <a:solidFill>
-                  <a:schemeClr val="tx2"/>
-                </a:solidFill>
-                <a:latin typeface="+mj-lt"/>
-              </a:rPr>
-              <a:t> T</a:t>
-            </a:r>
-            <a:r>
-              <a:rPr lang="en-US" sz="2200" b="0" i="0" cap="none" dirty="0">
-                <a:solidFill>
-                  <a:schemeClr val="tx2"/>
-                </a:solidFill>
-                <a:effectLst/>
-                <a:latin typeface="+mj-lt"/>
-              </a:rPr>
-              <a:t>o make a reliable date generation, communication, and transmission.</a:t>
-            </a:r>
-          </a:p>
-          <a:p>
-            <a:pPr marL="285750" indent="-285750" algn="l">
-              <a:buFont typeface="Arial" panose="020B0604020202020204" pitchFamily="34" charset="0"/>
-              <a:buChar char="•"/>
-            </a:pPr>
-            <a:r>
-              <a:rPr lang="en-US" sz="2200" b="0" i="0" cap="none" dirty="0">
-                <a:solidFill>
-                  <a:schemeClr val="tx2"/>
-                </a:solidFill>
-                <a:effectLst/>
-                <a:latin typeface="+mj-lt"/>
-              </a:rPr>
-              <a:t> To make a secured and authentic means of electronic communication.</a:t>
-            </a:r>
-          </a:p>
-          <a:p>
-            <a:pPr marL="285750" indent="-285750" algn="l">
-              <a:buFont typeface="Arial" panose="020B0604020202020204" pitchFamily="34" charset="0"/>
-              <a:buChar char="•"/>
-            </a:pPr>
-            <a:r>
-              <a:rPr lang="en-US" sz="2200" cap="none" dirty="0">
-                <a:solidFill>
-                  <a:schemeClr val="tx2"/>
-                </a:solidFill>
-                <a:latin typeface="+mj-lt"/>
-              </a:rPr>
-              <a:t> T</a:t>
-            </a:r>
-            <a:r>
-              <a:rPr lang="en-US" sz="2200" b="0" i="0" cap="none" dirty="0">
-                <a:solidFill>
-                  <a:schemeClr val="tx2"/>
-                </a:solidFill>
-                <a:effectLst/>
-                <a:latin typeface="+mj-lt"/>
-              </a:rPr>
-              <a:t>o regulate all the relating matters of electronic transactions.</a:t>
-            </a:r>
-          </a:p>
-          <a:p>
-            <a:pPr marL="285750" indent="-285750" algn="l">
-              <a:buFont typeface="Arial" panose="020B0604020202020204" pitchFamily="34" charset="0"/>
-              <a:buChar char="•"/>
-            </a:pPr>
-            <a:endParaRPr lang="en-US" sz="2000" b="0" i="0" cap="none" dirty="0">
-              <a:solidFill>
-                <a:schemeClr val="tx2"/>
-              </a:solidFill>
-              <a:effectLst/>
-              <a:latin typeface="+mj-lt"/>
-            </a:endParaRPr>
-          </a:p>
-          <a:p>
-            <a:pPr marL="285750" indent="-285750" algn="l">
-              <a:buFont typeface="Arial" panose="020B0604020202020204" pitchFamily="34" charset="0"/>
-              <a:buChar char="•"/>
-            </a:pPr>
-            <a:endParaRPr lang="en-US" sz="2000" cap="none" dirty="0">
-              <a:solidFill>
-                <a:schemeClr val="tx2"/>
-              </a:solidFill>
-              <a:latin typeface="+mj-lt"/>
-            </a:endParaRPr>
-          </a:p>
-          <a:p>
-            <a:pPr algn="ctr"/>
-            <a:r>
-              <a:rPr lang="en-US" sz="2600" b="1" i="0" u="sng" cap="none" dirty="0">
-                <a:solidFill>
-                  <a:schemeClr val="tx2"/>
-                </a:solidFill>
-                <a:effectLst/>
-                <a:latin typeface="+mj-lt"/>
-              </a:rPr>
-              <a:t>SCOPES</a:t>
-            </a:r>
-          </a:p>
-          <a:p>
-            <a:pPr marL="171450" indent="-171450" algn="l">
-              <a:buFont typeface="Arial" panose="020B0604020202020204" pitchFamily="34" charset="0"/>
-              <a:buChar char="•"/>
-            </a:pPr>
-            <a:r>
-              <a:rPr lang="en-US" sz="2200" cap="none" dirty="0">
-                <a:solidFill>
-                  <a:schemeClr val="tx2"/>
-                </a:solidFill>
-                <a:latin typeface="+mj-lt"/>
-              </a:rPr>
-              <a:t>  C</a:t>
-            </a:r>
-            <a:r>
-              <a:rPr lang="en-US" sz="2200" b="0" i="0" cap="none" dirty="0">
-                <a:solidFill>
-                  <a:schemeClr val="tx2"/>
-                </a:solidFill>
-                <a:effectLst/>
-                <a:latin typeface="+mj-lt"/>
-              </a:rPr>
-              <a:t>reation and use of digital signature</a:t>
-            </a:r>
-          </a:p>
-          <a:p>
-            <a:pPr marL="171450" indent="-171450" algn="l">
-              <a:buFont typeface="Arial" panose="020B0604020202020204" pitchFamily="34" charset="0"/>
-              <a:buChar char="•"/>
-            </a:pPr>
-            <a:r>
-              <a:rPr lang="en-US" sz="2200" cap="none" dirty="0">
-                <a:solidFill>
-                  <a:schemeClr val="tx2"/>
-                </a:solidFill>
-                <a:latin typeface="+mj-lt"/>
-              </a:rPr>
-              <a:t>  C</a:t>
-            </a:r>
-            <a:r>
-              <a:rPr lang="en-US" sz="2200" b="0" i="0" cap="none" dirty="0">
-                <a:solidFill>
-                  <a:schemeClr val="tx2"/>
-                </a:solidFill>
-                <a:effectLst/>
-                <a:latin typeface="+mj-lt"/>
-              </a:rPr>
-              <a:t>ontrol cyber/computer-related crimes.</a:t>
-            </a:r>
-          </a:p>
-          <a:p>
-            <a:pPr marL="171450" indent="-171450" algn="l">
-              <a:buFont typeface="Arial" panose="020B0604020202020204" pitchFamily="34" charset="0"/>
-              <a:buChar char="•"/>
-            </a:pPr>
-            <a:r>
-              <a:rPr lang="en-US" sz="2200" b="0" i="0" cap="none" dirty="0">
-                <a:solidFill>
-                  <a:schemeClr val="tx2"/>
-                </a:solidFill>
-                <a:effectLst/>
-                <a:latin typeface="+mj-lt"/>
-              </a:rPr>
-              <a:t>  Protection of intellectual property.</a:t>
-            </a:r>
-          </a:p>
-          <a:p>
-            <a:pPr marL="171450" indent="-171450" algn="l">
-              <a:buFont typeface="Arial" panose="020B0604020202020204" pitchFamily="34" charset="0"/>
-              <a:buChar char="•"/>
-            </a:pPr>
-            <a:r>
-              <a:rPr lang="en-US" sz="2200" cap="none" dirty="0">
-                <a:solidFill>
-                  <a:schemeClr val="tx2"/>
-                </a:solidFill>
-                <a:latin typeface="+mj-lt"/>
-              </a:rPr>
-              <a:t>  P</a:t>
-            </a:r>
-            <a:r>
-              <a:rPr lang="en-US" sz="2200" b="0" i="0" cap="none" dirty="0">
-                <a:solidFill>
-                  <a:schemeClr val="tx2"/>
-                </a:solidFill>
-                <a:effectLst/>
-                <a:latin typeface="+mj-lt"/>
-              </a:rPr>
-              <a:t>rotection of confidentiality.</a:t>
-            </a:r>
-          </a:p>
-          <a:p>
-            <a:pPr marL="171450" indent="-171450" algn="l">
-              <a:buFont typeface="Arial" panose="020B0604020202020204" pitchFamily="34" charset="0"/>
-              <a:buChar char="•"/>
-            </a:pPr>
-            <a:r>
-              <a:rPr lang="en-US" sz="2200" cap="none" dirty="0">
-                <a:solidFill>
-                  <a:schemeClr val="tx2"/>
-                </a:solidFill>
-                <a:latin typeface="+mj-lt"/>
-              </a:rPr>
-              <a:t>  R</a:t>
-            </a:r>
-            <a:r>
-              <a:rPr lang="en-US" sz="2200" b="0" i="0" cap="none" dirty="0">
-                <a:solidFill>
-                  <a:schemeClr val="tx2"/>
-                </a:solidFill>
-                <a:effectLst/>
-                <a:latin typeface="+mj-lt"/>
-              </a:rPr>
-              <a:t>egulations of an electronic transaction by establishing regulating bodies</a:t>
-            </a:r>
-          </a:p>
-          <a:p>
-            <a:endParaRPr lang="en-US" sz="1600" i="0" cap="none" dirty="0">
-              <a:solidFill>
-                <a:schemeClr val="tx2"/>
-              </a:solidFill>
-              <a:effectLst/>
-              <a:latin typeface="+mj-lt"/>
-            </a:endParaRPr>
-          </a:p>
-          <a:p>
-            <a:pPr algn="ctr"/>
-            <a:endParaRPr lang="en-US" sz="1600" i="0" cap="none" dirty="0">
-              <a:solidFill>
-                <a:schemeClr val="tx2"/>
-              </a:solidFill>
-              <a:effectLst/>
-              <a:latin typeface="+mj-lt"/>
-            </a:endParaRPr>
-          </a:p>
-          <a:p>
-            <a:endParaRPr lang="en-US" sz="1600" cap="none" dirty="0">
-              <a:solidFill>
-                <a:schemeClr val="tx2"/>
-              </a:solidFill>
-              <a:effectLst/>
-              <a:latin typeface="+mj-lt"/>
-            </a:endParaRPr>
-          </a:p>
-          <a:p>
-            <a:endParaRPr lang="en-US" sz="1600" cap="none" dirty="0">
-              <a:solidFill>
-                <a:schemeClr val="tx2"/>
-              </a:solidFill>
-              <a:effectLst/>
-              <a:latin typeface="+mj-lt"/>
-            </a:endParaRPr>
-          </a:p>
-          <a:p>
-            <a:br>
-              <a:rPr lang="en-US" sz="1600" cap="none" dirty="0">
-                <a:solidFill>
-                  <a:schemeClr val="tx2"/>
-                </a:solidFill>
-                <a:latin typeface="+mj-lt"/>
-              </a:rPr>
-            </a:br>
-            <a:endParaRPr lang="en-US" sz="1600" cap="none" dirty="0">
-              <a:solidFill>
-                <a:schemeClr val="tx2"/>
-              </a:solidFill>
-              <a:latin typeface="+mj-lt"/>
-            </a:endParaRPr>
-          </a:p>
         </p:txBody>
       </p:sp>
     </p:spTree>
     <p:extLst>
       <p:ext uri="{BB962C8B-B14F-4D97-AF65-F5344CB8AC3E}">
-        <p14:creationId xmlns:p14="http://schemas.microsoft.com/office/powerpoint/2010/main" val="999148043"/>
+        <p14:creationId xmlns:p14="http://schemas.microsoft.com/office/powerpoint/2010/main" val="1074064937"/>
       </p:ext>
     </p:extLst>
   </p:cSld>
@@ -10358,7 +10196,7 @@
         </p:nvSpPr>
         <p:spPr>
           <a:xfrm>
-            <a:off x="1372958" y="152400"/>
+            <a:off x="1372958" y="228601"/>
             <a:ext cx="9442908" cy="762000"/>
           </a:xfrm>
         </p:spPr>
@@ -10370,7 +10208,7 @@
           <a:p>
             <a:pPr algn="ctr"/>
             <a:r>
-              <a:rPr lang="en-US" sz="3600" b="1" dirty="0">
+              <a:rPr lang="en-US" sz="4400" b="1" dirty="0">
                 <a:ln w="9525">
                   <a:solidFill>
                     <a:schemeClr val="bg1"/>
@@ -10385,7 +10223,7 @@
                   </a:outerShdw>
                 </a:effectLst>
               </a:rPr>
-              <a:t>5) ICT Policy, 2072</a:t>
+              <a:t>CONCLUSION</a:t>
             </a:r>
           </a:p>
         </p:txBody>
@@ -10402,349 +10240,34 @@
         </p:nvSpPr>
         <p:spPr>
           <a:xfrm>
-            <a:off x="303212" y="838200"/>
-            <a:ext cx="11582400" cy="5486400"/>
+            <a:off x="417512" y="990601"/>
+            <a:ext cx="11353800" cy="5867399"/>
           </a:xfrm>
         </p:spPr>
         <p:txBody>
           <a:bodyPr>
-            <a:noAutofit/>
+            <a:normAutofit/>
           </a:bodyPr>
           <a:lstStyle/>
           <a:p>
-            <a:pPr algn="ctr">
-              <a:lnSpc>
-                <a:spcPct val="150000"/>
-              </a:lnSpc>
-            </a:pPr>
-            <a:r>
-              <a:rPr lang="en-US" sz="2400" b="1" u="sng" cap="none" dirty="0">
+            <a:pPr algn="ctr"/>
+            <a:r>
+              <a:rPr lang="en-US" sz="2400" cap="none" dirty="0">
                 <a:solidFill>
                   <a:schemeClr val="tx2"/>
                 </a:solidFill>
-                <a:latin typeface="+mj-lt"/>
               </a:rPr>
-              <a:t>VISION</a:t>
-            </a:r>
-          </a:p>
-          <a:p>
-            <a:r>
-              <a:rPr lang="en-US" sz="1800" b="0" i="0" dirty="0">
-                <a:solidFill>
-                  <a:srgbClr val="E8EAED"/>
-                </a:solidFill>
-                <a:effectLst/>
-                <a:latin typeface="+mj-lt"/>
-              </a:rPr>
-              <a:t>“</a:t>
-            </a:r>
-            <a:r>
-              <a:rPr lang="en-US" sz="1800" cap="none" dirty="0">
-                <a:solidFill>
-                  <a:srgbClr val="E8EAED"/>
-                </a:solidFill>
-                <a:latin typeface="+mj-lt"/>
-              </a:rPr>
-              <a:t>T</a:t>
-            </a:r>
-            <a:r>
-              <a:rPr lang="en-US" sz="1800" b="0" i="0" cap="none" dirty="0">
-                <a:solidFill>
-                  <a:srgbClr val="E8EAED"/>
-                </a:solidFill>
-                <a:effectLst/>
-                <a:latin typeface="+mj-lt"/>
-              </a:rPr>
-              <a:t>o transform </a:t>
-            </a:r>
-            <a:r>
-              <a:rPr lang="en-US" sz="1800" cap="none" dirty="0">
-                <a:solidFill>
-                  <a:srgbClr val="E8EAED"/>
-                </a:solidFill>
-                <a:latin typeface="+mj-lt"/>
-              </a:rPr>
-              <a:t>N</a:t>
-            </a:r>
-            <a:r>
-              <a:rPr lang="en-US" sz="1800" b="0" i="0" cap="none" dirty="0">
-                <a:solidFill>
-                  <a:srgbClr val="E8EAED"/>
-                </a:solidFill>
-                <a:effectLst/>
-                <a:latin typeface="+mj-lt"/>
-              </a:rPr>
-              <a:t>epal into an information and knowledge-based society and economy</a:t>
-            </a:r>
-            <a:r>
-              <a:rPr lang="en-US" sz="1800" b="0" i="0" dirty="0">
-                <a:solidFill>
-                  <a:srgbClr val="E8EAED"/>
-                </a:solidFill>
-                <a:effectLst/>
-                <a:latin typeface="+mj-lt"/>
-              </a:rPr>
-              <a:t>.“</a:t>
-            </a:r>
-          </a:p>
-          <a:p>
-            <a:endParaRPr lang="en-US" sz="1800" u="sng" cap="none" dirty="0">
+              <a:t>The following presentation concludes that the above laws are important and they need to be implemented more strictly to reduce crimes and law breaches in our country. Especially for an underdeveloped country like Nepal, these country needs to implement the patent laws more strictly since almost all of the people, students specifically tend to copy information from a site without crediting the real author. Education about such topics need to be given to all people of all ages for making the implementation more fruitful.</a:t>
+            </a:r>
+            <a:endParaRPr lang="en-GB" sz="2400" cap="none" dirty="0">
               <a:solidFill>
-                <a:srgbClr val="E8EAED"/>
+                <a:schemeClr val="tx2"/>
               </a:solidFill>
-              <a:latin typeface="+mj-lt"/>
             </a:endParaRPr>
           </a:p>
           <a:p>
-            <a:pPr algn="ctr">
-              <a:lnSpc>
-                <a:spcPct val="150000"/>
-              </a:lnSpc>
-            </a:pPr>
-            <a:r>
-              <a:rPr lang="en-US" sz="2400" b="1" u="sng" cap="none" dirty="0">
-                <a:solidFill>
-                  <a:srgbClr val="E8EAED"/>
-                </a:solidFill>
-                <a:latin typeface="+mj-lt"/>
-              </a:rPr>
-              <a:t>MISSION</a:t>
-            </a:r>
-          </a:p>
-          <a:p>
-            <a:r>
-              <a:rPr lang="en-US" sz="1800" cap="none" dirty="0">
-                <a:solidFill>
-                  <a:srgbClr val="E8EAED"/>
-                </a:solidFill>
-                <a:latin typeface="+mj-lt"/>
-              </a:rPr>
-              <a:t>T</a:t>
-            </a:r>
-            <a:r>
-              <a:rPr lang="en-US" sz="1800" b="0" i="0" cap="none" dirty="0">
-                <a:solidFill>
-                  <a:srgbClr val="E8EAED"/>
-                </a:solidFill>
-                <a:effectLst/>
-                <a:latin typeface="+mj-lt"/>
-              </a:rPr>
-              <a:t>o create conditions for the intensified development and growth of </a:t>
-            </a:r>
-            <a:r>
-              <a:rPr lang="en-US" sz="1800" cap="none" dirty="0">
-                <a:solidFill>
-                  <a:srgbClr val="E8EAED"/>
-                </a:solidFill>
-                <a:latin typeface="+mj-lt"/>
-              </a:rPr>
-              <a:t>ICT</a:t>
-            </a:r>
-            <a:r>
-              <a:rPr lang="en-US" sz="1800" b="0" i="0" cap="none" dirty="0">
-                <a:solidFill>
-                  <a:srgbClr val="E8EAED"/>
-                </a:solidFill>
-                <a:effectLst/>
-                <a:latin typeface="+mj-lt"/>
-              </a:rPr>
-              <a:t> sector as a key driver for </a:t>
-            </a:r>
-            <a:r>
-              <a:rPr lang="en-US" sz="1800" cap="none" dirty="0">
-                <a:solidFill>
-                  <a:srgbClr val="E8EAED"/>
-                </a:solidFill>
-                <a:latin typeface="+mj-lt"/>
-              </a:rPr>
-              <a:t>N</a:t>
-            </a:r>
-            <a:r>
-              <a:rPr lang="en-US" sz="1800" b="0" i="0" cap="none" dirty="0">
-                <a:solidFill>
-                  <a:srgbClr val="E8EAED"/>
-                </a:solidFill>
-                <a:effectLst/>
-                <a:latin typeface="+mj-lt"/>
-              </a:rPr>
-              <a:t>epal's sustainable development and poverty reduction strategies.</a:t>
-            </a:r>
-          </a:p>
-          <a:p>
-            <a:endParaRPr lang="en-US" sz="1800" u="sng" cap="none" dirty="0">
-              <a:solidFill>
-                <a:srgbClr val="E8EAED"/>
-              </a:solidFill>
-              <a:latin typeface="+mj-lt"/>
-            </a:endParaRPr>
-          </a:p>
-          <a:p>
-            <a:pPr algn="ctr">
-              <a:lnSpc>
-                <a:spcPct val="200000"/>
-              </a:lnSpc>
-            </a:pPr>
-            <a:r>
-              <a:rPr lang="en-US" sz="2400" b="1" u="sng" cap="none" dirty="0">
-                <a:solidFill>
-                  <a:srgbClr val="E8EAED"/>
-                </a:solidFill>
-                <a:latin typeface="+mj-lt"/>
-              </a:rPr>
-              <a:t>OBJECTIVES</a:t>
-            </a:r>
-          </a:p>
-          <a:p>
-            <a:pPr marL="228600" indent="-228600">
-              <a:lnSpc>
-                <a:spcPct val="100000"/>
-              </a:lnSpc>
-              <a:buFont typeface="Arial" panose="020B0604020202020204" pitchFamily="34" charset="0"/>
-              <a:buChar char="•"/>
-            </a:pPr>
-            <a:r>
-              <a:rPr lang="en-US" sz="1800" cap="none" dirty="0">
-                <a:solidFill>
-                  <a:srgbClr val="E8EAED"/>
-                </a:solidFill>
-                <a:latin typeface="+mj-lt"/>
-              </a:rPr>
-              <a:t>T</a:t>
-            </a:r>
-            <a:r>
-              <a:rPr lang="en-US" sz="1800" b="0" i="0" cap="none" dirty="0">
-                <a:solidFill>
-                  <a:srgbClr val="E8EAED"/>
-                </a:solidFill>
-                <a:effectLst/>
-                <a:latin typeface="+mj-lt"/>
-              </a:rPr>
-              <a:t>o empower and facilitate </a:t>
-            </a:r>
-            <a:r>
-              <a:rPr lang="en-US" sz="1800" cap="none" dirty="0">
-                <a:solidFill>
-                  <a:srgbClr val="E8EAED"/>
-                </a:solidFill>
-                <a:latin typeface="+mj-lt"/>
-              </a:rPr>
-              <a:t>N</a:t>
-            </a:r>
-            <a:r>
-              <a:rPr lang="en-US" sz="1800" b="0" i="0" cap="none" dirty="0">
-                <a:solidFill>
-                  <a:srgbClr val="E8EAED"/>
-                </a:solidFill>
-                <a:effectLst/>
-                <a:latin typeface="+mj-lt"/>
-              </a:rPr>
-              <a:t>epal's participation in the global knowledge society.</a:t>
-            </a:r>
-          </a:p>
-          <a:p>
-            <a:pPr marL="228600" indent="-228600">
-              <a:lnSpc>
-                <a:spcPct val="100000"/>
-              </a:lnSpc>
-              <a:buFont typeface="Arial" panose="020B0604020202020204" pitchFamily="34" charset="0"/>
-              <a:buChar char="•"/>
-            </a:pPr>
-            <a:r>
-              <a:rPr lang="en-US" sz="1800" cap="none" dirty="0">
-                <a:solidFill>
-                  <a:srgbClr val="E8EAED"/>
-                </a:solidFill>
-                <a:latin typeface="+mj-lt"/>
-              </a:rPr>
-              <a:t>T</a:t>
-            </a:r>
-            <a:r>
-              <a:rPr lang="en-US" sz="1800" b="0" i="0" cap="none" dirty="0">
-                <a:solidFill>
-                  <a:srgbClr val="E8EAED"/>
-                </a:solidFill>
-                <a:effectLst/>
-                <a:latin typeface="+mj-lt"/>
-              </a:rPr>
-              <a:t>o transform government service delivery regime by promoting transparency, efficiency, inclusiveness and participation through effective utilization of information and communication technologies.</a:t>
-            </a:r>
-          </a:p>
-          <a:p>
-            <a:pPr marL="228600" indent="-228600">
-              <a:lnSpc>
-                <a:spcPct val="100000"/>
-              </a:lnSpc>
-              <a:buFont typeface="Arial" panose="020B0604020202020204" pitchFamily="34" charset="0"/>
-              <a:buChar char="•"/>
-            </a:pPr>
-            <a:r>
-              <a:rPr lang="en-US" sz="1800" cap="none" dirty="0">
-                <a:solidFill>
-                  <a:srgbClr val="E8EAED"/>
-                </a:solidFill>
-                <a:latin typeface="+mj-lt"/>
-              </a:rPr>
-              <a:t>T</a:t>
-            </a:r>
-            <a:r>
-              <a:rPr lang="en-US" sz="1800" b="0" i="0" cap="none" dirty="0">
-                <a:solidFill>
-                  <a:srgbClr val="E8EAED"/>
-                </a:solidFill>
-                <a:effectLst/>
-                <a:latin typeface="+mj-lt"/>
-              </a:rPr>
-              <a:t>o promote ICT to further productivity among the sectors that is key drivers of the national economy.</a:t>
-            </a:r>
-          </a:p>
-          <a:p>
-            <a:pPr marL="228600" indent="-228600">
-              <a:lnSpc>
-                <a:spcPct val="100000"/>
-              </a:lnSpc>
-              <a:buFont typeface="Arial" panose="020B0604020202020204" pitchFamily="34" charset="0"/>
-              <a:buChar char="•"/>
-            </a:pPr>
-            <a:r>
-              <a:rPr lang="en-US" sz="1800" cap="none" dirty="0">
-                <a:solidFill>
-                  <a:srgbClr val="E8EAED"/>
-                </a:solidFill>
-                <a:latin typeface="+mj-lt"/>
-              </a:rPr>
-              <a:t>T</a:t>
-            </a:r>
-            <a:r>
-              <a:rPr lang="en-US" sz="1800" b="0" i="0" cap="none" dirty="0">
-                <a:solidFill>
-                  <a:srgbClr val="E8EAED"/>
-                </a:solidFill>
-                <a:effectLst/>
-                <a:latin typeface="+mj-lt"/>
-              </a:rPr>
-              <a:t>o foster efficient, inter-operable, secure, reliable and sustainable national </a:t>
-            </a:r>
-            <a:r>
-              <a:rPr lang="en-US" sz="1800" b="0" i="0" cap="none" dirty="0" err="1">
-                <a:solidFill>
-                  <a:srgbClr val="E8EAED"/>
-                </a:solidFill>
-                <a:effectLst/>
-                <a:latin typeface="+mj-lt"/>
-              </a:rPr>
-              <a:t>ict</a:t>
-            </a:r>
-            <a:r>
-              <a:rPr lang="en-US" sz="1800" b="0" i="0" cap="none" dirty="0">
-                <a:solidFill>
-                  <a:srgbClr val="E8EAED"/>
-                </a:solidFill>
-                <a:effectLst/>
-                <a:latin typeface="+mj-lt"/>
-              </a:rPr>
-              <a:t> infrastructure in alignment with grass-root needs, and compliant with regional and international standards.</a:t>
-            </a:r>
-            <a:endParaRPr lang="en-US" sz="1800" b="1" u="sng" cap="none" dirty="0">
+            <a:pPr algn="ctr"/>
+            <a:endParaRPr lang="en-US" sz="2400" b="1" u="sng" cap="none" dirty="0">
               <a:solidFill>
                 <a:schemeClr val="tx2"/>
               </a:solidFill>
@@ -10756,20 +10279,20 @@
     </p:spTree>
     <p:extLst>
       <p:ext uri="{BB962C8B-B14F-4D97-AF65-F5344CB8AC3E}">
-        <p14:creationId xmlns:p14="http://schemas.microsoft.com/office/powerpoint/2010/main" val="1074064937"/>
+        <p14:creationId xmlns:p14="http://schemas.microsoft.com/office/powerpoint/2010/main" val="1292039202"/>
       </p:ext>
     </p:extLst>
   </p:cSld>
   <p:clrMapOvr>
     <a:masterClrMapping/>
   </p:clrMapOvr>
-  <mc:AlternateContent xmlns:mc="http://schemas.openxmlformats.org/markup-compatibility/2006" xmlns:p14="http://schemas.microsoft.com/office/powerpoint/2010/main">
-    <mc:Choice Requires="p14">
+  <mc:AlternateContent xmlns:mc="http://schemas.openxmlformats.org/markup-compatibility/2006">
+    <mc:Choice xmlns:p14="http://schemas.microsoft.com/office/powerpoint/2010/main" Requires="p14">
       <p:transition spd="med" p14:dur="700">
         <p:fade/>
       </p:transition>
     </mc:Choice>
-    <mc:Fallback xmlns="">
+    <mc:Fallback>
       <p:transition spd="med">
         <p:fade/>
       </p:transition>
@@ -11729,6 +11252,15 @@
 </file>
 
 <file path=customXml/item1.xml><?xml version="1.0" encoding="utf-8"?>
+<?mso-contentType ?>
+<FormTemplates xmlns="http://schemas.microsoft.com/sharepoint/v3/contenttype/forms">
+  <Display>DocumentLibraryForm</Display>
+  <Edit>AssetEditForm</Edit>
+  <New>DocumentLibraryForm</New>
+</FormTemplates>
+</file>
+
+<file path=customXml/item2.xml><?xml version="1.0" encoding="utf-8"?>
 <ct:contentTypeSchema xmlns:ct="http://schemas.microsoft.com/office/2006/metadata/contentType" xmlns:ma="http://schemas.microsoft.com/office/2006/metadata/properties/metaAttributes" ct:_="" ma:_="" ma:contentTypeName="TemplateFile" ma:contentTypeID="0x0101006EDDDB5EE6D98C44930B742096920B300400F5B6D36B3EF94B4E9A635CDF2A18F5B8" ma:contentTypeVersion="72" ma:contentTypeDescription="Create a new document." ma:contentTypeScope="" ma:versionID="a23e56308344d904b51738559c3d67c9">
   <xsd:schema xmlns:xsd="http://www.w3.org/2001/XMLSchema" xmlns:xs="http://www.w3.org/2001/XMLSchema" xmlns:p="http://schemas.microsoft.com/office/2006/metadata/properties" xmlns:ns2="4873beb7-5857-4685-be1f-d57550cc96cc" targetNamespace="http://schemas.microsoft.com/office/2006/metadata/properties" ma:root="true" ma:fieldsID="cd0908cc4600e77bf5da051303e00c8d" ns2:_="">
     <xsd:import namespace="4873beb7-5857-4685-be1f-d57550cc96cc"/>
@@ -12768,15 +12300,6 @@
 </ct:contentTypeSchema>
 </file>
 
-<file path=customXml/item2.xml><?xml version="1.0" encoding="utf-8"?>
-<?mso-contentType ?>
-<FormTemplates xmlns="http://schemas.microsoft.com/sharepoint/v3/contenttype/forms">
-  <Display>DocumentLibraryForm</Display>
-  <Edit>AssetEditForm</Edit>
-  <New>DocumentLibraryForm</New>
-</FormTemplates>
-</file>
-
 <file path=customXml/item3.xml><?xml version="1.0" encoding="utf-8"?>
 <p:properties xmlns:p="http://schemas.microsoft.com/office/2006/metadata/properties" xmlns:xsi="http://www.w3.org/2001/XMLSchema-instance" xmlns:pc="http://schemas.microsoft.com/office/infopath/2007/PartnerControls">
   <documentManagement>
@@ -12914,6 +12437,14 @@
 </file>
 
 <file path=customXml/itemProps1.xml><?xml version="1.0" encoding="utf-8"?>
+<ds:datastoreItem xmlns:ds="http://schemas.openxmlformats.org/officeDocument/2006/customXml" ds:itemID="{3836F65B-1B07-41EE-A0E8-BC6EF3855225}">
+  <ds:schemaRefs>
+    <ds:schemaRef ds:uri="http://schemas.microsoft.com/sharepoint/v3/contenttype/forms"/>
+  </ds:schemaRefs>
+</ds:datastoreItem>
+</file>
+
+<file path=customXml/itemProps2.xml><?xml version="1.0" encoding="utf-8"?>
 <ds:datastoreItem xmlns:ds="http://schemas.openxmlformats.org/officeDocument/2006/customXml" ds:itemID="{A09BF4D4-EF60-4196-BFC3-9462D607978C}">
   <ds:schemaRefs>
     <ds:schemaRef ds:uri="http://schemas.microsoft.com/office/2006/metadata/contentType"/>
@@ -12927,14 +12458,6 @@
     <ds:schemaRef ds:uri="http://purl.org/dc/elements/1.1/"/>
     <ds:schemaRef ds:uri="http://purl.org/dc/terms/"/>
     <ds:schemaRef ds:uri="http://schemas.microsoft.com/internal/obd"/>
-  </ds:schemaRefs>
-</ds:datastoreItem>
-</file>
-
-<file path=customXml/itemProps2.xml><?xml version="1.0" encoding="utf-8"?>
-<ds:datastoreItem xmlns:ds="http://schemas.openxmlformats.org/officeDocument/2006/customXml" ds:itemID="{3836F65B-1B07-41EE-A0E8-BC6EF3855225}">
-  <ds:schemaRefs>
-    <ds:schemaRef ds:uri="http://schemas.microsoft.com/sharepoint/v3/contenttype/forms"/>
   </ds:schemaRefs>
 </ds:datastoreItem>
 </file>
